--- a/translations/en-us/Project/Identify.pptx
+++ b/translations/en-us/Project/Identify.pptx
@@ -1,15 +1,15 @@
 
 <file path=ppt/presentation.xml><?xml version="1.0" encoding="utf-8"?>
-<p:presentation xmlns:a="http://schemas.openxmlformats.org/drawingml/2006/main" xmlns:r="http://schemas.openxmlformats.org/officeDocument/2006/relationships" xmlns:p="http://schemas.openxmlformats.org/presentationml/2006/main" saveSubsetFonts="1" autoCompressPictures="0">
+<p:presentation xmlns:a="http://schemas.openxmlformats.org/drawingml/2006/main" xmlns:r="http://schemas.openxmlformats.org/officeDocument/2006/relationships" xmlns:p="http://schemas.openxmlformats.org/presentationml/2006/main" showSpecialPlsOnTitleSld="0" saveSubsetFonts="1" autoCompressPictures="0">
   <p:sldMasterIdLst>
-    <p:sldMasterId id="2147483779" r:id="rId1"/>
+    <p:sldMasterId id="2147483791" r:id="rId1"/>
   </p:sldMasterIdLst>
   <p:notesMasterIdLst>
     <p:notesMasterId r:id="rId11"/>
   </p:notesMasterIdLst>
   <p:sldIdLst>
     <p:sldId id="256" r:id="rId2"/>
-    <p:sldId id="257" r:id="rId3"/>
+    <p:sldId id="265" r:id="rId3"/>
     <p:sldId id="259" r:id="rId4"/>
     <p:sldId id="264" r:id="rId5"/>
     <p:sldId id="260" r:id="rId6"/>
@@ -205,7 +205,7 @@
           <a:p>
             <a:fld id="{A78B980B-A051-5042-A199-B77431CF73D3}" type="datetimeFigureOut">
               <a:rPr lang="en-US" smtClean="0"/>
-              <a:t>6/7/18</a:t>
+              <a:t>6/12/18</a:t>
             </a:fld>
             <a:endParaRPr lang="en-US"/>
           </a:p>
@@ -557,7 +557,7 @@
 </file>
 
 <file path=ppt/slideLayouts/slideLayout1.xml><?xml version="1.0" encoding="utf-8"?>
-<p:sldLayout xmlns:a="http://schemas.openxmlformats.org/drawingml/2006/main" xmlns:r="http://schemas.openxmlformats.org/officeDocument/2006/relationships" xmlns:p="http://schemas.openxmlformats.org/presentationml/2006/main" showMasterSp="0" type="title" preserve="1">
+<p:sldLayout xmlns:a="http://schemas.openxmlformats.org/drawingml/2006/main" xmlns:r="http://schemas.openxmlformats.org/officeDocument/2006/relationships" xmlns:p="http://schemas.openxmlformats.org/presentationml/2006/main" type="title" preserve="1">
   <p:cSld name="Title Slide">
     <p:spTree>
       <p:nvGrpSpPr>
@@ -581,14 +581,381 @@
         </p:nvSpPr>
         <p:spPr>
           <a:xfrm>
-            <a:off x="2382" y="6400800"/>
-            <a:ext cx="9141619" cy="457200"/>
+            <a:off x="448091" y="563880"/>
+            <a:ext cx="8240108" cy="5682175"/>
           </a:xfrm>
           <a:prstGeom prst="rect">
             <a:avLst/>
           </a:prstGeom>
           <a:solidFill>
-            <a:srgbClr val="034A85"/>
+            <a:schemeClr val="accent1"/>
+          </a:solidFill>
+          <a:ln>
+            <a:noFill/>
+          </a:ln>
+          <a:effectLst/>
+        </p:spPr>
+        <p:style>
+          <a:lnRef idx="1">
+            <a:schemeClr val="accent1"/>
+          </a:lnRef>
+          <a:fillRef idx="3">
+            <a:schemeClr val="accent1"/>
+          </a:fillRef>
+          <a:effectRef idx="2">
+            <a:schemeClr val="accent1"/>
+          </a:effectRef>
+          <a:fontRef idx="minor">
+            <a:schemeClr val="lt1"/>
+          </a:fontRef>
+        </p:style>
+      </p:sp>
+      <p:sp>
+        <p:nvSpPr>
+          <p:cNvPr id="2" name="Title 1"/>
+          <p:cNvSpPr>
+            <a:spLocks noGrp="1"/>
+          </p:cNvSpPr>
+          <p:nvPr>
+            <p:ph type="ctrTitle" hasCustomPrompt="1"/>
+          </p:nvPr>
+        </p:nvSpPr>
+        <p:spPr>
+          <a:xfrm>
+            <a:off x="581192" y="3936453"/>
+            <a:ext cx="7989752" cy="1033133"/>
+          </a:xfrm>
+          <a:ln>
+            <a:noFill/>
+          </a:ln>
+          <a:effectLst/>
+        </p:spPr>
+        <p:txBody>
+          <a:bodyPr anchor="b">
+            <a:normAutofit/>
+          </a:bodyPr>
+          <a:lstStyle>
+            <a:lvl1pPr algn="ctr">
+              <a:defRPr sz="3600">
+                <a:solidFill>
+                  <a:schemeClr val="bg1"/>
+                </a:solidFill>
+              </a:defRPr>
+            </a:lvl1pPr>
+          </a:lstStyle>
+          <a:p>
+            <a:r>
+              <a:rPr lang="en-US" dirty="0"/>
+              <a:t>title style</a:t>
+            </a:r>
+          </a:p>
+        </p:txBody>
+      </p:sp>
+      <p:sp>
+        <p:nvSpPr>
+          <p:cNvPr id="3" name="Subtitle 2"/>
+          <p:cNvSpPr>
+            <a:spLocks noGrp="1"/>
+          </p:cNvSpPr>
+          <p:nvPr>
+            <p:ph type="subTitle" idx="1"/>
+          </p:nvPr>
+        </p:nvSpPr>
+        <p:spPr>
+          <a:xfrm>
+            <a:off x="581192" y="5175772"/>
+            <a:ext cx="7989752" cy="590321"/>
+          </a:xfrm>
+          <a:ln>
+            <a:noFill/>
+          </a:ln>
+        </p:spPr>
+        <p:txBody>
+          <a:bodyPr anchor="t">
+            <a:normAutofit/>
+          </a:bodyPr>
+          <a:lstStyle>
+            <a:lvl1pPr marL="0" indent="0" algn="ctr">
+              <a:buNone/>
+              <a:defRPr sz="1600" cap="all">
+                <a:solidFill>
+                  <a:schemeClr val="bg1"/>
+                </a:solidFill>
+              </a:defRPr>
+            </a:lvl1pPr>
+            <a:lvl2pPr marL="457200" indent="0" algn="ctr">
+              <a:buNone/>
+              <a:defRPr>
+                <a:solidFill>
+                  <a:schemeClr val="tx1">
+                    <a:tint val="75000"/>
+                  </a:schemeClr>
+                </a:solidFill>
+              </a:defRPr>
+            </a:lvl2pPr>
+            <a:lvl3pPr marL="914400" indent="0" algn="ctr">
+              <a:buNone/>
+              <a:defRPr>
+                <a:solidFill>
+                  <a:schemeClr val="tx1">
+                    <a:tint val="75000"/>
+                  </a:schemeClr>
+                </a:solidFill>
+              </a:defRPr>
+            </a:lvl3pPr>
+            <a:lvl4pPr marL="1371600" indent="0" algn="ctr">
+              <a:buNone/>
+              <a:defRPr>
+                <a:solidFill>
+                  <a:schemeClr val="tx1">
+                    <a:tint val="75000"/>
+                  </a:schemeClr>
+                </a:solidFill>
+              </a:defRPr>
+            </a:lvl4pPr>
+            <a:lvl5pPr marL="1828800" indent="0" algn="ctr">
+              <a:buNone/>
+              <a:defRPr>
+                <a:solidFill>
+                  <a:schemeClr val="tx1">
+                    <a:tint val="75000"/>
+                  </a:schemeClr>
+                </a:solidFill>
+              </a:defRPr>
+            </a:lvl5pPr>
+            <a:lvl6pPr marL="2286000" indent="0" algn="ctr">
+              <a:buNone/>
+              <a:defRPr>
+                <a:solidFill>
+                  <a:schemeClr val="tx1">
+                    <a:tint val="75000"/>
+                  </a:schemeClr>
+                </a:solidFill>
+              </a:defRPr>
+            </a:lvl6pPr>
+            <a:lvl7pPr marL="2743200" indent="0" algn="ctr">
+              <a:buNone/>
+              <a:defRPr>
+                <a:solidFill>
+                  <a:schemeClr val="tx1">
+                    <a:tint val="75000"/>
+                  </a:schemeClr>
+                </a:solidFill>
+              </a:defRPr>
+            </a:lvl7pPr>
+            <a:lvl8pPr marL="3200400" indent="0" algn="ctr">
+              <a:buNone/>
+              <a:defRPr>
+                <a:solidFill>
+                  <a:schemeClr val="tx1">
+                    <a:tint val="75000"/>
+                  </a:schemeClr>
+                </a:solidFill>
+              </a:defRPr>
+            </a:lvl8pPr>
+            <a:lvl9pPr marL="3657600" indent="0" algn="ctr">
+              <a:buNone/>
+              <a:defRPr>
+                <a:solidFill>
+                  <a:schemeClr val="tx1">
+                    <a:tint val="75000"/>
+                  </a:schemeClr>
+                </a:solidFill>
+              </a:defRPr>
+            </a:lvl9pPr>
+          </a:lstStyle>
+          <a:p>
+            <a:r>
+              <a:rPr lang="en-US"/>
+              <a:t>Click to edit Master subtitle style</a:t>
+            </a:r>
+            <a:endParaRPr lang="en-US" dirty="0"/>
+          </a:p>
+        </p:txBody>
+      </p:sp>
+      <p:sp>
+        <p:nvSpPr>
+          <p:cNvPr id="4" name="Date Placeholder 3"/>
+          <p:cNvSpPr>
+            <a:spLocks noGrp="1"/>
+          </p:cNvSpPr>
+          <p:nvPr>
+            <p:ph type="dt" sz="half" idx="10"/>
+          </p:nvPr>
+        </p:nvSpPr>
+        <p:spPr>
+          <a:xfrm>
+            <a:off x="5559327" y="6392242"/>
+            <a:ext cx="2133600" cy="365125"/>
+          </a:xfrm>
+          <a:prstGeom prst="rect">
+            <a:avLst/>
+          </a:prstGeom>
+        </p:spPr>
+        <p:txBody>
+          <a:bodyPr/>
+          <a:lstStyle>
+            <a:lvl1pPr>
+              <a:defRPr>
+                <a:solidFill>
+                  <a:schemeClr val="accent1">
+                    <a:lumMod val="75000"/>
+                    <a:lumOff val="25000"/>
+                  </a:schemeClr>
+                </a:solidFill>
+              </a:defRPr>
+            </a:lvl1pPr>
+          </a:lstStyle>
+          <a:p>
+            <a:fld id="{2CE9A39D-22EB-4B0B-A637-52F3C1896EC1}" type="datetime1">
+              <a:rPr lang="en-US" smtClean="0"/>
+              <a:t>6/12/18</a:t>
+            </a:fld>
+            <a:endParaRPr lang="en-US" dirty="0"/>
+          </a:p>
+        </p:txBody>
+      </p:sp>
+      <p:sp>
+        <p:nvSpPr>
+          <p:cNvPr id="5" name="Footer Placeholder 4"/>
+          <p:cNvSpPr>
+            <a:spLocks noGrp="1"/>
+          </p:cNvSpPr>
+          <p:nvPr>
+            <p:ph type="ftr" sz="quarter" idx="11"/>
+          </p:nvPr>
+        </p:nvSpPr>
+        <p:spPr>
+          <a:xfrm>
+            <a:off x="581192" y="6387916"/>
+            <a:ext cx="4870585" cy="365125"/>
+          </a:xfrm>
+          <a:prstGeom prst="rect">
+            <a:avLst/>
+          </a:prstGeom>
+        </p:spPr>
+        <p:txBody>
+          <a:bodyPr/>
+          <a:lstStyle>
+            <a:lvl1pPr>
+              <a:defRPr>
+                <a:solidFill>
+                  <a:schemeClr val="accent1">
+                    <a:lumMod val="75000"/>
+                    <a:lumOff val="25000"/>
+                  </a:schemeClr>
+                </a:solidFill>
+              </a:defRPr>
+            </a:lvl1pPr>
+          </a:lstStyle>
+          <a:p>
+            <a:r>
+              <a:rPr lang="en-US"/>
+              <a:t>© 2018, FLL Tutorials (Last Edit 6/11/2018)</a:t>
+            </a:r>
+            <a:endParaRPr lang="en-US" dirty="0"/>
+          </a:p>
+        </p:txBody>
+      </p:sp>
+      <p:sp>
+        <p:nvSpPr>
+          <p:cNvPr id="6" name="Slide Number Placeholder 5"/>
+          <p:cNvSpPr>
+            <a:spLocks noGrp="1"/>
+          </p:cNvSpPr>
+          <p:nvPr>
+            <p:ph type="sldNum" sz="quarter" idx="12"/>
+          </p:nvPr>
+        </p:nvSpPr>
+        <p:spPr>
+          <a:xfrm>
+            <a:off x="7800476" y="6392242"/>
+            <a:ext cx="770468" cy="365125"/>
+          </a:xfrm>
+          <a:prstGeom prst="rect">
+            <a:avLst/>
+          </a:prstGeom>
+        </p:spPr>
+        <p:txBody>
+          <a:bodyPr/>
+          <a:lstStyle>
+            <a:lvl1pPr>
+              <a:defRPr>
+                <a:solidFill>
+                  <a:schemeClr val="accent1">
+                    <a:lumMod val="75000"/>
+                    <a:lumOff val="25000"/>
+                  </a:schemeClr>
+                </a:solidFill>
+              </a:defRPr>
+            </a:lvl1pPr>
+          </a:lstStyle>
+          <a:p>
+            <a:fld id="{6D22F896-40B5-4ADD-8801-0D06FADFA095}" type="slidenum">
+              <a:rPr lang="en-US" smtClean="0"/>
+              <a:t>‹#›</a:t>
+            </a:fld>
+            <a:endParaRPr lang="en-US" dirty="0"/>
+          </a:p>
+        </p:txBody>
+      </p:sp>
+      <p:pic>
+        <p:nvPicPr>
+          <p:cNvPr id="8" name="Picture 7">
+            <a:extLst>
+              <a:ext uri="{FF2B5EF4-FFF2-40B4-BE49-F238E27FC236}">
+                <a16:creationId xmlns:a16="http://schemas.microsoft.com/office/drawing/2014/main" id="{D4B45051-E032-1249-AC8B-C5EB1B15FB44}"/>
+              </a:ext>
+            </a:extLst>
+          </p:cNvPr>
+          <p:cNvPicPr>
+            <a:picLocks noChangeAspect="1"/>
+          </p:cNvPicPr>
+          <p:nvPr/>
+        </p:nvPicPr>
+        <p:blipFill rotWithShape="1">
+          <a:blip r:embed="rId2" cstate="print">
+            <a:extLst>
+              <a:ext uri="{28A0092B-C50C-407E-A947-70E740481C1C}">
+                <a14:useLocalDpi xmlns:a14="http://schemas.microsoft.com/office/drawing/2010/main"/>
+              </a:ext>
+            </a:extLst>
+          </a:blip>
+          <a:srcRect/>
+          <a:stretch/>
+        </p:blipFill>
+        <p:spPr>
+          <a:xfrm>
+            <a:off x="335280" y="563880"/>
+            <a:ext cx="8488680" cy="2915504"/>
+          </a:xfrm>
+          <a:prstGeom prst="rect">
+            <a:avLst/>
+          </a:prstGeom>
+        </p:spPr>
+      </p:pic>
+      <p:sp>
+        <p:nvSpPr>
+          <p:cNvPr id="9" name="Rectangle 8">
+            <a:extLst>
+              <a:ext uri="{FF2B5EF4-FFF2-40B4-BE49-F238E27FC236}">
+                <a16:creationId xmlns:a16="http://schemas.microsoft.com/office/drawing/2014/main" id="{C3A772D0-62CA-4139-9E49-9709A1C5A9AF}"/>
+              </a:ext>
+            </a:extLst>
+          </p:cNvPr>
+          <p:cNvSpPr/>
+          <p:nvPr userDrawn="1"/>
+        </p:nvSpPr>
+        <p:spPr>
+          <a:xfrm>
+            <a:off x="-2358" y="6272819"/>
+            <a:ext cx="9141619" cy="64008"/>
+          </a:xfrm>
+          <a:prstGeom prst="rect">
+            <a:avLst/>
+          </a:prstGeom>
+          <a:solidFill>
+            <a:srgbClr val="24CF39"/>
           </a:solidFill>
           <a:ln>
             <a:noFill/>
@@ -610,617 +977,20 @@
             <a:schemeClr val="lt1"/>
           </a:fontRef>
         </p:style>
-      </p:sp>
-      <p:sp>
-        <p:nvSpPr>
-          <p:cNvPr id="8" name="Rectangle 7"/>
-          <p:cNvSpPr/>
-          <p:nvPr/>
-        </p:nvSpPr>
-        <p:spPr>
-          <a:xfrm>
-            <a:off x="12" y="6334316"/>
-            <a:ext cx="9141619" cy="64008"/>
-          </a:xfrm>
-          <a:prstGeom prst="rect">
-            <a:avLst/>
-          </a:prstGeom>
-          <a:solidFill>
-            <a:srgbClr val="652C90"/>
-          </a:solidFill>
-          <a:ln>
-            <a:noFill/>
-          </a:ln>
-        </p:spPr>
-        <p:style>
-          <a:lnRef idx="2">
-            <a:schemeClr val="accent1">
-              <a:shade val="50000"/>
-            </a:schemeClr>
-          </a:lnRef>
-          <a:fillRef idx="1">
-            <a:schemeClr val="accent1"/>
-          </a:fillRef>
-          <a:effectRef idx="0">
-            <a:schemeClr val="accent1"/>
-          </a:effectRef>
-          <a:fontRef idx="minor">
-            <a:schemeClr val="lt1"/>
-          </a:fontRef>
-        </p:style>
-      </p:sp>
-      <p:sp>
-        <p:nvSpPr>
-          <p:cNvPr id="2" name="Title 1"/>
-          <p:cNvSpPr>
-            <a:spLocks noGrp="1"/>
-          </p:cNvSpPr>
-          <p:nvPr>
-            <p:ph type="ctrTitle"/>
-          </p:nvPr>
-        </p:nvSpPr>
-        <p:spPr>
-          <a:xfrm>
-            <a:off x="600325" y="3297658"/>
-            <a:ext cx="8017477" cy="911046"/>
-          </a:xfrm>
-        </p:spPr>
-        <p:txBody>
-          <a:bodyPr anchor="b">
-            <a:normAutofit/>
-          </a:bodyPr>
-          <a:lstStyle>
-            <a:lvl1pPr algn="ctr">
-              <a:lnSpc>
-                <a:spcPct val="85000"/>
-              </a:lnSpc>
-              <a:defRPr sz="4800" spc="-50" baseline="0">
-                <a:solidFill>
-                  <a:schemeClr val="tx1">
-                    <a:lumMod val="85000"/>
-                    <a:lumOff val="15000"/>
-                  </a:schemeClr>
-                </a:solidFill>
-              </a:defRPr>
-            </a:lvl1pPr>
-          </a:lstStyle>
-          <a:p>
-            <a:r>
-              <a:rPr lang="en-US" dirty="0"/>
-              <a:t>Click to edit Master title style</a:t>
-            </a:r>
-          </a:p>
-        </p:txBody>
-      </p:sp>
-      <p:sp>
-        <p:nvSpPr>
-          <p:cNvPr id="3" name="Subtitle 2"/>
-          <p:cNvSpPr>
-            <a:spLocks noGrp="1"/>
-          </p:cNvSpPr>
-          <p:nvPr>
-            <p:ph type="subTitle" idx="1"/>
-          </p:nvPr>
-        </p:nvSpPr>
-        <p:spPr>
-          <a:xfrm>
-            <a:off x="796551" y="4446449"/>
-            <a:ext cx="7543800" cy="488911"/>
-          </a:xfrm>
-        </p:spPr>
-        <p:txBody>
-          <a:bodyPr lIns="91440" rIns="91440">
-            <a:normAutofit/>
-          </a:bodyPr>
-          <a:lstStyle>
-            <a:lvl1pPr marL="0" indent="0" algn="ctr">
-              <a:buNone/>
-              <a:defRPr sz="2400" cap="all" spc="200" baseline="0">
-                <a:solidFill>
-                  <a:schemeClr val="tx2"/>
-                </a:solidFill>
-                <a:latin typeface="+mj-lt"/>
-              </a:defRPr>
-            </a:lvl1pPr>
-            <a:lvl2pPr marL="457200" indent="0" algn="ctr">
-              <a:buNone/>
-              <a:defRPr sz="2400"/>
-            </a:lvl2pPr>
-            <a:lvl3pPr marL="914400" indent="0" algn="ctr">
-              <a:buNone/>
-              <a:defRPr sz="2400"/>
-            </a:lvl3pPr>
-            <a:lvl4pPr marL="1371600" indent="0" algn="ctr">
-              <a:buNone/>
-              <a:defRPr sz="2000"/>
-            </a:lvl4pPr>
-            <a:lvl5pPr marL="1828800" indent="0" algn="ctr">
-              <a:buNone/>
-              <a:defRPr sz="2000"/>
-            </a:lvl5pPr>
-            <a:lvl6pPr marL="2286000" indent="0" algn="ctr">
-              <a:buNone/>
-              <a:defRPr sz="2000"/>
-            </a:lvl6pPr>
-            <a:lvl7pPr marL="2743200" indent="0" algn="ctr">
-              <a:buNone/>
-              <a:defRPr sz="2000"/>
-            </a:lvl7pPr>
-            <a:lvl8pPr marL="3200400" indent="0" algn="ctr">
-              <a:buNone/>
-              <a:defRPr sz="2000"/>
-            </a:lvl8pPr>
-            <a:lvl9pPr marL="3657600" indent="0" algn="ctr">
-              <a:buNone/>
-              <a:defRPr sz="2000"/>
-            </a:lvl9pPr>
-          </a:lstStyle>
-          <a:p>
-            <a:endParaRPr lang="en-US" dirty="0"/>
-          </a:p>
-        </p:txBody>
-      </p:sp>
-      <p:sp>
-        <p:nvSpPr>
-          <p:cNvPr id="4" name="Date Placeholder 3"/>
-          <p:cNvSpPr>
-            <a:spLocks noGrp="1"/>
-          </p:cNvSpPr>
-          <p:nvPr>
-            <p:ph type="dt" sz="half" idx="10"/>
-          </p:nvPr>
-        </p:nvSpPr>
-        <p:spPr/>
         <p:txBody>
           <a:bodyPr/>
           <a:lstStyle/>
           <a:p>
-            <a:fld id="{00C84773-DA87-4ACF-9886-28FF56A03CD1}" type="datetime1">
-              <a:rPr lang="en-US" smtClean="0"/>
-              <a:t>6/7/18</a:t>
-            </a:fld>
             <a:endParaRPr lang="en-US" dirty="0"/>
           </a:p>
         </p:txBody>
       </p:sp>
-      <p:sp>
-        <p:nvSpPr>
-          <p:cNvPr id="5" name="Footer Placeholder 4"/>
-          <p:cNvSpPr>
-            <a:spLocks noGrp="1"/>
-          </p:cNvSpPr>
-          <p:nvPr>
-            <p:ph type="ftr" sz="quarter" idx="11"/>
-          </p:nvPr>
-        </p:nvSpPr>
-        <p:spPr/>
-        <p:txBody>
-          <a:bodyPr/>
-          <a:lstStyle/>
-          <a:p>
-            <a:r>
-              <a:rPr lang="en-US"/>
-              <a:t>© 2018, FLL Tutorials (Last Edit 8/18/2017)</a:t>
-            </a:r>
-            <a:endParaRPr lang="en-US" dirty="0"/>
-          </a:p>
-        </p:txBody>
-      </p:sp>
-      <p:sp>
-        <p:nvSpPr>
-          <p:cNvPr id="6" name="Slide Number Placeholder 5"/>
-          <p:cNvSpPr>
-            <a:spLocks noGrp="1"/>
-          </p:cNvSpPr>
-          <p:nvPr>
-            <p:ph type="sldNum" sz="quarter" idx="12"/>
-          </p:nvPr>
-        </p:nvSpPr>
-        <p:spPr/>
-        <p:txBody>
-          <a:bodyPr/>
-          <a:lstStyle/>
-          <a:p>
-            <a:fld id="{6D22F896-40B5-4ADD-8801-0D06FADFA095}" type="slidenum">
-              <a:rPr lang="en-US" smtClean="0"/>
-              <a:t>‹#›</a:t>
-            </a:fld>
-            <a:endParaRPr lang="en-US" dirty="0"/>
-          </a:p>
-        </p:txBody>
-      </p:sp>
-      <p:cxnSp>
-        <p:nvCxnSpPr>
-          <p:cNvPr id="9" name="Straight Connector 8"/>
-          <p:cNvCxnSpPr/>
-          <p:nvPr/>
-        </p:nvCxnSpPr>
-        <p:spPr>
-          <a:xfrm>
-            <a:off x="905744" y="4343400"/>
-            <a:ext cx="7406640" cy="0"/>
-          </a:xfrm>
-          <a:prstGeom prst="line">
-            <a:avLst/>
-          </a:prstGeom>
-          <a:ln w="6350">
-            <a:solidFill>
-              <a:schemeClr val="tx1">
-                <a:lumMod val="50000"/>
-                <a:lumOff val="50000"/>
-              </a:schemeClr>
-            </a:solidFill>
-          </a:ln>
-        </p:spPr>
-        <p:style>
-          <a:lnRef idx="1">
-            <a:schemeClr val="accent1"/>
-          </a:lnRef>
-          <a:fillRef idx="0">
-            <a:schemeClr val="accent1"/>
-          </a:fillRef>
-          <a:effectRef idx="0">
-            <a:schemeClr val="accent1"/>
-          </a:effectRef>
-          <a:fontRef idx="minor">
-            <a:schemeClr val="tx1"/>
-          </a:fontRef>
-        </p:style>
-      </p:cxnSp>
-      <p:sp>
-        <p:nvSpPr>
-          <p:cNvPr id="10" name="Rectangle 9"/>
-          <p:cNvSpPr/>
-          <p:nvPr userDrawn="1"/>
-        </p:nvSpPr>
-        <p:spPr>
-          <a:xfrm>
-            <a:off x="-2358" y="6272819"/>
-            <a:ext cx="9141619" cy="64008"/>
-          </a:xfrm>
-          <a:prstGeom prst="rect">
-            <a:avLst/>
-          </a:prstGeom>
-          <a:solidFill>
-            <a:srgbClr val="24CF39"/>
-          </a:solidFill>
-          <a:ln>
-            <a:noFill/>
-          </a:ln>
-        </p:spPr>
-        <p:style>
-          <a:lnRef idx="2">
-            <a:schemeClr val="accent1">
-              <a:shade val="50000"/>
-            </a:schemeClr>
-          </a:lnRef>
-          <a:fillRef idx="1">
-            <a:schemeClr val="accent1"/>
-          </a:fillRef>
-          <a:effectRef idx="0">
-            <a:schemeClr val="accent1"/>
-          </a:effectRef>
-          <a:fontRef idx="minor">
-            <a:schemeClr val="lt1"/>
-          </a:fontRef>
-        </p:style>
-        <p:txBody>
-          <a:bodyPr/>
-          <a:lstStyle/>
-          <a:p>
-            <a:endParaRPr lang="en-US" dirty="0"/>
-          </a:p>
-        </p:txBody>
-      </p:sp>
-      <p:sp>
-        <p:nvSpPr>
-          <p:cNvPr id="12" name="Subtitle 2"/>
-          <p:cNvSpPr txBox="1">
-            <a:spLocks/>
-          </p:cNvSpPr>
-          <p:nvPr userDrawn="1"/>
-        </p:nvSpPr>
-        <p:spPr>
-          <a:xfrm>
-            <a:off x="905744" y="5680860"/>
-            <a:ext cx="7543800" cy="488911"/>
-          </a:xfrm>
-          <a:prstGeom prst="rect">
-            <a:avLst/>
-          </a:prstGeom>
-        </p:spPr>
-        <p:txBody>
-          <a:bodyPr vert="horz" lIns="91440" tIns="45720" rIns="91440" bIns="45720" rtlCol="0">
-            <a:normAutofit/>
-          </a:bodyPr>
-          <a:lstStyle>
-            <a:lvl1pPr marL="0" indent="0" algn="ctr" defTabSz="914400" rtl="0" eaLnBrk="1" latinLnBrk="0" hangingPunct="1">
-              <a:lnSpc>
-                <a:spcPct val="90000"/>
-              </a:lnSpc>
-              <a:spcBef>
-                <a:spcPts val="1200"/>
-              </a:spcBef>
-              <a:spcAft>
-                <a:spcPts val="200"/>
-              </a:spcAft>
-              <a:buClr>
-                <a:schemeClr val="accent1"/>
-              </a:buClr>
-              <a:buSzPct val="100000"/>
-              <a:buFont typeface="Calibri" panose="020F0502020204030204" pitchFamily="34" charset="0"/>
-              <a:buNone/>
-              <a:defRPr sz="2400" kern="1200" cap="all" spc="200" baseline="0">
-                <a:solidFill>
-                  <a:schemeClr val="tx2"/>
-                </a:solidFill>
-                <a:latin typeface="+mj-lt"/>
-                <a:ea typeface="+mn-ea"/>
-                <a:cs typeface="+mn-cs"/>
-              </a:defRPr>
-            </a:lvl1pPr>
-            <a:lvl2pPr marL="457200" indent="0" algn="ctr" defTabSz="914400" rtl="0" eaLnBrk="1" latinLnBrk="0" hangingPunct="1">
-              <a:lnSpc>
-                <a:spcPct val="90000"/>
-              </a:lnSpc>
-              <a:spcBef>
-                <a:spcPts val="200"/>
-              </a:spcBef>
-              <a:spcAft>
-                <a:spcPts val="400"/>
-              </a:spcAft>
-              <a:buClr>
-                <a:schemeClr val="accent1"/>
-              </a:buClr>
-              <a:buFont typeface="Calibri" pitchFamily="34" charset="0"/>
-              <a:buNone/>
-              <a:defRPr sz="2400" kern="1200">
-                <a:solidFill>
-                  <a:schemeClr val="tx1">
-                    <a:lumMod val="75000"/>
-                    <a:lumOff val="25000"/>
-                  </a:schemeClr>
-                </a:solidFill>
-                <a:latin typeface="+mn-lt"/>
-                <a:ea typeface="+mn-ea"/>
-                <a:cs typeface="+mn-cs"/>
-              </a:defRPr>
-            </a:lvl2pPr>
-            <a:lvl3pPr marL="914400" indent="0" algn="ctr" defTabSz="914400" rtl="0" eaLnBrk="1" latinLnBrk="0" hangingPunct="1">
-              <a:lnSpc>
-                <a:spcPct val="90000"/>
-              </a:lnSpc>
-              <a:spcBef>
-                <a:spcPts val="200"/>
-              </a:spcBef>
-              <a:spcAft>
-                <a:spcPts val="400"/>
-              </a:spcAft>
-              <a:buClr>
-                <a:schemeClr val="accent1"/>
-              </a:buClr>
-              <a:buFont typeface="Calibri" pitchFamily="34" charset="0"/>
-              <a:buNone/>
-              <a:defRPr sz="2400" kern="1200">
-                <a:solidFill>
-                  <a:schemeClr val="tx1">
-                    <a:lumMod val="75000"/>
-                    <a:lumOff val="25000"/>
-                  </a:schemeClr>
-                </a:solidFill>
-                <a:latin typeface="+mn-lt"/>
-                <a:ea typeface="+mn-ea"/>
-                <a:cs typeface="+mn-cs"/>
-              </a:defRPr>
-            </a:lvl3pPr>
-            <a:lvl4pPr marL="1371600" indent="0" algn="ctr" defTabSz="914400" rtl="0" eaLnBrk="1" latinLnBrk="0" hangingPunct="1">
-              <a:lnSpc>
-                <a:spcPct val="90000"/>
-              </a:lnSpc>
-              <a:spcBef>
-                <a:spcPts val="200"/>
-              </a:spcBef>
-              <a:spcAft>
-                <a:spcPts val="400"/>
-              </a:spcAft>
-              <a:buClr>
-                <a:schemeClr val="accent1"/>
-              </a:buClr>
-              <a:buFont typeface="Calibri" pitchFamily="34" charset="0"/>
-              <a:buNone/>
-              <a:defRPr sz="2000" kern="1200">
-                <a:solidFill>
-                  <a:schemeClr val="tx1">
-                    <a:lumMod val="75000"/>
-                    <a:lumOff val="25000"/>
-                  </a:schemeClr>
-                </a:solidFill>
-                <a:latin typeface="+mn-lt"/>
-                <a:ea typeface="+mn-ea"/>
-                <a:cs typeface="+mn-cs"/>
-              </a:defRPr>
-            </a:lvl4pPr>
-            <a:lvl5pPr marL="1828800" indent="0" algn="ctr" defTabSz="914400" rtl="0" eaLnBrk="1" latinLnBrk="0" hangingPunct="1">
-              <a:lnSpc>
-                <a:spcPct val="90000"/>
-              </a:lnSpc>
-              <a:spcBef>
-                <a:spcPts val="200"/>
-              </a:spcBef>
-              <a:spcAft>
-                <a:spcPts val="400"/>
-              </a:spcAft>
-              <a:buClr>
-                <a:schemeClr val="accent1"/>
-              </a:buClr>
-              <a:buFont typeface="Calibri" pitchFamily="34" charset="0"/>
-              <a:buNone/>
-              <a:defRPr sz="2000" kern="1200">
-                <a:solidFill>
-                  <a:schemeClr val="tx1">
-                    <a:lumMod val="75000"/>
-                    <a:lumOff val="25000"/>
-                  </a:schemeClr>
-                </a:solidFill>
-                <a:latin typeface="+mn-lt"/>
-                <a:ea typeface="+mn-ea"/>
-                <a:cs typeface="+mn-cs"/>
-              </a:defRPr>
-            </a:lvl5pPr>
-            <a:lvl6pPr marL="2286000" indent="0" algn="ctr" defTabSz="914400" rtl="0" eaLnBrk="1" latinLnBrk="0" hangingPunct="1">
-              <a:lnSpc>
-                <a:spcPct val="90000"/>
-              </a:lnSpc>
-              <a:spcBef>
-                <a:spcPts val="200"/>
-              </a:spcBef>
-              <a:spcAft>
-                <a:spcPts val="400"/>
-              </a:spcAft>
-              <a:buClr>
-                <a:schemeClr val="accent1"/>
-              </a:buClr>
-              <a:buFont typeface="Calibri" pitchFamily="34" charset="0"/>
-              <a:buNone/>
-              <a:defRPr sz="2000" kern="1200">
-                <a:solidFill>
-                  <a:schemeClr val="tx1">
-                    <a:lumMod val="75000"/>
-                    <a:lumOff val="25000"/>
-                  </a:schemeClr>
-                </a:solidFill>
-                <a:latin typeface="+mn-lt"/>
-                <a:ea typeface="+mn-ea"/>
-                <a:cs typeface="+mn-cs"/>
-              </a:defRPr>
-            </a:lvl6pPr>
-            <a:lvl7pPr marL="2743200" indent="0" algn="ctr" defTabSz="914400" rtl="0" eaLnBrk="1" latinLnBrk="0" hangingPunct="1">
-              <a:lnSpc>
-                <a:spcPct val="90000"/>
-              </a:lnSpc>
-              <a:spcBef>
-                <a:spcPts val="200"/>
-              </a:spcBef>
-              <a:spcAft>
-                <a:spcPts val="400"/>
-              </a:spcAft>
-              <a:buClr>
-                <a:schemeClr val="accent1"/>
-              </a:buClr>
-              <a:buFont typeface="Calibri" pitchFamily="34" charset="0"/>
-              <a:buNone/>
-              <a:defRPr sz="2000" kern="1200">
-                <a:solidFill>
-                  <a:schemeClr val="tx1">
-                    <a:lumMod val="75000"/>
-                    <a:lumOff val="25000"/>
-                  </a:schemeClr>
-                </a:solidFill>
-                <a:latin typeface="+mn-lt"/>
-                <a:ea typeface="+mn-ea"/>
-                <a:cs typeface="+mn-cs"/>
-              </a:defRPr>
-            </a:lvl7pPr>
-            <a:lvl8pPr marL="3200400" indent="0" algn="ctr" defTabSz="914400" rtl="0" eaLnBrk="1" latinLnBrk="0" hangingPunct="1">
-              <a:lnSpc>
-                <a:spcPct val="90000"/>
-              </a:lnSpc>
-              <a:spcBef>
-                <a:spcPts val="200"/>
-              </a:spcBef>
-              <a:spcAft>
-                <a:spcPts val="400"/>
-              </a:spcAft>
-              <a:buClr>
-                <a:schemeClr val="accent1"/>
-              </a:buClr>
-              <a:buFont typeface="Calibri" pitchFamily="34" charset="0"/>
-              <a:buNone/>
-              <a:defRPr sz="2000" kern="1200">
-                <a:solidFill>
-                  <a:schemeClr val="tx1">
-                    <a:lumMod val="75000"/>
-                    <a:lumOff val="25000"/>
-                  </a:schemeClr>
-                </a:solidFill>
-                <a:latin typeface="+mn-lt"/>
-                <a:ea typeface="+mn-ea"/>
-                <a:cs typeface="+mn-cs"/>
-              </a:defRPr>
-            </a:lvl8pPr>
-            <a:lvl9pPr marL="3657600" indent="0" algn="ctr" defTabSz="914400" rtl="0" eaLnBrk="1" latinLnBrk="0" hangingPunct="1">
-              <a:lnSpc>
-                <a:spcPct val="90000"/>
-              </a:lnSpc>
-              <a:spcBef>
-                <a:spcPts val="200"/>
-              </a:spcBef>
-              <a:spcAft>
-                <a:spcPts val="400"/>
-              </a:spcAft>
-              <a:buClr>
-                <a:schemeClr val="accent1"/>
-              </a:buClr>
-              <a:buFont typeface="Calibri" pitchFamily="34" charset="0"/>
-              <a:buNone/>
-              <a:defRPr sz="2000" kern="1200">
-                <a:solidFill>
-                  <a:schemeClr val="tx1">
-                    <a:lumMod val="75000"/>
-                    <a:lumOff val="25000"/>
-                  </a:schemeClr>
-                </a:solidFill>
-                <a:latin typeface="+mn-lt"/>
-                <a:ea typeface="+mn-ea"/>
-                <a:cs typeface="+mn-cs"/>
-              </a:defRPr>
-            </a:lvl9pPr>
-          </a:lstStyle>
-          <a:p>
-            <a:r>
-              <a:rPr lang="en-US" dirty="0"/>
-              <a:t>RESEARCH PROJECT LESSONS</a:t>
-            </a:r>
-          </a:p>
-        </p:txBody>
-      </p:sp>
-      <p:pic>
-        <p:nvPicPr>
-          <p:cNvPr id="13" name="Picture 12" descr="A screenshot of a cell phone&#10;&#10;Description generated with very high confidence">
-            <a:extLst>
-              <a:ext uri="{FF2B5EF4-FFF2-40B4-BE49-F238E27FC236}">
-                <a16:creationId xmlns:a16="http://schemas.microsoft.com/office/drawing/2014/main" id="{A3F2940E-D6B0-4889-82D3-031E7DE99E62}"/>
-              </a:ext>
-            </a:extLst>
-          </p:cNvPr>
-          <p:cNvPicPr>
-            <a:picLocks noChangeAspect="1"/>
-          </p:cNvPicPr>
-          <p:nvPr userDrawn="1"/>
-        </p:nvPicPr>
-        <p:blipFill>
-          <a:blip r:embed="rId2">
-            <a:extLst>
-              <a:ext uri="{28A0092B-C50C-407E-A947-70E740481C1C}">
-                <a14:useLocalDpi xmlns:a14="http://schemas.microsoft.com/office/drawing/2010/main" val="0"/>
-              </a:ext>
-            </a:extLst>
-          </a:blip>
-          <a:stretch>
-            <a:fillRect/>
-          </a:stretch>
-        </p:blipFill>
-        <p:spPr>
-          <a:xfrm>
-            <a:off x="470455" y="156077"/>
-            <a:ext cx="8277216" cy="3038533"/>
-          </a:xfrm>
-          <a:prstGeom prst="rect">
-            <a:avLst/>
-          </a:prstGeom>
-        </p:spPr>
-      </p:pic>
     </p:spTree>
+    <p:extLst>
+      <p:ext uri="{BB962C8B-B14F-4D97-AF65-F5344CB8AC3E}">
+        <p14:creationId xmlns:p14="http://schemas.microsoft.com/office/powerpoint/2010/main" val="384377183"/>
+      </p:ext>
+    </p:extLst>
   </p:cSld>
   <p:clrMapOvr>
     <a:masterClrMapping/>
@@ -1247,6 +1017,45 @@
       </p:grpSpPr>
       <p:sp>
         <p:nvSpPr>
+          <p:cNvPr id="7" name="Rectangle 6"/>
+          <p:cNvSpPr>
+            <a:spLocks noChangeAspect="1"/>
+          </p:cNvSpPr>
+          <p:nvPr/>
+        </p:nvSpPr>
+        <p:spPr>
+          <a:xfrm>
+            <a:off x="448092" y="599725"/>
+            <a:ext cx="8238707" cy="1258827"/>
+          </a:xfrm>
+          <a:prstGeom prst="rect">
+            <a:avLst/>
+          </a:prstGeom>
+          <a:solidFill>
+            <a:schemeClr val="accent1"/>
+          </a:solidFill>
+          <a:ln>
+            <a:noFill/>
+          </a:ln>
+          <a:effectLst/>
+        </p:spPr>
+        <p:style>
+          <a:lnRef idx="1">
+            <a:schemeClr val="accent1"/>
+          </a:lnRef>
+          <a:fillRef idx="3">
+            <a:schemeClr val="accent1"/>
+          </a:fillRef>
+          <a:effectRef idx="2">
+            <a:schemeClr val="accent1"/>
+          </a:effectRef>
+          <a:fontRef idx="minor">
+            <a:schemeClr val="lt1"/>
+          </a:fontRef>
+        </p:style>
+      </p:sp>
+      <p:sp>
+        <p:nvSpPr>
           <p:cNvPr id="2" name="Title 1"/>
           <p:cNvSpPr>
             <a:spLocks noGrp="1"/>
@@ -1280,13 +1089,29 @@
         </p:nvSpPr>
         <p:spPr/>
         <p:txBody>
-          <a:bodyPr vert="eaVert" lIns="45720" tIns="0" rIns="45720" bIns="0"/>
-          <a:lstStyle/>
+          <a:bodyPr vert="eaVert" anchor="t"/>
+          <a:lstStyle>
+            <a:lvl1pPr algn="l">
+              <a:defRPr/>
+            </a:lvl1pPr>
+            <a:lvl2pPr algn="l">
+              <a:defRPr/>
+            </a:lvl2pPr>
+            <a:lvl3pPr algn="l">
+              <a:defRPr/>
+            </a:lvl3pPr>
+            <a:lvl4pPr algn="l">
+              <a:defRPr/>
+            </a:lvl4pPr>
+            <a:lvl5pPr algn="l">
+              <a:defRPr/>
+            </a:lvl5pPr>
+          </a:lstStyle>
           <a:p>
             <a:pPr lvl="0"/>
             <a:r>
               <a:rPr lang="en-US"/>
-              <a:t>Click to edit Master text styles</a:t>
+              <a:t>Edit Master text styles</a:t>
             </a:r>
           </a:p>
           <a:p>
@@ -1330,14 +1155,22 @@
             <p:ph type="dt" sz="half" idx="10"/>
           </p:nvPr>
         </p:nvSpPr>
-        <p:spPr/>
+        <p:spPr>
+          <a:xfrm>
+            <a:off x="5559327" y="5956136"/>
+            <a:ext cx="2133600" cy="365125"/>
+          </a:xfrm>
+          <a:prstGeom prst="rect">
+            <a:avLst/>
+          </a:prstGeom>
+        </p:spPr>
         <p:txBody>
           <a:bodyPr/>
           <a:lstStyle/>
           <a:p>
-            <a:fld id="{64BC56A4-EB92-4BBD-9E1A-21827B0FD14C}" type="datetime1">
+            <a:fld id="{BD934CCD-4B40-454B-83D6-C5AF669D7607}" type="datetime1">
               <a:rPr lang="en-US" smtClean="0"/>
-              <a:t>6/7/18</a:t>
+              <a:t>6/12/18</a:t>
             </a:fld>
             <a:endParaRPr lang="en-US" dirty="0"/>
           </a:p>
@@ -1353,14 +1186,22 @@
             <p:ph type="ftr" sz="quarter" idx="11"/>
           </p:nvPr>
         </p:nvSpPr>
-        <p:spPr/>
+        <p:spPr>
+          <a:xfrm>
+            <a:off x="581192" y="5951810"/>
+            <a:ext cx="4870585" cy="365125"/>
+          </a:xfrm>
+          <a:prstGeom prst="rect">
+            <a:avLst/>
+          </a:prstGeom>
+        </p:spPr>
         <p:txBody>
           <a:bodyPr/>
           <a:lstStyle/>
           <a:p>
             <a:r>
               <a:rPr lang="en-US"/>
-              <a:t>© 2018, FLL Tutorials (Last Edit 8/18/2017)</a:t>
+              <a:t>© 2018, FLL Tutorials (Last Edit 6/11/2018)</a:t>
             </a:r>
             <a:endParaRPr lang="en-US" dirty="0"/>
           </a:p>
@@ -1376,7 +1217,15 @@
             <p:ph type="sldNum" sz="quarter" idx="12"/>
           </p:nvPr>
         </p:nvSpPr>
-        <p:spPr/>
+        <p:spPr>
+          <a:xfrm>
+            <a:off x="7800476" y="5956136"/>
+            <a:ext cx="770468" cy="365125"/>
+          </a:xfrm>
+          <a:prstGeom prst="rect">
+            <a:avLst/>
+          </a:prstGeom>
+        </p:spPr>
         <p:txBody>
           <a:bodyPr/>
           <a:lstStyle/>
@@ -1390,6 +1239,11 @@
         </p:txBody>
       </p:sp>
     </p:spTree>
+    <p:extLst>
+      <p:ext uri="{BB962C8B-B14F-4D97-AF65-F5344CB8AC3E}">
+        <p14:creationId xmlns:p14="http://schemas.microsoft.com/office/powerpoint/2010/main" val="835966417"/>
+      </p:ext>
+    </p:extLst>
   </p:cSld>
   <p:clrMapOvr>
     <a:masterClrMapping/>
@@ -1398,7 +1252,7 @@
 </file>
 
 <file path=ppt/slideLayouts/slideLayout11.xml><?xml version="1.0" encoding="utf-8"?>
-<p:sldLayout xmlns:a="http://schemas.openxmlformats.org/drawingml/2006/main" xmlns:r="http://schemas.openxmlformats.org/officeDocument/2006/relationships" xmlns:p="http://schemas.openxmlformats.org/presentationml/2006/main" showMasterSp="0" type="vertTitleAndTx" preserve="1">
+<p:sldLayout xmlns:a="http://schemas.openxmlformats.org/drawingml/2006/main" xmlns:r="http://schemas.openxmlformats.org/officeDocument/2006/relationships" xmlns:p="http://schemas.openxmlformats.org/presentationml/2006/main" type="vertTitleAndTx" preserve="1">
   <p:cSld name="Vertical Title and Text">
     <p:spTree>
       <p:nvGrpSpPr>
@@ -1417,51 +1271,15 @@
       <p:sp>
         <p:nvSpPr>
           <p:cNvPr id="7" name="Rectangle 6"/>
-          <p:cNvSpPr/>
+          <p:cNvSpPr>
+            <a:spLocks noChangeAspect="1"/>
+          </p:cNvSpPr>
           <p:nvPr/>
         </p:nvSpPr>
         <p:spPr>
           <a:xfrm>
-            <a:off x="2382" y="6400800"/>
-            <a:ext cx="9141619" cy="457200"/>
-          </a:xfrm>
-          <a:prstGeom prst="rect">
-            <a:avLst/>
-          </a:prstGeom>
-          <a:solidFill>
-            <a:schemeClr val="accent2"/>
-          </a:solidFill>
-          <a:ln>
-            <a:noFill/>
-          </a:ln>
-        </p:spPr>
-        <p:style>
-          <a:lnRef idx="2">
-            <a:schemeClr val="accent1">
-              <a:shade val="50000"/>
-            </a:schemeClr>
-          </a:lnRef>
-          <a:fillRef idx="1">
-            <a:schemeClr val="accent1"/>
-          </a:fillRef>
-          <a:effectRef idx="0">
-            <a:schemeClr val="accent1"/>
-          </a:effectRef>
-          <a:fontRef idx="minor">
-            <a:schemeClr val="lt1"/>
-          </a:fontRef>
-        </p:style>
-      </p:sp>
-      <p:sp>
-        <p:nvSpPr>
-          <p:cNvPr id="8" name="Rectangle 7"/>
-          <p:cNvSpPr/>
-          <p:nvPr/>
-        </p:nvSpPr>
-        <p:spPr>
-          <a:xfrm>
-            <a:off x="12" y="6334316"/>
-            <a:ext cx="9141619" cy="64008"/>
+            <a:off x="6629400" y="599725"/>
+            <a:ext cx="2057399" cy="5816950"/>
           </a:xfrm>
           <a:prstGeom prst="rect">
             <a:avLst/>
@@ -1472,17 +1290,16 @@
           <a:ln>
             <a:noFill/>
           </a:ln>
+          <a:effectLst/>
         </p:spPr>
         <p:style>
-          <a:lnRef idx="2">
-            <a:schemeClr val="accent1">
-              <a:shade val="50000"/>
-            </a:schemeClr>
+          <a:lnRef idx="1">
+            <a:schemeClr val="accent1"/>
           </a:lnRef>
-          <a:fillRef idx="1">
+          <a:fillRef idx="3">
             <a:schemeClr val="accent1"/>
           </a:fillRef>
-          <a:effectRef idx="0">
+          <a:effectRef idx="2">
             <a:schemeClr val="accent1"/>
           </a:effectRef>
           <a:fontRef idx="minor">
@@ -1502,8 +1319,8 @@
         </p:nvSpPr>
         <p:spPr>
           <a:xfrm>
-            <a:off x="6543675" y="414779"/>
-            <a:ext cx="1971675" cy="5757421"/>
+            <a:off x="6629400" y="675725"/>
+            <a:ext cx="1503123" cy="5183073"/>
           </a:xfrm>
         </p:spPr>
         <p:txBody>
@@ -1530,18 +1347,18 @@
         </p:nvSpPr>
         <p:spPr>
           <a:xfrm>
-            <a:off x="628650" y="414779"/>
-            <a:ext cx="5800725" cy="5757420"/>
-          </a:xfrm>
-        </p:spPr>
-        <p:txBody>
-          <a:bodyPr vert="eaVert" lIns="45720" tIns="0" rIns="45720" bIns="0"/>
+            <a:off x="581192" y="675725"/>
+            <a:ext cx="5922209" cy="5183073"/>
+          </a:xfrm>
+        </p:spPr>
+        <p:txBody>
+          <a:bodyPr vert="eaVert" anchor="t"/>
           <a:lstStyle/>
           <a:p>
             <a:pPr lvl="0"/>
             <a:r>
               <a:rPr lang="en-US"/>
-              <a:t>Click to edit Master text styles</a:t>
+              <a:t>Edit Master text styles</a:t>
             </a:r>
           </a:p>
           <a:p>
@@ -1585,56 +1402,102 @@
             <p:ph type="dt" sz="half" idx="10"/>
           </p:nvPr>
         </p:nvSpPr>
-        <p:spPr/>
+        <p:spPr>
+          <a:xfrm>
+            <a:off x="6745255" y="5956136"/>
+            <a:ext cx="947672" cy="365125"/>
+          </a:xfrm>
+          <a:prstGeom prst="rect">
+            <a:avLst/>
+          </a:prstGeom>
+        </p:spPr>
+        <p:txBody>
+          <a:bodyPr/>
+          <a:lstStyle>
+            <a:lvl1pPr>
+              <a:defRPr>
+                <a:solidFill>
+                  <a:schemeClr val="accent1">
+                    <a:lumMod val="75000"/>
+                    <a:lumOff val="25000"/>
+                  </a:schemeClr>
+                </a:solidFill>
+              </a:defRPr>
+            </a:lvl1pPr>
+          </a:lstStyle>
+          <a:p>
+            <a:fld id="{EA1E668F-835A-4C17-82FE-7E992179E96C}" type="datetime1">
+              <a:rPr lang="en-US" smtClean="0"/>
+              <a:t>6/12/18</a:t>
+            </a:fld>
+            <a:endParaRPr lang="en-US" dirty="0"/>
+          </a:p>
+        </p:txBody>
+      </p:sp>
+      <p:sp>
+        <p:nvSpPr>
+          <p:cNvPr id="5" name="Footer Placeholder 4"/>
+          <p:cNvSpPr>
+            <a:spLocks noGrp="1"/>
+          </p:cNvSpPr>
+          <p:nvPr>
+            <p:ph type="ftr" sz="quarter" idx="11"/>
+          </p:nvPr>
+        </p:nvSpPr>
+        <p:spPr>
+          <a:xfrm>
+            <a:off x="581192" y="5951810"/>
+            <a:ext cx="5922209" cy="365125"/>
+          </a:xfrm>
+          <a:prstGeom prst="rect">
+            <a:avLst/>
+          </a:prstGeom>
+        </p:spPr>
         <p:txBody>
           <a:bodyPr/>
           <a:lstStyle/>
           <a:p>
-            <a:fld id="{A2D5768E-D3E9-4BFE-8283-3D2130A347C4}" type="datetime1">
-              <a:rPr lang="en-US" smtClean="0"/>
-              <a:t>6/7/18</a:t>
-            </a:fld>
+            <a:r>
+              <a:rPr lang="en-US"/>
+              <a:t>© 2018, FLL Tutorials (Last Edit 6/11/2018)</a:t>
+            </a:r>
             <a:endParaRPr lang="en-US" dirty="0"/>
           </a:p>
         </p:txBody>
       </p:sp>
       <p:sp>
         <p:nvSpPr>
-          <p:cNvPr id="5" name="Footer Placeholder 4"/>
-          <p:cNvSpPr>
-            <a:spLocks noGrp="1"/>
-          </p:cNvSpPr>
-          <p:nvPr>
-            <p:ph type="ftr" sz="quarter" idx="11"/>
-          </p:nvPr>
-        </p:nvSpPr>
-        <p:spPr/>
+          <p:cNvPr id="6" name="Slide Number Placeholder 5"/>
+          <p:cNvSpPr>
+            <a:spLocks noGrp="1"/>
+          </p:cNvSpPr>
+          <p:nvPr>
+            <p:ph type="sldNum" sz="quarter" idx="12"/>
+          </p:nvPr>
+        </p:nvSpPr>
+        <p:spPr>
+          <a:xfrm>
+            <a:off x="7800476" y="5956136"/>
+            <a:ext cx="770468" cy="365125"/>
+          </a:xfrm>
+          <a:prstGeom prst="rect">
+            <a:avLst/>
+          </a:prstGeom>
+        </p:spPr>
         <p:txBody>
           <a:bodyPr/>
-          <a:lstStyle/>
-          <a:p>
-            <a:r>
-              <a:rPr lang="en-US"/>
-              <a:t>© 2018, FLL Tutorials (Last Edit 8/18/2017)</a:t>
-            </a:r>
-            <a:endParaRPr lang="en-US" dirty="0"/>
-          </a:p>
-        </p:txBody>
-      </p:sp>
-      <p:sp>
-        <p:nvSpPr>
-          <p:cNvPr id="6" name="Slide Number Placeholder 5"/>
-          <p:cNvSpPr>
-            <a:spLocks noGrp="1"/>
-          </p:cNvSpPr>
-          <p:nvPr>
-            <p:ph type="sldNum" sz="quarter" idx="12"/>
-          </p:nvPr>
-        </p:nvSpPr>
-        <p:spPr/>
-        <p:txBody>
-          <a:bodyPr/>
-          <a:lstStyle/>
+          <a:lstStyle>
+            <a:lvl1pPr>
+              <a:defRPr>
+                <a:solidFill>
+                  <a:schemeClr val="accent1">
+                    <a:lumMod val="75000"/>
+                    <a:lumOff val="25000"/>
+                  </a:schemeClr>
+                </a:solidFill>
+              </a:defRPr>
+            </a:lvl1pPr>
+          </a:lstStyle>
           <a:p>
             <a:fld id="{6D22F896-40B5-4ADD-8801-0D06FADFA095}" type="slidenum">
               <a:rPr lang="en-US" smtClean="0"/>
@@ -1645,6 +1508,11 @@
         </p:txBody>
       </p:sp>
     </p:spTree>
+    <p:extLst>
+      <p:ext uri="{BB962C8B-B14F-4D97-AF65-F5344CB8AC3E}">
+        <p14:creationId xmlns:p14="http://schemas.microsoft.com/office/powerpoint/2010/main" val="4214744085"/>
+      </p:ext>
+    </p:extLst>
   </p:cSld>
   <p:clrMapOvr>
     <a:masterClrMapping/>
@@ -1671,6 +1539,45 @@
       </p:grpSpPr>
       <p:sp>
         <p:nvSpPr>
+          <p:cNvPr id="7" name="Rectangle 6"/>
+          <p:cNvSpPr>
+            <a:spLocks noChangeAspect="1"/>
+          </p:cNvSpPr>
+          <p:nvPr/>
+        </p:nvSpPr>
+        <p:spPr>
+          <a:xfrm>
+            <a:off x="448092" y="599725"/>
+            <a:ext cx="8238707" cy="818109"/>
+          </a:xfrm>
+          <a:prstGeom prst="rect">
+            <a:avLst/>
+          </a:prstGeom>
+          <a:solidFill>
+            <a:schemeClr val="accent1"/>
+          </a:solidFill>
+          <a:ln>
+            <a:noFill/>
+          </a:ln>
+          <a:effectLst/>
+        </p:spPr>
+        <p:style>
+          <a:lnRef idx="1">
+            <a:schemeClr val="accent1"/>
+          </a:lnRef>
+          <a:fillRef idx="3">
+            <a:schemeClr val="accent1"/>
+          </a:fillRef>
+          <a:effectRef idx="2">
+            <a:schemeClr val="accent1"/>
+          </a:effectRef>
+          <a:fontRef idx="minor">
+            <a:schemeClr val="lt1"/>
+          </a:fontRef>
+        </p:style>
+      </p:sp>
+      <p:sp>
+        <p:nvSpPr>
           <p:cNvPr id="2" name="Title 1"/>
           <p:cNvSpPr>
             <a:spLocks noGrp="1"/>
@@ -1679,7 +1586,12 @@
             <p:ph type="title"/>
           </p:nvPr>
         </p:nvSpPr>
-        <p:spPr/>
+        <p:spPr>
+          <a:xfrm>
+            <a:off x="581192" y="687475"/>
+            <a:ext cx="7989752" cy="596796"/>
+          </a:xfrm>
+        </p:spPr>
         <p:txBody>
           <a:bodyPr/>
           <a:lstStyle/>
@@ -1702,66 +1614,109 @@
             <p:ph idx="1"/>
           </p:nvPr>
         </p:nvSpPr>
-        <p:spPr/>
+        <p:spPr>
+          <a:xfrm>
+            <a:off x="448091" y="1505583"/>
+            <a:ext cx="8238707" cy="4353215"/>
+          </a:xfrm>
+        </p:spPr>
+        <p:txBody>
+          <a:bodyPr anchor="t"/>
+          <a:lstStyle>
+            <a:lvl1pPr>
+              <a:defRPr sz="3600"/>
+            </a:lvl1pPr>
+            <a:lvl2pPr>
+              <a:defRPr sz="3200"/>
+            </a:lvl2pPr>
+            <a:lvl3pPr>
+              <a:defRPr sz="2800"/>
+            </a:lvl3pPr>
+            <a:lvl4pPr>
+              <a:defRPr sz="2400"/>
+            </a:lvl4pPr>
+            <a:lvl5pPr>
+              <a:defRPr sz="2400"/>
+            </a:lvl5pPr>
+          </a:lstStyle>
+          <a:p>
+            <a:pPr lvl="0"/>
+            <a:r>
+              <a:rPr lang="en-US"/>
+              <a:t>Edit Master text styles</a:t>
+            </a:r>
+          </a:p>
+          <a:p>
+            <a:pPr lvl="1"/>
+            <a:r>
+              <a:rPr lang="en-US"/>
+              <a:t>Second level</a:t>
+            </a:r>
+          </a:p>
+          <a:p>
+            <a:pPr lvl="2"/>
+            <a:r>
+              <a:rPr lang="en-US"/>
+              <a:t>Third level</a:t>
+            </a:r>
+          </a:p>
+          <a:p>
+            <a:pPr lvl="3"/>
+            <a:r>
+              <a:rPr lang="en-US"/>
+              <a:t>Fourth level</a:t>
+            </a:r>
+          </a:p>
+          <a:p>
+            <a:pPr lvl="4"/>
+            <a:r>
+              <a:rPr lang="en-US"/>
+              <a:t>Fifth level</a:t>
+            </a:r>
+            <a:endParaRPr lang="en-US" dirty="0"/>
+          </a:p>
+        </p:txBody>
+      </p:sp>
+      <p:sp>
+        <p:nvSpPr>
+          <p:cNvPr id="8" name="Date Placeholder 3">
+            <a:extLst>
+              <a:ext uri="{FF2B5EF4-FFF2-40B4-BE49-F238E27FC236}">
+                <a16:creationId xmlns:a16="http://schemas.microsoft.com/office/drawing/2014/main" id="{5E510904-FE82-B349-843E-834D82D5778E}"/>
+              </a:ext>
+            </a:extLst>
+          </p:cNvPr>
+          <p:cNvSpPr>
+            <a:spLocks noGrp="1"/>
+          </p:cNvSpPr>
+          <p:nvPr>
+            <p:ph type="dt" sz="half" idx="10"/>
+          </p:nvPr>
+        </p:nvSpPr>
+        <p:spPr>
+          <a:xfrm>
+            <a:off x="5559327" y="6392242"/>
+            <a:ext cx="2133600" cy="365125"/>
+          </a:xfrm>
+        </p:spPr>
         <p:txBody>
           <a:bodyPr/>
-          <a:lstStyle/>
-          <a:p>
-            <a:pPr lvl="0"/>
-            <a:r>
-              <a:rPr lang="en-US"/>
-              <a:t>Click to edit Master text styles</a:t>
-            </a:r>
-          </a:p>
-          <a:p>
-            <a:pPr lvl="1"/>
-            <a:r>
-              <a:rPr lang="en-US"/>
-              <a:t>Second level</a:t>
-            </a:r>
-          </a:p>
-          <a:p>
-            <a:pPr lvl="2"/>
-            <a:r>
-              <a:rPr lang="en-US"/>
-              <a:t>Third level</a:t>
-            </a:r>
-          </a:p>
-          <a:p>
-            <a:pPr lvl="3"/>
-            <a:r>
-              <a:rPr lang="en-US"/>
-              <a:t>Fourth level</a:t>
-            </a:r>
-          </a:p>
-          <a:p>
-            <a:pPr lvl="4"/>
-            <a:r>
-              <a:rPr lang="en-US"/>
-              <a:t>Fifth level</a:t>
-            </a:r>
-            <a:endParaRPr lang="en-US" dirty="0"/>
-          </a:p>
-        </p:txBody>
-      </p:sp>
-      <p:sp>
-        <p:nvSpPr>
-          <p:cNvPr id="4" name="Date Placeholder 3"/>
-          <p:cNvSpPr>
-            <a:spLocks noGrp="1"/>
-          </p:cNvSpPr>
-          <p:nvPr>
-            <p:ph type="dt" sz="half" idx="10"/>
-          </p:nvPr>
-        </p:nvSpPr>
-        <p:spPr/>
-        <p:txBody>
-          <a:bodyPr/>
-          <a:lstStyle/>
-          <a:p>
-            <a:fld id="{5BF31DCB-2351-45B0-B85D-005C4E543EBC}" type="datetime1">
+          <a:lstStyle>
+            <a:lvl1pPr>
+              <a:defRPr>
+                <a:solidFill>
+                  <a:schemeClr val="accent1">
+                    <a:lumMod val="75000"/>
+                    <a:lumOff val="25000"/>
+                  </a:schemeClr>
+                </a:solidFill>
+              </a:defRPr>
+            </a:lvl1pPr>
+          </a:lstStyle>
+          <a:p>
+            <a:fld id="{B9562C99-C557-4EA2-94F8-DC1B422D8595}" type="datetime1">
               <a:rPr lang="en-US" smtClean="0"/>
-              <a:t>6/7/18</a:t>
+              <a:t>6/12/18</a:t>
             </a:fld>
             <a:endParaRPr lang="en-US" dirty="0"/>
           </a:p>
@@ -1769,7 +1724,13 @@
       </p:sp>
       <p:sp>
         <p:nvSpPr>
-          <p:cNvPr id="5" name="Footer Placeholder 4"/>
+          <p:cNvPr id="9" name="Footer Placeholder 4">
+            <a:extLst>
+              <a:ext uri="{FF2B5EF4-FFF2-40B4-BE49-F238E27FC236}">
+                <a16:creationId xmlns:a16="http://schemas.microsoft.com/office/drawing/2014/main" id="{E48965D5-4E22-4D4C-B0D3-4AEC700831CA}"/>
+              </a:ext>
+            </a:extLst>
+          </p:cNvPr>
           <p:cNvSpPr>
             <a:spLocks noGrp="1"/>
           </p:cNvSpPr>
@@ -1777,14 +1738,30 @@
             <p:ph type="ftr" sz="quarter" idx="11"/>
           </p:nvPr>
         </p:nvSpPr>
-        <p:spPr/>
+        <p:spPr>
+          <a:xfrm>
+            <a:off x="581192" y="6387916"/>
+            <a:ext cx="4870585" cy="365125"/>
+          </a:xfrm>
+        </p:spPr>
         <p:txBody>
           <a:bodyPr/>
-          <a:lstStyle/>
-          <a:p>
-            <a:r>
-              <a:rPr lang="en-US"/>
-              <a:t>© 2018, FLL Tutorials (Last Edit 8/18/2017)</a:t>
+          <a:lstStyle>
+            <a:lvl1pPr>
+              <a:defRPr>
+                <a:solidFill>
+                  <a:schemeClr val="accent1">
+                    <a:lumMod val="75000"/>
+                    <a:lumOff val="25000"/>
+                  </a:schemeClr>
+                </a:solidFill>
+              </a:defRPr>
+            </a:lvl1pPr>
+          </a:lstStyle>
+          <a:p>
+            <a:r>
+              <a:rPr lang="en-US"/>
+              <a:t>© 2018, FLL Tutorials (Last Edit 6/11/2018)</a:t>
             </a:r>
             <a:endParaRPr lang="en-US" dirty="0"/>
           </a:p>
@@ -1792,7 +1769,13 @@
       </p:sp>
       <p:sp>
         <p:nvSpPr>
-          <p:cNvPr id="6" name="Slide Number Placeholder 5"/>
+          <p:cNvPr id="10" name="Slide Number Placeholder 5">
+            <a:extLst>
+              <a:ext uri="{FF2B5EF4-FFF2-40B4-BE49-F238E27FC236}">
+                <a16:creationId xmlns:a16="http://schemas.microsoft.com/office/drawing/2014/main" id="{65AB5AFF-5E76-4041-B3D5-669547C07AE0}"/>
+              </a:ext>
+            </a:extLst>
+          </p:cNvPr>
           <p:cNvSpPr>
             <a:spLocks noGrp="1"/>
           </p:cNvSpPr>
@@ -1800,10 +1783,26 @@
             <p:ph type="sldNum" sz="quarter" idx="12"/>
           </p:nvPr>
         </p:nvSpPr>
-        <p:spPr/>
+        <p:spPr>
+          <a:xfrm>
+            <a:off x="7800476" y="6392242"/>
+            <a:ext cx="770468" cy="365125"/>
+          </a:xfrm>
+        </p:spPr>
         <p:txBody>
           <a:bodyPr/>
-          <a:lstStyle/>
+          <a:lstStyle>
+            <a:lvl1pPr>
+              <a:defRPr>
+                <a:solidFill>
+                  <a:schemeClr val="accent1">
+                    <a:lumMod val="75000"/>
+                    <a:lumOff val="25000"/>
+                  </a:schemeClr>
+                </a:solidFill>
+              </a:defRPr>
+            </a:lvl1pPr>
+          </a:lstStyle>
           <a:p>
             <a:fld id="{6D22F896-40B5-4ADD-8801-0D06FADFA095}" type="slidenum">
               <a:rPr lang="en-US" smtClean="0"/>
@@ -1814,6 +1813,11 @@
         </p:txBody>
       </p:sp>
     </p:spTree>
+    <p:extLst>
+      <p:ext uri="{BB962C8B-B14F-4D97-AF65-F5344CB8AC3E}">
+        <p14:creationId xmlns:p14="http://schemas.microsoft.com/office/powerpoint/2010/main" val="624117948"/>
+      </p:ext>
+    </p:extLst>
   </p:cSld>
   <p:clrMapOvr>
     <a:masterClrMapping/>
@@ -1822,16 +1826,8 @@
 </file>
 
 <file path=ppt/slideLayouts/slideLayout3.xml><?xml version="1.0" encoding="utf-8"?>
-<p:sldLayout xmlns:a="http://schemas.openxmlformats.org/drawingml/2006/main" xmlns:r="http://schemas.openxmlformats.org/officeDocument/2006/relationships" xmlns:p="http://schemas.openxmlformats.org/presentationml/2006/main" showMasterSp="0" type="secHead" preserve="1">
+<p:sldLayout xmlns:a="http://schemas.openxmlformats.org/drawingml/2006/main" xmlns:r="http://schemas.openxmlformats.org/officeDocument/2006/relationships" xmlns:p="http://schemas.openxmlformats.org/presentationml/2006/main" type="secHead" preserve="1">
   <p:cSld name="Section Header">
-    <p:bg>
-      <p:bgPr>
-        <a:solidFill>
-          <a:schemeClr val="bg1"/>
-        </a:solidFill>
-        <a:effectLst/>
-      </p:bgPr>
-    </p:bg>
     <p:spTree>
       <p:nvGrpSpPr>
         <p:cNvPr id="1" name=""/>
@@ -1848,35 +1844,36 @@
       </p:grpSpPr>
       <p:sp>
         <p:nvSpPr>
-          <p:cNvPr id="7" name="Rectangle 6"/>
-          <p:cNvSpPr/>
+          <p:cNvPr id="8" name="Rectangle 7"/>
+          <p:cNvSpPr>
+            <a:spLocks noChangeAspect="1"/>
+          </p:cNvSpPr>
           <p:nvPr/>
         </p:nvSpPr>
         <p:spPr>
           <a:xfrm>
-            <a:off x="2382" y="6400800"/>
-            <a:ext cx="9141619" cy="457200"/>
+            <a:off x="452646" y="5141973"/>
+            <a:ext cx="8238707" cy="1258827"/>
           </a:xfrm>
           <a:prstGeom prst="rect">
             <a:avLst/>
           </a:prstGeom>
           <a:solidFill>
-            <a:srgbClr val="034A85"/>
+            <a:schemeClr val="accent1"/>
           </a:solidFill>
           <a:ln>
             <a:noFill/>
           </a:ln>
+          <a:effectLst/>
         </p:spPr>
         <p:style>
-          <a:lnRef idx="2">
-            <a:schemeClr val="accent1">
-              <a:shade val="50000"/>
-            </a:schemeClr>
+          <a:lnRef idx="1">
+            <a:schemeClr val="accent1"/>
           </a:lnRef>
-          <a:fillRef idx="1">
+          <a:fillRef idx="3">
             <a:schemeClr val="accent1"/>
           </a:fillRef>
-          <a:effectRef idx="0">
+          <a:effectRef idx="2">
             <a:schemeClr val="accent1"/>
           </a:effectRef>
           <a:fontRef idx="minor">
@@ -1886,44 +1883,6 @@
       </p:sp>
       <p:sp>
         <p:nvSpPr>
-          <p:cNvPr id="8" name="Rectangle 7"/>
-          <p:cNvSpPr/>
-          <p:nvPr/>
-        </p:nvSpPr>
-        <p:spPr>
-          <a:xfrm>
-            <a:off x="12" y="6334316"/>
-            <a:ext cx="9141619" cy="64008"/>
-          </a:xfrm>
-          <a:prstGeom prst="rect">
-            <a:avLst/>
-          </a:prstGeom>
-          <a:solidFill>
-            <a:srgbClr val="652C90"/>
-          </a:solidFill>
-          <a:ln>
-            <a:noFill/>
-          </a:ln>
-        </p:spPr>
-        <p:style>
-          <a:lnRef idx="2">
-            <a:schemeClr val="accent1">
-              <a:shade val="50000"/>
-            </a:schemeClr>
-          </a:lnRef>
-          <a:fillRef idx="1">
-            <a:schemeClr val="accent1"/>
-          </a:fillRef>
-          <a:effectRef idx="0">
-            <a:schemeClr val="accent1"/>
-          </a:effectRef>
-          <a:fontRef idx="minor">
-            <a:schemeClr val="lt1"/>
-          </a:fontRef>
-        </p:style>
-      </p:sp>
-      <p:sp>
-        <p:nvSpPr>
           <p:cNvPr id="2" name="Title 1"/>
           <p:cNvSpPr>
             <a:spLocks noGrp="1"/>
@@ -1934,25 +1893,19 @@
         </p:nvSpPr>
         <p:spPr>
           <a:xfrm>
-            <a:off x="822960" y="758952"/>
-            <a:ext cx="7543800" cy="3566160"/>
-          </a:xfrm>
-        </p:spPr>
-        <p:txBody>
-          <a:bodyPr anchor="b" anchorCtr="0">
+            <a:off x="581193" y="3036573"/>
+            <a:ext cx="7989751" cy="1504844"/>
+          </a:xfrm>
+        </p:spPr>
+        <p:txBody>
+          <a:bodyPr anchor="b">
             <a:normAutofit/>
           </a:bodyPr>
           <a:lstStyle>
-            <a:lvl1pPr>
-              <a:lnSpc>
-                <a:spcPct val="85000"/>
-              </a:lnSpc>
-              <a:defRPr sz="8000" b="0">
+            <a:lvl1pPr algn="l">
+              <a:defRPr sz="3600" b="0" cap="all">
                 <a:solidFill>
-                  <a:schemeClr val="tx1">
-                    <a:lumMod val="85000"/>
-                    <a:lumOff val="15000"/>
-                  </a:schemeClr>
+                  <a:schemeClr val="accent1"/>
                 </a:solidFill>
               </a:defRPr>
             </a:lvl1pPr>
@@ -1978,22 +1931,21 @@
         </p:nvSpPr>
         <p:spPr>
           <a:xfrm>
-            <a:off x="822960" y="4453128"/>
-            <a:ext cx="7543800" cy="1143000"/>
-          </a:xfrm>
-        </p:spPr>
-        <p:txBody>
-          <a:bodyPr lIns="91440" rIns="91440" anchor="t" anchorCtr="0">
+            <a:off x="581193" y="4541417"/>
+            <a:ext cx="7989751" cy="600556"/>
+          </a:xfrm>
+        </p:spPr>
+        <p:txBody>
+          <a:bodyPr anchor="t">
             <a:normAutofit/>
           </a:bodyPr>
           <a:lstStyle>
-            <a:lvl1pPr marL="0" indent="0">
+            <a:lvl1pPr marL="0" indent="0" algn="l">
               <a:buNone/>
-              <a:defRPr sz="2400" cap="all" spc="200" baseline="0">
+              <a:defRPr sz="1800" cap="all">
                 <a:solidFill>
-                  <a:schemeClr val="tx2"/>
+                  <a:schemeClr val="accent2"/>
                 </a:solidFill>
-                <a:latin typeface="+mj-lt"/>
               </a:defRPr>
             </a:lvl1pPr>
             <a:lvl2pPr marL="457200" indent="0">
@@ -2081,29 +2033,143 @@
             <a:pPr lvl="0"/>
             <a:r>
               <a:rPr lang="en-US"/>
-              <a:t>Click to edit Master text styles</a:t>
-            </a:r>
-          </a:p>
-        </p:txBody>
-      </p:sp>
-      <p:sp>
-        <p:nvSpPr>
-          <p:cNvPr id="4" name="Date Placeholder 3"/>
-          <p:cNvSpPr>
-            <a:spLocks noGrp="1"/>
-          </p:cNvSpPr>
-          <p:nvPr>
-            <p:ph type="dt" sz="half" idx="10"/>
-          </p:nvPr>
-        </p:nvSpPr>
-        <p:spPr/>
-        <p:txBody>
-          <a:bodyPr/>
-          <a:lstStyle/>
-          <a:p>
-            <a:fld id="{B3286500-0B47-4DE0-BB4F-448D26769072}" type="datetime1">
+              <a:t>Edit Master text styles</a:t>
+            </a:r>
+          </a:p>
+        </p:txBody>
+      </p:sp>
+      <p:sp>
+        <p:nvSpPr>
+          <p:cNvPr id="9" name="Date Placeholder 3">
+            <a:extLst>
+              <a:ext uri="{FF2B5EF4-FFF2-40B4-BE49-F238E27FC236}">
+                <a16:creationId xmlns:a16="http://schemas.microsoft.com/office/drawing/2014/main" id="{52362C45-CC3C-1C41-89EF-9E39AB823873}"/>
+              </a:ext>
+            </a:extLst>
+          </p:cNvPr>
+          <p:cNvSpPr txBox="1">
+            <a:spLocks/>
+          </p:cNvSpPr>
+          <p:nvPr/>
+        </p:nvSpPr>
+        <p:spPr>
+          <a:xfrm>
+            <a:off x="5559327" y="6392242"/>
+            <a:ext cx="2133600" cy="365125"/>
+          </a:xfrm>
+          <a:prstGeom prst="rect">
+            <a:avLst/>
+          </a:prstGeom>
+        </p:spPr>
+        <p:txBody>
+          <a:bodyPr vert="horz" lIns="91440" tIns="45720" rIns="91440" bIns="45720" rtlCol="0" anchor="ctr"/>
+          <a:lstStyle>
+            <a:defPPr>
+              <a:defRPr lang="en-US"/>
+            </a:defPPr>
+            <a:lvl1pPr marL="0" algn="r" defTabSz="457200" rtl="0" eaLnBrk="1" latinLnBrk="0" hangingPunct="1">
+              <a:defRPr sz="900" kern="1200">
+                <a:solidFill>
+                  <a:schemeClr val="accent1">
+                    <a:lumMod val="75000"/>
+                    <a:lumOff val="25000"/>
+                  </a:schemeClr>
+                </a:solidFill>
+                <a:latin typeface="+mn-lt"/>
+                <a:ea typeface="+mn-ea"/>
+                <a:cs typeface="+mn-cs"/>
+              </a:defRPr>
+            </a:lvl1pPr>
+            <a:lvl2pPr marL="457200" algn="l" defTabSz="457200" rtl="0" eaLnBrk="1" latinLnBrk="0" hangingPunct="1">
+              <a:defRPr sz="1800" kern="1200">
+                <a:solidFill>
+                  <a:schemeClr val="tx1"/>
+                </a:solidFill>
+                <a:latin typeface="+mn-lt"/>
+                <a:ea typeface="+mn-ea"/>
+                <a:cs typeface="+mn-cs"/>
+              </a:defRPr>
+            </a:lvl2pPr>
+            <a:lvl3pPr marL="914400" algn="l" defTabSz="457200" rtl="0" eaLnBrk="1" latinLnBrk="0" hangingPunct="1">
+              <a:defRPr sz="1800" kern="1200">
+                <a:solidFill>
+                  <a:schemeClr val="tx1"/>
+                </a:solidFill>
+                <a:latin typeface="+mn-lt"/>
+                <a:ea typeface="+mn-ea"/>
+                <a:cs typeface="+mn-cs"/>
+              </a:defRPr>
+            </a:lvl3pPr>
+            <a:lvl4pPr marL="1371600" algn="l" defTabSz="457200" rtl="0" eaLnBrk="1" latinLnBrk="0" hangingPunct="1">
+              <a:defRPr sz="1800" kern="1200">
+                <a:solidFill>
+                  <a:schemeClr val="tx1"/>
+                </a:solidFill>
+                <a:latin typeface="+mn-lt"/>
+                <a:ea typeface="+mn-ea"/>
+                <a:cs typeface="+mn-cs"/>
+              </a:defRPr>
+            </a:lvl4pPr>
+            <a:lvl5pPr marL="1828800" algn="l" defTabSz="457200" rtl="0" eaLnBrk="1" latinLnBrk="0" hangingPunct="1">
+              <a:defRPr sz="1800" kern="1200">
+                <a:solidFill>
+                  <a:schemeClr val="tx1"/>
+                </a:solidFill>
+                <a:latin typeface="+mn-lt"/>
+                <a:ea typeface="+mn-ea"/>
+                <a:cs typeface="+mn-cs"/>
+              </a:defRPr>
+            </a:lvl5pPr>
+            <a:lvl6pPr marL="2286000" algn="l" defTabSz="457200" rtl="0" eaLnBrk="1" latinLnBrk="0" hangingPunct="1">
+              <a:defRPr sz="1800" kern="1200">
+                <a:solidFill>
+                  <a:schemeClr val="tx1"/>
+                </a:solidFill>
+                <a:latin typeface="+mn-lt"/>
+                <a:ea typeface="+mn-ea"/>
+                <a:cs typeface="+mn-cs"/>
+              </a:defRPr>
+            </a:lvl6pPr>
+            <a:lvl7pPr marL="2743200" algn="l" defTabSz="457200" rtl="0" eaLnBrk="1" latinLnBrk="0" hangingPunct="1">
+              <a:defRPr sz="1800" kern="1200">
+                <a:solidFill>
+                  <a:schemeClr val="tx1"/>
+                </a:solidFill>
+                <a:latin typeface="+mn-lt"/>
+                <a:ea typeface="+mn-ea"/>
+                <a:cs typeface="+mn-cs"/>
+              </a:defRPr>
+            </a:lvl7pPr>
+            <a:lvl8pPr marL="3200400" algn="l" defTabSz="457200" rtl="0" eaLnBrk="1" latinLnBrk="0" hangingPunct="1">
+              <a:defRPr sz="1800" kern="1200">
+                <a:solidFill>
+                  <a:schemeClr val="tx1"/>
+                </a:solidFill>
+                <a:latin typeface="+mn-lt"/>
+                <a:ea typeface="+mn-ea"/>
+                <a:cs typeface="+mn-cs"/>
+              </a:defRPr>
+            </a:lvl8pPr>
+            <a:lvl9pPr marL="3657600" algn="l" defTabSz="457200" rtl="0" eaLnBrk="1" latinLnBrk="0" hangingPunct="1">
+              <a:defRPr sz="1800" kern="1200">
+                <a:solidFill>
+                  <a:schemeClr val="tx1"/>
+                </a:solidFill>
+                <a:latin typeface="+mn-lt"/>
+                <a:ea typeface="+mn-ea"/>
+                <a:cs typeface="+mn-cs"/>
+              </a:defRPr>
+            </a:lvl9pPr>
+          </a:lstStyle>
+          <a:p>
+            <a:r>
+              <a:rPr lang="en-US"/>
+              <a:t>Last Edit: </a:t>
+            </a:r>
+            <a:fld id="{B61BEF0D-F0BB-DE4B-95CE-6DB70DBA9567}" type="datetimeFigureOut">
               <a:rPr lang="en-US" smtClean="0"/>
-              <a:t>6/7/18</a:t>
+              <a:pPr/>
+              <a:t>6/12/18</a:t>
             </a:fld>
             <a:endParaRPr lang="en-US" dirty="0"/>
           </a:p>
@@ -2111,22 +2177,131 @@
       </p:sp>
       <p:sp>
         <p:nvSpPr>
-          <p:cNvPr id="5" name="Footer Placeholder 4"/>
-          <p:cNvSpPr>
-            <a:spLocks noGrp="1"/>
-          </p:cNvSpPr>
-          <p:nvPr>
-            <p:ph type="ftr" sz="quarter" idx="11"/>
-          </p:nvPr>
-        </p:nvSpPr>
-        <p:spPr/>
-        <p:txBody>
-          <a:bodyPr/>
-          <a:lstStyle/>
-          <a:p>
-            <a:r>
-              <a:rPr lang="en-US"/>
-              <a:t>© 2018, FLL Tutorials (Last Edit 8/18/2017)</a:t>
+          <p:cNvPr id="10" name="Footer Placeholder 4">
+            <a:extLst>
+              <a:ext uri="{FF2B5EF4-FFF2-40B4-BE49-F238E27FC236}">
+                <a16:creationId xmlns:a16="http://schemas.microsoft.com/office/drawing/2014/main" id="{99E8FBED-B055-2A4A-8E32-9CB6B48C25B3}"/>
+              </a:ext>
+            </a:extLst>
+          </p:cNvPr>
+          <p:cNvSpPr txBox="1">
+            <a:spLocks/>
+          </p:cNvSpPr>
+          <p:nvPr/>
+        </p:nvSpPr>
+        <p:spPr>
+          <a:xfrm>
+            <a:off x="581192" y="6387916"/>
+            <a:ext cx="4870585" cy="365125"/>
+          </a:xfrm>
+          <a:prstGeom prst="rect">
+            <a:avLst/>
+          </a:prstGeom>
+        </p:spPr>
+        <p:txBody>
+          <a:bodyPr vert="horz" lIns="91440" tIns="45720" rIns="91440" bIns="45720" rtlCol="0" anchor="ctr"/>
+          <a:lstStyle>
+            <a:defPPr>
+              <a:defRPr lang="en-US"/>
+            </a:defPPr>
+            <a:lvl1pPr marL="0" algn="l" defTabSz="457200" rtl="0" eaLnBrk="1" latinLnBrk="0" hangingPunct="1">
+              <a:defRPr sz="900" kern="1200" cap="all">
+                <a:solidFill>
+                  <a:schemeClr val="accent1">
+                    <a:lumMod val="75000"/>
+                    <a:lumOff val="25000"/>
+                  </a:schemeClr>
+                </a:solidFill>
+                <a:latin typeface="+mn-lt"/>
+                <a:ea typeface="+mn-ea"/>
+                <a:cs typeface="+mn-cs"/>
+              </a:defRPr>
+            </a:lvl1pPr>
+            <a:lvl2pPr marL="457200" algn="l" defTabSz="457200" rtl="0" eaLnBrk="1" latinLnBrk="0" hangingPunct="1">
+              <a:defRPr sz="1800" kern="1200">
+                <a:solidFill>
+                  <a:schemeClr val="tx1"/>
+                </a:solidFill>
+                <a:latin typeface="+mn-lt"/>
+                <a:ea typeface="+mn-ea"/>
+                <a:cs typeface="+mn-cs"/>
+              </a:defRPr>
+            </a:lvl2pPr>
+            <a:lvl3pPr marL="914400" algn="l" defTabSz="457200" rtl="0" eaLnBrk="1" latinLnBrk="0" hangingPunct="1">
+              <a:defRPr sz="1800" kern="1200">
+                <a:solidFill>
+                  <a:schemeClr val="tx1"/>
+                </a:solidFill>
+                <a:latin typeface="+mn-lt"/>
+                <a:ea typeface="+mn-ea"/>
+                <a:cs typeface="+mn-cs"/>
+              </a:defRPr>
+            </a:lvl3pPr>
+            <a:lvl4pPr marL="1371600" algn="l" defTabSz="457200" rtl="0" eaLnBrk="1" latinLnBrk="0" hangingPunct="1">
+              <a:defRPr sz="1800" kern="1200">
+                <a:solidFill>
+                  <a:schemeClr val="tx1"/>
+                </a:solidFill>
+                <a:latin typeface="+mn-lt"/>
+                <a:ea typeface="+mn-ea"/>
+                <a:cs typeface="+mn-cs"/>
+              </a:defRPr>
+            </a:lvl4pPr>
+            <a:lvl5pPr marL="1828800" algn="l" defTabSz="457200" rtl="0" eaLnBrk="1" latinLnBrk="0" hangingPunct="1">
+              <a:defRPr sz="1800" kern="1200">
+                <a:solidFill>
+                  <a:schemeClr val="tx1"/>
+                </a:solidFill>
+                <a:latin typeface="+mn-lt"/>
+                <a:ea typeface="+mn-ea"/>
+                <a:cs typeface="+mn-cs"/>
+              </a:defRPr>
+            </a:lvl5pPr>
+            <a:lvl6pPr marL="2286000" algn="l" defTabSz="457200" rtl="0" eaLnBrk="1" latinLnBrk="0" hangingPunct="1">
+              <a:defRPr sz="1800" kern="1200">
+                <a:solidFill>
+                  <a:schemeClr val="tx1"/>
+                </a:solidFill>
+                <a:latin typeface="+mn-lt"/>
+                <a:ea typeface="+mn-ea"/>
+                <a:cs typeface="+mn-cs"/>
+              </a:defRPr>
+            </a:lvl6pPr>
+            <a:lvl7pPr marL="2743200" algn="l" defTabSz="457200" rtl="0" eaLnBrk="1" latinLnBrk="0" hangingPunct="1">
+              <a:defRPr sz="1800" kern="1200">
+                <a:solidFill>
+                  <a:schemeClr val="tx1"/>
+                </a:solidFill>
+                <a:latin typeface="+mn-lt"/>
+                <a:ea typeface="+mn-ea"/>
+                <a:cs typeface="+mn-cs"/>
+              </a:defRPr>
+            </a:lvl7pPr>
+            <a:lvl8pPr marL="3200400" algn="l" defTabSz="457200" rtl="0" eaLnBrk="1" latinLnBrk="0" hangingPunct="1">
+              <a:defRPr sz="1800" kern="1200">
+                <a:solidFill>
+                  <a:schemeClr val="tx1"/>
+                </a:solidFill>
+                <a:latin typeface="+mn-lt"/>
+                <a:ea typeface="+mn-ea"/>
+                <a:cs typeface="+mn-cs"/>
+              </a:defRPr>
+            </a:lvl8pPr>
+            <a:lvl9pPr marL="3657600" algn="l" defTabSz="457200" rtl="0" eaLnBrk="1" latinLnBrk="0" hangingPunct="1">
+              <a:defRPr sz="1800" kern="1200">
+                <a:solidFill>
+                  <a:schemeClr val="tx1"/>
+                </a:solidFill>
+                <a:latin typeface="+mn-lt"/>
+                <a:ea typeface="+mn-ea"/>
+                <a:cs typeface="+mn-cs"/>
+              </a:defRPr>
+            </a:lvl9pPr>
+          </a:lstStyle>
+          <a:p>
+            <a:r>
+              <a:rPr lang="en-US"/>
+              <a:t>Copyright 2018, FLL TUTORIALS</a:t>
             </a:r>
             <a:endParaRPr lang="en-US" dirty="0"/>
           </a:p>
@@ -2134,68 +2309,146 @@
       </p:sp>
       <p:sp>
         <p:nvSpPr>
-          <p:cNvPr id="6" name="Slide Number Placeholder 5"/>
-          <p:cNvSpPr>
-            <a:spLocks noGrp="1"/>
-          </p:cNvSpPr>
-          <p:nvPr>
-            <p:ph type="sldNum" sz="quarter" idx="12"/>
-          </p:nvPr>
-        </p:nvSpPr>
-        <p:spPr/>
-        <p:txBody>
-          <a:bodyPr/>
-          <a:lstStyle/>
-          <a:p>
-            <a:fld id="{6D22F896-40B5-4ADD-8801-0D06FADFA095}" type="slidenum">
+          <p:cNvPr id="11" name="Slide Number Placeholder 5">
+            <a:extLst>
+              <a:ext uri="{FF2B5EF4-FFF2-40B4-BE49-F238E27FC236}">
+                <a16:creationId xmlns:a16="http://schemas.microsoft.com/office/drawing/2014/main" id="{AA884034-3EBB-704E-AFCD-9611BBBEBA37}"/>
+              </a:ext>
+            </a:extLst>
+          </p:cNvPr>
+          <p:cNvSpPr txBox="1">
+            <a:spLocks/>
+          </p:cNvSpPr>
+          <p:nvPr/>
+        </p:nvSpPr>
+        <p:spPr>
+          <a:xfrm>
+            <a:off x="7800476" y="6392242"/>
+            <a:ext cx="770468" cy="365125"/>
+          </a:xfrm>
+          <a:prstGeom prst="rect">
+            <a:avLst/>
+          </a:prstGeom>
+        </p:spPr>
+        <p:txBody>
+          <a:bodyPr vert="horz" lIns="91440" tIns="45720" rIns="91440" bIns="45720" rtlCol="0" anchor="ctr"/>
+          <a:lstStyle>
+            <a:defPPr>
+              <a:defRPr lang="en-US"/>
+            </a:defPPr>
+            <a:lvl1pPr marL="0" algn="r" defTabSz="457200" rtl="0" eaLnBrk="1" latinLnBrk="0" hangingPunct="1">
+              <a:defRPr sz="900" kern="1200">
+                <a:solidFill>
+                  <a:schemeClr val="accent1">
+                    <a:lumMod val="75000"/>
+                    <a:lumOff val="25000"/>
+                  </a:schemeClr>
+                </a:solidFill>
+                <a:latin typeface="+mn-lt"/>
+                <a:ea typeface="+mn-ea"/>
+                <a:cs typeface="+mn-cs"/>
+              </a:defRPr>
+            </a:lvl1pPr>
+            <a:lvl2pPr marL="457200" algn="l" defTabSz="457200" rtl="0" eaLnBrk="1" latinLnBrk="0" hangingPunct="1">
+              <a:defRPr sz="1800" kern="1200">
+                <a:solidFill>
+                  <a:schemeClr val="tx1"/>
+                </a:solidFill>
+                <a:latin typeface="+mn-lt"/>
+                <a:ea typeface="+mn-ea"/>
+                <a:cs typeface="+mn-cs"/>
+              </a:defRPr>
+            </a:lvl2pPr>
+            <a:lvl3pPr marL="914400" algn="l" defTabSz="457200" rtl="0" eaLnBrk="1" latinLnBrk="0" hangingPunct="1">
+              <a:defRPr sz="1800" kern="1200">
+                <a:solidFill>
+                  <a:schemeClr val="tx1"/>
+                </a:solidFill>
+                <a:latin typeface="+mn-lt"/>
+                <a:ea typeface="+mn-ea"/>
+                <a:cs typeface="+mn-cs"/>
+              </a:defRPr>
+            </a:lvl3pPr>
+            <a:lvl4pPr marL="1371600" algn="l" defTabSz="457200" rtl="0" eaLnBrk="1" latinLnBrk="0" hangingPunct="1">
+              <a:defRPr sz="1800" kern="1200">
+                <a:solidFill>
+                  <a:schemeClr val="tx1"/>
+                </a:solidFill>
+                <a:latin typeface="+mn-lt"/>
+                <a:ea typeface="+mn-ea"/>
+                <a:cs typeface="+mn-cs"/>
+              </a:defRPr>
+            </a:lvl4pPr>
+            <a:lvl5pPr marL="1828800" algn="l" defTabSz="457200" rtl="0" eaLnBrk="1" latinLnBrk="0" hangingPunct="1">
+              <a:defRPr sz="1800" kern="1200">
+                <a:solidFill>
+                  <a:schemeClr val="tx1"/>
+                </a:solidFill>
+                <a:latin typeface="+mn-lt"/>
+                <a:ea typeface="+mn-ea"/>
+                <a:cs typeface="+mn-cs"/>
+              </a:defRPr>
+            </a:lvl5pPr>
+            <a:lvl6pPr marL="2286000" algn="l" defTabSz="457200" rtl="0" eaLnBrk="1" latinLnBrk="0" hangingPunct="1">
+              <a:defRPr sz="1800" kern="1200">
+                <a:solidFill>
+                  <a:schemeClr val="tx1"/>
+                </a:solidFill>
+                <a:latin typeface="+mn-lt"/>
+                <a:ea typeface="+mn-ea"/>
+                <a:cs typeface="+mn-cs"/>
+              </a:defRPr>
+            </a:lvl6pPr>
+            <a:lvl7pPr marL="2743200" algn="l" defTabSz="457200" rtl="0" eaLnBrk="1" latinLnBrk="0" hangingPunct="1">
+              <a:defRPr sz="1800" kern="1200">
+                <a:solidFill>
+                  <a:schemeClr val="tx1"/>
+                </a:solidFill>
+                <a:latin typeface="+mn-lt"/>
+                <a:ea typeface="+mn-ea"/>
+                <a:cs typeface="+mn-cs"/>
+              </a:defRPr>
+            </a:lvl7pPr>
+            <a:lvl8pPr marL="3200400" algn="l" defTabSz="457200" rtl="0" eaLnBrk="1" latinLnBrk="0" hangingPunct="1">
+              <a:defRPr sz="1800" kern="1200">
+                <a:solidFill>
+                  <a:schemeClr val="tx1"/>
+                </a:solidFill>
+                <a:latin typeface="+mn-lt"/>
+                <a:ea typeface="+mn-ea"/>
+                <a:cs typeface="+mn-cs"/>
+              </a:defRPr>
+            </a:lvl8pPr>
+            <a:lvl9pPr marL="3657600" algn="l" defTabSz="457200" rtl="0" eaLnBrk="1" latinLnBrk="0" hangingPunct="1">
+              <a:defRPr sz="1800" kern="1200">
+                <a:solidFill>
+                  <a:schemeClr val="tx1"/>
+                </a:solidFill>
+                <a:latin typeface="+mn-lt"/>
+                <a:ea typeface="+mn-ea"/>
+                <a:cs typeface="+mn-cs"/>
+              </a:defRPr>
+            </a:lvl9pPr>
+          </a:lstStyle>
+          <a:p>
+            <a:fld id="{D57F1E4F-1CFF-5643-939E-217C01CDF565}" type="slidenum">
               <a:rPr lang="en-US" smtClean="0"/>
+              <a:pPr/>
               <a:t>‹#›</a:t>
             </a:fld>
             <a:endParaRPr lang="en-US" dirty="0"/>
           </a:p>
         </p:txBody>
       </p:sp>
-      <p:cxnSp>
-        <p:nvCxnSpPr>
-          <p:cNvPr id="9" name="Straight Connector 8"/>
-          <p:cNvCxnSpPr/>
-          <p:nvPr/>
-        </p:nvCxnSpPr>
-        <p:spPr>
-          <a:xfrm>
-            <a:off x="905744" y="4343400"/>
-            <a:ext cx="7406640" cy="0"/>
-          </a:xfrm>
-          <a:prstGeom prst="line">
-            <a:avLst/>
-          </a:prstGeom>
-          <a:ln w="6350">
-            <a:solidFill>
-              <a:schemeClr val="tx1">
-                <a:lumMod val="50000"/>
-                <a:lumOff val="50000"/>
-              </a:schemeClr>
-            </a:solidFill>
-          </a:ln>
-        </p:spPr>
-        <p:style>
-          <a:lnRef idx="1">
-            <a:schemeClr val="accent1"/>
-          </a:lnRef>
-          <a:fillRef idx="0">
-            <a:schemeClr val="accent1"/>
-          </a:fillRef>
-          <a:effectRef idx="0">
-            <a:schemeClr val="accent1"/>
-          </a:effectRef>
-          <a:fontRef idx="minor">
-            <a:schemeClr val="tx1"/>
-          </a:fontRef>
-        </p:style>
-      </p:cxnSp>
-      <p:sp>
-        <p:nvSpPr>
-          <p:cNvPr id="10" name="Rectangle 9"/>
+      <p:sp>
+        <p:nvSpPr>
+          <p:cNvPr id="12" name="Rectangle 11">
+            <a:extLst>
+              <a:ext uri="{FF2B5EF4-FFF2-40B4-BE49-F238E27FC236}">
+                <a16:creationId xmlns:a16="http://schemas.microsoft.com/office/drawing/2014/main" id="{03ACC513-E48C-4D47-A2BE-B7CD1E7F019C}"/>
+              </a:ext>
+            </a:extLst>
+          </p:cNvPr>
           <p:cNvSpPr/>
           <p:nvPr userDrawn="1"/>
         </p:nvSpPr>
@@ -2239,6 +2492,11 @@
         </p:txBody>
       </p:sp>
     </p:spTree>
+    <p:extLst>
+      <p:ext uri="{BB962C8B-B14F-4D97-AF65-F5344CB8AC3E}">
+        <p14:creationId xmlns:p14="http://schemas.microsoft.com/office/powerpoint/2010/main" val="371513015"/>
+      </p:ext>
+    </p:extLst>
   </p:cSld>
   <p:clrMapOvr>
     <a:masterClrMapping/>
@@ -2265,7 +2523,46 @@
       </p:grpSpPr>
       <p:sp>
         <p:nvSpPr>
-          <p:cNvPr id="8" name="Title 7"/>
+          <p:cNvPr id="8" name="Rectangle 7"/>
+          <p:cNvSpPr>
+            <a:spLocks noChangeAspect="1"/>
+          </p:cNvSpPr>
+          <p:nvPr/>
+        </p:nvSpPr>
+        <p:spPr>
+          <a:xfrm>
+            <a:off x="448092" y="599725"/>
+            <a:ext cx="8238707" cy="1258827"/>
+          </a:xfrm>
+          <a:prstGeom prst="rect">
+            <a:avLst/>
+          </a:prstGeom>
+          <a:solidFill>
+            <a:schemeClr val="accent1"/>
+          </a:solidFill>
+          <a:ln>
+            <a:noFill/>
+          </a:ln>
+          <a:effectLst/>
+        </p:spPr>
+        <p:style>
+          <a:lnRef idx="1">
+            <a:schemeClr val="accent1"/>
+          </a:lnRef>
+          <a:fillRef idx="3">
+            <a:schemeClr val="accent1"/>
+          </a:fillRef>
+          <a:effectRef idx="2">
+            <a:schemeClr val="accent1"/>
+          </a:effectRef>
+          <a:fontRef idx="minor">
+            <a:schemeClr val="lt1"/>
+          </a:fontRef>
+        </p:style>
+      </p:sp>
+      <p:sp>
+        <p:nvSpPr>
+          <p:cNvPr id="2" name="Title 1"/>
           <p:cNvSpPr>
             <a:spLocks noGrp="1"/>
           </p:cNvSpPr>
@@ -2273,12 +2570,7 @@
             <p:ph type="title"/>
           </p:nvPr>
         </p:nvSpPr>
-        <p:spPr>
-          <a:xfrm>
-            <a:off x="301083" y="286604"/>
-            <a:ext cx="8541834" cy="1450757"/>
-          </a:xfrm>
-        </p:spPr>
+        <p:spPr/>
         <p:txBody>
           <a:bodyPr/>
           <a:lstStyle/>
@@ -2303,103 +2595,169 @@
         </p:nvSpPr>
         <p:spPr>
           <a:xfrm>
-            <a:off x="301083" y="1845734"/>
-            <a:ext cx="4225197" cy="4023360"/>
-          </a:xfrm>
+            <a:off x="581192" y="2228002"/>
+            <a:ext cx="3899527" cy="3633047"/>
+          </a:xfrm>
+        </p:spPr>
+        <p:txBody>
+          <a:bodyPr>
+            <a:normAutofit/>
+          </a:bodyPr>
+          <a:lstStyle/>
+          <a:p>
+            <a:pPr lvl="0"/>
+            <a:r>
+              <a:rPr lang="en-US"/>
+              <a:t>Edit Master text styles</a:t>
+            </a:r>
+          </a:p>
+          <a:p>
+            <a:pPr lvl="1"/>
+            <a:r>
+              <a:rPr lang="en-US"/>
+              <a:t>Second level</a:t>
+            </a:r>
+          </a:p>
+          <a:p>
+            <a:pPr lvl="2"/>
+            <a:r>
+              <a:rPr lang="en-US"/>
+              <a:t>Third level</a:t>
+            </a:r>
+          </a:p>
+          <a:p>
+            <a:pPr lvl="3"/>
+            <a:r>
+              <a:rPr lang="en-US"/>
+              <a:t>Fourth level</a:t>
+            </a:r>
+          </a:p>
+          <a:p>
+            <a:pPr lvl="4"/>
+            <a:r>
+              <a:rPr lang="en-US"/>
+              <a:t>Fifth level</a:t>
+            </a:r>
+            <a:endParaRPr lang="en-US" dirty="0"/>
+          </a:p>
+        </p:txBody>
+      </p:sp>
+      <p:sp>
+        <p:nvSpPr>
+          <p:cNvPr id="4" name="Content Placeholder 3"/>
+          <p:cNvSpPr>
+            <a:spLocks noGrp="1"/>
+          </p:cNvSpPr>
+          <p:nvPr>
+            <p:ph sz="half" idx="2"/>
+          </p:nvPr>
+        </p:nvSpPr>
+        <p:spPr>
+          <a:xfrm>
+            <a:off x="4663282" y="2228003"/>
+            <a:ext cx="3907662" cy="3633047"/>
+          </a:xfrm>
+        </p:spPr>
+        <p:txBody>
+          <a:bodyPr>
+            <a:normAutofit/>
+          </a:bodyPr>
+          <a:lstStyle/>
+          <a:p>
+            <a:pPr lvl="0"/>
+            <a:r>
+              <a:rPr lang="en-US"/>
+              <a:t>Edit Master text styles</a:t>
+            </a:r>
+          </a:p>
+          <a:p>
+            <a:pPr lvl="1"/>
+            <a:r>
+              <a:rPr lang="en-US"/>
+              <a:t>Second level</a:t>
+            </a:r>
+          </a:p>
+          <a:p>
+            <a:pPr lvl="2"/>
+            <a:r>
+              <a:rPr lang="en-US"/>
+              <a:t>Third level</a:t>
+            </a:r>
+          </a:p>
+          <a:p>
+            <a:pPr lvl="3"/>
+            <a:r>
+              <a:rPr lang="en-US"/>
+              <a:t>Fourth level</a:t>
+            </a:r>
+          </a:p>
+          <a:p>
+            <a:pPr lvl="4"/>
+            <a:r>
+              <a:rPr lang="en-US"/>
+              <a:t>Fifth level</a:t>
+            </a:r>
+            <a:endParaRPr lang="en-US" dirty="0"/>
+          </a:p>
+        </p:txBody>
+      </p:sp>
+      <p:sp>
+        <p:nvSpPr>
+          <p:cNvPr id="5" name="Date Placeholder 4"/>
+          <p:cNvSpPr>
+            <a:spLocks noGrp="1"/>
+          </p:cNvSpPr>
+          <p:nvPr>
+            <p:ph type="dt" sz="half" idx="10"/>
+          </p:nvPr>
+        </p:nvSpPr>
+        <p:spPr>
+          <a:xfrm>
+            <a:off x="5559327" y="5956136"/>
+            <a:ext cx="2133600" cy="365125"/>
+          </a:xfrm>
+          <a:prstGeom prst="rect">
+            <a:avLst/>
+          </a:prstGeom>
         </p:spPr>
         <p:txBody>
           <a:bodyPr/>
           <a:lstStyle/>
           <a:p>
-            <a:pPr lvl="0"/>
-            <a:r>
-              <a:rPr lang="en-US"/>
-              <a:t>Click to edit Master text styles</a:t>
-            </a:r>
-          </a:p>
-          <a:p>
-            <a:pPr lvl="1"/>
-            <a:r>
-              <a:rPr lang="en-US"/>
-              <a:t>Second level</a:t>
-            </a:r>
-          </a:p>
-          <a:p>
-            <a:pPr lvl="2"/>
-            <a:r>
-              <a:rPr lang="en-US"/>
-              <a:t>Third level</a:t>
-            </a:r>
-          </a:p>
-          <a:p>
-            <a:pPr lvl="3"/>
-            <a:r>
-              <a:rPr lang="en-US"/>
-              <a:t>Fourth level</a:t>
-            </a:r>
-          </a:p>
-          <a:p>
-            <a:pPr lvl="4"/>
-            <a:r>
-              <a:rPr lang="en-US"/>
-              <a:t>Fifth level</a:t>
-            </a:r>
+            <a:fld id="{CC24CE98-68B6-4496-B6E9-6E7D3EAFB920}" type="datetime1">
+              <a:rPr lang="en-US" smtClean="0"/>
+              <a:t>6/12/18</a:t>
+            </a:fld>
             <a:endParaRPr lang="en-US" dirty="0"/>
           </a:p>
         </p:txBody>
       </p:sp>
       <p:sp>
         <p:nvSpPr>
-          <p:cNvPr id="4" name="Content Placeholder 3"/>
-          <p:cNvSpPr>
-            <a:spLocks noGrp="1"/>
-          </p:cNvSpPr>
-          <p:nvPr>
-            <p:ph sz="half" idx="2"/>
-          </p:nvPr>
-        </p:nvSpPr>
-        <p:spPr>
-          <a:xfrm>
-            <a:off x="4663439" y="1845736"/>
-            <a:ext cx="4179477" cy="4023359"/>
-          </a:xfrm>
+          <p:cNvPr id="6" name="Footer Placeholder 5"/>
+          <p:cNvSpPr>
+            <a:spLocks noGrp="1"/>
+          </p:cNvSpPr>
+          <p:nvPr>
+            <p:ph type="ftr" sz="quarter" idx="11"/>
+          </p:nvPr>
+        </p:nvSpPr>
+        <p:spPr>
+          <a:xfrm>
+            <a:off x="581192" y="5951810"/>
+            <a:ext cx="4870585" cy="365125"/>
+          </a:xfrm>
+          <a:prstGeom prst="rect">
+            <a:avLst/>
+          </a:prstGeom>
         </p:spPr>
         <p:txBody>
           <a:bodyPr/>
           <a:lstStyle/>
           <a:p>
-            <a:pPr lvl="0"/>
-            <a:r>
-              <a:rPr lang="en-US"/>
-              <a:t>Click to edit Master text styles</a:t>
-            </a:r>
-          </a:p>
-          <a:p>
-            <a:pPr lvl="1"/>
-            <a:r>
-              <a:rPr lang="en-US"/>
-              <a:t>Second level</a:t>
-            </a:r>
-          </a:p>
-          <a:p>
-            <a:pPr lvl="2"/>
-            <a:r>
-              <a:rPr lang="en-US"/>
-              <a:t>Third level</a:t>
-            </a:r>
-          </a:p>
-          <a:p>
-            <a:pPr lvl="3"/>
-            <a:r>
-              <a:rPr lang="en-US"/>
-              <a:t>Fourth level</a:t>
-            </a:r>
-          </a:p>
-          <a:p>
-            <a:pPr lvl="4"/>
-            <a:r>
-              <a:rPr lang="en-US"/>
-              <a:t>Fifth level</a:t>
+            <a:r>
+              <a:rPr lang="en-US"/>
+              <a:t>© 2018, FLL Tutorials (Last Edit 6/11/2018)</a:t>
             </a:r>
             <a:endParaRPr lang="en-US" dirty="0"/>
           </a:p>
@@ -2407,52 +2765,6 @@
       </p:sp>
       <p:sp>
         <p:nvSpPr>
-          <p:cNvPr id="5" name="Date Placeholder 4"/>
-          <p:cNvSpPr>
-            <a:spLocks noGrp="1"/>
-          </p:cNvSpPr>
-          <p:nvPr>
-            <p:ph type="dt" sz="half" idx="10"/>
-          </p:nvPr>
-        </p:nvSpPr>
-        <p:spPr/>
-        <p:txBody>
-          <a:bodyPr/>
-          <a:lstStyle/>
-          <a:p>
-            <a:fld id="{70220939-E154-4440-9233-B963EC7EC367}" type="datetime1">
-              <a:rPr lang="en-US" smtClean="0"/>
-              <a:t>6/7/18</a:t>
-            </a:fld>
-            <a:endParaRPr lang="en-US" dirty="0"/>
-          </a:p>
-        </p:txBody>
-      </p:sp>
-      <p:sp>
-        <p:nvSpPr>
-          <p:cNvPr id="6" name="Footer Placeholder 5"/>
-          <p:cNvSpPr>
-            <a:spLocks noGrp="1"/>
-          </p:cNvSpPr>
-          <p:nvPr>
-            <p:ph type="ftr" sz="quarter" idx="11"/>
-          </p:nvPr>
-        </p:nvSpPr>
-        <p:spPr/>
-        <p:txBody>
-          <a:bodyPr/>
-          <a:lstStyle/>
-          <a:p>
-            <a:r>
-              <a:rPr lang="en-US"/>
-              <a:t>© 2018, FLL Tutorials (Last Edit 8/18/2017)</a:t>
-            </a:r>
-            <a:endParaRPr lang="en-US" dirty="0"/>
-          </a:p>
-        </p:txBody>
-      </p:sp>
-      <p:sp>
-        <p:nvSpPr>
           <p:cNvPr id="7" name="Slide Number Placeholder 6"/>
           <p:cNvSpPr>
             <a:spLocks noGrp="1"/>
@@ -2461,7 +2773,15 @@
             <p:ph type="sldNum" sz="quarter" idx="12"/>
           </p:nvPr>
         </p:nvSpPr>
-        <p:spPr/>
+        <p:spPr>
+          <a:xfrm>
+            <a:off x="7800476" y="5956136"/>
+            <a:ext cx="770468" cy="365125"/>
+          </a:xfrm>
+          <a:prstGeom prst="rect">
+            <a:avLst/>
+          </a:prstGeom>
+        </p:spPr>
         <p:txBody>
           <a:bodyPr/>
           <a:lstStyle/>
@@ -2475,6 +2795,11 @@
         </p:txBody>
       </p:sp>
     </p:spTree>
+    <p:extLst>
+      <p:ext uri="{BB962C8B-B14F-4D97-AF65-F5344CB8AC3E}">
+        <p14:creationId xmlns:p14="http://schemas.microsoft.com/office/powerpoint/2010/main" val="1466520862"/>
+      </p:ext>
+    </p:extLst>
   </p:cSld>
   <p:clrMapOvr>
     <a:masterClrMapping/>
@@ -2501,7 +2826,46 @@
       </p:grpSpPr>
       <p:sp>
         <p:nvSpPr>
-          <p:cNvPr id="10" name="Title 9"/>
+          <p:cNvPr id="10" name="Rectangle 9"/>
+          <p:cNvSpPr>
+            <a:spLocks noChangeAspect="1"/>
+          </p:cNvSpPr>
+          <p:nvPr/>
+        </p:nvSpPr>
+        <p:spPr>
+          <a:xfrm>
+            <a:off x="448092" y="599725"/>
+            <a:ext cx="8238707" cy="1258827"/>
+          </a:xfrm>
+          <a:prstGeom prst="rect">
+            <a:avLst/>
+          </a:prstGeom>
+          <a:solidFill>
+            <a:schemeClr val="accent1"/>
+          </a:solidFill>
+          <a:ln>
+            <a:noFill/>
+          </a:ln>
+          <a:effectLst/>
+        </p:spPr>
+        <p:style>
+          <a:lnRef idx="1">
+            <a:schemeClr val="accent1"/>
+          </a:lnRef>
+          <a:fillRef idx="3">
+            <a:schemeClr val="accent1"/>
+          </a:fillRef>
+          <a:effectRef idx="2">
+            <a:schemeClr val="accent1"/>
+          </a:effectRef>
+          <a:fontRef idx="minor">
+            <a:schemeClr val="lt1"/>
+          </a:fontRef>
+        </p:style>
+      </p:sp>
+      <p:sp>
+        <p:nvSpPr>
+          <p:cNvPr id="2" name="Title 1"/>
           <p:cNvSpPr>
             <a:spLocks noGrp="1"/>
           </p:cNvSpPr>
@@ -2509,15 +2873,14 @@
             <p:ph type="title"/>
           </p:nvPr>
         </p:nvSpPr>
-        <p:spPr>
-          <a:xfrm>
-            <a:off x="822960" y="286604"/>
-            <a:ext cx="7543800" cy="1450757"/>
-          </a:xfrm>
-        </p:spPr>
+        <p:spPr/>
         <p:txBody>
           <a:bodyPr/>
-          <a:lstStyle/>
+          <a:lstStyle>
+            <a:lvl1pPr>
+              <a:defRPr/>
+            </a:lvl1pPr>
+          </a:lstStyle>
           <a:p>
             <a:r>
               <a:rPr lang="en-US"/>
@@ -2539,20 +2902,20 @@
         </p:nvSpPr>
         <p:spPr>
           <a:xfrm>
-            <a:off x="822960" y="1846052"/>
-            <a:ext cx="3703320" cy="736282"/>
-          </a:xfrm>
-        </p:spPr>
-        <p:txBody>
-          <a:bodyPr lIns="91440" rIns="91440" anchor="ctr">
-            <a:normAutofit/>
+            <a:off x="887219" y="2228003"/>
+            <a:ext cx="3593500" cy="576262"/>
+          </a:xfrm>
+        </p:spPr>
+        <p:txBody>
+          <a:bodyPr anchor="b">
+            <a:noAutofit/>
           </a:bodyPr>
           <a:lstStyle>
             <a:lvl1pPr marL="0" indent="0">
               <a:buNone/>
-              <a:defRPr sz="2000" b="0" cap="all" baseline="0">
+              <a:defRPr sz="2200" b="0">
                 <a:solidFill>
-                  <a:schemeClr val="tx2"/>
+                  <a:schemeClr val="accent2"/>
                 </a:solidFill>
               </a:defRPr>
             </a:lvl1pPr>
@@ -2593,7 +2956,7 @@
             <a:pPr lvl="0"/>
             <a:r>
               <a:rPr lang="en-US"/>
-              <a:t>Click to edit Master text styles</a:t>
+              <a:t>Edit Master text styles</a:t>
             </a:r>
           </a:p>
         </p:txBody>
@@ -2610,18 +2973,20 @@
         </p:nvSpPr>
         <p:spPr>
           <a:xfrm>
-            <a:off x="822960" y="2582334"/>
-            <a:ext cx="3703320" cy="3286760"/>
-          </a:xfrm>
-        </p:spPr>
-        <p:txBody>
-          <a:bodyPr/>
+            <a:off x="581192" y="2926051"/>
+            <a:ext cx="3899527" cy="2934999"/>
+          </a:xfrm>
+        </p:spPr>
+        <p:txBody>
+          <a:bodyPr anchor="t">
+            <a:normAutofit/>
+          </a:bodyPr>
           <a:lstStyle/>
           <a:p>
             <a:pPr lvl="0"/>
             <a:r>
               <a:rPr lang="en-US"/>
-              <a:t>Click to edit Master text styles</a:t>
+              <a:t>Edit Master text styles</a:t>
             </a:r>
           </a:p>
           <a:p>
@@ -2667,20 +3032,20 @@
         </p:nvSpPr>
         <p:spPr>
           <a:xfrm>
-            <a:off x="4663440" y="1846052"/>
-            <a:ext cx="3703320" cy="736282"/>
-          </a:xfrm>
-        </p:spPr>
-        <p:txBody>
-          <a:bodyPr lIns="91440" rIns="91440" anchor="ctr">
-            <a:normAutofit/>
+            <a:off x="4969308" y="2228003"/>
+            <a:ext cx="3601635" cy="576262"/>
+          </a:xfrm>
+        </p:spPr>
+        <p:txBody>
+          <a:bodyPr anchor="b">
+            <a:noAutofit/>
           </a:bodyPr>
           <a:lstStyle>
             <a:lvl1pPr marL="0" indent="0">
               <a:buNone/>
-              <a:defRPr sz="2000" b="0" cap="all" baseline="0">
+              <a:defRPr sz="2200" b="0">
                 <a:solidFill>
-                  <a:schemeClr val="tx2"/>
+                  <a:schemeClr val="accent2"/>
                 </a:solidFill>
               </a:defRPr>
             </a:lvl1pPr>
@@ -2721,7 +3086,7 @@
             <a:pPr lvl="0"/>
             <a:r>
               <a:rPr lang="en-US"/>
-              <a:t>Click to edit Master text styles</a:t>
+              <a:t>Edit Master text styles</a:t>
             </a:r>
           </a:p>
         </p:txBody>
@@ -2738,99 +3103,117 @@
         </p:nvSpPr>
         <p:spPr>
           <a:xfrm>
-            <a:off x="4663440" y="2582334"/>
-            <a:ext cx="3703320" cy="3286760"/>
-          </a:xfrm>
+            <a:off x="4663282" y="2926051"/>
+            <a:ext cx="3907662" cy="2934999"/>
+          </a:xfrm>
+        </p:spPr>
+        <p:txBody>
+          <a:bodyPr anchor="t">
+            <a:normAutofit/>
+          </a:bodyPr>
+          <a:lstStyle/>
+          <a:p>
+            <a:pPr lvl="0"/>
+            <a:r>
+              <a:rPr lang="en-US"/>
+              <a:t>Edit Master text styles</a:t>
+            </a:r>
+          </a:p>
+          <a:p>
+            <a:pPr lvl="1"/>
+            <a:r>
+              <a:rPr lang="en-US"/>
+              <a:t>Second level</a:t>
+            </a:r>
+          </a:p>
+          <a:p>
+            <a:pPr lvl="2"/>
+            <a:r>
+              <a:rPr lang="en-US"/>
+              <a:t>Third level</a:t>
+            </a:r>
+          </a:p>
+          <a:p>
+            <a:pPr lvl="3"/>
+            <a:r>
+              <a:rPr lang="en-US"/>
+              <a:t>Fourth level</a:t>
+            </a:r>
+          </a:p>
+          <a:p>
+            <a:pPr lvl="4"/>
+            <a:r>
+              <a:rPr lang="en-US"/>
+              <a:t>Fifth level</a:t>
+            </a:r>
+            <a:endParaRPr lang="en-US" dirty="0"/>
+          </a:p>
+        </p:txBody>
+      </p:sp>
+      <p:sp>
+        <p:nvSpPr>
+          <p:cNvPr id="7" name="Date Placeholder 6"/>
+          <p:cNvSpPr>
+            <a:spLocks noGrp="1"/>
+          </p:cNvSpPr>
+          <p:nvPr>
+            <p:ph type="dt" sz="half" idx="10"/>
+          </p:nvPr>
+        </p:nvSpPr>
+        <p:spPr>
+          <a:xfrm>
+            <a:off x="5559327" y="5956136"/>
+            <a:ext cx="2133600" cy="365125"/>
+          </a:xfrm>
+          <a:prstGeom prst="rect">
+            <a:avLst/>
+          </a:prstGeom>
         </p:spPr>
         <p:txBody>
           <a:bodyPr/>
           <a:lstStyle/>
           <a:p>
-            <a:pPr lvl="0"/>
-            <a:r>
-              <a:rPr lang="en-US"/>
-              <a:t>Click to edit Master text styles</a:t>
-            </a:r>
-          </a:p>
-          <a:p>
-            <a:pPr lvl="1"/>
-            <a:r>
-              <a:rPr lang="en-US"/>
-              <a:t>Second level</a:t>
-            </a:r>
-          </a:p>
-          <a:p>
-            <a:pPr lvl="2"/>
-            <a:r>
-              <a:rPr lang="en-US"/>
-              <a:t>Third level</a:t>
-            </a:r>
-          </a:p>
-          <a:p>
-            <a:pPr lvl="3"/>
-            <a:r>
-              <a:rPr lang="en-US"/>
-              <a:t>Fourth level</a:t>
-            </a:r>
-          </a:p>
-          <a:p>
-            <a:pPr lvl="4"/>
-            <a:r>
-              <a:rPr lang="en-US"/>
-              <a:t>Fifth level</a:t>
-            </a:r>
+            <a:fld id="{F22D7A16-074F-4FA9-8F5A-0D30602CAA26}" type="datetime1">
+              <a:rPr lang="en-US" smtClean="0"/>
+              <a:t>6/12/18</a:t>
+            </a:fld>
             <a:endParaRPr lang="en-US" dirty="0"/>
           </a:p>
         </p:txBody>
       </p:sp>
       <p:sp>
         <p:nvSpPr>
-          <p:cNvPr id="7" name="Date Placeholder 6"/>
-          <p:cNvSpPr>
-            <a:spLocks noGrp="1"/>
-          </p:cNvSpPr>
-          <p:nvPr>
-            <p:ph type="dt" sz="half" idx="10"/>
-          </p:nvPr>
-        </p:nvSpPr>
-        <p:spPr/>
+          <p:cNvPr id="8" name="Footer Placeholder 7"/>
+          <p:cNvSpPr>
+            <a:spLocks noGrp="1"/>
+          </p:cNvSpPr>
+          <p:nvPr>
+            <p:ph type="ftr" sz="quarter" idx="11"/>
+          </p:nvPr>
+        </p:nvSpPr>
+        <p:spPr>
+          <a:xfrm>
+            <a:off x="581192" y="5951810"/>
+            <a:ext cx="4870585" cy="365125"/>
+          </a:xfrm>
+          <a:prstGeom prst="rect">
+            <a:avLst/>
+          </a:prstGeom>
+        </p:spPr>
         <p:txBody>
           <a:bodyPr/>
           <a:lstStyle/>
           <a:p>
-            <a:fld id="{A4AA6E3B-5F56-4659-A3E8-B82C6BA0CE3E}" type="datetime1">
-              <a:rPr lang="en-US" smtClean="0"/>
-              <a:t>6/7/18</a:t>
-            </a:fld>
+            <a:r>
+              <a:rPr lang="en-US"/>
+              <a:t>© 2018, FLL Tutorials (Last Edit 6/11/2018)</a:t>
+            </a:r>
             <a:endParaRPr lang="en-US" dirty="0"/>
           </a:p>
         </p:txBody>
       </p:sp>
       <p:sp>
         <p:nvSpPr>
-          <p:cNvPr id="8" name="Footer Placeholder 7"/>
-          <p:cNvSpPr>
-            <a:spLocks noGrp="1"/>
-          </p:cNvSpPr>
-          <p:nvPr>
-            <p:ph type="ftr" sz="quarter" idx="11"/>
-          </p:nvPr>
-        </p:nvSpPr>
-        <p:spPr/>
-        <p:txBody>
-          <a:bodyPr/>
-          <a:lstStyle/>
-          <a:p>
-            <a:r>
-              <a:rPr lang="en-US"/>
-              <a:t>© 2018, FLL Tutorials (Last Edit 8/18/2017)</a:t>
-            </a:r>
-            <a:endParaRPr lang="en-US" dirty="0"/>
-          </a:p>
-        </p:txBody>
-      </p:sp>
-      <p:sp>
-        <p:nvSpPr>
           <p:cNvPr id="9" name="Slide Number Placeholder 8"/>
           <p:cNvSpPr>
             <a:spLocks noGrp="1"/>
@@ -2839,7 +3222,15 @@
             <p:ph type="sldNum" sz="quarter" idx="12"/>
           </p:nvPr>
         </p:nvSpPr>
-        <p:spPr/>
+        <p:spPr>
+          <a:xfrm>
+            <a:off x="7800476" y="5956136"/>
+            <a:ext cx="770468" cy="365125"/>
+          </a:xfrm>
+          <a:prstGeom prst="rect">
+            <a:avLst/>
+          </a:prstGeom>
+        </p:spPr>
         <p:txBody>
           <a:bodyPr/>
           <a:lstStyle/>
@@ -2853,6 +3244,11 @@
         </p:txBody>
       </p:sp>
     </p:spTree>
+    <p:extLst>
+      <p:ext uri="{BB962C8B-B14F-4D97-AF65-F5344CB8AC3E}">
+        <p14:creationId xmlns:p14="http://schemas.microsoft.com/office/powerpoint/2010/main" val="615306453"/>
+      </p:ext>
+    </p:extLst>
   </p:cSld>
   <p:clrMapOvr>
     <a:masterClrMapping/>
@@ -2879,6 +3275,45 @@
       </p:grpSpPr>
       <p:sp>
         <p:nvSpPr>
+          <p:cNvPr id="6" name="Rectangle 5"/>
+          <p:cNvSpPr>
+            <a:spLocks noChangeAspect="1"/>
+          </p:cNvSpPr>
+          <p:nvPr/>
+        </p:nvSpPr>
+        <p:spPr>
+          <a:xfrm>
+            <a:off x="448092" y="599725"/>
+            <a:ext cx="8238707" cy="1258827"/>
+          </a:xfrm>
+          <a:prstGeom prst="rect">
+            <a:avLst/>
+          </a:prstGeom>
+          <a:solidFill>
+            <a:schemeClr val="accent1"/>
+          </a:solidFill>
+          <a:ln>
+            <a:noFill/>
+          </a:ln>
+          <a:effectLst/>
+        </p:spPr>
+        <p:style>
+          <a:lnRef idx="1">
+            <a:schemeClr val="accent1"/>
+          </a:lnRef>
+          <a:fillRef idx="3">
+            <a:schemeClr val="accent1"/>
+          </a:fillRef>
+          <a:effectRef idx="2">
+            <a:schemeClr val="accent1"/>
+          </a:effectRef>
+          <a:fontRef idx="minor">
+            <a:schemeClr val="lt1"/>
+          </a:fontRef>
+        </p:style>
+      </p:sp>
+      <p:sp>
+        <p:nvSpPr>
           <p:cNvPr id="2" name="Title 1"/>
           <p:cNvSpPr>
             <a:spLocks noGrp="1"/>
@@ -2910,14 +3345,22 @@
             <p:ph type="dt" sz="half" idx="10"/>
           </p:nvPr>
         </p:nvSpPr>
-        <p:spPr/>
+        <p:spPr>
+          <a:xfrm>
+            <a:off x="5559327" y="5956136"/>
+            <a:ext cx="2133600" cy="365125"/>
+          </a:xfrm>
+          <a:prstGeom prst="rect">
+            <a:avLst/>
+          </a:prstGeom>
+        </p:spPr>
         <p:txBody>
           <a:bodyPr/>
           <a:lstStyle/>
           <a:p>
-            <a:fld id="{8861155C-1716-4C76-AB58-6EE76E4E0AAC}" type="datetime1">
+            <a:fld id="{E40A515B-2F8B-48B9-A111-B71681EB3FD9}" type="datetime1">
               <a:rPr lang="en-US" smtClean="0"/>
-              <a:t>6/7/18</a:t>
+              <a:t>6/12/18</a:t>
             </a:fld>
             <a:endParaRPr lang="en-US" dirty="0"/>
           </a:p>
@@ -2933,14 +3376,22 @@
             <p:ph type="ftr" sz="quarter" idx="11"/>
           </p:nvPr>
         </p:nvSpPr>
-        <p:spPr/>
+        <p:spPr>
+          <a:xfrm>
+            <a:off x="581192" y="5951810"/>
+            <a:ext cx="4870585" cy="365125"/>
+          </a:xfrm>
+          <a:prstGeom prst="rect">
+            <a:avLst/>
+          </a:prstGeom>
+        </p:spPr>
         <p:txBody>
           <a:bodyPr/>
           <a:lstStyle/>
           <a:p>
             <a:r>
               <a:rPr lang="en-US"/>
-              <a:t>© 2018, FLL Tutorials (Last Edit 8/18/2017)</a:t>
+              <a:t>© 2018, FLL Tutorials (Last Edit 6/11/2018)</a:t>
             </a:r>
             <a:endParaRPr lang="en-US" dirty="0"/>
           </a:p>
@@ -2956,7 +3407,15 @@
             <p:ph type="sldNum" sz="quarter" idx="12"/>
           </p:nvPr>
         </p:nvSpPr>
-        <p:spPr/>
+        <p:spPr>
+          <a:xfrm>
+            <a:off x="7800476" y="5956136"/>
+            <a:ext cx="770468" cy="365125"/>
+          </a:xfrm>
+          <a:prstGeom prst="rect">
+            <a:avLst/>
+          </a:prstGeom>
+        </p:spPr>
         <p:txBody>
           <a:bodyPr/>
           <a:lstStyle/>
@@ -2970,6 +3429,11 @@
         </p:txBody>
       </p:sp>
     </p:spTree>
+    <p:extLst>
+      <p:ext uri="{BB962C8B-B14F-4D97-AF65-F5344CB8AC3E}">
+        <p14:creationId xmlns:p14="http://schemas.microsoft.com/office/powerpoint/2010/main" val="1392516009"/>
+      </p:ext>
+    </p:extLst>
   </p:cSld>
   <p:clrMapOvr>
     <a:masterClrMapping/>
@@ -2978,7 +3442,7 @@
 </file>
 
 <file path=ppt/slideLayouts/slideLayout7.xml><?xml version="1.0" encoding="utf-8"?>
-<p:sldLayout xmlns:a="http://schemas.openxmlformats.org/drawingml/2006/main" xmlns:r="http://schemas.openxmlformats.org/officeDocument/2006/relationships" xmlns:p="http://schemas.openxmlformats.org/presentationml/2006/main" showMasterSp="0" type="blank" preserve="1">
+<p:sldLayout xmlns:a="http://schemas.openxmlformats.org/drawingml/2006/main" xmlns:r="http://schemas.openxmlformats.org/officeDocument/2006/relationships" xmlns:p="http://schemas.openxmlformats.org/presentationml/2006/main" type="blank" preserve="1">
   <p:cSld name="Blank">
     <p:spTree>
       <p:nvGrpSpPr>
@@ -2996,137 +3460,69 @@
       </p:grpSpPr>
       <p:sp>
         <p:nvSpPr>
-          <p:cNvPr id="5" name="Rectangle 4"/>
-          <p:cNvSpPr/>
-          <p:nvPr/>
-        </p:nvSpPr>
-        <p:spPr>
-          <a:xfrm>
-            <a:off x="2382" y="6400800"/>
-            <a:ext cx="9141619" cy="457200"/>
+          <p:cNvPr id="2" name="Date Placeholder 1"/>
+          <p:cNvSpPr>
+            <a:spLocks noGrp="1"/>
+          </p:cNvSpPr>
+          <p:nvPr>
+            <p:ph type="dt" sz="half" idx="10"/>
+          </p:nvPr>
+        </p:nvSpPr>
+        <p:spPr>
+          <a:xfrm>
+            <a:off x="5559327" y="5956136"/>
+            <a:ext cx="2133600" cy="365125"/>
           </a:xfrm>
           <a:prstGeom prst="rect">
             <a:avLst/>
           </a:prstGeom>
-          <a:solidFill>
-            <a:schemeClr val="accent2"/>
-          </a:solidFill>
-          <a:ln>
-            <a:noFill/>
-          </a:ln>
-        </p:spPr>
-        <p:style>
-          <a:lnRef idx="2">
-            <a:schemeClr val="accent1">
-              <a:shade val="50000"/>
-            </a:schemeClr>
-          </a:lnRef>
-          <a:fillRef idx="1">
-            <a:schemeClr val="accent1"/>
-          </a:fillRef>
-          <a:effectRef idx="0">
-            <a:schemeClr val="accent1"/>
-          </a:effectRef>
-          <a:fontRef idx="minor">
-            <a:schemeClr val="lt1"/>
-          </a:fontRef>
-        </p:style>
-      </p:sp>
-      <p:sp>
-        <p:nvSpPr>
-          <p:cNvPr id="6" name="Rectangle 5"/>
-          <p:cNvSpPr/>
-          <p:nvPr/>
-        </p:nvSpPr>
-        <p:spPr>
-          <a:xfrm>
-            <a:off x="12" y="6334316"/>
-            <a:ext cx="9141619" cy="64008"/>
+        </p:spPr>
+        <p:txBody>
+          <a:bodyPr/>
+          <a:lstStyle/>
+          <a:p>
+            <a:fld id="{FC74D4E4-1164-405F-B36F-568643F96A7D}" type="datetime1">
+              <a:rPr lang="en-US" smtClean="0"/>
+              <a:t>6/12/18</a:t>
+            </a:fld>
+            <a:endParaRPr lang="en-US" dirty="0"/>
+          </a:p>
+        </p:txBody>
+      </p:sp>
+      <p:sp>
+        <p:nvSpPr>
+          <p:cNvPr id="3" name="Footer Placeholder 2"/>
+          <p:cNvSpPr>
+            <a:spLocks noGrp="1"/>
+          </p:cNvSpPr>
+          <p:nvPr>
+            <p:ph type="ftr" sz="quarter" idx="11"/>
+          </p:nvPr>
+        </p:nvSpPr>
+        <p:spPr>
+          <a:xfrm>
+            <a:off x="581192" y="5951810"/>
+            <a:ext cx="4870585" cy="365125"/>
           </a:xfrm>
           <a:prstGeom prst="rect">
             <a:avLst/>
           </a:prstGeom>
-          <a:solidFill>
-            <a:schemeClr val="accent1"/>
-          </a:solidFill>
-          <a:ln>
-            <a:noFill/>
-          </a:ln>
-        </p:spPr>
-        <p:style>
-          <a:lnRef idx="2">
-            <a:schemeClr val="accent1">
-              <a:shade val="50000"/>
-            </a:schemeClr>
-          </a:lnRef>
-          <a:fillRef idx="1">
-            <a:schemeClr val="accent1"/>
-          </a:fillRef>
-          <a:effectRef idx="0">
-            <a:schemeClr val="accent1"/>
-          </a:effectRef>
-          <a:fontRef idx="minor">
-            <a:schemeClr val="lt1"/>
-          </a:fontRef>
-        </p:style>
-      </p:sp>
-      <p:sp>
-        <p:nvSpPr>
-          <p:cNvPr id="7" name="Date Placeholder 6"/>
-          <p:cNvSpPr>
-            <a:spLocks noGrp="1"/>
-          </p:cNvSpPr>
-          <p:nvPr>
-            <p:ph type="dt" sz="half" idx="10"/>
-          </p:nvPr>
-        </p:nvSpPr>
-        <p:spPr/>
+        </p:spPr>
         <p:txBody>
           <a:bodyPr/>
           <a:lstStyle/>
           <a:p>
-            <a:fld id="{F0578774-0AF3-4D4B-99BD-D30C2604808F}" type="datetime1">
-              <a:rPr lang="en-US" smtClean="0"/>
-              <a:t>6/7/18</a:t>
-            </a:fld>
+            <a:r>
+              <a:rPr lang="en-US"/>
+              <a:t>© 2018, FLL Tutorials (Last Edit 6/11/2018)</a:t>
+            </a:r>
             <a:endParaRPr lang="en-US" dirty="0"/>
           </a:p>
         </p:txBody>
       </p:sp>
       <p:sp>
         <p:nvSpPr>
-          <p:cNvPr id="8" name="Footer Placeholder 7"/>
-          <p:cNvSpPr>
-            <a:spLocks noGrp="1"/>
-          </p:cNvSpPr>
-          <p:nvPr>
-            <p:ph type="ftr" sz="quarter" idx="11"/>
-          </p:nvPr>
-        </p:nvSpPr>
-        <p:spPr/>
-        <p:txBody>
-          <a:bodyPr/>
-          <a:lstStyle>
-            <a:lvl1pPr>
-              <a:defRPr>
-                <a:solidFill>
-                  <a:srgbClr val="FFFFFF"/>
-                </a:solidFill>
-              </a:defRPr>
-            </a:lvl1pPr>
-          </a:lstStyle>
-          <a:p>
-            <a:r>
-              <a:rPr lang="en-US"/>
-              <a:t>© 2018, FLL Tutorials (Last Edit 8/18/2017)</a:t>
-            </a:r>
-            <a:endParaRPr lang="en-US" dirty="0"/>
-          </a:p>
-        </p:txBody>
-      </p:sp>
-      <p:sp>
-        <p:nvSpPr>
-          <p:cNvPr id="9" name="Slide Number Placeholder 8"/>
+          <p:cNvPr id="4" name="Slide Number Placeholder 3"/>
           <p:cNvSpPr>
             <a:spLocks noGrp="1"/>
           </p:cNvSpPr>
@@ -3134,7 +3530,15 @@
             <p:ph type="sldNum" sz="quarter" idx="12"/>
           </p:nvPr>
         </p:nvSpPr>
-        <p:spPr/>
+        <p:spPr>
+          <a:xfrm>
+            <a:off x="7800476" y="5956136"/>
+            <a:ext cx="770468" cy="365125"/>
+          </a:xfrm>
+          <a:prstGeom prst="rect">
+            <a:avLst/>
+          </a:prstGeom>
+        </p:spPr>
         <p:txBody>
           <a:bodyPr/>
           <a:lstStyle/>
@@ -3148,6 +3552,11 @@
         </p:txBody>
       </p:sp>
     </p:spTree>
+    <p:extLst>
+      <p:ext uri="{BB962C8B-B14F-4D97-AF65-F5344CB8AC3E}">
+        <p14:creationId xmlns:p14="http://schemas.microsoft.com/office/powerpoint/2010/main" val="3790841367"/>
+      </p:ext>
+    </p:extLst>
   </p:cSld>
   <p:clrMapOvr>
     <a:masterClrMapping/>
@@ -3156,7 +3565,7 @@
 </file>
 
 <file path=ppt/slideLayouts/slideLayout8.xml><?xml version="1.0" encoding="utf-8"?>
-<p:sldLayout xmlns:a="http://schemas.openxmlformats.org/drawingml/2006/main" xmlns:r="http://schemas.openxmlformats.org/officeDocument/2006/relationships" xmlns:p="http://schemas.openxmlformats.org/presentationml/2006/main" showMasterSp="0" type="objTx" preserve="1">
+<p:sldLayout xmlns:a="http://schemas.openxmlformats.org/drawingml/2006/main" xmlns:r="http://schemas.openxmlformats.org/officeDocument/2006/relationships" xmlns:p="http://schemas.openxmlformats.org/presentationml/2006/main" type="objTx" preserve="1">
   <p:cSld name="Content with Caption">
     <p:spTree>
       <p:nvGrpSpPr>
@@ -3174,52 +3583,16 @@
       </p:grpSpPr>
       <p:sp>
         <p:nvSpPr>
-          <p:cNvPr id="8" name="Rectangle 7"/>
-          <p:cNvSpPr/>
+          <p:cNvPr id="9" name="Rectangle 8"/>
+          <p:cNvSpPr>
+            <a:spLocks noChangeAspect="1"/>
+          </p:cNvSpPr>
           <p:nvPr/>
         </p:nvSpPr>
         <p:spPr>
           <a:xfrm>
-            <a:off x="13" y="0"/>
-            <a:ext cx="3038093" cy="6858000"/>
-          </a:xfrm>
-          <a:prstGeom prst="rect">
-            <a:avLst/>
-          </a:prstGeom>
-          <a:solidFill>
-            <a:schemeClr val="accent2"/>
-          </a:solidFill>
-          <a:ln>
-            <a:noFill/>
-          </a:ln>
-        </p:spPr>
-        <p:style>
-          <a:lnRef idx="2">
-            <a:schemeClr val="accent1">
-              <a:shade val="50000"/>
-            </a:schemeClr>
-          </a:lnRef>
-          <a:fillRef idx="1">
-            <a:schemeClr val="accent1"/>
-          </a:fillRef>
-          <a:effectRef idx="0">
-            <a:schemeClr val="accent1"/>
-          </a:effectRef>
-          <a:fontRef idx="minor">
-            <a:schemeClr val="lt1"/>
-          </a:fontRef>
-        </p:style>
-      </p:sp>
-      <p:sp>
-        <p:nvSpPr>
-          <p:cNvPr id="9" name="Rectangle 8"/>
-          <p:cNvSpPr/>
-          <p:nvPr/>
-        </p:nvSpPr>
-        <p:spPr>
-          <a:xfrm>
-            <a:off x="3030053" y="0"/>
-            <a:ext cx="48006" cy="6858000"/>
+            <a:off x="452646" y="5141973"/>
+            <a:ext cx="8238707" cy="1274702"/>
           </a:xfrm>
           <a:prstGeom prst="rect">
             <a:avLst/>
@@ -3230,17 +3603,16 @@
           <a:ln>
             <a:noFill/>
           </a:ln>
+          <a:effectLst/>
         </p:spPr>
         <p:style>
-          <a:lnRef idx="2">
-            <a:schemeClr val="accent1">
-              <a:shade val="50000"/>
-            </a:schemeClr>
+          <a:lnRef idx="1">
+            <a:schemeClr val="accent1"/>
           </a:lnRef>
-          <a:fillRef idx="1">
+          <a:fillRef idx="3">
             <a:schemeClr val="accent1"/>
           </a:fillRef>
-          <a:effectRef idx="0">
+          <a:effectRef idx="2">
             <a:schemeClr val="accent1"/>
           </a:effectRef>
           <a:fontRef idx="minor">
@@ -3260,8 +3632,397 @@
         </p:nvSpPr>
         <p:spPr>
           <a:xfrm>
-            <a:off x="342900" y="594359"/>
-            <a:ext cx="2400300" cy="2286000"/>
+            <a:off x="581352" y="5262296"/>
+            <a:ext cx="3536625" cy="689514"/>
+          </a:xfrm>
+        </p:spPr>
+        <p:txBody>
+          <a:bodyPr anchor="ctr"/>
+          <a:lstStyle>
+            <a:lvl1pPr algn="l">
+              <a:defRPr sz="2000" b="0">
+                <a:solidFill>
+                  <a:schemeClr val="accent1">
+                    <a:lumMod val="75000"/>
+                    <a:lumOff val="25000"/>
+                  </a:schemeClr>
+                </a:solidFill>
+              </a:defRPr>
+            </a:lvl1pPr>
+          </a:lstStyle>
+          <a:p>
+            <a:r>
+              <a:rPr lang="en-US"/>
+              <a:t>Click to edit Master title style</a:t>
+            </a:r>
+            <a:endParaRPr lang="en-US" dirty="0"/>
+          </a:p>
+        </p:txBody>
+      </p:sp>
+      <p:sp>
+        <p:nvSpPr>
+          <p:cNvPr id="3" name="Content Placeholder 2"/>
+          <p:cNvSpPr>
+            <a:spLocks noGrp="1"/>
+          </p:cNvSpPr>
+          <p:nvPr>
+            <p:ph idx="1"/>
+          </p:nvPr>
+        </p:nvSpPr>
+        <p:spPr>
+          <a:xfrm>
+            <a:off x="446399" y="601200"/>
+            <a:ext cx="8240400" cy="4204800"/>
+          </a:xfrm>
+        </p:spPr>
+        <p:txBody>
+          <a:bodyPr anchor="ctr">
+            <a:normAutofit/>
+          </a:bodyPr>
+          <a:lstStyle>
+            <a:lvl1pPr>
+              <a:defRPr sz="2000">
+                <a:solidFill>
+                  <a:schemeClr val="tx2"/>
+                </a:solidFill>
+              </a:defRPr>
+            </a:lvl1pPr>
+            <a:lvl2pPr>
+              <a:defRPr sz="1800">
+                <a:solidFill>
+                  <a:schemeClr val="tx2"/>
+                </a:solidFill>
+              </a:defRPr>
+            </a:lvl2pPr>
+            <a:lvl3pPr>
+              <a:defRPr sz="1600">
+                <a:solidFill>
+                  <a:schemeClr val="tx2"/>
+                </a:solidFill>
+              </a:defRPr>
+            </a:lvl3pPr>
+            <a:lvl4pPr>
+              <a:defRPr sz="1400">
+                <a:solidFill>
+                  <a:schemeClr val="tx2"/>
+                </a:solidFill>
+              </a:defRPr>
+            </a:lvl4pPr>
+            <a:lvl5pPr>
+              <a:defRPr sz="1400">
+                <a:solidFill>
+                  <a:schemeClr val="tx2"/>
+                </a:solidFill>
+              </a:defRPr>
+            </a:lvl5pPr>
+            <a:lvl6pPr>
+              <a:defRPr sz="1400">
+                <a:solidFill>
+                  <a:schemeClr val="tx2"/>
+                </a:solidFill>
+              </a:defRPr>
+            </a:lvl6pPr>
+            <a:lvl7pPr>
+              <a:defRPr sz="1400">
+                <a:solidFill>
+                  <a:schemeClr val="tx2"/>
+                </a:solidFill>
+              </a:defRPr>
+            </a:lvl7pPr>
+            <a:lvl8pPr>
+              <a:defRPr sz="1400">
+                <a:solidFill>
+                  <a:schemeClr val="tx2"/>
+                </a:solidFill>
+              </a:defRPr>
+            </a:lvl8pPr>
+            <a:lvl9pPr>
+              <a:defRPr sz="1400">
+                <a:solidFill>
+                  <a:schemeClr val="tx2"/>
+                </a:solidFill>
+              </a:defRPr>
+            </a:lvl9pPr>
+          </a:lstStyle>
+          <a:p>
+            <a:pPr lvl="0"/>
+            <a:r>
+              <a:rPr lang="en-US"/>
+              <a:t>Edit Master text styles</a:t>
+            </a:r>
+          </a:p>
+          <a:p>
+            <a:pPr lvl="1"/>
+            <a:r>
+              <a:rPr lang="en-US"/>
+              <a:t>Second level</a:t>
+            </a:r>
+          </a:p>
+          <a:p>
+            <a:pPr lvl="2"/>
+            <a:r>
+              <a:rPr lang="en-US"/>
+              <a:t>Third level</a:t>
+            </a:r>
+          </a:p>
+          <a:p>
+            <a:pPr lvl="3"/>
+            <a:r>
+              <a:rPr lang="en-US"/>
+              <a:t>Fourth level</a:t>
+            </a:r>
+          </a:p>
+          <a:p>
+            <a:pPr lvl="4"/>
+            <a:r>
+              <a:rPr lang="en-US"/>
+              <a:t>Fifth level</a:t>
+            </a:r>
+            <a:endParaRPr lang="en-US" dirty="0"/>
+          </a:p>
+        </p:txBody>
+      </p:sp>
+      <p:sp>
+        <p:nvSpPr>
+          <p:cNvPr id="4" name="Text Placeholder 3"/>
+          <p:cNvSpPr>
+            <a:spLocks noGrp="1"/>
+          </p:cNvSpPr>
+          <p:nvPr>
+            <p:ph type="body" sz="half" idx="2"/>
+          </p:nvPr>
+        </p:nvSpPr>
+        <p:spPr>
+          <a:xfrm>
+            <a:off x="4305617" y="5262295"/>
+            <a:ext cx="4265327" cy="689515"/>
+          </a:xfrm>
+        </p:spPr>
+        <p:txBody>
+          <a:bodyPr anchor="ctr">
+            <a:normAutofit/>
+          </a:bodyPr>
+          <a:lstStyle>
+            <a:lvl1pPr marL="0" indent="0" algn="r">
+              <a:buNone/>
+              <a:defRPr sz="1100">
+                <a:solidFill>
+                  <a:schemeClr val="bg1"/>
+                </a:solidFill>
+              </a:defRPr>
+            </a:lvl1pPr>
+            <a:lvl2pPr marL="457200" indent="0">
+              <a:buNone/>
+              <a:defRPr sz="1100"/>
+            </a:lvl2pPr>
+            <a:lvl3pPr marL="914400" indent="0">
+              <a:buNone/>
+              <a:defRPr sz="1000"/>
+            </a:lvl3pPr>
+            <a:lvl4pPr marL="1371600" indent="0">
+              <a:buNone/>
+              <a:defRPr sz="900"/>
+            </a:lvl4pPr>
+            <a:lvl5pPr marL="1828800" indent="0">
+              <a:buNone/>
+              <a:defRPr sz="900"/>
+            </a:lvl5pPr>
+            <a:lvl6pPr marL="2286000" indent="0">
+              <a:buNone/>
+              <a:defRPr sz="900"/>
+            </a:lvl6pPr>
+            <a:lvl7pPr marL="2743200" indent="0">
+              <a:buNone/>
+              <a:defRPr sz="900"/>
+            </a:lvl7pPr>
+            <a:lvl8pPr marL="3200400" indent="0">
+              <a:buNone/>
+              <a:defRPr sz="900"/>
+            </a:lvl8pPr>
+            <a:lvl9pPr marL="3657600" indent="0">
+              <a:buNone/>
+              <a:defRPr sz="900"/>
+            </a:lvl9pPr>
+          </a:lstStyle>
+          <a:p>
+            <a:pPr lvl="0"/>
+            <a:r>
+              <a:rPr lang="en-US"/>
+              <a:t>Edit Master text styles</a:t>
+            </a:r>
+          </a:p>
+        </p:txBody>
+      </p:sp>
+      <p:sp>
+        <p:nvSpPr>
+          <p:cNvPr id="5" name="Date Placeholder 4"/>
+          <p:cNvSpPr>
+            <a:spLocks noGrp="1"/>
+          </p:cNvSpPr>
+          <p:nvPr>
+            <p:ph type="dt" sz="half" idx="10"/>
+          </p:nvPr>
+        </p:nvSpPr>
+        <p:spPr>
+          <a:xfrm>
+            <a:off x="5559327" y="5956136"/>
+            <a:ext cx="2133600" cy="365125"/>
+          </a:xfrm>
+          <a:prstGeom prst="rect">
+            <a:avLst/>
+          </a:prstGeom>
+        </p:spPr>
+        <p:txBody>
+          <a:bodyPr/>
+          <a:lstStyle>
+            <a:lvl1pPr>
+              <a:defRPr>
+                <a:solidFill>
+                  <a:schemeClr val="accent1">
+                    <a:lumMod val="75000"/>
+                    <a:lumOff val="25000"/>
+                  </a:schemeClr>
+                </a:solidFill>
+              </a:defRPr>
+            </a:lvl1pPr>
+          </a:lstStyle>
+          <a:p>
+            <a:fld id="{2DD0CB2B-DCCE-4F9C-B031-1A6026B95099}" type="datetime1">
+              <a:rPr lang="en-US" smtClean="0"/>
+              <a:t>6/12/18</a:t>
+            </a:fld>
+            <a:endParaRPr lang="en-US" dirty="0"/>
+          </a:p>
+        </p:txBody>
+      </p:sp>
+      <p:sp>
+        <p:nvSpPr>
+          <p:cNvPr id="6" name="Footer Placeholder 5"/>
+          <p:cNvSpPr>
+            <a:spLocks noGrp="1"/>
+          </p:cNvSpPr>
+          <p:nvPr>
+            <p:ph type="ftr" sz="quarter" idx="11"/>
+          </p:nvPr>
+        </p:nvSpPr>
+        <p:spPr>
+          <a:xfrm>
+            <a:off x="581192" y="5951810"/>
+            <a:ext cx="4870585" cy="365125"/>
+          </a:xfrm>
+          <a:prstGeom prst="rect">
+            <a:avLst/>
+          </a:prstGeom>
+        </p:spPr>
+        <p:txBody>
+          <a:bodyPr/>
+          <a:lstStyle>
+            <a:lvl1pPr>
+              <a:defRPr>
+                <a:solidFill>
+                  <a:schemeClr val="accent1">
+                    <a:lumMod val="75000"/>
+                    <a:lumOff val="25000"/>
+                  </a:schemeClr>
+                </a:solidFill>
+              </a:defRPr>
+            </a:lvl1pPr>
+          </a:lstStyle>
+          <a:p>
+            <a:r>
+              <a:rPr lang="en-US"/>
+              <a:t>© 2018, FLL Tutorials (Last Edit 6/11/2018)</a:t>
+            </a:r>
+            <a:endParaRPr lang="en-US" dirty="0"/>
+          </a:p>
+        </p:txBody>
+      </p:sp>
+      <p:sp>
+        <p:nvSpPr>
+          <p:cNvPr id="7" name="Slide Number Placeholder 6"/>
+          <p:cNvSpPr>
+            <a:spLocks noGrp="1"/>
+          </p:cNvSpPr>
+          <p:nvPr>
+            <p:ph type="sldNum" sz="quarter" idx="12"/>
+          </p:nvPr>
+        </p:nvSpPr>
+        <p:spPr>
+          <a:xfrm>
+            <a:off x="7800476" y="5956136"/>
+            <a:ext cx="770468" cy="365125"/>
+          </a:xfrm>
+          <a:prstGeom prst="rect">
+            <a:avLst/>
+          </a:prstGeom>
+        </p:spPr>
+        <p:txBody>
+          <a:bodyPr/>
+          <a:lstStyle>
+            <a:lvl1pPr>
+              <a:defRPr>
+                <a:solidFill>
+                  <a:schemeClr val="accent1">
+                    <a:lumMod val="75000"/>
+                    <a:lumOff val="25000"/>
+                  </a:schemeClr>
+                </a:solidFill>
+              </a:defRPr>
+            </a:lvl1pPr>
+          </a:lstStyle>
+          <a:p>
+            <a:fld id="{6D22F896-40B5-4ADD-8801-0D06FADFA095}" type="slidenum">
+              <a:rPr lang="en-US" smtClean="0"/>
+              <a:t>‹#›</a:t>
+            </a:fld>
+            <a:endParaRPr lang="en-US" dirty="0"/>
+          </a:p>
+        </p:txBody>
+      </p:sp>
+    </p:spTree>
+    <p:extLst>
+      <p:ext uri="{BB962C8B-B14F-4D97-AF65-F5344CB8AC3E}">
+        <p14:creationId xmlns:p14="http://schemas.microsoft.com/office/powerpoint/2010/main" val="725234636"/>
+      </p:ext>
+    </p:extLst>
+  </p:cSld>
+  <p:clrMapOvr>
+    <a:masterClrMapping/>
+  </p:clrMapOvr>
+</p:sldLayout>
+</file>
+
+<file path=ppt/slideLayouts/slideLayout9.xml><?xml version="1.0" encoding="utf-8"?>
+<p:sldLayout xmlns:a="http://schemas.openxmlformats.org/drawingml/2006/main" xmlns:r="http://schemas.openxmlformats.org/officeDocument/2006/relationships" xmlns:p="http://schemas.openxmlformats.org/presentationml/2006/main" type="picTx" preserve="1">
+  <p:cSld name="Picture with Caption">
+    <p:spTree>
+      <p:nvGrpSpPr>
+        <p:cNvPr id="1" name=""/>
+        <p:cNvGrpSpPr/>
+        <p:nvPr/>
+      </p:nvGrpSpPr>
+      <p:grpSpPr>
+        <a:xfrm>
+          <a:off x="0" y="0"/>
+          <a:ext cx="0" cy="0"/>
+          <a:chOff x="0" y="0"/>
+          <a:chExt cx="0" cy="0"/>
+        </a:xfrm>
+      </p:grpSpPr>
+      <p:sp>
+        <p:nvSpPr>
+          <p:cNvPr id="2" name="Title 1"/>
+          <p:cNvSpPr>
+            <a:spLocks noGrp="1"/>
+          </p:cNvSpPr>
+          <p:nvPr>
+            <p:ph type="title"/>
+          </p:nvPr>
+        </p:nvSpPr>
+        <p:spPr>
+          <a:xfrm>
+            <a:off x="581192" y="4693389"/>
+            <a:ext cx="7989752" cy="566738"/>
           </a:xfrm>
         </p:spPr>
         <p:txBody>
@@ -3269,10 +4030,10 @@
             <a:normAutofit/>
           </a:bodyPr>
           <a:lstStyle>
-            <a:lvl1pPr>
-              <a:defRPr sz="3600" b="0">
+            <a:lvl1pPr algn="l">
+              <a:defRPr sz="2400" b="0">
                 <a:solidFill>
-                  <a:srgbClr val="FFFFFF"/>
+                  <a:schemeClr val="accent1"/>
                 </a:solidFill>
               </a:defRPr>
             </a:lvl1pPr>
@@ -3288,56 +4049,66 @@
       </p:sp>
       <p:sp>
         <p:nvSpPr>
-          <p:cNvPr id="3" name="Content Placeholder 2"/>
-          <p:cNvSpPr>
-            <a:spLocks noGrp="1"/>
-          </p:cNvSpPr>
-          <p:nvPr>
-            <p:ph idx="1"/>
-          </p:nvPr>
-        </p:nvSpPr>
-        <p:spPr>
-          <a:xfrm>
-            <a:off x="3460237" y="731520"/>
-            <a:ext cx="5009393" cy="5257800"/>
-          </a:xfrm>
-        </p:spPr>
-        <p:txBody>
-          <a:bodyPr/>
-          <a:lstStyle/>
-          <a:p>
-            <a:pPr lvl="0"/>
-            <a:r>
-              <a:rPr lang="en-US"/>
-              <a:t>Click to edit Master text styles</a:t>
-            </a:r>
-          </a:p>
-          <a:p>
-            <a:pPr lvl="1"/>
-            <a:r>
-              <a:rPr lang="en-US"/>
-              <a:t>Second level</a:t>
-            </a:r>
-          </a:p>
-          <a:p>
-            <a:pPr lvl="2"/>
-            <a:r>
-              <a:rPr lang="en-US"/>
-              <a:t>Third level</a:t>
-            </a:r>
-          </a:p>
-          <a:p>
-            <a:pPr lvl="3"/>
-            <a:r>
-              <a:rPr lang="en-US"/>
-              <a:t>Fourth level</a:t>
-            </a:r>
-          </a:p>
-          <a:p>
-            <a:pPr lvl="4"/>
-            <a:r>
-              <a:rPr lang="en-US"/>
-              <a:t>Fifth level</a:t>
+          <p:cNvPr id="3" name="Picture Placeholder 2"/>
+          <p:cNvSpPr>
+            <a:spLocks noGrp="1" noChangeAspect="1"/>
+          </p:cNvSpPr>
+          <p:nvPr>
+            <p:ph type="pic" idx="1"/>
+          </p:nvPr>
+        </p:nvSpPr>
+        <p:spPr>
+          <a:xfrm>
+            <a:off x="448093" y="599725"/>
+            <a:ext cx="8238706" cy="3557252"/>
+          </a:xfrm>
+        </p:spPr>
+        <p:txBody>
+          <a:bodyPr anchor="t">
+            <a:normAutofit/>
+          </a:bodyPr>
+          <a:lstStyle>
+            <a:lvl1pPr marL="0" indent="0" algn="ctr">
+              <a:buNone/>
+              <a:defRPr sz="1600"/>
+            </a:lvl1pPr>
+            <a:lvl2pPr marL="457200" indent="0">
+              <a:buNone/>
+              <a:defRPr sz="1600"/>
+            </a:lvl2pPr>
+            <a:lvl3pPr marL="914400" indent="0">
+              <a:buNone/>
+              <a:defRPr sz="1600"/>
+            </a:lvl3pPr>
+            <a:lvl4pPr marL="1371600" indent="0">
+              <a:buNone/>
+              <a:defRPr sz="1600"/>
+            </a:lvl4pPr>
+            <a:lvl5pPr marL="1828800" indent="0">
+              <a:buNone/>
+              <a:defRPr sz="1600"/>
+            </a:lvl5pPr>
+            <a:lvl6pPr marL="2286000" indent="0">
+              <a:buNone/>
+              <a:defRPr sz="1600"/>
+            </a:lvl6pPr>
+            <a:lvl7pPr marL="2743200" indent="0">
+              <a:buNone/>
+              <a:defRPr sz="1600"/>
+            </a:lvl7pPr>
+            <a:lvl8pPr marL="3200400" indent="0">
+              <a:buNone/>
+              <a:defRPr sz="1600"/>
+            </a:lvl8pPr>
+            <a:lvl9pPr marL="3657600" indent="0">
+              <a:buNone/>
+              <a:defRPr sz="1600"/>
+            </a:lvl9pPr>
+          </a:lstStyle>
+          <a:p>
+            <a:r>
+              <a:rPr lang="en-US"/>
+              <a:t>Click icon to add picture</a:t>
             </a:r>
             <a:endParaRPr lang="en-US" dirty="0"/>
           </a:p>
@@ -3355,22 +4126,18 @@
         </p:nvSpPr>
         <p:spPr>
           <a:xfrm>
-            <a:off x="342900" y="2926080"/>
-            <a:ext cx="2400300" cy="3379124"/>
-          </a:xfrm>
-        </p:spPr>
-        <p:txBody>
-          <a:bodyPr lIns="91440" rIns="91440">
+            <a:off x="581192" y="5260126"/>
+            <a:ext cx="7989752" cy="598671"/>
+          </a:xfrm>
+        </p:spPr>
+        <p:txBody>
+          <a:bodyPr>
             <a:normAutofit/>
           </a:bodyPr>
           <a:lstStyle>
             <a:lvl1pPr marL="0" indent="0">
               <a:buNone/>
-              <a:defRPr sz="1500">
-                <a:solidFill>
-                  <a:srgbClr val="FFFFFF"/>
-                </a:solidFill>
-              </a:defRPr>
+              <a:defRPr sz="1200"/>
             </a:lvl1pPr>
             <a:lvl2pPr marL="457200" indent="0">
               <a:buNone/>
@@ -3409,7 +4176,7 @@
             <a:pPr lvl="0"/>
             <a:r>
               <a:rPr lang="en-US"/>
-              <a:t>Click to edit Master text styles</a:t>
+              <a:t>Edit Master text styles</a:t>
             </a:r>
           </a:p>
         </p:txBody>
@@ -3426,21 +4193,20 @@
         </p:nvSpPr>
         <p:spPr>
           <a:xfrm>
-            <a:off x="349134" y="6459786"/>
-            <a:ext cx="1963883" cy="365125"/>
-          </a:xfrm>
+            <a:off x="5559327" y="5956136"/>
+            <a:ext cx="2133600" cy="365125"/>
+          </a:xfrm>
+          <a:prstGeom prst="rect">
+            <a:avLst/>
+          </a:prstGeom>
         </p:spPr>
         <p:txBody>
           <a:bodyPr/>
-          <a:lstStyle>
-            <a:lvl1pPr algn="l">
-              <a:defRPr/>
-            </a:lvl1pPr>
-          </a:lstStyle>
-          <a:p>
-            <a:fld id="{D2C2FF15-D7DB-4742-AE15-082A5ED11628}" type="datetime1">
+          <a:lstStyle/>
+          <a:p>
+            <a:fld id="{C737D807-743D-4A20-9A3B-94060924E229}" type="datetime1">
               <a:rPr lang="en-US" smtClean="0"/>
-              <a:t>6/7/18</a:t>
+              <a:t>6/12/18</a:t>
             </a:fld>
             <a:endParaRPr lang="en-US" dirty="0"/>
           </a:p>
@@ -3458,25 +4224,20 @@
         </p:nvSpPr>
         <p:spPr>
           <a:xfrm>
-            <a:off x="3600450" y="6459786"/>
-            <a:ext cx="3486150" cy="365125"/>
-          </a:xfrm>
+            <a:off x="581192" y="5951810"/>
+            <a:ext cx="4870585" cy="365125"/>
+          </a:xfrm>
+          <a:prstGeom prst="rect">
+            <a:avLst/>
+          </a:prstGeom>
         </p:spPr>
         <p:txBody>
           <a:bodyPr/>
-          <a:lstStyle>
-            <a:lvl1pPr algn="l">
-              <a:defRPr>
-                <a:solidFill>
-                  <a:schemeClr val="tx2"/>
-                </a:solidFill>
-              </a:defRPr>
-            </a:lvl1pPr>
-          </a:lstStyle>
-          <a:p>
-            <a:r>
-              <a:rPr lang="en-US"/>
-              <a:t>© 2018, FLL Tutorials (Last Edit 8/18/2017)</a:t>
+          <a:lstStyle/>
+          <a:p>
+            <a:r>
+              <a:rPr lang="en-US"/>
+              <a:t>© 2018, FLL Tutorials (Last Edit 6/11/2018)</a:t>
             </a:r>
             <a:endParaRPr lang="en-US" dirty="0"/>
           </a:p>
@@ -3492,18 +4253,18 @@
             <p:ph type="sldNum" sz="quarter" idx="12"/>
           </p:nvPr>
         </p:nvSpPr>
-        <p:spPr/>
+        <p:spPr>
+          <a:xfrm>
+            <a:off x="7800476" y="5956136"/>
+            <a:ext cx="770468" cy="365125"/>
+          </a:xfrm>
+          <a:prstGeom prst="rect">
+            <a:avLst/>
+          </a:prstGeom>
+        </p:spPr>
         <p:txBody>
           <a:bodyPr/>
-          <a:lstStyle>
-            <a:lvl1pPr>
-              <a:defRPr>
-                <a:solidFill>
-                  <a:schemeClr val="tx2"/>
-                </a:solidFill>
-              </a:defRPr>
-            </a:lvl1pPr>
-          </a:lstStyle>
+          <a:lstStyle/>
           <a:p>
             <a:fld id="{6D22F896-40B5-4ADD-8801-0D06FADFA095}" type="slidenum">
               <a:rPr lang="en-US" smtClean="0"/>
@@ -3514,363 +4275,11 @@
         </p:txBody>
       </p:sp>
     </p:spTree>
-  </p:cSld>
-  <p:clrMapOvr>
-    <a:masterClrMapping/>
-  </p:clrMapOvr>
-</p:sldLayout>
-</file>
-
-<file path=ppt/slideLayouts/slideLayout9.xml><?xml version="1.0" encoding="utf-8"?>
-<p:sldLayout xmlns:a="http://schemas.openxmlformats.org/drawingml/2006/main" xmlns:r="http://schemas.openxmlformats.org/officeDocument/2006/relationships" xmlns:p="http://schemas.openxmlformats.org/presentationml/2006/main" showMasterSp="0" type="picTx" preserve="1">
-  <p:cSld name="Picture with Caption">
-    <p:spTree>
-      <p:nvGrpSpPr>
-        <p:cNvPr id="1" name=""/>
-        <p:cNvGrpSpPr/>
-        <p:nvPr/>
-      </p:nvGrpSpPr>
-      <p:grpSpPr>
-        <a:xfrm>
-          <a:off x="0" y="0"/>
-          <a:ext cx="0" cy="0"/>
-          <a:chOff x="0" y="0"/>
-          <a:chExt cx="0" cy="0"/>
-        </a:xfrm>
-      </p:grpSpPr>
-      <p:sp>
-        <p:nvSpPr>
-          <p:cNvPr id="8" name="Rectangle 7"/>
-          <p:cNvSpPr/>
-          <p:nvPr/>
-        </p:nvSpPr>
-        <p:spPr>
-          <a:xfrm>
-            <a:off x="0" y="4953000"/>
-            <a:ext cx="9141619" cy="1905000"/>
-          </a:xfrm>
-          <a:prstGeom prst="rect">
-            <a:avLst/>
-          </a:prstGeom>
-          <a:solidFill>
-            <a:schemeClr val="accent2"/>
-          </a:solidFill>
-          <a:ln>
-            <a:noFill/>
-          </a:ln>
-        </p:spPr>
-        <p:style>
-          <a:lnRef idx="2">
-            <a:schemeClr val="accent1">
-              <a:shade val="50000"/>
-            </a:schemeClr>
-          </a:lnRef>
-          <a:fillRef idx="1">
-            <a:schemeClr val="accent1"/>
-          </a:fillRef>
-          <a:effectRef idx="0">
-            <a:schemeClr val="accent1"/>
-          </a:effectRef>
-          <a:fontRef idx="minor">
-            <a:schemeClr val="lt1"/>
-          </a:fontRef>
-        </p:style>
-      </p:sp>
-      <p:sp>
-        <p:nvSpPr>
-          <p:cNvPr id="9" name="Rectangle 8"/>
-          <p:cNvSpPr/>
-          <p:nvPr/>
-        </p:nvSpPr>
-        <p:spPr>
-          <a:xfrm>
-            <a:off x="12" y="4915076"/>
-            <a:ext cx="9141619" cy="64008"/>
-          </a:xfrm>
-          <a:prstGeom prst="rect">
-            <a:avLst/>
-          </a:prstGeom>
-          <a:solidFill>
-            <a:schemeClr val="accent1"/>
-          </a:solidFill>
-          <a:ln>
-            <a:noFill/>
-          </a:ln>
-        </p:spPr>
-        <p:style>
-          <a:lnRef idx="2">
-            <a:schemeClr val="accent1">
-              <a:shade val="50000"/>
-            </a:schemeClr>
-          </a:lnRef>
-          <a:fillRef idx="1">
-            <a:schemeClr val="accent1"/>
-          </a:fillRef>
-          <a:effectRef idx="0">
-            <a:schemeClr val="accent1"/>
-          </a:effectRef>
-          <a:fontRef idx="minor">
-            <a:schemeClr val="lt1"/>
-          </a:fontRef>
-        </p:style>
-      </p:sp>
-      <p:sp>
-        <p:nvSpPr>
-          <p:cNvPr id="2" name="Title 1"/>
-          <p:cNvSpPr>
-            <a:spLocks noGrp="1"/>
-          </p:cNvSpPr>
-          <p:nvPr>
-            <p:ph type="title"/>
-          </p:nvPr>
-        </p:nvSpPr>
-        <p:spPr>
-          <a:xfrm>
-            <a:off x="822960" y="5074920"/>
-            <a:ext cx="7589520" cy="822960"/>
-          </a:xfrm>
-        </p:spPr>
-        <p:txBody>
-          <a:bodyPr tIns="0" bIns="0" anchor="b">
-            <a:noAutofit/>
-          </a:bodyPr>
-          <a:lstStyle>
-            <a:lvl1pPr>
-              <a:defRPr sz="3600" b="0">
-                <a:solidFill>
-                  <a:srgbClr val="FFFFFF"/>
-                </a:solidFill>
-              </a:defRPr>
-            </a:lvl1pPr>
-          </a:lstStyle>
-          <a:p>
-            <a:r>
-              <a:rPr lang="en-US"/>
-              <a:t>Click to edit Master title style</a:t>
-            </a:r>
-            <a:endParaRPr lang="en-US" dirty="0"/>
-          </a:p>
-        </p:txBody>
-      </p:sp>
-      <p:sp>
-        <p:nvSpPr>
-          <p:cNvPr id="3" name="Picture Placeholder 2"/>
-          <p:cNvSpPr>
-            <a:spLocks noGrp="1" noChangeAspect="1"/>
-          </p:cNvSpPr>
-          <p:nvPr>
-            <p:ph type="pic" idx="1"/>
-          </p:nvPr>
-        </p:nvSpPr>
-        <p:spPr>
-          <a:xfrm>
-            <a:off x="12" y="0"/>
-            <a:ext cx="9143989" cy="4915076"/>
-          </a:xfrm>
-          <a:solidFill>
-            <a:schemeClr val="accent2"/>
-          </a:solidFill>
-        </p:spPr>
-        <p:txBody>
-          <a:bodyPr lIns="457200" tIns="457200" anchor="t"/>
-          <a:lstStyle>
-            <a:lvl1pPr marL="0" indent="0">
-              <a:buNone/>
-              <a:defRPr sz="3200">
-                <a:solidFill>
-                  <a:schemeClr val="bg1"/>
-                </a:solidFill>
-              </a:defRPr>
-            </a:lvl1pPr>
-            <a:lvl2pPr marL="457200" indent="0">
-              <a:buNone/>
-              <a:defRPr sz="2800"/>
-            </a:lvl2pPr>
-            <a:lvl3pPr marL="914400" indent="0">
-              <a:buNone/>
-              <a:defRPr sz="2400"/>
-            </a:lvl3pPr>
-            <a:lvl4pPr marL="1371600" indent="0">
-              <a:buNone/>
-              <a:defRPr sz="2000"/>
-            </a:lvl4pPr>
-            <a:lvl5pPr marL="1828800" indent="0">
-              <a:buNone/>
-              <a:defRPr sz="2000"/>
-            </a:lvl5pPr>
-            <a:lvl6pPr marL="2286000" indent="0">
-              <a:buNone/>
-              <a:defRPr sz="2000"/>
-            </a:lvl6pPr>
-            <a:lvl7pPr marL="2743200" indent="0">
-              <a:buNone/>
-              <a:defRPr sz="2000"/>
-            </a:lvl7pPr>
-            <a:lvl8pPr marL="3200400" indent="0">
-              <a:buNone/>
-              <a:defRPr sz="2000"/>
-            </a:lvl8pPr>
-            <a:lvl9pPr marL="3657600" indent="0">
-              <a:buNone/>
-              <a:defRPr sz="2000"/>
-            </a:lvl9pPr>
-          </a:lstStyle>
-          <a:p>
-            <a:r>
-              <a:rPr lang="en-US"/>
-              <a:t>Drag picture to placeholder or click icon to add</a:t>
-            </a:r>
-            <a:endParaRPr lang="en-US" dirty="0"/>
-          </a:p>
-        </p:txBody>
-      </p:sp>
-      <p:sp>
-        <p:nvSpPr>
-          <p:cNvPr id="4" name="Text Placeholder 3"/>
-          <p:cNvSpPr>
-            <a:spLocks noGrp="1"/>
-          </p:cNvSpPr>
-          <p:nvPr>
-            <p:ph type="body" sz="half" idx="2"/>
-          </p:nvPr>
-        </p:nvSpPr>
-        <p:spPr>
-          <a:xfrm>
-            <a:off x="822959" y="5907024"/>
-            <a:ext cx="7589520" cy="594360"/>
-          </a:xfrm>
-        </p:spPr>
-        <p:txBody>
-          <a:bodyPr lIns="91440" tIns="0" rIns="91440" bIns="0">
-            <a:normAutofit/>
-          </a:bodyPr>
-          <a:lstStyle>
-            <a:lvl1pPr marL="0" indent="0">
-              <a:spcBef>
-                <a:spcPts val="0"/>
-              </a:spcBef>
-              <a:spcAft>
-                <a:spcPts val="600"/>
-              </a:spcAft>
-              <a:buNone/>
-              <a:defRPr sz="1500">
-                <a:solidFill>
-                  <a:srgbClr val="FFFFFF"/>
-                </a:solidFill>
-              </a:defRPr>
-            </a:lvl1pPr>
-            <a:lvl2pPr marL="457200" indent="0">
-              <a:buNone/>
-              <a:defRPr sz="1200"/>
-            </a:lvl2pPr>
-            <a:lvl3pPr marL="914400" indent="0">
-              <a:buNone/>
-              <a:defRPr sz="1000"/>
-            </a:lvl3pPr>
-            <a:lvl4pPr marL="1371600" indent="0">
-              <a:buNone/>
-              <a:defRPr sz="900"/>
-            </a:lvl4pPr>
-            <a:lvl5pPr marL="1828800" indent="0">
-              <a:buNone/>
-              <a:defRPr sz="900"/>
-            </a:lvl5pPr>
-            <a:lvl6pPr marL="2286000" indent="0">
-              <a:buNone/>
-              <a:defRPr sz="900"/>
-            </a:lvl6pPr>
-            <a:lvl7pPr marL="2743200" indent="0">
-              <a:buNone/>
-              <a:defRPr sz="900"/>
-            </a:lvl7pPr>
-            <a:lvl8pPr marL="3200400" indent="0">
-              <a:buNone/>
-              <a:defRPr sz="900"/>
-            </a:lvl8pPr>
-            <a:lvl9pPr marL="3657600" indent="0">
-              <a:buNone/>
-              <a:defRPr sz="900"/>
-            </a:lvl9pPr>
-          </a:lstStyle>
-          <a:p>
-            <a:pPr lvl="0"/>
-            <a:r>
-              <a:rPr lang="en-US"/>
-              <a:t>Click to edit Master text styles</a:t>
-            </a:r>
-          </a:p>
-        </p:txBody>
-      </p:sp>
-      <p:sp>
-        <p:nvSpPr>
-          <p:cNvPr id="5" name="Date Placeholder 4"/>
-          <p:cNvSpPr>
-            <a:spLocks noGrp="1"/>
-          </p:cNvSpPr>
-          <p:nvPr>
-            <p:ph type="dt" sz="half" idx="10"/>
-          </p:nvPr>
-        </p:nvSpPr>
-        <p:spPr/>
-        <p:txBody>
-          <a:bodyPr/>
-          <a:lstStyle/>
-          <a:p>
-            <a:fld id="{2E8ABAC2-8FFB-4629-8316-3F89834D0076}" type="datetime1">
-              <a:rPr lang="en-US" smtClean="0"/>
-              <a:t>6/7/18</a:t>
-            </a:fld>
-            <a:endParaRPr lang="en-US" dirty="0"/>
-          </a:p>
-        </p:txBody>
-      </p:sp>
-      <p:sp>
-        <p:nvSpPr>
-          <p:cNvPr id="6" name="Footer Placeholder 5"/>
-          <p:cNvSpPr>
-            <a:spLocks noGrp="1"/>
-          </p:cNvSpPr>
-          <p:nvPr>
-            <p:ph type="ftr" sz="quarter" idx="11"/>
-          </p:nvPr>
-        </p:nvSpPr>
-        <p:spPr/>
-        <p:txBody>
-          <a:bodyPr/>
-          <a:lstStyle/>
-          <a:p>
-            <a:r>
-              <a:rPr lang="en-US"/>
-              <a:t>© 2018, FLL Tutorials (Last Edit 8/18/2017)</a:t>
-            </a:r>
-            <a:endParaRPr lang="en-US" dirty="0"/>
-          </a:p>
-        </p:txBody>
-      </p:sp>
-      <p:sp>
-        <p:nvSpPr>
-          <p:cNvPr id="7" name="Slide Number Placeholder 6"/>
-          <p:cNvSpPr>
-            <a:spLocks noGrp="1"/>
-          </p:cNvSpPr>
-          <p:nvPr>
-            <p:ph type="sldNum" sz="quarter" idx="12"/>
-          </p:nvPr>
-        </p:nvSpPr>
-        <p:spPr/>
-        <p:txBody>
-          <a:bodyPr/>
-          <a:lstStyle/>
-          <a:p>
-            <a:fld id="{6D22F896-40B5-4ADD-8801-0D06FADFA095}" type="slidenum">
-              <a:rPr lang="en-US" smtClean="0"/>
-              <a:t>‹#›</a:t>
-            </a:fld>
-            <a:endParaRPr lang="en-US" dirty="0"/>
-          </a:p>
-        </p:txBody>
-      </p:sp>
-    </p:spTree>
+    <p:extLst>
+      <p:ext uri="{BB962C8B-B14F-4D97-AF65-F5344CB8AC3E}">
+        <p14:creationId xmlns:p14="http://schemas.microsoft.com/office/powerpoint/2010/main" val="2131564780"/>
+      </p:ext>
+    </p:extLst>
   </p:cSld>
   <p:clrMapOvr>
     <a:masterClrMapping/>
@@ -3902,20 +4311,377 @@
       </p:grpSpPr>
       <p:sp>
         <p:nvSpPr>
-          <p:cNvPr id="7" name="Rectangle 6"/>
+          <p:cNvPr id="2" name="Title Placeholder 1"/>
+          <p:cNvSpPr>
+            <a:spLocks noGrp="1"/>
+          </p:cNvSpPr>
+          <p:nvPr>
+            <p:ph type="title"/>
+          </p:nvPr>
+        </p:nvSpPr>
+        <p:spPr>
+          <a:xfrm>
+            <a:off x="581192" y="687474"/>
+            <a:ext cx="7989752" cy="1083329"/>
+          </a:xfrm>
+          <a:prstGeom prst="rect">
+            <a:avLst/>
+          </a:prstGeom>
+        </p:spPr>
+        <p:txBody>
+          <a:bodyPr vert="horz" lIns="91440" tIns="45720" rIns="91440" bIns="45720" rtlCol="0" anchor="b">
+            <a:normAutofit/>
+          </a:bodyPr>
+          <a:lstStyle/>
+          <a:p>
+            <a:r>
+              <a:rPr lang="en-US"/>
+              <a:t>Click to edit Master title style</a:t>
+            </a:r>
+            <a:endParaRPr lang="en-US" dirty="0"/>
+          </a:p>
+        </p:txBody>
+      </p:sp>
+      <p:sp>
+        <p:nvSpPr>
+          <p:cNvPr id="3" name="Text Placeholder 2"/>
+          <p:cNvSpPr>
+            <a:spLocks noGrp="1"/>
+          </p:cNvSpPr>
+          <p:nvPr>
+            <p:ph type="body" idx="1"/>
+          </p:nvPr>
+        </p:nvSpPr>
+        <p:spPr>
+          <a:xfrm>
+            <a:off x="581192" y="2228003"/>
+            <a:ext cx="7989752" cy="3630794"/>
+          </a:xfrm>
+          <a:prstGeom prst="rect">
+            <a:avLst/>
+          </a:prstGeom>
+        </p:spPr>
+        <p:txBody>
+          <a:bodyPr vert="horz" lIns="91440" tIns="45720" rIns="91440" bIns="45720" rtlCol="0" anchor="ctr">
+            <a:normAutofit/>
+          </a:bodyPr>
+          <a:lstStyle/>
+          <a:p>
+            <a:pPr lvl="0"/>
+            <a:r>
+              <a:rPr lang="en-US"/>
+              <a:t>Edit Master text styles</a:t>
+            </a:r>
+          </a:p>
+          <a:p>
+            <a:pPr lvl="1"/>
+            <a:r>
+              <a:rPr lang="en-US"/>
+              <a:t>Second level</a:t>
+            </a:r>
+          </a:p>
+          <a:p>
+            <a:pPr lvl="2"/>
+            <a:r>
+              <a:rPr lang="en-US"/>
+              <a:t>Third level</a:t>
+            </a:r>
+          </a:p>
+          <a:p>
+            <a:pPr lvl="3"/>
+            <a:r>
+              <a:rPr lang="en-US"/>
+              <a:t>Fourth level</a:t>
+            </a:r>
+          </a:p>
+          <a:p>
+            <a:pPr lvl="4"/>
+            <a:r>
+              <a:rPr lang="en-US"/>
+              <a:t>Fifth level</a:t>
+            </a:r>
+            <a:endParaRPr lang="en-US" dirty="0"/>
+          </a:p>
+        </p:txBody>
+      </p:sp>
+      <p:sp>
+        <p:nvSpPr>
+          <p:cNvPr id="9" name="Rectangle 8"/>
           <p:cNvSpPr/>
           <p:nvPr/>
         </p:nvSpPr>
         <p:spPr>
           <a:xfrm>
-            <a:off x="0" y="6400800"/>
-            <a:ext cx="9144001" cy="457200"/>
+            <a:off x="448091" y="441325"/>
+            <a:ext cx="2719909" cy="108000"/>
           </a:xfrm>
           <a:prstGeom prst="rect">
             <a:avLst/>
           </a:prstGeom>
           <a:solidFill>
-            <a:srgbClr val="034A85"/>
+            <a:schemeClr val="accent1"/>
+          </a:solidFill>
+          <a:ln>
+            <a:noFill/>
+          </a:ln>
+          <a:effectLst/>
+        </p:spPr>
+        <p:style>
+          <a:lnRef idx="1">
+            <a:schemeClr val="accent1"/>
+          </a:lnRef>
+          <a:fillRef idx="3">
+            <a:schemeClr val="accent1"/>
+          </a:fillRef>
+          <a:effectRef idx="2">
+            <a:schemeClr val="accent1"/>
+          </a:effectRef>
+          <a:fontRef idx="minor">
+            <a:schemeClr val="lt1"/>
+          </a:fontRef>
+        </p:style>
+      </p:sp>
+      <p:sp>
+        <p:nvSpPr>
+          <p:cNvPr id="10" name="Rectangle 9"/>
+          <p:cNvSpPr/>
+          <p:nvPr/>
+        </p:nvSpPr>
+        <p:spPr>
+          <a:xfrm>
+            <a:off x="5976001" y="441325"/>
+            <a:ext cx="2710800" cy="108000"/>
+          </a:xfrm>
+          <a:prstGeom prst="rect">
+            <a:avLst/>
+          </a:prstGeom>
+          <a:solidFill>
+            <a:schemeClr val="accent4"/>
+          </a:solidFill>
+          <a:ln>
+            <a:noFill/>
+          </a:ln>
+          <a:effectLst/>
+        </p:spPr>
+        <p:style>
+          <a:lnRef idx="1">
+            <a:schemeClr val="accent1"/>
+          </a:lnRef>
+          <a:fillRef idx="3">
+            <a:schemeClr val="accent1"/>
+          </a:fillRef>
+          <a:effectRef idx="2">
+            <a:schemeClr val="accent1"/>
+          </a:effectRef>
+          <a:fontRef idx="minor">
+            <a:schemeClr val="lt1"/>
+          </a:fontRef>
+        </p:style>
+      </p:sp>
+      <p:sp>
+        <p:nvSpPr>
+          <p:cNvPr id="11" name="Rectangle 10"/>
+          <p:cNvSpPr/>
+          <p:nvPr/>
+        </p:nvSpPr>
+        <p:spPr>
+          <a:xfrm>
+            <a:off x="3216601" y="441325"/>
+            <a:ext cx="2710800" cy="108000"/>
+          </a:xfrm>
+          <a:prstGeom prst="rect">
+            <a:avLst/>
+          </a:prstGeom>
+          <a:solidFill>
+            <a:schemeClr val="accent2"/>
+          </a:solidFill>
+          <a:ln>
+            <a:noFill/>
+          </a:ln>
+          <a:effectLst/>
+        </p:spPr>
+        <p:style>
+          <a:lnRef idx="1">
+            <a:schemeClr val="accent1"/>
+          </a:lnRef>
+          <a:fillRef idx="3">
+            <a:schemeClr val="accent1"/>
+          </a:fillRef>
+          <a:effectRef idx="2">
+            <a:schemeClr val="accent1"/>
+          </a:effectRef>
+          <a:fontRef idx="minor">
+            <a:schemeClr val="lt1"/>
+          </a:fontRef>
+        </p:style>
+      </p:sp>
+      <p:sp>
+        <p:nvSpPr>
+          <p:cNvPr id="12" name="Date Placeholder 3">
+            <a:extLst>
+              <a:ext uri="{FF2B5EF4-FFF2-40B4-BE49-F238E27FC236}">
+                <a16:creationId xmlns:a16="http://schemas.microsoft.com/office/drawing/2014/main" id="{0AAE8D72-8133-BD4C-9ABB-B6CCBBAC2CA1}"/>
+              </a:ext>
+            </a:extLst>
+          </p:cNvPr>
+          <p:cNvSpPr>
+            <a:spLocks noGrp="1"/>
+          </p:cNvSpPr>
+          <p:nvPr>
+            <p:ph type="dt" sz="half" idx="2"/>
+          </p:nvPr>
+        </p:nvSpPr>
+        <p:spPr>
+          <a:xfrm>
+            <a:off x="5559327" y="6392242"/>
+            <a:ext cx="2133600" cy="365125"/>
+          </a:xfrm>
+          <a:prstGeom prst="rect">
+            <a:avLst/>
+          </a:prstGeom>
+        </p:spPr>
+        <p:txBody>
+          <a:bodyPr/>
+          <a:lstStyle>
+            <a:lvl1pPr>
+              <a:defRPr>
+                <a:solidFill>
+                  <a:schemeClr val="accent1">
+                    <a:lumMod val="75000"/>
+                    <a:lumOff val="25000"/>
+                  </a:schemeClr>
+                </a:solidFill>
+              </a:defRPr>
+            </a:lvl1pPr>
+          </a:lstStyle>
+          <a:p>
+            <a:fld id="{6A3CA27E-F570-4F3C-BEC6-ADE8E4EED474}" type="datetime1">
+              <a:rPr lang="en-US" smtClean="0"/>
+              <a:t>6/12/18</a:t>
+            </a:fld>
+            <a:endParaRPr lang="en-US" dirty="0"/>
+          </a:p>
+        </p:txBody>
+      </p:sp>
+      <p:sp>
+        <p:nvSpPr>
+          <p:cNvPr id="13" name="Footer Placeholder 4">
+            <a:extLst>
+              <a:ext uri="{FF2B5EF4-FFF2-40B4-BE49-F238E27FC236}">
+                <a16:creationId xmlns:a16="http://schemas.microsoft.com/office/drawing/2014/main" id="{CAB9BFBD-8489-AA40-9E3F-B3F63A8BD518}"/>
+              </a:ext>
+            </a:extLst>
+          </p:cNvPr>
+          <p:cNvSpPr>
+            <a:spLocks noGrp="1"/>
+          </p:cNvSpPr>
+          <p:nvPr>
+            <p:ph type="ftr" sz="quarter" idx="3"/>
+          </p:nvPr>
+        </p:nvSpPr>
+        <p:spPr>
+          <a:xfrm>
+            <a:off x="581192" y="6387916"/>
+            <a:ext cx="4870585" cy="365125"/>
+          </a:xfrm>
+          <a:prstGeom prst="rect">
+            <a:avLst/>
+          </a:prstGeom>
+        </p:spPr>
+        <p:txBody>
+          <a:bodyPr/>
+          <a:lstStyle>
+            <a:lvl1pPr>
+              <a:defRPr>
+                <a:solidFill>
+                  <a:schemeClr val="accent1">
+                    <a:lumMod val="75000"/>
+                    <a:lumOff val="25000"/>
+                  </a:schemeClr>
+                </a:solidFill>
+              </a:defRPr>
+            </a:lvl1pPr>
+          </a:lstStyle>
+          <a:p>
+            <a:r>
+              <a:rPr lang="en-US"/>
+              <a:t>© 2018, FLL Tutorials (Last Edit 6/11/2018)</a:t>
+            </a:r>
+            <a:endParaRPr lang="en-US" dirty="0"/>
+          </a:p>
+        </p:txBody>
+      </p:sp>
+      <p:sp>
+        <p:nvSpPr>
+          <p:cNvPr id="14" name="Slide Number Placeholder 5">
+            <a:extLst>
+              <a:ext uri="{FF2B5EF4-FFF2-40B4-BE49-F238E27FC236}">
+                <a16:creationId xmlns:a16="http://schemas.microsoft.com/office/drawing/2014/main" id="{B04709EF-0344-434E-8D31-15D41ADEE43F}"/>
+              </a:ext>
+            </a:extLst>
+          </p:cNvPr>
+          <p:cNvSpPr>
+            <a:spLocks noGrp="1"/>
+          </p:cNvSpPr>
+          <p:nvPr>
+            <p:ph type="sldNum" sz="quarter" idx="4"/>
+          </p:nvPr>
+        </p:nvSpPr>
+        <p:spPr>
+          <a:xfrm>
+            <a:off x="7800476" y="6392242"/>
+            <a:ext cx="770468" cy="365125"/>
+          </a:xfrm>
+          <a:prstGeom prst="rect">
+            <a:avLst/>
+          </a:prstGeom>
+        </p:spPr>
+        <p:txBody>
+          <a:bodyPr/>
+          <a:lstStyle>
+            <a:lvl1pPr>
+              <a:defRPr>
+                <a:solidFill>
+                  <a:schemeClr val="accent1">
+                    <a:lumMod val="75000"/>
+                    <a:lumOff val="25000"/>
+                  </a:schemeClr>
+                </a:solidFill>
+              </a:defRPr>
+            </a:lvl1pPr>
+          </a:lstStyle>
+          <a:p>
+            <a:fld id="{6D22F896-40B5-4ADD-8801-0D06FADFA095}" type="slidenum">
+              <a:rPr lang="en-US" smtClean="0"/>
+              <a:pPr/>
+              <a:t>‹#›</a:t>
+            </a:fld>
+            <a:endParaRPr lang="en-US" dirty="0"/>
+          </a:p>
+        </p:txBody>
+      </p:sp>
+      <p:sp>
+        <p:nvSpPr>
+          <p:cNvPr id="15" name="Rectangle 14">
+            <a:extLst>
+              <a:ext uri="{FF2B5EF4-FFF2-40B4-BE49-F238E27FC236}">
+                <a16:creationId xmlns:a16="http://schemas.microsoft.com/office/drawing/2014/main" id="{968375E8-CD3D-4BC8-9D9A-2445D57D5661}"/>
+              </a:ext>
+            </a:extLst>
+          </p:cNvPr>
+          <p:cNvSpPr/>
+          <p:nvPr userDrawn="1"/>
+        </p:nvSpPr>
+        <p:spPr>
+          <a:xfrm>
+            <a:off x="-1" y="6273337"/>
+            <a:ext cx="9144001" cy="65999"/>
+          </a:xfrm>
+          <a:prstGeom prst="rect">
+            <a:avLst/>
+          </a:prstGeom>
+          <a:solidFill>
+            <a:srgbClr val="24CF39"/>
           </a:solidFill>
           <a:ln>
             <a:noFill/>
@@ -3937,333 +4703,6 @@
             <a:schemeClr val="lt1"/>
           </a:fontRef>
         </p:style>
-      </p:sp>
-      <p:sp>
-        <p:nvSpPr>
-          <p:cNvPr id="9" name="Rectangle 8"/>
-          <p:cNvSpPr/>
-          <p:nvPr/>
-        </p:nvSpPr>
-        <p:spPr>
-          <a:xfrm>
-            <a:off x="0" y="6334315"/>
-            <a:ext cx="9144001" cy="65999"/>
-          </a:xfrm>
-          <a:prstGeom prst="rect">
-            <a:avLst/>
-          </a:prstGeom>
-          <a:solidFill>
-            <a:srgbClr val="652C90"/>
-          </a:solidFill>
-          <a:ln>
-            <a:noFill/>
-          </a:ln>
-        </p:spPr>
-        <p:style>
-          <a:lnRef idx="2">
-            <a:schemeClr val="accent1">
-              <a:shade val="50000"/>
-            </a:schemeClr>
-          </a:lnRef>
-          <a:fillRef idx="1">
-            <a:schemeClr val="accent1"/>
-          </a:fillRef>
-          <a:effectRef idx="0">
-            <a:schemeClr val="accent1"/>
-          </a:effectRef>
-          <a:fontRef idx="minor">
-            <a:schemeClr val="lt1"/>
-          </a:fontRef>
-        </p:style>
-      </p:sp>
-      <p:sp>
-        <p:nvSpPr>
-          <p:cNvPr id="2" name="Title Placeholder 1"/>
-          <p:cNvSpPr>
-            <a:spLocks noGrp="1"/>
-          </p:cNvSpPr>
-          <p:nvPr>
-            <p:ph type="title"/>
-          </p:nvPr>
-        </p:nvSpPr>
-        <p:spPr>
-          <a:xfrm>
-            <a:off x="241739" y="286604"/>
-            <a:ext cx="8681543" cy="1450757"/>
-          </a:xfrm>
-          <a:prstGeom prst="rect">
-            <a:avLst/>
-          </a:prstGeom>
-        </p:spPr>
-        <p:txBody>
-          <a:bodyPr vert="horz" lIns="91440" tIns="45720" rIns="91440" bIns="45720" rtlCol="0" anchor="b">
-            <a:normAutofit/>
-          </a:bodyPr>
-          <a:lstStyle/>
-          <a:p>
-            <a:r>
-              <a:rPr lang="en-US"/>
-              <a:t>Click to edit Master title style</a:t>
-            </a:r>
-            <a:endParaRPr lang="en-US" dirty="0"/>
-          </a:p>
-        </p:txBody>
-      </p:sp>
-      <p:sp>
-        <p:nvSpPr>
-          <p:cNvPr id="3" name="Text Placeholder 2"/>
-          <p:cNvSpPr>
-            <a:spLocks noGrp="1"/>
-          </p:cNvSpPr>
-          <p:nvPr>
-            <p:ph type="body" idx="1"/>
-          </p:nvPr>
-        </p:nvSpPr>
-        <p:spPr>
-          <a:xfrm>
-            <a:off x="241739" y="1845734"/>
-            <a:ext cx="8681544" cy="4023360"/>
-          </a:xfrm>
-          <a:prstGeom prst="rect">
-            <a:avLst/>
-          </a:prstGeom>
-        </p:spPr>
-        <p:txBody>
-          <a:bodyPr vert="horz" lIns="0" tIns="45720" rIns="0" bIns="45720" rtlCol="0">
-            <a:normAutofit/>
-          </a:bodyPr>
-          <a:lstStyle/>
-          <a:p>
-            <a:pPr lvl="0"/>
-            <a:r>
-              <a:rPr lang="en-US"/>
-              <a:t>Click to edit Master text styles</a:t>
-            </a:r>
-          </a:p>
-          <a:p>
-            <a:pPr lvl="1"/>
-            <a:r>
-              <a:rPr lang="en-US"/>
-              <a:t>Second level</a:t>
-            </a:r>
-          </a:p>
-          <a:p>
-            <a:pPr lvl="2"/>
-            <a:r>
-              <a:rPr lang="en-US"/>
-              <a:t>Third level</a:t>
-            </a:r>
-          </a:p>
-          <a:p>
-            <a:pPr lvl="3"/>
-            <a:r>
-              <a:rPr lang="en-US"/>
-              <a:t>Fourth level</a:t>
-            </a:r>
-          </a:p>
-          <a:p>
-            <a:pPr lvl="4"/>
-            <a:r>
-              <a:rPr lang="en-US"/>
-              <a:t>Fifth level</a:t>
-            </a:r>
-            <a:endParaRPr lang="en-US" dirty="0"/>
-          </a:p>
-        </p:txBody>
-      </p:sp>
-      <p:sp>
-        <p:nvSpPr>
-          <p:cNvPr id="4" name="Date Placeholder 3"/>
-          <p:cNvSpPr>
-            <a:spLocks noGrp="1"/>
-          </p:cNvSpPr>
-          <p:nvPr>
-            <p:ph type="dt" sz="half" idx="2"/>
-          </p:nvPr>
-        </p:nvSpPr>
-        <p:spPr>
-          <a:xfrm>
-            <a:off x="822961" y="6459786"/>
-            <a:ext cx="1854203" cy="365125"/>
-          </a:xfrm>
-          <a:prstGeom prst="rect">
-            <a:avLst/>
-          </a:prstGeom>
-        </p:spPr>
-        <p:txBody>
-          <a:bodyPr vert="horz" lIns="91440" tIns="45720" rIns="91440" bIns="45720" rtlCol="0" anchor="ctr"/>
-          <a:lstStyle>
-            <a:lvl1pPr algn="l">
-              <a:defRPr sz="900">
-                <a:solidFill>
-                  <a:srgbClr val="FFFFFF"/>
-                </a:solidFill>
-              </a:defRPr>
-            </a:lvl1pPr>
-          </a:lstStyle>
-          <a:p>
-            <a:fld id="{DF4442B0-295A-45DF-A738-D4A1F9E28ADF}" type="datetime1">
-              <a:rPr lang="en-US" smtClean="0"/>
-              <a:t>6/7/18</a:t>
-            </a:fld>
-            <a:endParaRPr lang="en-US" dirty="0"/>
-          </a:p>
-        </p:txBody>
-      </p:sp>
-      <p:sp>
-        <p:nvSpPr>
-          <p:cNvPr id="5" name="Footer Placeholder 4"/>
-          <p:cNvSpPr>
-            <a:spLocks noGrp="1"/>
-          </p:cNvSpPr>
-          <p:nvPr>
-            <p:ph type="ftr" sz="quarter" idx="3"/>
-          </p:nvPr>
-        </p:nvSpPr>
-        <p:spPr>
-          <a:xfrm>
-            <a:off x="2764639" y="6459786"/>
-            <a:ext cx="3617103" cy="365125"/>
-          </a:xfrm>
-          <a:prstGeom prst="rect">
-            <a:avLst/>
-          </a:prstGeom>
-        </p:spPr>
-        <p:txBody>
-          <a:bodyPr vert="horz" lIns="91440" tIns="45720" rIns="91440" bIns="45720" rtlCol="0" anchor="ctr"/>
-          <a:lstStyle>
-            <a:lvl1pPr algn="ctr">
-              <a:defRPr sz="900" cap="all" baseline="0">
-                <a:solidFill>
-                  <a:srgbClr val="FFFFFF"/>
-                </a:solidFill>
-              </a:defRPr>
-            </a:lvl1pPr>
-          </a:lstStyle>
-          <a:p>
-            <a:r>
-              <a:rPr lang="en-US"/>
-              <a:t>© 2018, FLL Tutorials (Last Edit 8/18/2017)</a:t>
-            </a:r>
-            <a:endParaRPr lang="en-US" dirty="0"/>
-          </a:p>
-        </p:txBody>
-      </p:sp>
-      <p:sp>
-        <p:nvSpPr>
-          <p:cNvPr id="6" name="Slide Number Placeholder 5"/>
-          <p:cNvSpPr>
-            <a:spLocks noGrp="1"/>
-          </p:cNvSpPr>
-          <p:nvPr>
-            <p:ph type="sldNum" sz="quarter" idx="4"/>
-          </p:nvPr>
-        </p:nvSpPr>
-        <p:spPr>
-          <a:xfrm>
-            <a:off x="7425344" y="6459786"/>
-            <a:ext cx="984019" cy="365125"/>
-          </a:xfrm>
-          <a:prstGeom prst="rect">
-            <a:avLst/>
-          </a:prstGeom>
-        </p:spPr>
-        <p:txBody>
-          <a:bodyPr vert="horz" lIns="91440" tIns="45720" rIns="91440" bIns="45720" rtlCol="0" anchor="ctr"/>
-          <a:lstStyle>
-            <a:lvl1pPr algn="r">
-              <a:defRPr sz="1050">
-                <a:solidFill>
-                  <a:srgbClr val="FFFFFF"/>
-                </a:solidFill>
-              </a:defRPr>
-            </a:lvl1pPr>
-          </a:lstStyle>
-          <a:p>
-            <a:fld id="{6D22F896-40B5-4ADD-8801-0D06FADFA095}" type="slidenum">
-              <a:rPr lang="en-US" smtClean="0"/>
-              <a:pPr/>
-              <a:t>‹#›</a:t>
-            </a:fld>
-            <a:endParaRPr lang="en-US" dirty="0"/>
-          </a:p>
-        </p:txBody>
-      </p:sp>
-      <p:cxnSp>
-        <p:nvCxnSpPr>
-          <p:cNvPr id="10" name="Straight Connector 9"/>
-          <p:cNvCxnSpPr/>
-          <p:nvPr/>
-        </p:nvCxnSpPr>
-        <p:spPr>
-          <a:xfrm>
-            <a:off x="895149" y="1737845"/>
-            <a:ext cx="7475220" cy="0"/>
-          </a:xfrm>
-          <a:prstGeom prst="line">
-            <a:avLst/>
-          </a:prstGeom>
-          <a:ln w="6350">
-            <a:solidFill>
-              <a:schemeClr val="tx1">
-                <a:lumMod val="50000"/>
-                <a:lumOff val="50000"/>
-              </a:schemeClr>
-            </a:solidFill>
-          </a:ln>
-        </p:spPr>
-        <p:style>
-          <a:lnRef idx="1">
-            <a:schemeClr val="accent1"/>
-          </a:lnRef>
-          <a:fillRef idx="0">
-            <a:schemeClr val="accent1"/>
-          </a:fillRef>
-          <a:effectRef idx="0">
-            <a:schemeClr val="accent1"/>
-          </a:effectRef>
-          <a:fontRef idx="minor">
-            <a:schemeClr val="tx1"/>
-          </a:fontRef>
-        </p:style>
-      </p:cxnSp>
-      <p:sp>
-        <p:nvSpPr>
-          <p:cNvPr id="11" name="Rectangle 10"/>
-          <p:cNvSpPr/>
-          <p:nvPr userDrawn="1"/>
-        </p:nvSpPr>
-        <p:spPr>
-          <a:xfrm>
-            <a:off x="-1" y="6273337"/>
-            <a:ext cx="9144001" cy="65999"/>
-          </a:xfrm>
-          <a:prstGeom prst="rect">
-            <a:avLst/>
-          </a:prstGeom>
-          <a:solidFill>
-            <a:srgbClr val="24CF39"/>
-          </a:solidFill>
-          <a:ln>
-            <a:noFill/>
-          </a:ln>
-        </p:spPr>
-        <p:style>
-          <a:lnRef idx="2">
-            <a:schemeClr val="accent1">
-              <a:shade val="50000"/>
-            </a:schemeClr>
-          </a:lnRef>
-          <a:fillRef idx="1">
-            <a:schemeClr val="accent1"/>
-          </a:fillRef>
-          <a:effectRef idx="0">
-            <a:schemeClr val="accent1"/>
-          </a:effectRef>
-          <a:fontRef idx="minor">
-            <a:schemeClr val="lt1"/>
-          </a:fontRef>
-        </p:style>
         <p:txBody>
           <a:bodyPr/>
           <a:lstStyle/>
@@ -4275,287 +4714,291 @@
     </p:spTree>
     <p:extLst>
       <p:ext uri="{BB962C8B-B14F-4D97-AF65-F5344CB8AC3E}">
-        <p14:creationId xmlns:p14="http://schemas.microsoft.com/office/powerpoint/2010/main" val="1196873494"/>
+        <p14:creationId xmlns:p14="http://schemas.microsoft.com/office/powerpoint/2010/main" val="1601204415"/>
       </p:ext>
     </p:extLst>
   </p:cSld>
   <p:clrMap bg1="lt1" tx1="dk1" bg2="lt2" tx2="dk2" accent1="accent1" accent2="accent2" accent3="accent3" accent4="accent4" accent5="accent5" accent6="accent6" hlink="hlink" folHlink="folHlink"/>
   <p:sldLayoutIdLst>
-    <p:sldLayoutId id="2147483780" r:id="rId1"/>
-    <p:sldLayoutId id="2147483781" r:id="rId2"/>
-    <p:sldLayoutId id="2147483782" r:id="rId3"/>
-    <p:sldLayoutId id="2147483783" r:id="rId4"/>
-    <p:sldLayoutId id="2147483784" r:id="rId5"/>
-    <p:sldLayoutId id="2147483785" r:id="rId6"/>
-    <p:sldLayoutId id="2147483786" r:id="rId7"/>
-    <p:sldLayoutId id="2147483787" r:id="rId8"/>
-    <p:sldLayoutId id="2147483788" r:id="rId9"/>
-    <p:sldLayoutId id="2147483789" r:id="rId10"/>
-    <p:sldLayoutId id="2147483790" r:id="rId11"/>
+    <p:sldLayoutId id="2147483792" r:id="rId1"/>
+    <p:sldLayoutId id="2147483793" r:id="rId2"/>
+    <p:sldLayoutId id="2147483794" r:id="rId3"/>
+    <p:sldLayoutId id="2147483795" r:id="rId4"/>
+    <p:sldLayoutId id="2147483796" r:id="rId5"/>
+    <p:sldLayoutId id="2147483797" r:id="rId6"/>
+    <p:sldLayoutId id="2147483798" r:id="rId7"/>
+    <p:sldLayoutId id="2147483799" r:id="rId8"/>
+    <p:sldLayoutId id="2147483800" r:id="rId9"/>
+    <p:sldLayoutId id="2147483801" r:id="rId10"/>
+    <p:sldLayoutId id="2147483802" r:id="rId11"/>
   </p:sldLayoutIdLst>
   <p:hf hdr="0" dt="0"/>
   <p:txStyles>
     <p:titleStyle>
-      <a:lvl1pPr algn="l" defTabSz="914400" rtl="0" eaLnBrk="1" latinLnBrk="0" hangingPunct="1">
-        <a:lnSpc>
-          <a:spcPct val="85000"/>
-        </a:lnSpc>
+      <a:lvl1pPr algn="l" defTabSz="457200" rtl="0" eaLnBrk="1" latinLnBrk="0" hangingPunct="1">
         <a:spcBef>
           <a:spcPct val="0"/>
         </a:spcBef>
         <a:buNone/>
-        <a:defRPr sz="4800" kern="1200" spc="-50" baseline="0">
+        <a:defRPr sz="2800" b="0" kern="1200" cap="all">
           <a:solidFill>
-            <a:schemeClr val="tx1">
-              <a:lumMod val="75000"/>
-              <a:lumOff val="25000"/>
-            </a:schemeClr>
+            <a:schemeClr val="bg1"/>
           </a:solidFill>
           <a:latin typeface="+mj-lt"/>
           <a:ea typeface="+mj-ea"/>
           <a:cs typeface="+mj-cs"/>
         </a:defRPr>
       </a:lvl1pPr>
+      <a:lvl2pPr eaLnBrk="1" hangingPunct="1">
+        <a:defRPr>
+          <a:solidFill>
+            <a:schemeClr val="tx2"/>
+          </a:solidFill>
+        </a:defRPr>
+      </a:lvl2pPr>
+      <a:lvl3pPr eaLnBrk="1" hangingPunct="1">
+        <a:defRPr>
+          <a:solidFill>
+            <a:schemeClr val="tx2"/>
+          </a:solidFill>
+        </a:defRPr>
+      </a:lvl3pPr>
+      <a:lvl4pPr eaLnBrk="1" hangingPunct="1">
+        <a:defRPr>
+          <a:solidFill>
+            <a:schemeClr val="tx2"/>
+          </a:solidFill>
+        </a:defRPr>
+      </a:lvl4pPr>
+      <a:lvl5pPr eaLnBrk="1" hangingPunct="1">
+        <a:defRPr>
+          <a:solidFill>
+            <a:schemeClr val="tx2"/>
+          </a:solidFill>
+        </a:defRPr>
+      </a:lvl5pPr>
+      <a:lvl6pPr eaLnBrk="1" hangingPunct="1">
+        <a:defRPr>
+          <a:solidFill>
+            <a:schemeClr val="tx2"/>
+          </a:solidFill>
+        </a:defRPr>
+      </a:lvl6pPr>
+      <a:lvl7pPr eaLnBrk="1" hangingPunct="1">
+        <a:defRPr>
+          <a:solidFill>
+            <a:schemeClr val="tx2"/>
+          </a:solidFill>
+        </a:defRPr>
+      </a:lvl7pPr>
+      <a:lvl8pPr eaLnBrk="1" hangingPunct="1">
+        <a:defRPr>
+          <a:solidFill>
+            <a:schemeClr val="tx2"/>
+          </a:solidFill>
+        </a:defRPr>
+      </a:lvl8pPr>
+      <a:lvl9pPr eaLnBrk="1" hangingPunct="1">
+        <a:defRPr>
+          <a:solidFill>
+            <a:schemeClr val="tx2"/>
+          </a:solidFill>
+        </a:defRPr>
+      </a:lvl9pPr>
     </p:titleStyle>
     <p:bodyStyle>
-      <a:lvl1pPr marL="91440" indent="-91440" algn="l" defTabSz="914400" rtl="0" eaLnBrk="1" latinLnBrk="0" hangingPunct="1">
-        <a:lnSpc>
-          <a:spcPct val="90000"/>
-        </a:lnSpc>
+      <a:lvl1pPr marL="306000" indent="-306000" algn="l" defTabSz="457200" rtl="0" eaLnBrk="1" latinLnBrk="0" hangingPunct="1">
         <a:spcBef>
-          <a:spcPts val="1200"/>
+          <a:spcPct val="20000"/>
         </a:spcBef>
         <a:spcAft>
-          <a:spcPts val="200"/>
+          <a:spcPts val="600"/>
         </a:spcAft>
         <a:buClr>
-          <a:schemeClr val="accent1"/>
+          <a:schemeClr val="accent2"/>
         </a:buClr>
-        <a:buSzPct val="100000"/>
-        <a:buFont typeface="Calibri" panose="020F0502020204030204" pitchFamily="34" charset="0"/>
-        <a:buChar char=" "/>
-        <a:defRPr sz="2000" kern="1200">
+        <a:buSzPct val="92000"/>
+        <a:buFont typeface="Wingdings 2" panose="05020102010507070707" pitchFamily="18" charset="2"/>
+        <a:buChar char=""/>
+        <a:defRPr sz="1800" kern="1200">
           <a:solidFill>
-            <a:schemeClr val="tx1">
-              <a:lumMod val="75000"/>
-              <a:lumOff val="25000"/>
-            </a:schemeClr>
+            <a:schemeClr val="tx2"/>
           </a:solidFill>
           <a:latin typeface="+mn-lt"/>
           <a:ea typeface="+mn-ea"/>
           <a:cs typeface="+mn-cs"/>
         </a:defRPr>
       </a:lvl1pPr>
-      <a:lvl2pPr marL="384048" indent="-182880" algn="l" defTabSz="914400" rtl="0" eaLnBrk="1" latinLnBrk="0" hangingPunct="1">
-        <a:lnSpc>
-          <a:spcPct val="90000"/>
-        </a:lnSpc>
+      <a:lvl2pPr marL="630000" indent="-306000" algn="l" defTabSz="457200" rtl="0" eaLnBrk="1" latinLnBrk="0" hangingPunct="1">
         <a:spcBef>
-          <a:spcPts val="200"/>
+          <a:spcPct val="20000"/>
         </a:spcBef>
         <a:spcAft>
-          <a:spcPts val="400"/>
+          <a:spcPts val="600"/>
         </a:spcAft>
         <a:buClr>
-          <a:schemeClr val="accent1"/>
+          <a:schemeClr val="accent2"/>
         </a:buClr>
-        <a:buFont typeface="Calibri" pitchFamily="34" charset="0"/>
-        <a:buChar char="◦"/>
-        <a:defRPr sz="1800" kern="1200">
+        <a:buSzPct val="92000"/>
+        <a:buFont typeface="Wingdings 2" panose="05020102010507070707" pitchFamily="18" charset="2"/>
+        <a:buChar char=""/>
+        <a:defRPr sz="1600" kern="1200">
           <a:solidFill>
-            <a:schemeClr val="tx1">
-              <a:lumMod val="75000"/>
-              <a:lumOff val="25000"/>
-            </a:schemeClr>
+            <a:schemeClr val="tx2"/>
           </a:solidFill>
           <a:latin typeface="+mn-lt"/>
           <a:ea typeface="+mn-ea"/>
           <a:cs typeface="+mn-cs"/>
         </a:defRPr>
       </a:lvl2pPr>
-      <a:lvl3pPr marL="566928" indent="-182880" algn="l" defTabSz="914400" rtl="0" eaLnBrk="1" latinLnBrk="0" hangingPunct="1">
-        <a:lnSpc>
-          <a:spcPct val="90000"/>
-        </a:lnSpc>
+      <a:lvl3pPr marL="900000" indent="-270000" algn="l" defTabSz="457200" rtl="0" eaLnBrk="1" latinLnBrk="0" hangingPunct="1">
         <a:spcBef>
-          <a:spcPts val="200"/>
+          <a:spcPct val="20000"/>
         </a:spcBef>
         <a:spcAft>
-          <a:spcPts val="400"/>
+          <a:spcPts val="600"/>
         </a:spcAft>
         <a:buClr>
-          <a:schemeClr val="accent1"/>
+          <a:schemeClr val="accent2"/>
         </a:buClr>
-        <a:buFont typeface="Calibri" pitchFamily="34" charset="0"/>
-        <a:buChar char="◦"/>
+        <a:buSzPct val="92000"/>
+        <a:buFont typeface="Wingdings 2" panose="05020102010507070707" pitchFamily="18" charset="2"/>
+        <a:buChar char=""/>
         <a:defRPr sz="1400" kern="1200">
           <a:solidFill>
-            <a:schemeClr val="tx1">
-              <a:lumMod val="75000"/>
-              <a:lumOff val="25000"/>
-            </a:schemeClr>
+            <a:schemeClr val="tx2"/>
           </a:solidFill>
           <a:latin typeface="+mn-lt"/>
           <a:ea typeface="+mn-ea"/>
           <a:cs typeface="+mn-cs"/>
         </a:defRPr>
       </a:lvl3pPr>
-      <a:lvl4pPr marL="749808" indent="-182880" algn="l" defTabSz="914400" rtl="0" eaLnBrk="1" latinLnBrk="0" hangingPunct="1">
-        <a:lnSpc>
-          <a:spcPct val="90000"/>
-        </a:lnSpc>
+      <a:lvl4pPr marL="1242000" indent="-234000" algn="l" defTabSz="457200" rtl="0" eaLnBrk="1" latinLnBrk="0" hangingPunct="1">
         <a:spcBef>
-          <a:spcPts val="200"/>
+          <a:spcPct val="20000"/>
         </a:spcBef>
         <a:spcAft>
-          <a:spcPts val="400"/>
+          <a:spcPts val="600"/>
         </a:spcAft>
         <a:buClr>
-          <a:schemeClr val="accent1"/>
+          <a:schemeClr val="accent2"/>
         </a:buClr>
-        <a:buFont typeface="Calibri" pitchFamily="34" charset="0"/>
-        <a:buChar char="◦"/>
-        <a:defRPr sz="1400" kern="1200">
+        <a:buSzPct val="92000"/>
+        <a:buFont typeface="Wingdings 2" panose="05020102010507070707" pitchFamily="18" charset="2"/>
+        <a:buChar char=""/>
+        <a:defRPr sz="1200" kern="1200">
           <a:solidFill>
-            <a:schemeClr val="tx1">
-              <a:lumMod val="75000"/>
-              <a:lumOff val="25000"/>
-            </a:schemeClr>
+            <a:schemeClr val="tx2"/>
           </a:solidFill>
           <a:latin typeface="+mn-lt"/>
           <a:ea typeface="+mn-ea"/>
           <a:cs typeface="+mn-cs"/>
         </a:defRPr>
       </a:lvl4pPr>
-      <a:lvl5pPr marL="932688" indent="-182880" algn="l" defTabSz="914400" rtl="0" eaLnBrk="1" latinLnBrk="0" hangingPunct="1">
-        <a:lnSpc>
-          <a:spcPct val="90000"/>
-        </a:lnSpc>
+      <a:lvl5pPr marL="1602000" indent="-234000" algn="l" defTabSz="457200" rtl="0" eaLnBrk="1" latinLnBrk="0" hangingPunct="1">
         <a:spcBef>
-          <a:spcPts val="200"/>
+          <a:spcPct val="20000"/>
         </a:spcBef>
         <a:spcAft>
-          <a:spcPts val="400"/>
+          <a:spcPts val="600"/>
         </a:spcAft>
         <a:buClr>
-          <a:schemeClr val="accent1"/>
+          <a:schemeClr val="accent2"/>
         </a:buClr>
-        <a:buFont typeface="Calibri" pitchFamily="34" charset="0"/>
-        <a:buChar char="◦"/>
-        <a:defRPr sz="1400" kern="1200">
+        <a:buSzPct val="92000"/>
+        <a:buFont typeface="Wingdings 2" panose="05020102010507070707" pitchFamily="18" charset="2"/>
+        <a:buChar char=""/>
+        <a:defRPr sz="1200" kern="1200">
           <a:solidFill>
-            <a:schemeClr val="tx1">
-              <a:lumMod val="75000"/>
-              <a:lumOff val="25000"/>
-            </a:schemeClr>
+            <a:schemeClr val="tx2"/>
           </a:solidFill>
           <a:latin typeface="+mn-lt"/>
           <a:ea typeface="+mn-ea"/>
           <a:cs typeface="+mn-cs"/>
         </a:defRPr>
       </a:lvl5pPr>
-      <a:lvl6pPr marL="1100000" indent="-228600" algn="l" defTabSz="914400" rtl="0" eaLnBrk="1" latinLnBrk="0" hangingPunct="1">
-        <a:lnSpc>
-          <a:spcPct val="90000"/>
-        </a:lnSpc>
+      <a:lvl6pPr marL="1900000" indent="-228600" algn="l" defTabSz="457200" rtl="0" eaLnBrk="1" latinLnBrk="0" hangingPunct="1">
         <a:spcBef>
-          <a:spcPts val="200"/>
+          <a:spcPct val="20000"/>
         </a:spcBef>
         <a:spcAft>
-          <a:spcPts val="400"/>
+          <a:spcPts val="600"/>
         </a:spcAft>
         <a:buClr>
-          <a:schemeClr val="accent1"/>
+          <a:schemeClr val="accent2"/>
         </a:buClr>
-        <a:buFont typeface="Calibri" pitchFamily="34" charset="0"/>
-        <a:buChar char="◦"/>
-        <a:defRPr sz="1400" kern="1200">
+        <a:buSzPct val="92000"/>
+        <a:buFont typeface="Wingdings 2" panose="05020102010507070707" pitchFamily="18" charset="2"/>
+        <a:buChar char=""/>
+        <a:defRPr sz="1200" kern="1200">
           <a:solidFill>
-            <a:schemeClr val="tx1">
-              <a:lumMod val="75000"/>
-              <a:lumOff val="25000"/>
-            </a:schemeClr>
+            <a:schemeClr val="tx2"/>
           </a:solidFill>
           <a:latin typeface="+mn-lt"/>
           <a:ea typeface="+mn-ea"/>
           <a:cs typeface="+mn-cs"/>
         </a:defRPr>
       </a:lvl6pPr>
-      <a:lvl7pPr marL="1300000" indent="-228600" algn="l" defTabSz="914400" rtl="0" eaLnBrk="1" latinLnBrk="0" hangingPunct="1">
-        <a:lnSpc>
-          <a:spcPct val="90000"/>
-        </a:lnSpc>
+      <a:lvl7pPr marL="2200000" indent="-228600" algn="l" defTabSz="457200" rtl="0" eaLnBrk="1" latinLnBrk="0" hangingPunct="1">
         <a:spcBef>
-          <a:spcPts val="200"/>
+          <a:spcPct val="20000"/>
         </a:spcBef>
         <a:spcAft>
-          <a:spcPts val="400"/>
+          <a:spcPts val="600"/>
         </a:spcAft>
         <a:buClr>
-          <a:schemeClr val="accent1"/>
+          <a:schemeClr val="accent2"/>
         </a:buClr>
-        <a:buFont typeface="Calibri" pitchFamily="34" charset="0"/>
-        <a:buChar char="◦"/>
-        <a:defRPr sz="1400" kern="1200">
+        <a:buSzPct val="92000"/>
+        <a:buFont typeface="Wingdings 2" panose="05020102010507070707" pitchFamily="18" charset="2"/>
+        <a:buChar char=""/>
+        <a:defRPr sz="1200" kern="1200">
           <a:solidFill>
-            <a:schemeClr val="tx1">
-              <a:lumMod val="75000"/>
-              <a:lumOff val="25000"/>
-            </a:schemeClr>
+            <a:schemeClr val="tx2"/>
           </a:solidFill>
           <a:latin typeface="+mn-lt"/>
           <a:ea typeface="+mn-ea"/>
           <a:cs typeface="+mn-cs"/>
         </a:defRPr>
       </a:lvl7pPr>
-      <a:lvl8pPr marL="1500000" indent="-228600" algn="l" defTabSz="914400" rtl="0" eaLnBrk="1" latinLnBrk="0" hangingPunct="1">
-        <a:lnSpc>
-          <a:spcPct val="90000"/>
-        </a:lnSpc>
+      <a:lvl8pPr marL="2500000" indent="-228600" algn="l" defTabSz="457200" rtl="0" eaLnBrk="1" latinLnBrk="0" hangingPunct="1">
         <a:spcBef>
-          <a:spcPts val="200"/>
+          <a:spcPct val="20000"/>
         </a:spcBef>
         <a:spcAft>
-          <a:spcPts val="400"/>
+          <a:spcPts val="600"/>
         </a:spcAft>
         <a:buClr>
-          <a:schemeClr val="accent1"/>
+          <a:schemeClr val="accent2"/>
         </a:buClr>
-        <a:buFont typeface="Calibri" pitchFamily="34" charset="0"/>
-        <a:buChar char="◦"/>
-        <a:defRPr sz="1400" kern="1200">
+        <a:buSzPct val="92000"/>
+        <a:buFont typeface="Wingdings 2" panose="05020102010507070707" pitchFamily="18" charset="2"/>
+        <a:buChar char=""/>
+        <a:defRPr sz="1200" kern="1200">
           <a:solidFill>
-            <a:schemeClr val="tx1">
-              <a:lumMod val="75000"/>
-              <a:lumOff val="25000"/>
-            </a:schemeClr>
+            <a:schemeClr val="tx2"/>
           </a:solidFill>
           <a:latin typeface="+mn-lt"/>
           <a:ea typeface="+mn-ea"/>
           <a:cs typeface="+mn-cs"/>
         </a:defRPr>
       </a:lvl8pPr>
-      <a:lvl9pPr marL="1700000" indent="-228600" algn="l" defTabSz="914400" rtl="0" eaLnBrk="1" latinLnBrk="0" hangingPunct="1">
-        <a:lnSpc>
-          <a:spcPct val="90000"/>
-        </a:lnSpc>
+      <a:lvl9pPr marL="2800000" indent="-228600" algn="l" defTabSz="457200" rtl="0" eaLnBrk="1" latinLnBrk="0" hangingPunct="1">
         <a:spcBef>
-          <a:spcPts val="200"/>
+          <a:spcPct val="20000"/>
         </a:spcBef>
         <a:spcAft>
-          <a:spcPts val="400"/>
+          <a:spcPts val="600"/>
         </a:spcAft>
         <a:buClr>
-          <a:schemeClr val="accent1"/>
+          <a:schemeClr val="accent2"/>
         </a:buClr>
-        <a:buFont typeface="Calibri" pitchFamily="34" charset="0"/>
-        <a:buChar char="◦"/>
-        <a:defRPr sz="1400" kern="1200">
+        <a:buSzPct val="92000"/>
+        <a:buFont typeface="Wingdings 2" panose="05020102010507070707" pitchFamily="18" charset="2"/>
+        <a:buChar char=""/>
+        <a:defRPr sz="1200" kern="1200">
           <a:solidFill>
-            <a:schemeClr val="tx1">
-              <a:lumMod val="75000"/>
-              <a:lumOff val="25000"/>
-            </a:schemeClr>
+            <a:schemeClr val="tx2"/>
           </a:solidFill>
           <a:latin typeface="+mn-lt"/>
           <a:ea typeface="+mn-ea"/>
@@ -4567,7 +5010,7 @@
       <a:defPPr>
         <a:defRPr lang="en-US"/>
       </a:defPPr>
-      <a:lvl1pPr marL="0" algn="l" defTabSz="914400" rtl="0" eaLnBrk="1" latinLnBrk="0" hangingPunct="1">
+      <a:lvl1pPr marL="0" algn="l" defTabSz="457200" rtl="0" eaLnBrk="1" latinLnBrk="0" hangingPunct="1">
         <a:defRPr sz="1800" kern="1200">
           <a:solidFill>
             <a:schemeClr val="tx1"/>
@@ -4577,7 +5020,7 @@
           <a:cs typeface="+mn-cs"/>
         </a:defRPr>
       </a:lvl1pPr>
-      <a:lvl2pPr marL="457200" algn="l" defTabSz="914400" rtl="0" eaLnBrk="1" latinLnBrk="0" hangingPunct="1">
+      <a:lvl2pPr marL="457200" algn="l" defTabSz="457200" rtl="0" eaLnBrk="1" latinLnBrk="0" hangingPunct="1">
         <a:defRPr sz="1800" kern="1200">
           <a:solidFill>
             <a:schemeClr val="tx1"/>
@@ -4587,7 +5030,7 @@
           <a:cs typeface="+mn-cs"/>
         </a:defRPr>
       </a:lvl2pPr>
-      <a:lvl3pPr marL="914400" algn="l" defTabSz="914400" rtl="0" eaLnBrk="1" latinLnBrk="0" hangingPunct="1">
+      <a:lvl3pPr marL="914400" algn="l" defTabSz="457200" rtl="0" eaLnBrk="1" latinLnBrk="0" hangingPunct="1">
         <a:defRPr sz="1800" kern="1200">
           <a:solidFill>
             <a:schemeClr val="tx1"/>
@@ -4597,7 +5040,7 @@
           <a:cs typeface="+mn-cs"/>
         </a:defRPr>
       </a:lvl3pPr>
-      <a:lvl4pPr marL="1371600" algn="l" defTabSz="914400" rtl="0" eaLnBrk="1" latinLnBrk="0" hangingPunct="1">
+      <a:lvl4pPr marL="1371600" algn="l" defTabSz="457200" rtl="0" eaLnBrk="1" latinLnBrk="0" hangingPunct="1">
         <a:defRPr sz="1800" kern="1200">
           <a:solidFill>
             <a:schemeClr val="tx1"/>
@@ -4607,7 +5050,7 @@
           <a:cs typeface="+mn-cs"/>
         </a:defRPr>
       </a:lvl4pPr>
-      <a:lvl5pPr marL="1828800" algn="l" defTabSz="914400" rtl="0" eaLnBrk="1" latinLnBrk="0" hangingPunct="1">
+      <a:lvl5pPr marL="1828800" algn="l" defTabSz="457200" rtl="0" eaLnBrk="1" latinLnBrk="0" hangingPunct="1">
         <a:defRPr sz="1800" kern="1200">
           <a:solidFill>
             <a:schemeClr val="tx1"/>
@@ -4617,7 +5060,7 @@
           <a:cs typeface="+mn-cs"/>
         </a:defRPr>
       </a:lvl5pPr>
-      <a:lvl6pPr marL="2286000" algn="l" defTabSz="914400" rtl="0" eaLnBrk="1" latinLnBrk="0" hangingPunct="1">
+      <a:lvl6pPr marL="2286000" algn="l" defTabSz="457200" rtl="0" eaLnBrk="1" latinLnBrk="0" hangingPunct="1">
         <a:defRPr sz="1800" kern="1200">
           <a:solidFill>
             <a:schemeClr val="tx1"/>
@@ -4627,7 +5070,7 @@
           <a:cs typeface="+mn-cs"/>
         </a:defRPr>
       </a:lvl6pPr>
-      <a:lvl7pPr marL="2743200" algn="l" defTabSz="914400" rtl="0" eaLnBrk="1" latinLnBrk="0" hangingPunct="1">
+      <a:lvl7pPr marL="2743200" algn="l" defTabSz="457200" rtl="0" eaLnBrk="1" latinLnBrk="0" hangingPunct="1">
         <a:defRPr sz="1800" kern="1200">
           <a:solidFill>
             <a:schemeClr val="tx1"/>
@@ -4637,7 +5080,7 @@
           <a:cs typeface="+mn-cs"/>
         </a:defRPr>
       </a:lvl7pPr>
-      <a:lvl8pPr marL="3200400" algn="l" defTabSz="914400" rtl="0" eaLnBrk="1" latinLnBrk="0" hangingPunct="1">
+      <a:lvl8pPr marL="3200400" algn="l" defTabSz="457200" rtl="0" eaLnBrk="1" latinLnBrk="0" hangingPunct="1">
         <a:defRPr sz="1800" kern="1200">
           <a:solidFill>
             <a:schemeClr val="tx1"/>
@@ -4647,7 +5090,7 @@
           <a:cs typeface="+mn-cs"/>
         </a:defRPr>
       </a:lvl8pPr>
-      <a:lvl9pPr marL="3657600" algn="l" defTabSz="914400" rtl="0" eaLnBrk="1" latinLnBrk="0" hangingPunct="1">
+      <a:lvl9pPr marL="3657600" algn="l" defTabSz="457200" rtl="0" eaLnBrk="1" latinLnBrk="0" hangingPunct="1">
         <a:defRPr sz="1800" kern="1200">
           <a:solidFill>
             <a:schemeClr val="tx1"/>
@@ -4718,54 +5161,8 @@
           <a:p>
             <a:r>
               <a:rPr lang="en-US" dirty="0"/>
-              <a:t>By Not the Droids YOU ARE LOOKING FOR</a:t>
-            </a:r>
-          </a:p>
-        </p:txBody>
-      </p:sp>
-      <p:sp>
-        <p:nvSpPr>
-          <p:cNvPr id="4" name="Footer Placeholder 3"/>
-          <p:cNvSpPr>
-            <a:spLocks noGrp="1"/>
-          </p:cNvSpPr>
-          <p:nvPr>
-            <p:ph type="ftr" sz="quarter" idx="11"/>
-          </p:nvPr>
-        </p:nvSpPr>
-        <p:spPr/>
-        <p:txBody>
-          <a:bodyPr/>
-          <a:lstStyle/>
-          <a:p>
-            <a:r>
-              <a:rPr lang="en-US"/>
-              <a:t>© 2018, FLL Tutorials (Last Edit 8/18/2017)</a:t>
-            </a:r>
-            <a:endParaRPr lang="en-US" dirty="0"/>
-          </a:p>
-        </p:txBody>
-      </p:sp>
-      <p:sp>
-        <p:nvSpPr>
-          <p:cNvPr id="5" name="Slide Number Placeholder 4"/>
-          <p:cNvSpPr>
-            <a:spLocks noGrp="1"/>
-          </p:cNvSpPr>
-          <p:nvPr>
-            <p:ph type="sldNum" sz="quarter" idx="12"/>
-          </p:nvPr>
-        </p:nvSpPr>
-        <p:spPr/>
-        <p:txBody>
-          <a:bodyPr/>
-          <a:lstStyle/>
-          <a:p>
-            <a:fld id="{6D22F896-40B5-4ADD-8801-0D06FADFA095}" type="slidenum">
-              <a:rPr lang="en-US" smtClean="0"/>
-              <a:t>1</a:t>
-            </a:fld>
-            <a:endParaRPr lang="en-US" dirty="0"/>
+              <a:t>Seshan brothers</a:t>
+            </a:r>
           </a:p>
         </p:txBody>
       </p:sp>
@@ -4816,7 +5213,7 @@
           <a:p>
             <a:r>
               <a:rPr lang="en-US" dirty="0"/>
-              <a:t>About Us</a:t>
+              <a:t>About The AUTHOR</a:t>
             </a:r>
           </a:p>
         </p:txBody>
@@ -4829,6 +5226,64 @@
           </p:cNvSpPr>
           <p:nvPr>
             <p:ph idx="1"/>
+          </p:nvPr>
+        </p:nvSpPr>
+        <p:spPr>
+          <a:xfrm>
+            <a:off x="136665" y="1489813"/>
+            <a:ext cx="4697649" cy="4353215"/>
+          </a:xfrm>
+        </p:spPr>
+        <p:txBody>
+          <a:bodyPr>
+            <a:normAutofit fontScale="92500" lnSpcReduction="10000"/>
+          </a:bodyPr>
+          <a:lstStyle/>
+          <a:p>
+            <a:pPr lvl="1"/>
+            <a:r>
+              <a:rPr lang="en-US" sz="2000" dirty="0"/>
+              <a:t>Seshan Brothers were on team Not the Droids You Are Looking For </a:t>
+            </a:r>
+          </a:p>
+          <a:p>
+            <a:pPr lvl="1"/>
+            <a:r>
+              <a:rPr lang="en-US" sz="2000" dirty="0"/>
+              <a:t>Our research project for Trash Trek was a Global Innovation Award semi-finalist project (Top 20 out of 30,0000 teams).</a:t>
+            </a:r>
+          </a:p>
+          <a:p>
+            <a:pPr lvl="1"/>
+            <a:r>
+              <a:rPr lang="en-US" sz="2000" dirty="0"/>
+              <a:t>Our research project in Nature’s Fury won Innovative Solution at the FIRST LEGO League International Open in Toronto.</a:t>
+            </a:r>
+          </a:p>
+          <a:p>
+            <a:pPr lvl="1"/>
+            <a:r>
+              <a:rPr lang="en-US" sz="2000" dirty="0"/>
+              <a:t>Our research project for World Class was EV3Lessons.com! ;-)</a:t>
+            </a:r>
+          </a:p>
+          <a:p>
+            <a:pPr lvl="1"/>
+            <a:r>
+              <a:rPr lang="en-US" sz="2000" dirty="0"/>
+              <a:t>We are the Champion’s award winners from World Festival 2018</a:t>
+            </a:r>
+          </a:p>
+        </p:txBody>
+      </p:sp>
+      <p:sp>
+        <p:nvSpPr>
+          <p:cNvPr id="4" name="Footer Placeholder 3"/>
+          <p:cNvSpPr>
+            <a:spLocks noGrp="1"/>
+          </p:cNvSpPr>
+          <p:nvPr>
+            <p:ph type="ftr" sz="quarter" idx="11"/>
           </p:nvPr>
         </p:nvSpPr>
         <p:spPr/>
@@ -4836,61 +5291,9 @@
           <a:bodyPr/>
           <a:lstStyle/>
           <a:p>
-            <a:pPr lvl="1"/>
-            <a:r>
-              <a:rPr lang="en-US" dirty="0"/>
-              <a:t>Not the Droids You Are Looking For is a 7</a:t>
-            </a:r>
-            <a:r>
-              <a:rPr lang="en-US" baseline="30000" dirty="0"/>
-              <a:t>th</a:t>
-            </a:r>
-            <a:r>
-              <a:rPr lang="en-US" dirty="0"/>
-              <a:t> year team from Pittsburgh, PA</a:t>
-            </a:r>
-          </a:p>
-          <a:p>
-            <a:pPr lvl="1"/>
-            <a:r>
-              <a:rPr lang="en-US" dirty="0"/>
-              <a:t>Our research project for Trash Trek was a Global Innovation Award semi-finalist project (Top 20 out of 29,0000 teams).</a:t>
-            </a:r>
-          </a:p>
-          <a:p>
-            <a:pPr lvl="1"/>
-            <a:r>
-              <a:rPr lang="en-US" dirty="0"/>
-              <a:t>Our research project in Nature’s Fury won Innovative Solution at the FIRST LEGO League International Open in Toronto.</a:t>
-            </a:r>
-          </a:p>
-          <a:p>
-            <a:pPr lvl="1"/>
-            <a:r>
-              <a:rPr lang="en-US" dirty="0"/>
-              <a:t>Our research project for World Class was EV3Lessons.com! ;-)</a:t>
-            </a:r>
-          </a:p>
-        </p:txBody>
-      </p:sp>
-      <p:sp>
-        <p:nvSpPr>
-          <p:cNvPr id="4" name="Footer Placeholder 3"/>
-          <p:cNvSpPr>
-            <a:spLocks noGrp="1"/>
-          </p:cNvSpPr>
-          <p:nvPr>
-            <p:ph type="ftr" sz="quarter" idx="11"/>
-          </p:nvPr>
-        </p:nvSpPr>
-        <p:spPr/>
-        <p:txBody>
-          <a:bodyPr/>
-          <a:lstStyle/>
-          <a:p>
-            <a:r>
-              <a:rPr lang="en-US"/>
-              <a:t>© 2018, FLL Tutorials (Last Edit 8/18/2017)</a:t>
+            <a:r>
+              <a:rPr lang="en-US"/>
+              <a:t>© 2018, FLL Tutorials (Last Edit 6/11/2018)</a:t>
             </a:r>
             <a:endParaRPr lang="en-US" dirty="0"/>
           </a:p>
@@ -4919,10 +5322,57 @@
           </a:p>
         </p:txBody>
       </p:sp>
+      <p:pic>
+        <p:nvPicPr>
+          <p:cNvPr id="2054" name="Picture 6" descr="Related image">
+            <a:extLst>
+              <a:ext uri="{FF2B5EF4-FFF2-40B4-BE49-F238E27FC236}">
+                <a16:creationId xmlns:a16="http://schemas.microsoft.com/office/drawing/2014/main" id="{0982E8D3-107C-4BA0-9901-6E0439378F67}"/>
+              </a:ext>
+            </a:extLst>
+          </p:cNvPr>
+          <p:cNvPicPr>
+            <a:picLocks noChangeAspect="1" noChangeArrowheads="1"/>
+          </p:cNvPicPr>
+          <p:nvPr/>
+        </p:nvPicPr>
+        <p:blipFill>
+          <a:blip r:embed="rId2">
+            <a:extLst>
+              <a:ext uri="{28A0092B-C50C-407E-A947-70E740481C1C}">
+                <a14:useLocalDpi xmlns:a14="http://schemas.microsoft.com/office/drawing/2010/main" val="0"/>
+              </a:ext>
+            </a:extLst>
+          </a:blip>
+          <a:srcRect/>
+          <a:stretch>
+            <a:fillRect/>
+          </a:stretch>
+        </p:blipFill>
+        <p:spPr bwMode="auto">
+          <a:xfrm>
+            <a:off x="5201734" y="1928931"/>
+            <a:ext cx="3369210" cy="3369210"/>
+          </a:xfrm>
+          <a:prstGeom prst="rect">
+            <a:avLst/>
+          </a:prstGeom>
+          <a:noFill/>
+          <a:extLst>
+            <a:ext uri="{909E8E84-426E-40DD-AFC4-6F175D3DCCD1}">
+              <a14:hiddenFill xmlns:a14="http://schemas.microsoft.com/office/drawing/2010/main">
+                <a:solidFill>
+                  <a:srgbClr val="FFFFFF"/>
+                </a:solidFill>
+              </a14:hiddenFill>
+            </a:ext>
+          </a:extLst>
+        </p:spPr>
+      </p:pic>
     </p:spTree>
     <p:extLst>
       <p:ext uri="{BB962C8B-B14F-4D97-AF65-F5344CB8AC3E}">
-        <p14:creationId xmlns:p14="http://schemas.microsoft.com/office/powerpoint/2010/main" val="1121203800"/>
+        <p14:creationId xmlns:p14="http://schemas.microsoft.com/office/powerpoint/2010/main" val="2203347389"/>
       </p:ext>
     </p:extLst>
   </p:cSld>
@@ -4983,18 +5433,17 @@
         </p:nvSpPr>
         <p:spPr>
           <a:xfrm>
-            <a:off x="241739" y="2014150"/>
+            <a:off x="447147" y="1692887"/>
             <a:ext cx="3687996" cy="3854944"/>
           </a:xfrm>
         </p:spPr>
         <p:txBody>
-          <a:bodyPr/>
+          <a:bodyPr>
+            <a:normAutofit fontScale="55000" lnSpcReduction="20000"/>
+          </a:bodyPr>
           <a:lstStyle/>
           <a:p>
-            <a:pPr marL="0" marR="0" lvl="0" indent="0" defTabSz="914400" eaLnBrk="1" fontAlgn="auto" latinLnBrk="0" hangingPunct="1">
-              <a:lnSpc>
-                <a:spcPct val="100000"/>
-              </a:lnSpc>
+            <a:pPr defTabSz="914400">
               <a:spcBef>
                 <a:spcPts val="0"/>
               </a:spcBef>
@@ -5003,9 +5452,6 @@
               </a:spcAft>
               <a:buClrTx/>
               <a:buSzTx/>
-              <a:buFontTx/>
-              <a:buNone/>
-              <a:tabLst/>
               <a:defRPr/>
             </a:pPr>
             <a:r>
@@ -5014,10 +5460,7 @@
             </a:r>
           </a:p>
           <a:p>
-            <a:pPr marL="0" marR="0" lvl="0" indent="0" defTabSz="914400" eaLnBrk="1" fontAlgn="auto" latinLnBrk="0" hangingPunct="1">
-              <a:lnSpc>
-                <a:spcPct val="100000"/>
-              </a:lnSpc>
+            <a:pPr defTabSz="914400">
               <a:spcBef>
                 <a:spcPts val="0"/>
               </a:spcBef>
@@ -5026,18 +5469,12 @@
               </a:spcAft>
               <a:buClrTx/>
               <a:buSzTx/>
-              <a:buFontTx/>
-              <a:buNone/>
-              <a:tabLst/>
               <a:defRPr/>
             </a:pPr>
             <a:endParaRPr lang="en-US" dirty="0"/>
           </a:p>
           <a:p>
-            <a:pPr marL="0" marR="0" lvl="0" indent="0" defTabSz="914400" eaLnBrk="1" fontAlgn="auto" latinLnBrk="0" hangingPunct="1">
-              <a:lnSpc>
-                <a:spcPct val="100000"/>
-              </a:lnSpc>
+            <a:pPr defTabSz="914400">
               <a:spcBef>
                 <a:spcPts val="0"/>
               </a:spcBef>
@@ -5046,9 +5483,6 @@
               </a:spcAft>
               <a:buClrTx/>
               <a:buSzTx/>
-              <a:buFontTx/>
-              <a:buNone/>
-              <a:tabLst/>
               <a:defRPr/>
             </a:pPr>
             <a:r>
@@ -5057,10 +5491,7 @@
             </a:r>
           </a:p>
           <a:p>
-            <a:pPr marL="0" marR="0" lvl="0" indent="0" defTabSz="914400" eaLnBrk="1" fontAlgn="auto" latinLnBrk="0" hangingPunct="1">
-              <a:lnSpc>
-                <a:spcPct val="100000"/>
-              </a:lnSpc>
+            <a:pPr defTabSz="914400">
               <a:spcBef>
                 <a:spcPts val="0"/>
               </a:spcBef>
@@ -5069,18 +5500,12 @@
               </a:spcAft>
               <a:buClrTx/>
               <a:buSzTx/>
-              <a:buFontTx/>
-              <a:buNone/>
-              <a:tabLst/>
               <a:defRPr/>
             </a:pPr>
             <a:endParaRPr lang="en-US" dirty="0"/>
           </a:p>
           <a:p>
-            <a:pPr marL="0" marR="0" lvl="0" indent="0" defTabSz="914400" eaLnBrk="1" fontAlgn="auto" latinLnBrk="0" hangingPunct="1">
-              <a:lnSpc>
-                <a:spcPct val="100000"/>
-              </a:lnSpc>
+            <a:pPr defTabSz="914400">
               <a:spcBef>
                 <a:spcPts val="0"/>
               </a:spcBef>
@@ -5089,9 +5514,6 @@
               </a:spcAft>
               <a:buClrTx/>
               <a:buSzTx/>
-              <a:buFontTx/>
-              <a:buNone/>
-              <a:tabLst/>
               <a:defRPr/>
             </a:pPr>
             <a:r>
@@ -5112,10 +5534,7 @@
             </a:r>
           </a:p>
           <a:p>
-            <a:pPr marL="0" marR="0" lvl="0" indent="0" defTabSz="914400" eaLnBrk="1" fontAlgn="auto" latinLnBrk="0" hangingPunct="1">
-              <a:lnSpc>
-                <a:spcPct val="100000"/>
-              </a:lnSpc>
+            <a:pPr defTabSz="914400">
               <a:spcBef>
                 <a:spcPts val="0"/>
               </a:spcBef>
@@ -5124,18 +5543,12 @@
               </a:spcAft>
               <a:buClrTx/>
               <a:buSzTx/>
-              <a:buFontTx/>
-              <a:buNone/>
-              <a:tabLst/>
               <a:defRPr/>
             </a:pPr>
             <a:endParaRPr lang="en-US" dirty="0"/>
           </a:p>
           <a:p>
-            <a:pPr marL="0" marR="0" lvl="0" indent="0" defTabSz="914400" eaLnBrk="1" fontAlgn="auto" latinLnBrk="0" hangingPunct="1">
-              <a:lnSpc>
-                <a:spcPct val="100000"/>
-              </a:lnSpc>
+            <a:pPr defTabSz="914400">
               <a:spcBef>
                 <a:spcPts val="0"/>
               </a:spcBef>
@@ -5144,18 +5557,12 @@
               </a:spcAft>
               <a:buClrTx/>
               <a:buSzTx/>
-              <a:buFontTx/>
-              <a:buNone/>
-              <a:tabLst/>
               <a:defRPr/>
             </a:pPr>
             <a:endParaRPr lang="en-US" dirty="0"/>
           </a:p>
           <a:p>
-            <a:pPr marL="0" marR="0" lvl="0" indent="0" defTabSz="914400" eaLnBrk="1" fontAlgn="auto" latinLnBrk="0" hangingPunct="1">
-              <a:lnSpc>
-                <a:spcPct val="100000"/>
-              </a:lnSpc>
+            <a:pPr defTabSz="914400">
               <a:spcBef>
                 <a:spcPts val="0"/>
               </a:spcBef>
@@ -5164,9 +5571,6 @@
               </a:spcAft>
               <a:buClrTx/>
               <a:buSzTx/>
-              <a:buFontTx/>
-              <a:buNone/>
-              <a:tabLst/>
               <a:defRPr/>
             </a:pPr>
             <a:endParaRPr lang="en-US" dirty="0"/>
@@ -5190,7 +5594,7 @@
           <a:p>
             <a:r>
               <a:rPr lang="en-US"/>
-              <a:t>© 2018, FLL Tutorials (Last Edit 8/18/2017)</a:t>
+              <a:t>© 2018, FLL Tutorials (Last Edit 6/11/2018)</a:t>
             </a:r>
             <a:endParaRPr lang="en-US" dirty="0"/>
           </a:p>
@@ -5216,35 +5620,6 @@
               <a:t>3</a:t>
             </a:fld>
             <a:endParaRPr lang="en-US" dirty="0"/>
-          </a:p>
-        </p:txBody>
-      </p:sp>
-      <p:sp>
-        <p:nvSpPr>
-          <p:cNvPr id="6" name="TextBox 5"/>
-          <p:cNvSpPr txBox="1"/>
-          <p:nvPr/>
-        </p:nvSpPr>
-        <p:spPr>
-          <a:xfrm>
-            <a:off x="241739" y="5609968"/>
-            <a:ext cx="2773310" cy="369332"/>
-          </a:xfrm>
-          <a:prstGeom prst="rect">
-            <a:avLst/>
-          </a:prstGeom>
-          <a:noFill/>
-        </p:spPr>
-        <p:txBody>
-          <a:bodyPr wrap="square" rtlCol="0">
-            <a:spAutoFit/>
-          </a:bodyPr>
-          <a:lstStyle/>
-          <a:p>
-            <a:r>
-              <a:rPr lang="en-US" dirty="0"/>
-              <a:t>Image Credit: CV Robotics</a:t>
-            </a:r>
           </a:p>
         </p:txBody>
       </p:sp>
@@ -5270,8 +5645,38 @@
         </p:blipFill>
         <p:spPr>
           <a:xfrm>
-            <a:off x="3929735" y="2014150"/>
-            <a:ext cx="4993547" cy="3269049"/>
+            <a:off x="4228348" y="1497583"/>
+            <a:ext cx="3572128" cy="2338510"/>
+          </a:xfrm>
+          <a:prstGeom prst="rect">
+            <a:avLst/>
+          </a:prstGeom>
+        </p:spPr>
+      </p:pic>
+      <p:pic>
+        <p:nvPicPr>
+          <p:cNvPr id="9" name="Picture 8" descr="A screenshot of a cell phone&#10;&#10;Description generated with very high confidence">
+            <a:extLst>
+              <a:ext uri="{FF2B5EF4-FFF2-40B4-BE49-F238E27FC236}">
+                <a16:creationId xmlns:a16="http://schemas.microsoft.com/office/drawing/2014/main" id="{01ECBE7A-F28F-4BF6-965B-3CEE064A7DBA}"/>
+              </a:ext>
+            </a:extLst>
+          </p:cNvPr>
+          <p:cNvPicPr>
+            <a:picLocks noChangeAspect="1"/>
+          </p:cNvPicPr>
+          <p:nvPr/>
+        </p:nvPicPr>
+        <p:blipFill>
+          <a:blip r:embed="rId3"/>
+          <a:stretch>
+            <a:fillRect/>
+          </a:stretch>
+        </p:blipFill>
+        <p:spPr>
+          <a:xfrm>
+            <a:off x="4346017" y="3766930"/>
+            <a:ext cx="4224927" cy="2262503"/>
           </a:xfrm>
           <a:prstGeom prst="rect">
             <a:avLst/>
@@ -5325,7 +5730,7 @@
           <a:p>
             <a:r>
               <a:rPr lang="en-US" dirty="0"/>
-              <a:t>Head Start Ideas</a:t>
+              <a:t>Get a Head Start on Ideas</a:t>
             </a:r>
           </a:p>
         </p:txBody>
@@ -5347,57 +5752,59 @@
           </a:xfrm>
         </p:spPr>
         <p:txBody>
+          <a:bodyPr>
+            <a:normAutofit fontScale="55000" lnSpcReduction="20000"/>
+          </a:bodyPr>
+          <a:lstStyle/>
+          <a:p>
+            <a:r>
+              <a:rPr lang="en-US" dirty="0"/>
+              <a:t>Go on some early field trips to inspire project topics</a:t>
+            </a:r>
+          </a:p>
+          <a:p>
+            <a:pPr lvl="1"/>
+            <a:r>
+              <a:rPr lang="en-US" dirty="0"/>
+              <a:t>In Animal Allies, many teams visited Zoos and Aquariums over the summer</a:t>
+            </a:r>
+          </a:p>
+          <a:p>
+            <a:r>
+              <a:rPr lang="en-US" dirty="0"/>
+              <a:t>Do some preliminary online research related to the topic</a:t>
+            </a:r>
+          </a:p>
+          <a:p>
+            <a:r>
+              <a:rPr lang="en-US" dirty="0"/>
+              <a:t>Your goal is not to finish your project, but get some general ideas for possible topics related to the theme.</a:t>
+            </a:r>
+          </a:p>
+          <a:p>
+            <a:pPr lvl="1"/>
+            <a:endParaRPr lang="en-US" dirty="0"/>
+          </a:p>
+        </p:txBody>
+      </p:sp>
+      <p:sp>
+        <p:nvSpPr>
+          <p:cNvPr id="4" name="Footer Placeholder 3"/>
+          <p:cNvSpPr>
+            <a:spLocks noGrp="1"/>
+          </p:cNvSpPr>
+          <p:nvPr>
+            <p:ph type="ftr" sz="quarter" idx="11"/>
+          </p:nvPr>
+        </p:nvSpPr>
+        <p:spPr/>
+        <p:txBody>
           <a:bodyPr/>
           <a:lstStyle/>
           <a:p>
             <a:r>
-              <a:rPr lang="en-US" dirty="0"/>
-              <a:t>Go on some early field trips to inspire project topics</a:t>
-            </a:r>
-          </a:p>
-          <a:p>
-            <a:pPr lvl="1"/>
-            <a:r>
-              <a:rPr lang="en-US" dirty="0"/>
-              <a:t>In Animal Allies, many teams visited Zoos and Aquariums over the summer</a:t>
-            </a:r>
-          </a:p>
-          <a:p>
-            <a:r>
-              <a:rPr lang="en-US" dirty="0"/>
-              <a:t>Do some preliminary online research related to the topic</a:t>
-            </a:r>
-          </a:p>
-          <a:p>
-            <a:r>
-              <a:rPr lang="en-US" dirty="0"/>
-              <a:t>Your goal is not to finish your project, but get some general ideas for possible topics related to the theme.</a:t>
-            </a:r>
-          </a:p>
-          <a:p>
-            <a:pPr lvl="1"/>
-            <a:endParaRPr lang="en-US" dirty="0"/>
-          </a:p>
-        </p:txBody>
-      </p:sp>
-      <p:sp>
-        <p:nvSpPr>
-          <p:cNvPr id="4" name="Footer Placeholder 3"/>
-          <p:cNvSpPr>
-            <a:spLocks noGrp="1"/>
-          </p:cNvSpPr>
-          <p:nvPr>
-            <p:ph type="ftr" sz="quarter" idx="11"/>
-          </p:nvPr>
-        </p:nvSpPr>
-        <p:spPr/>
-        <p:txBody>
-          <a:bodyPr/>
-          <a:lstStyle/>
-          <a:p>
-            <a:r>
-              <a:rPr lang="en-US"/>
-              <a:t>© 2018, FLL Tutorials (Last Edit 8/18/2017)</a:t>
+              <a:rPr lang="en-US"/>
+              <a:t>© 2018, FLL Tutorials (Last Edit 6/11/2018)</a:t>
             </a:r>
             <a:endParaRPr lang="en-US" dirty="0"/>
           </a:p>
@@ -5498,76 +5905,80 @@
         </p:nvSpPr>
         <p:spPr/>
         <p:txBody>
+          <a:bodyPr>
+            <a:normAutofit fontScale="90000"/>
+          </a:bodyPr>
+          <a:lstStyle/>
+          <a:p>
+            <a:r>
+              <a:rPr lang="en-US" dirty="0"/>
+              <a:t>Read the Challenge Documents Carefully</a:t>
+            </a:r>
+          </a:p>
+        </p:txBody>
+      </p:sp>
+      <p:sp>
+        <p:nvSpPr>
+          <p:cNvPr id="3" name="Content Placeholder 2"/>
+          <p:cNvSpPr>
+            <a:spLocks noGrp="1"/>
+          </p:cNvSpPr>
+          <p:nvPr>
+            <p:ph idx="1"/>
+          </p:nvPr>
+        </p:nvSpPr>
+        <p:spPr>
+          <a:xfrm>
+            <a:off x="403321" y="1574065"/>
+            <a:ext cx="8167623" cy="4023360"/>
+          </a:xfrm>
+        </p:spPr>
+        <p:txBody>
+          <a:bodyPr>
+            <a:normAutofit/>
+          </a:bodyPr>
+          <a:lstStyle/>
+          <a:p>
+            <a:r>
+              <a:rPr lang="en-US" sz="2000" dirty="0"/>
+              <a:t>Sometimes, you are allowed to pick only from a certain sub-set of topics (e.g. Nature’s Fury listed which natural disasters were allowed)</a:t>
+            </a:r>
+          </a:p>
+          <a:p>
+            <a:endParaRPr lang="en-US" sz="2000" dirty="0"/>
+          </a:p>
+          <a:p>
+            <a:endParaRPr lang="en-US" sz="2000" dirty="0"/>
+          </a:p>
+          <a:p>
+            <a:endParaRPr lang="en-US" sz="2000" dirty="0"/>
+          </a:p>
+          <a:p>
+            <a:r>
+              <a:rPr lang="en-US" sz="2000" dirty="0"/>
+              <a:t>Sometimes, it calls for something specific (e.g. Senior Solutions required a Senior Partner for every team)</a:t>
+            </a:r>
+          </a:p>
+        </p:txBody>
+      </p:sp>
+      <p:sp>
+        <p:nvSpPr>
+          <p:cNvPr id="4" name="Footer Placeholder 3"/>
+          <p:cNvSpPr>
+            <a:spLocks noGrp="1"/>
+          </p:cNvSpPr>
+          <p:nvPr>
+            <p:ph type="ftr" sz="quarter" idx="11"/>
+          </p:nvPr>
+        </p:nvSpPr>
+        <p:spPr/>
+        <p:txBody>
           <a:bodyPr/>
           <a:lstStyle/>
           <a:p>
             <a:r>
-              <a:rPr lang="en-US" dirty="0"/>
-              <a:t>Read the Challenge Documents Carefully</a:t>
-            </a:r>
-          </a:p>
-        </p:txBody>
-      </p:sp>
-      <p:sp>
-        <p:nvSpPr>
-          <p:cNvPr id="3" name="Content Placeholder 2"/>
-          <p:cNvSpPr>
-            <a:spLocks noGrp="1"/>
-          </p:cNvSpPr>
-          <p:nvPr>
-            <p:ph idx="1"/>
-          </p:nvPr>
-        </p:nvSpPr>
-        <p:spPr>
-          <a:xfrm>
-            <a:off x="241739" y="1845734"/>
-            <a:ext cx="8167623" cy="4023360"/>
-          </a:xfrm>
-        </p:spPr>
-        <p:txBody>
-          <a:bodyPr/>
-          <a:lstStyle/>
-          <a:p>
-            <a:r>
-              <a:rPr lang="en-US" dirty="0"/>
-              <a:t>Sometimes, you are allowed to pick only from a certain sub-set of topics (e.g. Nature’s Fury listed which natural disasters were allowed)</a:t>
-            </a:r>
-          </a:p>
-          <a:p>
-            <a:endParaRPr lang="en-US" dirty="0"/>
-          </a:p>
-          <a:p>
-            <a:endParaRPr lang="en-US" dirty="0"/>
-          </a:p>
-          <a:p>
-            <a:endParaRPr lang="en-US" dirty="0"/>
-          </a:p>
-          <a:p>
-            <a:r>
-              <a:rPr lang="en-US" dirty="0"/>
-              <a:t>Sometimes, it calls for something specific (e.g. Senior Solutions required a Senior Partner for every team)</a:t>
-            </a:r>
-          </a:p>
-        </p:txBody>
-      </p:sp>
-      <p:sp>
-        <p:nvSpPr>
-          <p:cNvPr id="4" name="Footer Placeholder 3"/>
-          <p:cNvSpPr>
-            <a:spLocks noGrp="1"/>
-          </p:cNvSpPr>
-          <p:nvPr>
-            <p:ph type="ftr" sz="quarter" idx="11"/>
-          </p:nvPr>
-        </p:nvSpPr>
-        <p:spPr/>
-        <p:txBody>
-          <a:bodyPr/>
-          <a:lstStyle/>
-          <a:p>
-            <a:r>
-              <a:rPr lang="en-US"/>
-              <a:t>© 2018, FLL Tutorials (Last Edit 8/18/2017)</a:t>
+              <a:rPr lang="en-US"/>
+              <a:t>© 2018, FLL Tutorials (Last Edit 6/11/2018)</a:t>
             </a:r>
             <a:endParaRPr lang="en-US" dirty="0"/>
           </a:p>
@@ -5618,7 +6029,7 @@
         </p:blipFill>
         <p:spPr>
           <a:xfrm>
-            <a:off x="1787699" y="2541078"/>
+            <a:off x="2209884" y="2318561"/>
             <a:ext cx="5075702" cy="1316336"/>
           </a:xfrm>
           <a:prstGeom prst="rect">
@@ -5753,61 +6164,63 @@
           </a:xfrm>
         </p:spPr>
         <p:txBody>
+          <a:bodyPr>
+            <a:normAutofit fontScale="47500" lnSpcReduction="20000"/>
+          </a:bodyPr>
+          <a:lstStyle/>
+          <a:p>
+            <a:r>
+              <a:rPr lang="en-US" dirty="0"/>
+              <a:t>Everyone works on the project </a:t>
+            </a:r>
+          </a:p>
+          <a:p>
+            <a:pPr lvl="1"/>
+            <a:r>
+              <a:rPr lang="en-US" dirty="0"/>
+              <a:t>Pick a topic that all team members can agree on/are interested in</a:t>
+            </a:r>
+          </a:p>
+          <a:p>
+            <a:r>
+              <a:rPr lang="en-US" dirty="0"/>
+              <a:t>One idea is to have all team members do a little bit of research on their favorite topic and then present this topic to each other. </a:t>
+            </a:r>
+          </a:p>
+          <a:p>
+            <a:pPr lvl="1"/>
+            <a:r>
+              <a:rPr lang="en-US" dirty="0"/>
+              <a:t>Then the team decides which topic they are most interested in to pick for their team’s project.</a:t>
+            </a:r>
+          </a:p>
+          <a:p>
+            <a:pPr lvl="1"/>
+            <a:r>
+              <a:rPr lang="en-US" dirty="0"/>
+              <a:t>Next, the team identifies a specific problem within this topic</a:t>
+            </a:r>
+          </a:p>
+        </p:txBody>
+      </p:sp>
+      <p:sp>
+        <p:nvSpPr>
+          <p:cNvPr id="4" name="Footer Placeholder 3"/>
+          <p:cNvSpPr>
+            <a:spLocks noGrp="1"/>
+          </p:cNvSpPr>
+          <p:nvPr>
+            <p:ph type="ftr" sz="quarter" idx="11"/>
+          </p:nvPr>
+        </p:nvSpPr>
+        <p:spPr/>
+        <p:txBody>
           <a:bodyPr/>
           <a:lstStyle/>
           <a:p>
             <a:r>
-              <a:rPr lang="en-US" dirty="0"/>
-              <a:t>Everyone works on the project </a:t>
-            </a:r>
-          </a:p>
-          <a:p>
-            <a:pPr lvl="1"/>
-            <a:r>
-              <a:rPr lang="en-US" dirty="0"/>
-              <a:t>Pick a topic that all team members can agree on/are interested in</a:t>
-            </a:r>
-          </a:p>
-          <a:p>
-            <a:r>
-              <a:rPr lang="en-US" dirty="0"/>
-              <a:t>One idea is to have all team members do a little bit of research on their favorite topic and then present this topic to each other. </a:t>
-            </a:r>
-          </a:p>
-          <a:p>
-            <a:pPr lvl="1"/>
-            <a:r>
-              <a:rPr lang="en-US" dirty="0"/>
-              <a:t>Then the team decides which topic they are most interested in to pick for their team’s project.</a:t>
-            </a:r>
-          </a:p>
-          <a:p>
-            <a:pPr lvl="1"/>
-            <a:r>
-              <a:rPr lang="en-US" dirty="0"/>
-              <a:t>Next, the team identifies a specific problem within this topic</a:t>
-            </a:r>
-          </a:p>
-        </p:txBody>
-      </p:sp>
-      <p:sp>
-        <p:nvSpPr>
-          <p:cNvPr id="4" name="Footer Placeholder 3"/>
-          <p:cNvSpPr>
-            <a:spLocks noGrp="1"/>
-          </p:cNvSpPr>
-          <p:nvPr>
-            <p:ph type="ftr" sz="quarter" idx="11"/>
-          </p:nvPr>
-        </p:nvSpPr>
-        <p:spPr/>
-        <p:txBody>
-          <a:bodyPr/>
-          <a:lstStyle/>
-          <a:p>
-            <a:r>
-              <a:rPr lang="en-US"/>
-              <a:t>© 2018, FLL Tutorials (Last Edit 8/18/2017)</a:t>
+              <a:rPr lang="en-US"/>
+              <a:t>© 2018, FLL Tutorials (Last Edit 6/11/2018)</a:t>
             </a:r>
             <a:endParaRPr lang="en-US" dirty="0"/>
           </a:p>
@@ -5935,7 +6348,7 @@
           <a:p>
             <a:r>
               <a:rPr lang="en-US"/>
-              <a:t>© 2018, FLL Tutorials (Last Edit 8/18/2017)</a:t>
+              <a:t>© 2018, FLL Tutorials (Last Edit 6/11/2018)</a:t>
             </a:r>
             <a:endParaRPr lang="en-US" dirty="0"/>
           </a:p>
@@ -5972,7 +6385,7 @@
         </p:nvGrpSpPr>
         <p:grpSpPr>
           <a:xfrm>
-            <a:off x="7080422" y="3449036"/>
+            <a:off x="7186440" y="3216073"/>
             <a:ext cx="1827499" cy="1299074"/>
             <a:chOff x="3038416" y="295754"/>
             <a:chExt cx="2165123" cy="1299074"/>
@@ -6087,7 +6500,7 @@
         </p:nvGrpSpPr>
         <p:grpSpPr>
           <a:xfrm>
-            <a:off x="3482645" y="3825071"/>
+            <a:off x="3588663" y="3592108"/>
             <a:ext cx="459006" cy="536950"/>
             <a:chOff x="2388879" y="676816"/>
             <a:chExt cx="459006" cy="536950"/>
@@ -6203,7 +6616,7 @@
         </p:nvGrpSpPr>
         <p:grpSpPr>
           <a:xfrm>
-            <a:off x="4153058" y="4206215"/>
+            <a:off x="4259076" y="3973252"/>
             <a:ext cx="2165123" cy="1299074"/>
             <a:chOff x="3038416" y="295754"/>
             <a:chExt cx="2165123" cy="1299074"/>
@@ -6323,7 +6736,7 @@
         </p:nvGrpSpPr>
         <p:grpSpPr>
           <a:xfrm>
-            <a:off x="6529588" y="3863120"/>
+            <a:off x="6635606" y="3630157"/>
             <a:ext cx="459006" cy="536950"/>
             <a:chOff x="2388879" y="676816"/>
             <a:chExt cx="459006" cy="536950"/>
@@ -6439,7 +6852,7 @@
         </p:nvGrpSpPr>
         <p:grpSpPr>
           <a:xfrm>
-            <a:off x="4115009" y="2691857"/>
+            <a:off x="4221027" y="2458894"/>
             <a:ext cx="2165123" cy="1299074"/>
             <a:chOff x="3038416" y="295754"/>
             <a:chExt cx="2165123" cy="1299074"/>
@@ -6559,7 +6972,7 @@
         </p:nvGrpSpPr>
         <p:grpSpPr>
           <a:xfrm>
-            <a:off x="2166746" y="3710351"/>
+            <a:off x="2272764" y="3477388"/>
             <a:ext cx="1143463" cy="884990"/>
             <a:chOff x="3038416" y="295754"/>
             <a:chExt cx="2165123" cy="1299074"/>
@@ -6674,7 +7087,7 @@
         </p:nvSpPr>
         <p:spPr>
           <a:xfrm>
-            <a:off x="408570" y="1968791"/>
+            <a:off x="408570" y="1645359"/>
             <a:ext cx="1889787" cy="369332"/>
           </a:xfrm>
           <a:prstGeom prst="rect">
@@ -6708,7 +7121,7 @@
         </p:nvSpPr>
         <p:spPr>
           <a:xfrm>
-            <a:off x="3017024" y="1968791"/>
+            <a:off x="3017024" y="1645359"/>
             <a:ext cx="3225059" cy="369332"/>
           </a:xfrm>
           <a:prstGeom prst="rect">
@@ -6750,7 +7163,7 @@
         </p:nvSpPr>
         <p:spPr>
           <a:xfrm>
-            <a:off x="6836813" y="1968791"/>
+            <a:off x="6836813" y="1645359"/>
             <a:ext cx="1849986" cy="369332"/>
           </a:xfrm>
           <a:prstGeom prst="rect">
@@ -6813,7 +7226,7 @@
         </p:nvGrpSpPr>
         <p:grpSpPr>
           <a:xfrm>
-            <a:off x="216122" y="2605626"/>
+            <a:off x="322140" y="2372663"/>
             <a:ext cx="1143463" cy="884990"/>
             <a:chOff x="3038416" y="295754"/>
             <a:chExt cx="2165123" cy="1299074"/>
@@ -6929,7 +7342,7 @@
         </p:nvGrpSpPr>
         <p:grpSpPr>
           <a:xfrm>
-            <a:off x="216122" y="3656078"/>
+            <a:off x="322140" y="3423115"/>
             <a:ext cx="1143463" cy="884990"/>
             <a:chOff x="3038416" y="295754"/>
             <a:chExt cx="2165123" cy="1299074"/>
@@ -7045,7 +7458,7 @@
         </p:nvGrpSpPr>
         <p:grpSpPr>
           <a:xfrm>
-            <a:off x="236217" y="4786934"/>
+            <a:off x="342235" y="4553971"/>
             <a:ext cx="1143463" cy="884990"/>
             <a:chOff x="3038416" y="295754"/>
             <a:chExt cx="2165123" cy="1299074"/>
@@ -7161,7 +7574,7 @@
         </p:nvGrpSpPr>
         <p:grpSpPr>
           <a:xfrm>
-            <a:off x="1559947" y="3843324"/>
+            <a:off x="1665965" y="3610361"/>
             <a:ext cx="459006" cy="536950"/>
             <a:chOff x="2388879" y="676816"/>
             <a:chExt cx="459006" cy="536950"/>
@@ -7339,7 +7752,7 @@
         </p:spPr>
         <p:txBody>
           <a:bodyPr>
-            <a:normAutofit lnSpcReduction="10000"/>
+            <a:normAutofit fontScale="47500" lnSpcReduction="20000"/>
           </a:bodyPr>
           <a:lstStyle/>
           <a:p>
@@ -7454,7 +7867,7 @@
           <a:p>
             <a:r>
               <a:rPr lang="en-US"/>
-              <a:t>© 2018, FLL Tutorials (Last Edit 8/18/2017)</a:t>
+              <a:t>© 2018, FLL Tutorials (Last Edit 6/11/2018)</a:t>
             </a:r>
             <a:endParaRPr lang="en-US" dirty="0"/>
           </a:p>
@@ -7606,48 +8019,44 @@
         </p:nvSpPr>
         <p:spPr/>
         <p:txBody>
-          <a:bodyPr/>
+          <a:bodyPr>
+            <a:normAutofit/>
+          </a:bodyPr>
           <a:lstStyle/>
           <a:p>
             <a:r>
-              <a:rPr lang="en-US" dirty="0"/>
+              <a:rPr lang="en-US" sz="2800" dirty="0"/>
               <a:t>This lesson was written by Sanjay and Arvind Seshan</a:t>
             </a:r>
           </a:p>
           <a:p>
             <a:r>
-              <a:rPr lang="en-US" dirty="0"/>
+              <a:rPr lang="en-US" sz="2800" dirty="0"/>
               <a:t>More lessons available at </a:t>
             </a:r>
             <a:r>
-              <a:rPr lang="en-US" dirty="0">
+              <a:rPr lang="en-US" sz="2800" dirty="0">
                 <a:hlinkClick r:id="rId2"/>
               </a:rPr>
               <a:t>www.ev3lessons.com</a:t>
             </a:r>
             <a:r>
-              <a:rPr lang="en-US" dirty="0"/>
+              <a:rPr lang="en-US" sz="2800" dirty="0"/>
               <a:t> and </a:t>
             </a:r>
             <a:r>
-              <a:rPr lang="en-US" dirty="0">
+              <a:rPr lang="en-US" sz="2800" dirty="0">
                 <a:hlinkClick r:id="rId3"/>
               </a:rPr>
-              <a:t>www.flltutorials</a:t>
-            </a:r>
-            <a:r>
-              <a:rPr lang="en-US">
-                <a:hlinkClick r:id="rId3"/>
-              </a:rPr>
-              <a:t>.com</a:t>
-            </a:r>
-            <a:endParaRPr lang="en-US"/>
-          </a:p>
-          <a:p>
-            <a:endParaRPr lang="en-US" dirty="0"/>
-          </a:p>
-          <a:p>
-            <a:endParaRPr lang="en-US" dirty="0"/>
+              <a:t>www.flltutorials.com</a:t>
+            </a:r>
+            <a:endParaRPr lang="en-US" sz="2800" dirty="0"/>
+          </a:p>
+          <a:p>
+            <a:endParaRPr lang="en-US" sz="2800" dirty="0"/>
+          </a:p>
+          <a:p>
+            <a:endParaRPr lang="en-US" sz="2800" dirty="0"/>
           </a:p>
         </p:txBody>
       </p:sp>
@@ -7668,7 +8077,7 @@
           <a:p>
             <a:r>
               <a:rPr lang="en-US"/>
-              <a:t>© 2018, FLL Tutorials (Last Edit 8/18/2017)</a:t>
+              <a:t>© 2018, FLL Tutorials (Last Edit 6/11/2018)</a:t>
             </a:r>
             <a:endParaRPr lang="en-US" dirty="0"/>
           </a:p>
@@ -7740,91 +8149,58 @@
 </file>
 
 <file path=ppt/theme/theme1.xml><?xml version="1.0" encoding="utf-8"?>
-<a:theme xmlns:a="http://schemas.openxmlformats.org/drawingml/2006/main" name="Retrospect">
+<a:theme xmlns:a="http://schemas.openxmlformats.org/drawingml/2006/main" name="Dividend">
   <a:themeElements>
-    <a:clrScheme name="Retrospect">
+    <a:clrScheme name="Dividend">
       <a:dk1>
-        <a:srgbClr val="000000"/>
+        <a:sysClr val="windowText" lastClr="000000"/>
       </a:dk1>
       <a:lt1>
         <a:sysClr val="window" lastClr="FFFFFF"/>
       </a:lt1>
       <a:dk2>
-        <a:srgbClr val="637052"/>
+        <a:srgbClr val="3D3D3D"/>
       </a:dk2>
       <a:lt2>
-        <a:srgbClr val="CCDDEA"/>
+        <a:srgbClr val="EBEBEB"/>
       </a:lt2>
       <a:accent1>
-        <a:srgbClr val="E48312"/>
+        <a:srgbClr val="1A3260"/>
       </a:accent1>
       <a:accent2>
-        <a:srgbClr val="BD582C"/>
+        <a:srgbClr val="4590B8"/>
       </a:accent2>
       <a:accent3>
-        <a:srgbClr val="865640"/>
+        <a:srgbClr val="45CBE8"/>
       </a:accent3>
       <a:accent4>
-        <a:srgbClr val="9B8357"/>
+        <a:srgbClr val="969FA7"/>
       </a:accent4>
       <a:accent5>
-        <a:srgbClr val="C2BC80"/>
+        <a:srgbClr val="A2C777"/>
       </a:accent5>
       <a:accent6>
-        <a:srgbClr val="94A088"/>
+        <a:srgbClr val="42955F"/>
       </a:accent6>
       <a:hlink>
-        <a:srgbClr val="2998E3"/>
+        <a:srgbClr val="828282"/>
       </a:hlink>
       <a:folHlink>
-        <a:srgbClr val="8C8C8C"/>
+        <a:srgbClr val="A5A5A5"/>
       </a:folHlink>
     </a:clrScheme>
-    <a:fontScheme name="Retrospect">
+    <a:fontScheme name="Dividend">
       <a:majorFont>
-        <a:latin typeface="Calibri Light" panose="020F0302020204030204"/>
+        <a:latin typeface="Gill Sans MT" panose="020B0502020104020203"/>
         <a:ea typeface=""/>
         <a:cs typeface=""/>
-        <a:font script="Jpan" typeface="ＭＳ Ｐゴシック"/>
-        <a:font script="Hang" typeface="맑은 고딕"/>
-        <a:font script="Hans" typeface="宋体"/>
-        <a:font script="Hant" typeface="新細明體"/>
-        <a:font script="Arab" typeface="Times New Roman"/>
-        <a:font script="Hebr" typeface="Times New Roman"/>
-        <a:font script="Thai" typeface="Angsana New"/>
-        <a:font script="Ethi" typeface="Nyala"/>
-        <a:font script="Beng" typeface="Vrinda"/>
-        <a:font script="Gujr" typeface="Shruti"/>
-        <a:font script="Khmr" typeface="MoolBoran"/>
-        <a:font script="Knda" typeface="Tunga"/>
-        <a:font script="Guru" typeface="Raavi"/>
-        <a:font script="Cans" typeface="Euphemia"/>
-        <a:font script="Cher" typeface="Plantagenet Cherokee"/>
-        <a:font script="Yiii" typeface="Microsoft Yi Baiti"/>
-        <a:font script="Tibt" typeface="Microsoft Himalaya"/>
-        <a:font script="Thaa" typeface="MV Boli"/>
-        <a:font script="Deva" typeface="Mangal"/>
-        <a:font script="Telu" typeface="Gautami"/>
-        <a:font script="Taml" typeface="Latha"/>
-        <a:font script="Syrc" typeface="Estrangelo Edessa"/>
-        <a:font script="Orya" typeface="Kalinga"/>
-        <a:font script="Mlym" typeface="Kartika"/>
-        <a:font script="Laoo" typeface="DokChampa"/>
-        <a:font script="Sinh" typeface="Iskoola Pota"/>
-        <a:font script="Mong" typeface="Mongolian Baiti"/>
-        <a:font script="Viet" typeface="Times New Roman"/>
-        <a:font script="Uigh" typeface="Microsoft Uighur"/>
-        <a:font script="Geor" typeface="Sylfaen"/>
-      </a:majorFont>
-      <a:minorFont>
-        <a:latin typeface="Calibri" panose="020F0502020204030204"/>
-        <a:ea typeface=""/>
-        <a:cs typeface=""/>
-        <a:font script="Jpan" typeface="ＭＳ Ｐゴシック"/>
-        <a:font script="Hang" typeface="맑은 고딕"/>
-        <a:font script="Hans" typeface="宋体"/>
-        <a:font script="Hant" typeface="新細明體"/>
-        <a:font script="Arab" typeface="Arial"/>
+        <a:font script="Grek" typeface="Corbel"/>
+        <a:font script="Cyrl" typeface="Corbel"/>
+        <a:font script="Jpan" typeface="HGｺﾞｼｯｸE"/>
+        <a:font script="Hang" typeface="휴먼매직체"/>
+        <a:font script="Hans" typeface="华文中宋"/>
+        <a:font script="Hant" typeface="微軟正黑體"/>
+        <a:font script="Arab" typeface="Majalla UI"/>
         <a:font script="Hebr" typeface="Arial"/>
         <a:font script="Thai" typeface="Cordia New"/>
         <a:font script="Ethi" typeface="Nyala"/>
@@ -7847,12 +8223,49 @@
         <a:font script="Laoo" typeface="DokChampa"/>
         <a:font script="Sinh" typeface="Iskoola Pota"/>
         <a:font script="Mong" typeface="Mongolian Baiti"/>
-        <a:font script="Viet" typeface="Arial"/>
+        <a:font script="Viet" typeface="Tahoma"/>
+        <a:font script="Uigh" typeface="Microsoft Uighur"/>
+        <a:font script="Geor" typeface="Sylfaen"/>
+      </a:majorFont>
+      <a:minorFont>
+        <a:latin typeface="Gill Sans MT" panose="020B0502020104020203"/>
+        <a:ea typeface=""/>
+        <a:cs typeface=""/>
+        <a:font script="Grek" typeface="Corbel"/>
+        <a:font script="Cyrl" typeface="Corbel"/>
+        <a:font script="Jpan" typeface="HGｺﾞｼｯｸE"/>
+        <a:font script="Hang" typeface="휴먼매직체"/>
+        <a:font script="Hans" typeface="华文中宋"/>
+        <a:font script="Hant" typeface="微軟正黑體"/>
+        <a:font script="Arab" typeface="Majalla UI"/>
+        <a:font script="Hebr" typeface="Arial"/>
+        <a:font script="Thai" typeface="Cordia New"/>
+        <a:font script="Ethi" typeface="Nyala"/>
+        <a:font script="Beng" typeface="Vrinda"/>
+        <a:font script="Gujr" typeface="Shruti"/>
+        <a:font script="Khmr" typeface="DaunPenh"/>
+        <a:font script="Knda" typeface="Tunga"/>
+        <a:font script="Guru" typeface="Raavi"/>
+        <a:font script="Cans" typeface="Euphemia"/>
+        <a:font script="Cher" typeface="Plantagenet Cherokee"/>
+        <a:font script="Yiii" typeface="Microsoft Yi Baiti"/>
+        <a:font script="Tibt" typeface="Microsoft Himalaya"/>
+        <a:font script="Thaa" typeface="MV Boli"/>
+        <a:font script="Deva" typeface="Mangal"/>
+        <a:font script="Telu" typeface="Gautami"/>
+        <a:font script="Taml" typeface="Latha"/>
+        <a:font script="Syrc" typeface="Estrangelo Edessa"/>
+        <a:font script="Orya" typeface="Kalinga"/>
+        <a:font script="Mlym" typeface="Kartika"/>
+        <a:font script="Laoo" typeface="DokChampa"/>
+        <a:font script="Sinh" typeface="Iskoola Pota"/>
+        <a:font script="Mong" typeface="Mongolian Baiti"/>
+        <a:font script="Viet" typeface="Tahoma"/>
         <a:font script="Uigh" typeface="Microsoft Uighur"/>
         <a:font script="Geor" typeface="Sylfaen"/>
       </a:minorFont>
     </a:fontScheme>
-    <a:fmtScheme name="Retrospect">
+    <a:fmtScheme name="Dividend">
       <a:fillStyleLst>
         <a:solidFill>
           <a:schemeClr val="phClr"/>
@@ -7861,77 +8274,54 @@
           <a:gsLst>
             <a:gs pos="0">
               <a:schemeClr val="phClr">
-                <a:tint val="65000"/>
-                <a:shade val="92000"/>
-                <a:satMod val="130000"/>
-              </a:schemeClr>
-            </a:gs>
-            <a:gs pos="45000">
-              <a:schemeClr val="phClr">
-                <a:tint val="60000"/>
-                <a:shade val="99000"/>
-                <a:satMod val="120000"/>
+                <a:tint val="68000"/>
+                <a:alpha val="90000"/>
+                <a:lumMod val="100000"/>
               </a:schemeClr>
             </a:gs>
             <a:gs pos="100000">
               <a:schemeClr val="phClr">
-                <a:tint val="55000"/>
-                <a:satMod val="140000"/>
+                <a:tint val="90000"/>
+                <a:lumMod val="95000"/>
               </a:schemeClr>
             </a:gs>
           </a:gsLst>
-          <a:path path="circle">
-            <a:fillToRect l="100000" t="100000" r="100000" b="100000"/>
-          </a:path>
+          <a:lin ang="5400000" scaled="1"/>
         </a:gradFill>
         <a:gradFill rotWithShape="1">
           <a:gsLst>
             <a:gs pos="0">
               <a:schemeClr val="phClr">
-                <a:shade val="85000"/>
-                <a:satMod val="130000"/>
+                <a:tint val="98000"/>
+                <a:lumMod val="110000"/>
               </a:schemeClr>
             </a:gs>
-            <a:gs pos="34000">
+            <a:gs pos="84000">
               <a:schemeClr val="phClr">
-                <a:shade val="87000"/>
-                <a:satMod val="125000"/>
-              </a:schemeClr>
-            </a:gs>
-            <a:gs pos="70000">
-              <a:schemeClr val="phClr">
-                <a:tint val="100000"/>
                 <a:shade val="90000"/>
-                <a:satMod val="130000"/>
-              </a:schemeClr>
-            </a:gs>
-            <a:gs pos="100000">
-              <a:schemeClr val="phClr">
-                <a:tint val="100000"/>
-                <a:shade val="100000"/>
-                <a:satMod val="110000"/>
+                <a:lumMod val="88000"/>
               </a:schemeClr>
             </a:gs>
           </a:gsLst>
-          <a:path path="circle">
-            <a:fillToRect l="100000" t="100000" r="100000" b="100000"/>
-          </a:path>
+          <a:lin ang="5400000" scaled="0"/>
         </a:gradFill>
       </a:fillStyleLst>
       <a:lnStyleLst>
-        <a:ln w="12700" cap="flat" cmpd="sng" algn="ctr">
+        <a:ln w="12700" cap="rnd" cmpd="sng" algn="ctr">
+          <a:solidFill>
+            <a:schemeClr val="phClr">
+              <a:lumMod val="90000"/>
+            </a:schemeClr>
+          </a:solidFill>
+          <a:prstDash val="solid"/>
+        </a:ln>
+        <a:ln w="22225" cap="rnd" cmpd="sng" algn="ctr">
           <a:solidFill>
             <a:schemeClr val="phClr"/>
           </a:solidFill>
           <a:prstDash val="solid"/>
         </a:ln>
-        <a:ln w="15875" cap="flat" cmpd="sng" algn="ctr">
-          <a:solidFill>
-            <a:schemeClr val="phClr"/>
-          </a:solidFill>
-          <a:prstDash val="solid"/>
-        </a:ln>
-        <a:ln w="25400" cap="flat" cmpd="sng" algn="ctr">
+        <a:ln w="25400" cap="rnd" cmpd="sng" algn="ctr">
           <a:solidFill>
             <a:schemeClr val="phClr"/>
           </a:solidFill>
@@ -7944,16 +8334,16 @@
         </a:effectStyle>
         <a:effectStyle>
           <a:effectLst>
-            <a:outerShdw blurRad="38100" dist="25400" dir="2700000" algn="br" rotWithShape="0">
+            <a:outerShdw blurRad="38100" dist="25400" dir="5400000" rotWithShape="0">
               <a:srgbClr val="000000">
-                <a:alpha val="60000"/>
+                <a:alpha val="55000"/>
               </a:srgbClr>
             </a:outerShdw>
           </a:effectLst>
         </a:effectStyle>
         <a:effectStyle>
           <a:effectLst>
-            <a:outerShdw blurRad="44450" dist="25400" dir="2700000" algn="br" rotWithShape="0">
+            <a:outerShdw blurRad="88900" dist="38100" dir="5040000" rotWithShape="0">
               <a:srgbClr val="000000">
                 <a:alpha val="60000"/>
               </a:srgbClr>
@@ -7963,12 +8353,12 @@
             <a:camera prst="orthographicFront">
               <a:rot lat="0" lon="0" rev="0"/>
             </a:camera>
-            <a:lightRig rig="threePt" dir="t">
-              <a:rot lat="0" lon="0" rev="19800000"/>
+            <a:lightRig rig="threePt" dir="tl">
+              <a:rot lat="0" lon="0" rev="1200000"/>
             </a:lightRig>
           </a:scene3d>
-          <a:sp3d prstMaterial="flat">
-            <a:bevelT w="25400" h="31750"/>
+          <a:sp3d>
+            <a:bevelT w="38100" h="50800"/>
           </a:sp3d>
         </a:effectStyle>
       </a:effectStyleLst>
@@ -7976,38 +8366,43 @@
         <a:solidFill>
           <a:schemeClr val="phClr"/>
         </a:solidFill>
-        <a:solidFill>
-          <a:schemeClr val="phClr">
-            <a:tint val="90000"/>
-            <a:shade val="97000"/>
-            <a:satMod val="130000"/>
-          </a:schemeClr>
-        </a:solidFill>
         <a:gradFill rotWithShape="1">
           <a:gsLst>
             <a:gs pos="0">
               <a:schemeClr val="phClr">
-                <a:tint val="96000"/>
-                <a:shade val="99000"/>
-                <a:satMod val="140000"/>
+                <a:tint val="90000"/>
+                <a:lumMod val="110000"/>
               </a:schemeClr>
             </a:gs>
-            <a:gs pos="65000">
+            <a:gs pos="88000">
               <a:schemeClr val="phClr">
-                <a:tint val="100000"/>
-                <a:shade val="80000"/>
-                <a:satMod val="130000"/>
+                <a:shade val="94000"/>
+                <a:satMod val="110000"/>
+                <a:lumMod val="88000"/>
+              </a:schemeClr>
+            </a:gs>
+          </a:gsLst>
+          <a:lin ang="5400000" scaled="0"/>
+        </a:gradFill>
+        <a:gradFill rotWithShape="1">
+          <a:gsLst>
+            <a:gs pos="0">
+              <a:schemeClr val="phClr">
+                <a:tint val="90000"/>
+                <a:lumMod val="110000"/>
               </a:schemeClr>
             </a:gs>
             <a:gs pos="100000">
               <a:schemeClr val="phClr">
-                <a:tint val="100000"/>
-                <a:shade val="48000"/>
-                <a:satMod val="120000"/>
+                <a:shade val="98000"/>
+                <a:satMod val="110000"/>
+                <a:lumMod val="86000"/>
               </a:schemeClr>
             </a:gs>
           </a:gsLst>
-          <a:lin ang="16200000" scaled="0"/>
+          <a:path path="circle">
+            <a:fillToRect l="50000" t="50000" r="100000" b="100000"/>
+          </a:path>
         </a:gradFill>
       </a:bgFillStyleLst>
     </a:fmtScheme>
@@ -8016,7 +8411,7 @@
   <a:extraClrSchemeLst/>
   <a:extLst>
     <a:ext uri="{05A4C25C-085E-4340-85A3-A5531E510DB2}">
-      <thm15:themeFamily xmlns:thm15="http://schemas.microsoft.com/office/thememl/2012/main" name="Retrospect" id="{5F128B03-DCCA-4EEB-AB3B-CF2899314A46}" vid="{3F1AAB62-24C6-49D2-8E01-B56FAC9A3DCD}"/>
+      <thm15:themeFamily xmlns:thm15="http://schemas.microsoft.com/office/thememl/2012/main" name="EngineeringJournal" id="{97721FB4-21DC-6D4C-AC10-5E4545120761}" vid="{EB585347-F0B4-B74F-BF80-5185492EFC16}"/>
     </a:ext>
   </a:extLst>
 </a:theme>

--- a/translations/en-us/Project/Identify.pptx
+++ b/translations/en-us/Project/Identify.pptx
@@ -205,7 +205,7 @@
           <a:p>
             <a:fld id="{A78B980B-A051-5042-A199-B77431CF73D3}" type="datetimeFigureOut">
               <a:rPr lang="en-US" smtClean="0"/>
-              <a:t>6/12/18</a:t>
+              <a:t>9/2/18</a:t>
             </a:fld>
             <a:endParaRPr lang="en-US"/>
           </a:p>
@@ -809,7 +809,7 @@
           <a:p>
             <a:fld id="{2CE9A39D-22EB-4B0B-A637-52F3C1896EC1}" type="datetime1">
               <a:rPr lang="en-US" smtClean="0"/>
-              <a:t>6/12/18</a:t>
+              <a:t>9/2/18</a:t>
             </a:fld>
             <a:endParaRPr lang="en-US" dirty="0"/>
           </a:p>
@@ -934,57 +934,6 @@
           </a:prstGeom>
         </p:spPr>
       </p:pic>
-      <p:sp>
-        <p:nvSpPr>
-          <p:cNvPr id="9" name="Rectangle 8">
-            <a:extLst>
-              <a:ext uri="{FF2B5EF4-FFF2-40B4-BE49-F238E27FC236}">
-                <a16:creationId xmlns:a16="http://schemas.microsoft.com/office/drawing/2014/main" id="{C3A772D0-62CA-4139-9E49-9709A1C5A9AF}"/>
-              </a:ext>
-            </a:extLst>
-          </p:cNvPr>
-          <p:cNvSpPr/>
-          <p:nvPr userDrawn="1"/>
-        </p:nvSpPr>
-        <p:spPr>
-          <a:xfrm>
-            <a:off x="-2358" y="6272819"/>
-            <a:ext cx="9141619" cy="64008"/>
-          </a:xfrm>
-          <a:prstGeom prst="rect">
-            <a:avLst/>
-          </a:prstGeom>
-          <a:solidFill>
-            <a:srgbClr val="24CF39"/>
-          </a:solidFill>
-          <a:ln>
-            <a:noFill/>
-          </a:ln>
-        </p:spPr>
-        <p:style>
-          <a:lnRef idx="2">
-            <a:schemeClr val="accent1">
-              <a:shade val="50000"/>
-            </a:schemeClr>
-          </a:lnRef>
-          <a:fillRef idx="1">
-            <a:schemeClr val="accent1"/>
-          </a:fillRef>
-          <a:effectRef idx="0">
-            <a:schemeClr val="accent1"/>
-          </a:effectRef>
-          <a:fontRef idx="minor">
-            <a:schemeClr val="lt1"/>
-          </a:fontRef>
-        </p:style>
-        <p:txBody>
-          <a:bodyPr/>
-          <a:lstStyle/>
-          <a:p>
-            <a:endParaRPr lang="en-US" dirty="0"/>
-          </a:p>
-        </p:txBody>
-      </p:sp>
     </p:spTree>
     <p:extLst>
       <p:ext uri="{BB962C8B-B14F-4D97-AF65-F5344CB8AC3E}">
@@ -1170,7 +1119,7 @@
           <a:p>
             <a:fld id="{BD934CCD-4B40-454B-83D6-C5AF669D7607}" type="datetime1">
               <a:rPr lang="en-US" smtClean="0"/>
-              <a:t>6/12/18</a:t>
+              <a:t>9/2/18</a:t>
             </a:fld>
             <a:endParaRPr lang="en-US" dirty="0"/>
           </a:p>
@@ -1428,7 +1377,7 @@
           <a:p>
             <a:fld id="{EA1E668F-835A-4C17-82FE-7E992179E96C}" type="datetime1">
               <a:rPr lang="en-US" smtClean="0"/>
-              <a:t>6/12/18</a:t>
+              <a:t>9/2/18</a:t>
             </a:fld>
             <a:endParaRPr lang="en-US" dirty="0"/>
           </a:p>
@@ -1716,7 +1665,7 @@
           <a:p>
             <a:fld id="{B9562C99-C557-4EA2-94F8-DC1B422D8595}" type="datetime1">
               <a:rPr lang="en-US" smtClean="0"/>
-              <a:t>6/12/18</a:t>
+              <a:t>9/2/18</a:t>
             </a:fld>
             <a:endParaRPr lang="en-US" dirty="0"/>
           </a:p>
@@ -2169,7 +2118,7 @@
             <a:fld id="{B61BEF0D-F0BB-DE4B-95CE-6DB70DBA9567}" type="datetimeFigureOut">
               <a:rPr lang="en-US" smtClean="0"/>
               <a:pPr/>
-              <a:t>6/12/18</a:t>
+              <a:t>9/2/18</a:t>
             </a:fld>
             <a:endParaRPr lang="en-US" dirty="0"/>
           </a:p>
@@ -2726,7 +2675,7 @@
           <a:p>
             <a:fld id="{CC24CE98-68B6-4496-B6E9-6E7D3EAFB920}" type="datetime1">
               <a:rPr lang="en-US" smtClean="0"/>
-              <a:t>6/12/18</a:t>
+              <a:t>9/2/18</a:t>
             </a:fld>
             <a:endParaRPr lang="en-US" dirty="0"/>
           </a:p>
@@ -3175,7 +3124,7 @@
           <a:p>
             <a:fld id="{F22D7A16-074F-4FA9-8F5A-0D30602CAA26}" type="datetime1">
               <a:rPr lang="en-US" smtClean="0"/>
-              <a:t>6/12/18</a:t>
+              <a:t>9/2/18</a:t>
             </a:fld>
             <a:endParaRPr lang="en-US" dirty="0"/>
           </a:p>
@@ -3360,7 +3309,7 @@
           <a:p>
             <a:fld id="{E40A515B-2F8B-48B9-A111-B71681EB3FD9}" type="datetime1">
               <a:rPr lang="en-US" smtClean="0"/>
-              <a:t>6/12/18</a:t>
+              <a:t>9/2/18</a:t>
             </a:fld>
             <a:endParaRPr lang="en-US" dirty="0"/>
           </a:p>
@@ -3483,7 +3432,7 @@
           <a:p>
             <a:fld id="{FC74D4E4-1164-405F-B36F-568643F96A7D}" type="datetime1">
               <a:rPr lang="en-US" smtClean="0"/>
-              <a:t>6/12/18</a:t>
+              <a:t>9/2/18</a:t>
             </a:fld>
             <a:endParaRPr lang="en-US" dirty="0"/>
           </a:p>
@@ -3889,7 +3838,7 @@
           <a:p>
             <a:fld id="{2DD0CB2B-DCCE-4F9C-B031-1A6026B95099}" type="datetime1">
               <a:rPr lang="en-US" smtClean="0"/>
-              <a:t>6/12/18</a:t>
+              <a:t>9/2/18</a:t>
             </a:fld>
             <a:endParaRPr lang="en-US" dirty="0"/>
           </a:p>
@@ -4206,7 +4155,7 @@
           <a:p>
             <a:fld id="{C737D807-743D-4A20-9A3B-94060924E229}" type="datetime1">
               <a:rPr lang="en-US" smtClean="0"/>
-              <a:t>6/12/18</a:t>
+              <a:t>9/2/18</a:t>
             </a:fld>
             <a:endParaRPr lang="en-US" dirty="0"/>
           </a:p>
@@ -4557,7 +4506,7 @@
           <a:p>
             <a:fld id="{6A3CA27E-F570-4F3C-BEC6-ADE8E4EED474}" type="datetime1">
               <a:rPr lang="en-US" smtClean="0"/>
-              <a:t>6/12/18</a:t>
+              <a:t>9/2/18</a:t>
             </a:fld>
             <a:endParaRPr lang="en-US" dirty="0"/>
           </a:p>
@@ -4656,57 +4605,6 @@
               <a:pPr/>
               <a:t>‹#›</a:t>
             </a:fld>
-            <a:endParaRPr lang="en-US" dirty="0"/>
-          </a:p>
-        </p:txBody>
-      </p:sp>
-      <p:sp>
-        <p:nvSpPr>
-          <p:cNvPr id="15" name="Rectangle 14">
-            <a:extLst>
-              <a:ext uri="{FF2B5EF4-FFF2-40B4-BE49-F238E27FC236}">
-                <a16:creationId xmlns:a16="http://schemas.microsoft.com/office/drawing/2014/main" id="{968375E8-CD3D-4BC8-9D9A-2445D57D5661}"/>
-              </a:ext>
-            </a:extLst>
-          </p:cNvPr>
-          <p:cNvSpPr/>
-          <p:nvPr userDrawn="1"/>
-        </p:nvSpPr>
-        <p:spPr>
-          <a:xfrm>
-            <a:off x="-1" y="6273337"/>
-            <a:ext cx="9144001" cy="65999"/>
-          </a:xfrm>
-          <a:prstGeom prst="rect">
-            <a:avLst/>
-          </a:prstGeom>
-          <a:solidFill>
-            <a:srgbClr val="24CF39"/>
-          </a:solidFill>
-          <a:ln>
-            <a:noFill/>
-          </a:ln>
-        </p:spPr>
-        <p:style>
-          <a:lnRef idx="2">
-            <a:schemeClr val="accent1">
-              <a:shade val="50000"/>
-            </a:schemeClr>
-          </a:lnRef>
-          <a:fillRef idx="1">
-            <a:schemeClr val="accent1"/>
-          </a:fillRef>
-          <a:effectRef idx="0">
-            <a:schemeClr val="accent1"/>
-          </a:effectRef>
-          <a:fontRef idx="minor">
-            <a:schemeClr val="lt1"/>
-          </a:fontRef>
-        </p:style>
-        <p:txBody>
-          <a:bodyPr/>
-          <a:lstStyle/>
-          <a:p>
             <a:endParaRPr lang="en-US" dirty="0"/>
           </a:p>
         </p:txBody>

--- a/translations/en-us/Project/Identify.pptx
+++ b/translations/en-us/Project/Identify.pptx
@@ -5148,7 +5148,15 @@
             <a:pPr lvl="1"/>
             <a:r>
               <a:rPr lang="en-US" sz="2000" dirty="0"/>
-              <a:t>Our research project for Trash Trek was a Global Innovation Award semi-finalist project (Top 20 out of 30,0000 teams).</a:t>
+              <a:t>Our research project for Trash Trek was a Global Innovation Award semi-finalist project (Top 20 out </a:t>
+            </a:r>
+            <a:r>
+              <a:rPr lang="en-US" sz="2000"/>
+              <a:t>of 30,000 </a:t>
+            </a:r>
+            <a:r>
+              <a:rPr lang="en-US" sz="2000" dirty="0"/>
+              <a:t>teams).</a:t>
             </a:r>
           </a:p>
           <a:p>

--- a/translations/en-us/Project/Identify.pptx
+++ b/translations/en-us/Project/Identify.pptx
@@ -5,7 +5,7 @@
     <p:sldMasterId id="2147483791" r:id="rId1"/>
   </p:sldMasterIdLst>
   <p:notesMasterIdLst>
-    <p:notesMasterId r:id="rId11"/>
+    <p:notesMasterId r:id="rId13"/>
   </p:notesMasterIdLst>
   <p:sldIdLst>
     <p:sldId id="256" r:id="rId2"/>
@@ -13,10 +13,12 @@
     <p:sldId id="259" r:id="rId4"/>
     <p:sldId id="264" r:id="rId5"/>
     <p:sldId id="260" r:id="rId6"/>
-    <p:sldId id="261" r:id="rId7"/>
-    <p:sldId id="263" r:id="rId8"/>
-    <p:sldId id="262" r:id="rId9"/>
-    <p:sldId id="258" r:id="rId10"/>
+    <p:sldId id="272" r:id="rId7"/>
+    <p:sldId id="273" r:id="rId8"/>
+    <p:sldId id="261" r:id="rId9"/>
+    <p:sldId id="263" r:id="rId10"/>
+    <p:sldId id="262" r:id="rId11"/>
+    <p:sldId id="258" r:id="rId12"/>
   </p:sldIdLst>
   <p:sldSz cx="9144000" cy="6858000" type="screen4x3"/>
   <p:notesSz cx="6858000" cy="9144000"/>
@@ -205,7 +207,7 @@
           <a:p>
             <a:fld id="{A78B980B-A051-5042-A199-B77431CF73D3}" type="datetimeFigureOut">
               <a:rPr lang="en-US" smtClean="0"/>
-              <a:t>9/2/18</a:t>
+              <a:t>10/27/22</a:t>
             </a:fld>
             <a:endParaRPr lang="en-US"/>
           </a:p>
@@ -807,9 +809,9 @@
             </a:lvl1pPr>
           </a:lstStyle>
           <a:p>
-            <a:fld id="{2CE9A39D-22EB-4B0B-A637-52F3C1896EC1}" type="datetime1">
+            <a:fld id="{55A8F38D-88CE-9947-A8C6-74B76FB836AA}" type="datetime1">
               <a:rPr lang="en-US" smtClean="0"/>
-              <a:t>9/2/18</a:t>
+              <a:t>10/27/22</a:t>
             </a:fld>
             <a:endParaRPr lang="en-US" dirty="0"/>
           </a:p>
@@ -851,7 +853,7 @@
           <a:p>
             <a:r>
               <a:rPr lang="en-US"/>
-              <a:t>© 2018, FLL Tutorials (Last Edit 6/11/2018)</a:t>
+              <a:t>© 2022, FLL Tutorials</a:t>
             </a:r>
             <a:endParaRPr lang="en-US" dirty="0"/>
           </a:p>
@@ -1117,9 +1119,9 @@
           <a:bodyPr/>
           <a:lstStyle/>
           <a:p>
-            <a:fld id="{BD934CCD-4B40-454B-83D6-C5AF669D7607}" type="datetime1">
+            <a:fld id="{D2AA7458-E0B4-584E-9FB7-04AEA1EC2373}" type="datetime1">
               <a:rPr lang="en-US" smtClean="0"/>
-              <a:t>9/2/18</a:t>
+              <a:t>10/27/22</a:t>
             </a:fld>
             <a:endParaRPr lang="en-US" dirty="0"/>
           </a:p>
@@ -1150,7 +1152,7 @@
           <a:p>
             <a:r>
               <a:rPr lang="en-US"/>
-              <a:t>© 2018, FLL Tutorials (Last Edit 6/11/2018)</a:t>
+              <a:t>© 2022, FLL Tutorials</a:t>
             </a:r>
             <a:endParaRPr lang="en-US" dirty="0"/>
           </a:p>
@@ -1375,9 +1377,9 @@
             </a:lvl1pPr>
           </a:lstStyle>
           <a:p>
-            <a:fld id="{EA1E668F-835A-4C17-82FE-7E992179E96C}" type="datetime1">
+            <a:fld id="{F6406977-5ADD-4B4A-8302-8CED4C7538BE}" type="datetime1">
               <a:rPr lang="en-US" smtClean="0"/>
-              <a:t>9/2/18</a:t>
+              <a:t>10/27/22</a:t>
             </a:fld>
             <a:endParaRPr lang="en-US" dirty="0"/>
           </a:p>
@@ -1408,7 +1410,7 @@
           <a:p>
             <a:r>
               <a:rPr lang="en-US"/>
-              <a:t>© 2018, FLL Tutorials (Last Edit 6/11/2018)</a:t>
+              <a:t>© 2022, FLL Tutorials</a:t>
             </a:r>
             <a:endParaRPr lang="en-US" dirty="0"/>
           </a:p>
@@ -1663,9 +1665,9 @@
             </a:lvl1pPr>
           </a:lstStyle>
           <a:p>
-            <a:fld id="{B9562C99-C557-4EA2-94F8-DC1B422D8595}" type="datetime1">
+            <a:fld id="{925F5241-5FFF-EC44-BF79-3ED60506BA88}" type="datetime1">
               <a:rPr lang="en-US" smtClean="0"/>
-              <a:t>9/2/18</a:t>
+              <a:t>10/27/22</a:t>
             </a:fld>
             <a:endParaRPr lang="en-US" dirty="0"/>
           </a:p>
@@ -1710,7 +1712,7 @@
           <a:p>
             <a:r>
               <a:rPr lang="en-US"/>
-              <a:t>© 2018, FLL Tutorials (Last Edit 6/11/2018)</a:t>
+              <a:t>© 2022, FLL Tutorials</a:t>
             </a:r>
             <a:endParaRPr lang="en-US" dirty="0"/>
           </a:p>
@@ -2118,7 +2120,7 @@
             <a:fld id="{B61BEF0D-F0BB-DE4B-95CE-6DB70DBA9567}" type="datetimeFigureOut">
               <a:rPr lang="en-US" smtClean="0"/>
               <a:pPr/>
-              <a:t>9/2/18</a:t>
+              <a:t>10/27/22</a:t>
             </a:fld>
             <a:endParaRPr lang="en-US" dirty="0"/>
           </a:p>
@@ -2673,9 +2675,9 @@
           <a:bodyPr/>
           <a:lstStyle/>
           <a:p>
-            <a:fld id="{CC24CE98-68B6-4496-B6E9-6E7D3EAFB920}" type="datetime1">
+            <a:fld id="{19EA2F73-BF18-4140-AB35-FD5A7C973B27}" type="datetime1">
               <a:rPr lang="en-US" smtClean="0"/>
-              <a:t>9/2/18</a:t>
+              <a:t>10/27/22</a:t>
             </a:fld>
             <a:endParaRPr lang="en-US" dirty="0"/>
           </a:p>
@@ -2706,7 +2708,7 @@
           <a:p>
             <a:r>
               <a:rPr lang="en-US"/>
-              <a:t>© 2018, FLL Tutorials (Last Edit 6/11/2018)</a:t>
+              <a:t>© 2022, FLL Tutorials</a:t>
             </a:r>
             <a:endParaRPr lang="en-US" dirty="0"/>
           </a:p>
@@ -3122,9 +3124,9 @@
           <a:bodyPr/>
           <a:lstStyle/>
           <a:p>
-            <a:fld id="{F22D7A16-074F-4FA9-8F5A-0D30602CAA26}" type="datetime1">
+            <a:fld id="{5432C46E-ACEC-D141-A952-2E1874B956FF}" type="datetime1">
               <a:rPr lang="en-US" smtClean="0"/>
-              <a:t>9/2/18</a:t>
+              <a:t>10/27/22</a:t>
             </a:fld>
             <a:endParaRPr lang="en-US" dirty="0"/>
           </a:p>
@@ -3155,7 +3157,7 @@
           <a:p>
             <a:r>
               <a:rPr lang="en-US"/>
-              <a:t>© 2018, FLL Tutorials (Last Edit 6/11/2018)</a:t>
+              <a:t>© 2022, FLL Tutorials</a:t>
             </a:r>
             <a:endParaRPr lang="en-US" dirty="0"/>
           </a:p>
@@ -3307,9 +3309,9 @@
           <a:bodyPr/>
           <a:lstStyle/>
           <a:p>
-            <a:fld id="{E40A515B-2F8B-48B9-A111-B71681EB3FD9}" type="datetime1">
+            <a:fld id="{494A2D69-0B3B-C649-B335-1130CF617B35}" type="datetime1">
               <a:rPr lang="en-US" smtClean="0"/>
-              <a:t>9/2/18</a:t>
+              <a:t>10/27/22</a:t>
             </a:fld>
             <a:endParaRPr lang="en-US" dirty="0"/>
           </a:p>
@@ -3340,7 +3342,7 @@
           <a:p>
             <a:r>
               <a:rPr lang="en-US"/>
-              <a:t>© 2018, FLL Tutorials (Last Edit 6/11/2018)</a:t>
+              <a:t>© 2022, FLL Tutorials</a:t>
             </a:r>
             <a:endParaRPr lang="en-US" dirty="0"/>
           </a:p>
@@ -3430,9 +3432,9 @@
           <a:bodyPr/>
           <a:lstStyle/>
           <a:p>
-            <a:fld id="{FC74D4E4-1164-405F-B36F-568643F96A7D}" type="datetime1">
+            <a:fld id="{01948553-1F9C-934D-AC6B-FEFD992E596E}" type="datetime1">
               <a:rPr lang="en-US" smtClean="0"/>
-              <a:t>9/2/18</a:t>
+              <a:t>10/27/22</a:t>
             </a:fld>
             <a:endParaRPr lang="en-US" dirty="0"/>
           </a:p>
@@ -3463,7 +3465,7 @@
           <a:p>
             <a:r>
               <a:rPr lang="en-US"/>
-              <a:t>© 2018, FLL Tutorials (Last Edit 6/11/2018)</a:t>
+              <a:t>© 2022, FLL Tutorials</a:t>
             </a:r>
             <a:endParaRPr lang="en-US" dirty="0"/>
           </a:p>
@@ -3836,9 +3838,9 @@
             </a:lvl1pPr>
           </a:lstStyle>
           <a:p>
-            <a:fld id="{2DD0CB2B-DCCE-4F9C-B031-1A6026B95099}" type="datetime1">
+            <a:fld id="{3EB0DCB7-9DC5-AB45-A731-56E87D92F031}" type="datetime1">
               <a:rPr lang="en-US" smtClean="0"/>
-              <a:t>9/2/18</a:t>
+              <a:t>10/27/22</a:t>
             </a:fld>
             <a:endParaRPr lang="en-US" dirty="0"/>
           </a:p>
@@ -3880,7 +3882,7 @@
           <a:p>
             <a:r>
               <a:rPr lang="en-US"/>
-              <a:t>© 2018, FLL Tutorials (Last Edit 6/11/2018)</a:t>
+              <a:t>© 2022, FLL Tutorials</a:t>
             </a:r>
             <a:endParaRPr lang="en-US" dirty="0"/>
           </a:p>
@@ -4153,9 +4155,9 @@
           <a:bodyPr/>
           <a:lstStyle/>
           <a:p>
-            <a:fld id="{C737D807-743D-4A20-9A3B-94060924E229}" type="datetime1">
+            <a:fld id="{62AC3A48-9523-1044-B352-8584CA3225CE}" type="datetime1">
               <a:rPr lang="en-US" smtClean="0"/>
-              <a:t>9/2/18</a:t>
+              <a:t>10/27/22</a:t>
             </a:fld>
             <a:endParaRPr lang="en-US" dirty="0"/>
           </a:p>
@@ -4186,7 +4188,7 @@
           <a:p>
             <a:r>
               <a:rPr lang="en-US"/>
-              <a:t>© 2018, FLL Tutorials (Last Edit 6/11/2018)</a:t>
+              <a:t>© 2022, FLL Tutorials</a:t>
             </a:r>
             <a:endParaRPr lang="en-US" dirty="0"/>
           </a:p>
@@ -4504,9 +4506,9 @@
             </a:lvl1pPr>
           </a:lstStyle>
           <a:p>
-            <a:fld id="{6A3CA27E-F570-4F3C-BEC6-ADE8E4EED474}" type="datetime1">
+            <a:fld id="{94E9E688-8D2D-F14E-A7D3-41ECC85B3CE1}" type="datetime1">
               <a:rPr lang="en-US" smtClean="0"/>
-              <a:t>9/2/18</a:t>
+              <a:t>10/27/22</a:t>
             </a:fld>
             <a:endParaRPr lang="en-US" dirty="0"/>
           </a:p>
@@ -4554,7 +4556,7 @@
           <a:p>
             <a:r>
               <a:rPr lang="en-US"/>
-              <a:t>© 2018, FLL Tutorials (Last Edit 6/11/2018)</a:t>
+              <a:t>© 2022, FLL Tutorials</a:t>
             </a:r>
             <a:endParaRPr lang="en-US" dirty="0"/>
           </a:p>
@@ -5077,6 +5079,459 @@
 </p:sld>
 </file>
 
+<file path=ppt/slides/slide10.xml><?xml version="1.0" encoding="utf-8"?>
+<p:sld xmlns:a="http://schemas.openxmlformats.org/drawingml/2006/main" xmlns:r="http://schemas.openxmlformats.org/officeDocument/2006/relationships" xmlns:p="http://schemas.openxmlformats.org/presentationml/2006/main">
+  <p:cSld>
+    <p:spTree>
+      <p:nvGrpSpPr>
+        <p:cNvPr id="1" name=""/>
+        <p:cNvGrpSpPr/>
+        <p:nvPr/>
+      </p:nvGrpSpPr>
+      <p:grpSpPr>
+        <a:xfrm>
+          <a:off x="0" y="0"/>
+          <a:ext cx="0" cy="0"/>
+          <a:chOff x="0" y="0"/>
+          <a:chExt cx="0" cy="0"/>
+        </a:xfrm>
+      </p:grpSpPr>
+      <p:sp>
+        <p:nvSpPr>
+          <p:cNvPr id="2" name="Title 1"/>
+          <p:cNvSpPr>
+            <a:spLocks noGrp="1"/>
+          </p:cNvSpPr>
+          <p:nvPr>
+            <p:ph type="title"/>
+          </p:nvPr>
+        </p:nvSpPr>
+        <p:spPr/>
+        <p:txBody>
+          <a:bodyPr/>
+          <a:lstStyle/>
+          <a:p>
+            <a:r>
+              <a:rPr lang="en-US" dirty="0"/>
+              <a:t>Sample Topics in Animal Allies</a:t>
+            </a:r>
+          </a:p>
+        </p:txBody>
+      </p:sp>
+      <p:sp>
+        <p:nvSpPr>
+          <p:cNvPr id="3" name="Content Placeholder 2"/>
+          <p:cNvSpPr>
+            <a:spLocks noGrp="1"/>
+          </p:cNvSpPr>
+          <p:nvPr>
+            <p:ph idx="1"/>
+          </p:nvPr>
+        </p:nvSpPr>
+        <p:spPr>
+          <a:xfrm>
+            <a:off x="241739" y="1845734"/>
+            <a:ext cx="4639180" cy="4023360"/>
+          </a:xfrm>
+        </p:spPr>
+        <p:txBody>
+          <a:bodyPr>
+            <a:normAutofit fontScale="47500" lnSpcReduction="20000"/>
+          </a:bodyPr>
+          <a:lstStyle/>
+          <a:p>
+            <a:pPr lvl="1"/>
+            <a:r>
+              <a:rPr lang="en-US" dirty="0"/>
+              <a:t>Chimney Swifts losing their homes</a:t>
+            </a:r>
+          </a:p>
+          <a:p>
+            <a:pPr lvl="1"/>
+            <a:r>
+              <a:rPr lang="en-US" dirty="0"/>
+              <a:t>Training therapy dogs</a:t>
+            </a:r>
+          </a:p>
+          <a:p>
+            <a:pPr lvl="1"/>
+            <a:r>
+              <a:rPr lang="en-US" dirty="0"/>
+              <a:t>K-9 dogs helping the police</a:t>
+            </a:r>
+          </a:p>
+          <a:p>
+            <a:pPr lvl="1"/>
+            <a:r>
+              <a:rPr lang="en-US" dirty="0"/>
+              <a:t>Monitoring bee hives to keep them healthy</a:t>
+            </a:r>
+          </a:p>
+          <a:p>
+            <a:pPr lvl="1"/>
+            <a:r>
+              <a:rPr lang="en-US" dirty="0"/>
+              <a:t>Bears getting into trash cans</a:t>
+            </a:r>
+          </a:p>
+          <a:p>
+            <a:pPr lvl="1"/>
+            <a:r>
+              <a:rPr lang="en-US" dirty="0"/>
+              <a:t>Finding lost dogs</a:t>
+            </a:r>
+          </a:p>
+          <a:p>
+            <a:pPr lvl="1"/>
+            <a:r>
+              <a:rPr lang="en-US" dirty="0"/>
+              <a:t>Preventing Lyme disease from deer ticks</a:t>
+            </a:r>
+          </a:p>
+          <a:p>
+            <a:pPr lvl="1"/>
+            <a:r>
+              <a:rPr lang="en-US" dirty="0"/>
+              <a:t>Helping baby turtles find their way to the ocean</a:t>
+            </a:r>
+          </a:p>
+          <a:p>
+            <a:pPr lvl="1"/>
+            <a:r>
+              <a:rPr lang="en-US" dirty="0"/>
+              <a:t>Cow tagging</a:t>
+            </a:r>
+          </a:p>
+          <a:p>
+            <a:pPr lvl="1"/>
+            <a:r>
+              <a:rPr lang="en-US" dirty="0"/>
+              <a:t>Animals drinking from polluted city water</a:t>
+            </a:r>
+          </a:p>
+          <a:p>
+            <a:pPr lvl="1"/>
+            <a:r>
+              <a:rPr lang="en-US" dirty="0"/>
+              <a:t>Keeping horses hydrated (Global Innovation award winner 2017)</a:t>
+            </a:r>
+          </a:p>
+          <a:p>
+            <a:pPr lvl="1"/>
+            <a:endParaRPr lang="en-US" dirty="0"/>
+          </a:p>
+          <a:p>
+            <a:pPr lvl="1"/>
+            <a:endParaRPr lang="en-US" dirty="0"/>
+          </a:p>
+          <a:p>
+            <a:pPr lvl="1"/>
+            <a:endParaRPr lang="en-US" dirty="0"/>
+          </a:p>
+          <a:p>
+            <a:pPr lvl="1"/>
+            <a:endParaRPr lang="en-US" dirty="0"/>
+          </a:p>
+        </p:txBody>
+      </p:sp>
+      <p:sp>
+        <p:nvSpPr>
+          <p:cNvPr id="4" name="Footer Placeholder 3"/>
+          <p:cNvSpPr>
+            <a:spLocks noGrp="1"/>
+          </p:cNvSpPr>
+          <p:nvPr>
+            <p:ph type="ftr" sz="quarter" idx="11"/>
+          </p:nvPr>
+        </p:nvSpPr>
+        <p:spPr/>
+        <p:txBody>
+          <a:bodyPr/>
+          <a:lstStyle/>
+          <a:p>
+            <a:r>
+              <a:rPr lang="en-US"/>
+              <a:t>© 2022, FLL Tutorials</a:t>
+            </a:r>
+            <a:endParaRPr lang="en-US" dirty="0"/>
+          </a:p>
+        </p:txBody>
+      </p:sp>
+      <p:sp>
+        <p:nvSpPr>
+          <p:cNvPr id="5" name="Slide Number Placeholder 4"/>
+          <p:cNvSpPr>
+            <a:spLocks noGrp="1"/>
+          </p:cNvSpPr>
+          <p:nvPr>
+            <p:ph type="sldNum" sz="quarter" idx="12"/>
+          </p:nvPr>
+        </p:nvSpPr>
+        <p:spPr/>
+        <p:txBody>
+          <a:bodyPr/>
+          <a:lstStyle/>
+          <a:p>
+            <a:fld id="{6D22F896-40B5-4ADD-8801-0D06FADFA095}" type="slidenum">
+              <a:rPr lang="en-US" smtClean="0"/>
+              <a:t>10</a:t>
+            </a:fld>
+            <a:endParaRPr lang="en-US" dirty="0"/>
+          </a:p>
+        </p:txBody>
+      </p:sp>
+      <p:pic>
+        <p:nvPicPr>
+          <p:cNvPr id="7" name="Picture 6"/>
+          <p:cNvPicPr>
+            <a:picLocks noChangeAspect="1"/>
+          </p:cNvPicPr>
+          <p:nvPr/>
+        </p:nvPicPr>
+        <p:blipFill>
+          <a:blip r:embed="rId2">
+            <a:extLst>
+              <a:ext uri="{28A0092B-C50C-407E-A947-70E740481C1C}">
+                <a14:useLocalDpi xmlns:a14="http://schemas.microsoft.com/office/drawing/2010/main" val="0"/>
+              </a:ext>
+            </a:extLst>
+          </a:blip>
+          <a:stretch>
+            <a:fillRect/>
+          </a:stretch>
+        </p:blipFill>
+        <p:spPr>
+          <a:xfrm>
+            <a:off x="4880919" y="1950994"/>
+            <a:ext cx="3975100" cy="3289300"/>
+          </a:xfrm>
+          <a:prstGeom prst="rect">
+            <a:avLst/>
+          </a:prstGeom>
+        </p:spPr>
+      </p:pic>
+      <p:sp>
+        <p:nvSpPr>
+          <p:cNvPr id="8" name="TextBox 7"/>
+          <p:cNvSpPr txBox="1"/>
+          <p:nvPr/>
+        </p:nvSpPr>
+        <p:spPr>
+          <a:xfrm>
+            <a:off x="137297" y="5928838"/>
+            <a:ext cx="8272066" cy="307777"/>
+          </a:xfrm>
+          <a:prstGeom prst="rect">
+            <a:avLst/>
+          </a:prstGeom>
+          <a:noFill/>
+        </p:spPr>
+        <p:txBody>
+          <a:bodyPr wrap="square" rtlCol="0">
+            <a:spAutoFit/>
+          </a:bodyPr>
+          <a:lstStyle/>
+          <a:p>
+            <a:r>
+              <a:rPr lang="en-US" sz="1400" dirty="0"/>
+              <a:t>Sample topics from teams that participated in FIRST LEGO League Animal Allies</a:t>
+            </a:r>
+          </a:p>
+        </p:txBody>
+      </p:sp>
+    </p:spTree>
+    <p:extLst>
+      <p:ext uri="{BB962C8B-B14F-4D97-AF65-F5344CB8AC3E}">
+        <p14:creationId xmlns:p14="http://schemas.microsoft.com/office/powerpoint/2010/main" val="1438492606"/>
+      </p:ext>
+    </p:extLst>
+  </p:cSld>
+  <p:clrMapOvr>
+    <a:masterClrMapping/>
+  </p:clrMapOvr>
+</p:sld>
+</file>
+
+<file path=ppt/slides/slide11.xml><?xml version="1.0" encoding="utf-8"?>
+<p:sld xmlns:a="http://schemas.openxmlformats.org/drawingml/2006/main" xmlns:r="http://schemas.openxmlformats.org/officeDocument/2006/relationships" xmlns:p="http://schemas.openxmlformats.org/presentationml/2006/main">
+  <p:cSld>
+    <p:spTree>
+      <p:nvGrpSpPr>
+        <p:cNvPr id="1" name=""/>
+        <p:cNvGrpSpPr/>
+        <p:nvPr/>
+      </p:nvGrpSpPr>
+      <p:grpSpPr>
+        <a:xfrm>
+          <a:off x="0" y="0"/>
+          <a:ext cx="0" cy="0"/>
+          <a:chOff x="0" y="0"/>
+          <a:chExt cx="0" cy="0"/>
+        </a:xfrm>
+      </p:grpSpPr>
+      <p:sp>
+        <p:nvSpPr>
+          <p:cNvPr id="2" name="Title 1"/>
+          <p:cNvSpPr>
+            <a:spLocks noGrp="1"/>
+          </p:cNvSpPr>
+          <p:nvPr>
+            <p:ph type="title"/>
+          </p:nvPr>
+        </p:nvSpPr>
+        <p:spPr/>
+        <p:txBody>
+          <a:bodyPr/>
+          <a:lstStyle/>
+          <a:p>
+            <a:r>
+              <a:rPr lang="en-US" dirty="0"/>
+              <a:t>Credits</a:t>
+            </a:r>
+          </a:p>
+        </p:txBody>
+      </p:sp>
+      <p:sp>
+        <p:nvSpPr>
+          <p:cNvPr id="3" name="Content Placeholder 2"/>
+          <p:cNvSpPr>
+            <a:spLocks noGrp="1"/>
+          </p:cNvSpPr>
+          <p:nvPr>
+            <p:ph idx="1"/>
+          </p:nvPr>
+        </p:nvSpPr>
+        <p:spPr/>
+        <p:txBody>
+          <a:bodyPr>
+            <a:normAutofit/>
+          </a:bodyPr>
+          <a:lstStyle/>
+          <a:p>
+            <a:r>
+              <a:rPr lang="en-US" sz="2800" dirty="0"/>
+              <a:t>This lesson was written by Sanjay and Arvind Seshan</a:t>
+            </a:r>
+          </a:p>
+          <a:p>
+            <a:r>
+              <a:rPr lang="en-US" sz="2800" dirty="0"/>
+              <a:t>More lessons available at </a:t>
+            </a:r>
+            <a:r>
+              <a:rPr lang="en-US" sz="2800" dirty="0">
+                <a:hlinkClick r:id="rId2"/>
+              </a:rPr>
+              <a:t>www.ev3lessons.com</a:t>
+            </a:r>
+            <a:r>
+              <a:rPr lang="en-US" sz="2800" dirty="0"/>
+              <a:t> and </a:t>
+            </a:r>
+            <a:r>
+              <a:rPr lang="en-US" sz="2800" dirty="0">
+                <a:hlinkClick r:id="rId3"/>
+              </a:rPr>
+              <a:t>www.flltutorials.com</a:t>
+            </a:r>
+            <a:endParaRPr lang="en-US" sz="2800" dirty="0"/>
+          </a:p>
+          <a:p>
+            <a:endParaRPr lang="en-US" sz="2800" dirty="0"/>
+          </a:p>
+          <a:p>
+            <a:endParaRPr lang="en-US" sz="2800" dirty="0"/>
+          </a:p>
+        </p:txBody>
+      </p:sp>
+      <p:sp>
+        <p:nvSpPr>
+          <p:cNvPr id="4" name="Footer Placeholder 3"/>
+          <p:cNvSpPr>
+            <a:spLocks noGrp="1"/>
+          </p:cNvSpPr>
+          <p:nvPr>
+            <p:ph type="ftr" sz="quarter" idx="11"/>
+          </p:nvPr>
+        </p:nvSpPr>
+        <p:spPr/>
+        <p:txBody>
+          <a:bodyPr/>
+          <a:lstStyle/>
+          <a:p>
+            <a:r>
+              <a:rPr lang="en-US"/>
+              <a:t>© 2022, FLL Tutorials</a:t>
+            </a:r>
+            <a:endParaRPr lang="en-US" dirty="0"/>
+          </a:p>
+        </p:txBody>
+      </p:sp>
+      <p:sp>
+        <p:nvSpPr>
+          <p:cNvPr id="5" name="Slide Number Placeholder 4"/>
+          <p:cNvSpPr>
+            <a:spLocks noGrp="1"/>
+          </p:cNvSpPr>
+          <p:nvPr>
+            <p:ph type="sldNum" sz="quarter" idx="12"/>
+          </p:nvPr>
+        </p:nvSpPr>
+        <p:spPr/>
+        <p:txBody>
+          <a:bodyPr/>
+          <a:lstStyle/>
+          <a:p>
+            <a:fld id="{6D22F896-40B5-4ADD-8801-0D06FADFA095}" type="slidenum">
+              <a:rPr lang="en-US" smtClean="0"/>
+              <a:t>11</a:t>
+            </a:fld>
+            <a:endParaRPr lang="en-US" dirty="0"/>
+          </a:p>
+        </p:txBody>
+      </p:sp>
+      <p:pic>
+        <p:nvPicPr>
+          <p:cNvPr id="6" name="Picture 5"/>
+          <p:cNvPicPr>
+            <a:picLocks noChangeAspect="1"/>
+          </p:cNvPicPr>
+          <p:nvPr/>
+        </p:nvPicPr>
+        <p:blipFill rotWithShape="1">
+          <a:blip r:embed="rId4">
+            <a:extLst>
+              <a:ext uri="{28A0092B-C50C-407E-A947-70E740481C1C}">
+                <a14:useLocalDpi xmlns:a14="http://schemas.microsoft.com/office/drawing/2010/main" val="0"/>
+              </a:ext>
+            </a:extLst>
+          </a:blip>
+          <a:srcRect l="9379" t="11606" r="9183" b="11463"/>
+          <a:stretch/>
+        </p:blipFill>
+        <p:spPr>
+          <a:xfrm>
+            <a:off x="847627" y="3458311"/>
+            <a:ext cx="7451126" cy="1804086"/>
+          </a:xfrm>
+          <a:prstGeom prst="rect">
+            <a:avLst/>
+          </a:prstGeom>
+        </p:spPr>
+      </p:pic>
+    </p:spTree>
+    <p:extLst>
+      <p:ext uri="{BB962C8B-B14F-4D97-AF65-F5344CB8AC3E}">
+        <p14:creationId xmlns:p14="http://schemas.microsoft.com/office/powerpoint/2010/main" val="478902130"/>
+      </p:ext>
+    </p:extLst>
+  </p:cSld>
+  <p:clrMapOvr>
+    <a:masterClrMapping/>
+  </p:clrMapOvr>
+</p:sld>
+</file>
+
 <file path=ppt/slides/slide2.xml><?xml version="1.0" encoding="utf-8"?>
 <p:sld xmlns:a="http://schemas.openxmlformats.org/drawingml/2006/main" xmlns:r="http://schemas.openxmlformats.org/officeDocument/2006/relationships" xmlns:p="http://schemas.openxmlformats.org/presentationml/2006/main">
   <p:cSld>
@@ -5199,7 +5654,7 @@
           <a:p>
             <a:r>
               <a:rPr lang="en-US"/>
-              <a:t>© 2018, FLL Tutorials (Last Edit 6/11/2018)</a:t>
+              <a:t>© 2022, FLL Tutorials</a:t>
             </a:r>
             <a:endParaRPr lang="en-US" dirty="0"/>
           </a:p>
@@ -5339,13 +5794,13 @@
         </p:nvSpPr>
         <p:spPr>
           <a:xfrm>
-            <a:off x="447147" y="1692887"/>
-            <a:ext cx="3687996" cy="3854944"/>
+            <a:off x="447146" y="1692887"/>
+            <a:ext cx="8239653" cy="3854944"/>
           </a:xfrm>
         </p:spPr>
         <p:txBody>
           <a:bodyPr>
-            <a:normAutofit fontScale="55000" lnSpcReduction="20000"/>
+            <a:normAutofit fontScale="85000" lnSpcReduction="20000"/>
           </a:bodyPr>
           <a:lstStyle/>
           <a:p>
@@ -5362,7 +5817,7 @@
             </a:pPr>
             <a:r>
               <a:rPr lang="en-US" dirty="0"/>
-              <a:t>Usually, FIRST LEGO League releases the theme for the following year around December of the previous competition season</a:t>
+              <a:t>Usually, FIRST LEGO League releases the theme during the World Championship in April.</a:t>
             </a:r>
           </a:p>
           <a:p>
@@ -5393,7 +5848,7 @@
             </a:pPr>
             <a:r>
               <a:rPr lang="en-US" dirty="0"/>
-              <a:t>FIRST also releases a video teaser on their YouTube channel</a:t>
+              <a:t>FIRST also releases several video teaser on their YouTube channel</a:t>
             </a:r>
           </a:p>
           <a:p>
@@ -5424,7 +5879,7 @@
             </a:pPr>
             <a:r>
               <a:rPr lang="en-US" dirty="0"/>
-              <a:t>You can start thinking about the </a:t>
+              <a:t>While you will not know the details of the challenge until August, you can start thinking about the </a:t>
             </a:r>
             <a:r>
               <a:rPr lang="en-US" i="1" dirty="0">
@@ -5436,7 +5891,7 @@
             </a:r>
             <a:r>
               <a:rPr lang="en-US" dirty="0"/>
-              <a:t> pretty early.</a:t>
+              <a:t> well in advance</a:t>
             </a:r>
           </a:p>
           <a:p>
@@ -5500,7 +5955,7 @@
           <a:p>
             <a:r>
               <a:rPr lang="en-US"/>
-              <a:t>© 2018, FLL Tutorials (Last Edit 6/11/2018)</a:t>
+              <a:t>© 2022, FLL Tutorials</a:t>
             </a:r>
             <a:endParaRPr lang="en-US" dirty="0"/>
           </a:p>
@@ -5529,66 +5984,6 @@
           </a:p>
         </p:txBody>
       </p:sp>
-      <p:pic>
-        <p:nvPicPr>
-          <p:cNvPr id="7" name="Picture 6"/>
-          <p:cNvPicPr>
-            <a:picLocks noChangeAspect="1"/>
-          </p:cNvPicPr>
-          <p:nvPr/>
-        </p:nvPicPr>
-        <p:blipFill>
-          <a:blip r:embed="rId2">
-            <a:extLst>
-              <a:ext uri="{28A0092B-C50C-407E-A947-70E740481C1C}">
-                <a14:useLocalDpi xmlns:a14="http://schemas.microsoft.com/office/drawing/2010/main" val="0"/>
-              </a:ext>
-            </a:extLst>
-          </a:blip>
-          <a:stretch>
-            <a:fillRect/>
-          </a:stretch>
-        </p:blipFill>
-        <p:spPr>
-          <a:xfrm>
-            <a:off x="4228348" y="1497583"/>
-            <a:ext cx="3572128" cy="2338510"/>
-          </a:xfrm>
-          <a:prstGeom prst="rect">
-            <a:avLst/>
-          </a:prstGeom>
-        </p:spPr>
-      </p:pic>
-      <p:pic>
-        <p:nvPicPr>
-          <p:cNvPr id="9" name="Picture 8" descr="A screenshot of a cell phone&#10;&#10;Description generated with very high confidence">
-            <a:extLst>
-              <a:ext uri="{FF2B5EF4-FFF2-40B4-BE49-F238E27FC236}">
-                <a16:creationId xmlns:a16="http://schemas.microsoft.com/office/drawing/2014/main" id="{01ECBE7A-F28F-4BF6-965B-3CEE064A7DBA}"/>
-              </a:ext>
-            </a:extLst>
-          </p:cNvPr>
-          <p:cNvPicPr>
-            <a:picLocks noChangeAspect="1"/>
-          </p:cNvPicPr>
-          <p:nvPr/>
-        </p:nvPicPr>
-        <p:blipFill>
-          <a:blip r:embed="rId3"/>
-          <a:stretch>
-            <a:fillRect/>
-          </a:stretch>
-        </p:blipFill>
-        <p:spPr>
-          <a:xfrm>
-            <a:off x="4346017" y="3766930"/>
-            <a:ext cx="4224927" cy="2262503"/>
-          </a:xfrm>
-          <a:prstGeom prst="rect">
-            <a:avLst/>
-          </a:prstGeom>
-        </p:spPr>
-      </p:pic>
     </p:spTree>
     <p:extLst>
       <p:ext uri="{BB962C8B-B14F-4D97-AF65-F5344CB8AC3E}">
@@ -5665,7 +6060,7 @@
           <a:p>
             <a:r>
               <a:rPr lang="en-US" dirty="0"/>
-              <a:t>Go on some early field trips to inspire project topics</a:t>
+              <a:t>Between April and August, try to go on some early field trips to inspire project topics</a:t>
             </a:r>
           </a:p>
           <a:p>
@@ -5710,7 +6105,7 @@
           <a:p>
             <a:r>
               <a:rPr lang="en-US"/>
-              <a:t>© 2018, FLL Tutorials (Last Edit 6/11/2018)</a:t>
+              <a:t>© 2022, FLL Tutorials</a:t>
             </a:r>
             <a:endParaRPr lang="en-US" dirty="0"/>
           </a:p>
@@ -5860,6 +6255,9 @@
             <a:endParaRPr lang="en-US" sz="2000" dirty="0"/>
           </a:p>
           <a:p>
+            <a:endParaRPr lang="en-US" sz="2000" dirty="0"/>
+          </a:p>
+          <a:p>
             <a:r>
               <a:rPr lang="en-US" sz="2000" dirty="0"/>
               <a:t>Sometimes, it calls for something specific (e.g. Senior Solutions required a Senior Partner for every team)</a:t>
@@ -5884,7 +6282,7 @@
           <a:p>
             <a:r>
               <a:rPr lang="en-US"/>
-              <a:t>© 2018, FLL Tutorials (Last Edit 6/11/2018)</a:t>
+              <a:t>© 2022, FLL Tutorials</a:t>
             </a:r>
             <a:endParaRPr lang="en-US" dirty="0"/>
           </a:p>
@@ -6033,7 +6431,13 @@
       </p:grpSpPr>
       <p:sp>
         <p:nvSpPr>
-          <p:cNvPr id="2" name="Title 1"/>
+          <p:cNvPr id="2" name="Title 1">
+            <a:extLst>
+              <a:ext uri="{FF2B5EF4-FFF2-40B4-BE49-F238E27FC236}">
+                <a16:creationId xmlns:a16="http://schemas.microsoft.com/office/drawing/2014/main" id="{8712EE20-3241-E42F-F095-F598E499B2E4}"/>
+              </a:ext>
+            </a:extLst>
+          </p:cNvPr>
           <p:cNvSpPr>
             <a:spLocks noGrp="1"/>
           </p:cNvSpPr>
@@ -6048,75 +6452,25 @@
           <a:p>
             <a:r>
               <a:rPr lang="en-US" dirty="0"/>
-              <a:t>Pick a Topic Everyone Agrees Upon</a:t>
-            </a:r>
-          </a:p>
-        </p:txBody>
-      </p:sp>
-      <p:sp>
-        <p:nvSpPr>
-          <p:cNvPr id="3" name="Content Placeholder 2"/>
+              <a:t>SUPERPOWERED PROMPT</a:t>
+            </a:r>
+          </a:p>
+        </p:txBody>
+      </p:sp>
+      <p:sp>
+        <p:nvSpPr>
+          <p:cNvPr id="3" name="Content Placeholder 2">
+            <a:extLst>
+              <a:ext uri="{FF2B5EF4-FFF2-40B4-BE49-F238E27FC236}">
+                <a16:creationId xmlns:a16="http://schemas.microsoft.com/office/drawing/2014/main" id="{DD660808-E580-9A5A-1751-5F8BA130A0A1}"/>
+              </a:ext>
+            </a:extLst>
+          </p:cNvPr>
           <p:cNvSpPr>
             <a:spLocks noGrp="1"/>
           </p:cNvSpPr>
           <p:nvPr>
             <p:ph idx="1"/>
-          </p:nvPr>
-        </p:nvSpPr>
-        <p:spPr>
-          <a:xfrm>
-            <a:off x="241739" y="1845734"/>
-            <a:ext cx="3811277" cy="4023360"/>
-          </a:xfrm>
-        </p:spPr>
-        <p:txBody>
-          <a:bodyPr>
-            <a:normAutofit fontScale="47500" lnSpcReduction="20000"/>
-          </a:bodyPr>
-          <a:lstStyle/>
-          <a:p>
-            <a:r>
-              <a:rPr lang="en-US" dirty="0"/>
-              <a:t>Everyone works on the project </a:t>
-            </a:r>
-          </a:p>
-          <a:p>
-            <a:pPr lvl="1"/>
-            <a:r>
-              <a:rPr lang="en-US" dirty="0"/>
-              <a:t>Pick a topic that all team members can agree on/are interested in</a:t>
-            </a:r>
-          </a:p>
-          <a:p>
-            <a:r>
-              <a:rPr lang="en-US" dirty="0"/>
-              <a:t>One idea is to have all team members do a little bit of research on their favorite topic and then present this topic to each other. </a:t>
-            </a:r>
-          </a:p>
-          <a:p>
-            <a:pPr lvl="1"/>
-            <a:r>
-              <a:rPr lang="en-US" dirty="0"/>
-              <a:t>Then the team decides which topic they are most interested in to pick for their team’s project.</a:t>
-            </a:r>
-          </a:p>
-          <a:p>
-            <a:pPr lvl="1"/>
-            <a:r>
-              <a:rPr lang="en-US" dirty="0"/>
-              <a:t>Next, the team identifies a specific problem within this topic</a:t>
-            </a:r>
-          </a:p>
-        </p:txBody>
-      </p:sp>
-      <p:sp>
-        <p:nvSpPr>
-          <p:cNvPr id="4" name="Footer Placeholder 3"/>
-          <p:cNvSpPr>
-            <a:spLocks noGrp="1"/>
-          </p:cNvSpPr>
-          <p:nvPr>
-            <p:ph type="ftr" sz="quarter" idx="11"/>
           </p:nvPr>
         </p:nvSpPr>
         <p:spPr/>
@@ -6124,9 +6478,34 @@
           <a:bodyPr/>
           <a:lstStyle/>
           <a:p>
+            <a:endParaRPr lang="en-US"/>
+          </a:p>
+        </p:txBody>
+      </p:sp>
+      <p:sp>
+        <p:nvSpPr>
+          <p:cNvPr id="4" name="Footer Placeholder 3">
+            <a:extLst>
+              <a:ext uri="{FF2B5EF4-FFF2-40B4-BE49-F238E27FC236}">
+                <a16:creationId xmlns:a16="http://schemas.microsoft.com/office/drawing/2014/main" id="{94B1E613-BA67-B7A9-3598-412FF93AC451}"/>
+              </a:ext>
+            </a:extLst>
+          </p:cNvPr>
+          <p:cNvSpPr>
+            <a:spLocks noGrp="1"/>
+          </p:cNvSpPr>
+          <p:nvPr>
+            <p:ph type="ftr" sz="quarter" idx="11"/>
+          </p:nvPr>
+        </p:nvSpPr>
+        <p:spPr/>
+        <p:txBody>
+          <a:bodyPr/>
+          <a:lstStyle/>
+          <a:p>
             <a:r>
               <a:rPr lang="en-US"/>
-              <a:t>© 2018, FLL Tutorials (Last Edit 6/11/2018)</a:t>
+              <a:t>© 2022, FLL Tutorials</a:t>
             </a:r>
             <a:endParaRPr lang="en-US" dirty="0"/>
           </a:p>
@@ -6134,7 +6513,13 @@
       </p:sp>
       <p:sp>
         <p:nvSpPr>
-          <p:cNvPr id="5" name="Slide Number Placeholder 4"/>
+          <p:cNvPr id="5" name="Slide Number Placeholder 4">
+            <a:extLst>
+              <a:ext uri="{FF2B5EF4-FFF2-40B4-BE49-F238E27FC236}">
+                <a16:creationId xmlns:a16="http://schemas.microsoft.com/office/drawing/2014/main" id="{1D5074B9-8B30-BCF0-7D6E-006DFAA86ACB}"/>
+              </a:ext>
+            </a:extLst>
+          </p:cNvPr>
           <p:cNvSpPr>
             <a:spLocks noGrp="1"/>
           </p:cNvSpPr>
@@ -6157,9 +6542,15 @@
       </p:sp>
       <p:pic>
         <p:nvPicPr>
-          <p:cNvPr id="6" name="Picture 5"/>
+          <p:cNvPr id="1026" name="Picture 2">
+            <a:extLst>
+              <a:ext uri="{FF2B5EF4-FFF2-40B4-BE49-F238E27FC236}">
+                <a16:creationId xmlns:a16="http://schemas.microsoft.com/office/drawing/2014/main" id="{B0BE7EA5-BD60-4C75-4176-E4445DD03E46}"/>
+              </a:ext>
+            </a:extLst>
+          </p:cNvPr>
           <p:cNvPicPr>
-            <a:picLocks noChangeAspect="1"/>
+            <a:picLocks noChangeAspect="1" noChangeArrowheads="1"/>
           </p:cNvPicPr>
           <p:nvPr/>
         </p:nvPicPr>
@@ -6171,24 +6562,172 @@
               </a:ext>
             </a:extLst>
           </a:blip>
+          <a:srcRect/>
           <a:stretch>
             <a:fillRect/>
           </a:stretch>
         </p:blipFill>
-        <p:spPr>
-          <a:xfrm>
-            <a:off x="4551095" y="2137718"/>
-            <a:ext cx="4283676" cy="3212757"/>
+        <p:spPr bwMode="auto">
+          <a:xfrm>
+            <a:off x="359778" y="1336405"/>
+            <a:ext cx="5961983" cy="1264918"/>
           </a:xfrm>
           <a:prstGeom prst="rect">
             <a:avLst/>
           </a:prstGeom>
+          <a:noFill/>
+          <a:extLst>
+            <a:ext uri="{909E8E84-426E-40DD-AFC4-6F175D3DCCD1}">
+              <a14:hiddenFill xmlns:a14="http://schemas.microsoft.com/office/drawing/2010/main">
+                <a:solidFill>
+                  <a:srgbClr val="FFFFFF"/>
+                </a:solidFill>
+              </a14:hiddenFill>
+            </a:ext>
+          </a:extLst>
+        </p:spPr>
+      </p:pic>
+      <p:pic>
+        <p:nvPicPr>
+          <p:cNvPr id="1027" name="Picture 3">
+            <a:extLst>
+              <a:ext uri="{FF2B5EF4-FFF2-40B4-BE49-F238E27FC236}">
+                <a16:creationId xmlns:a16="http://schemas.microsoft.com/office/drawing/2014/main" id="{B65D7A08-CD13-2FB3-45DE-A70478EC0976}"/>
+              </a:ext>
+            </a:extLst>
+          </p:cNvPr>
+          <p:cNvPicPr>
+            <a:picLocks noChangeAspect="1" noChangeArrowheads="1"/>
+          </p:cNvPicPr>
+          <p:nvPr/>
+        </p:nvPicPr>
+        <p:blipFill>
+          <a:blip r:embed="rId3">
+            <a:extLst>
+              <a:ext uri="{28A0092B-C50C-407E-A947-70E740481C1C}">
+                <a14:useLocalDpi xmlns:a14="http://schemas.microsoft.com/office/drawing/2010/main" val="0"/>
+              </a:ext>
+            </a:extLst>
+          </a:blip>
+          <a:srcRect/>
+          <a:stretch>
+            <a:fillRect/>
+          </a:stretch>
+        </p:blipFill>
+        <p:spPr bwMode="auto">
+          <a:xfrm>
+            <a:off x="4081651" y="4199565"/>
+            <a:ext cx="4156196" cy="2305703"/>
+          </a:xfrm>
+          <a:prstGeom prst="rect">
+            <a:avLst/>
+          </a:prstGeom>
+          <a:noFill/>
+          <a:extLst>
+            <a:ext uri="{909E8E84-426E-40DD-AFC4-6F175D3DCCD1}">
+              <a14:hiddenFill xmlns:a14="http://schemas.microsoft.com/office/drawing/2010/main">
+                <a:solidFill>
+                  <a:srgbClr val="FFFFFF"/>
+                </a:solidFill>
+              </a14:hiddenFill>
+            </a:ext>
+          </a:extLst>
+        </p:spPr>
+      </p:pic>
+      <p:pic>
+        <p:nvPicPr>
+          <p:cNvPr id="1028" name="Picture 4">
+            <a:extLst>
+              <a:ext uri="{FF2B5EF4-FFF2-40B4-BE49-F238E27FC236}">
+                <a16:creationId xmlns:a16="http://schemas.microsoft.com/office/drawing/2014/main" id="{B4B3EECA-3A1B-C5EE-F305-D39BE92958E5}"/>
+              </a:ext>
+            </a:extLst>
+          </p:cNvPr>
+          <p:cNvPicPr>
+            <a:picLocks noChangeAspect="1" noChangeArrowheads="1"/>
+          </p:cNvPicPr>
+          <p:nvPr/>
+        </p:nvPicPr>
+        <p:blipFill rotWithShape="1">
+          <a:blip r:embed="rId4">
+            <a:extLst>
+              <a:ext uri="{28A0092B-C50C-407E-A947-70E740481C1C}">
+                <a14:useLocalDpi xmlns:a14="http://schemas.microsoft.com/office/drawing/2010/main" val="0"/>
+              </a:ext>
+            </a:extLst>
+          </a:blip>
+          <a:srcRect b="30699"/>
+          <a:stretch/>
+        </p:blipFill>
+        <p:spPr bwMode="auto">
+          <a:xfrm>
+            <a:off x="448091" y="2432705"/>
+            <a:ext cx="3855685" cy="3850850"/>
+          </a:xfrm>
+          <a:prstGeom prst="rect">
+            <a:avLst/>
+          </a:prstGeom>
+          <a:noFill/>
+          <a:extLst>
+            <a:ext uri="{909E8E84-426E-40DD-AFC4-6F175D3DCCD1}">
+              <a14:hiddenFill xmlns:a14="http://schemas.microsoft.com/office/drawing/2010/main">
+                <a:solidFill>
+                  <a:srgbClr val="FFFFFF"/>
+                </a:solidFill>
+              </a14:hiddenFill>
+            </a:ext>
+          </a:extLst>
+        </p:spPr>
+      </p:pic>
+      <p:pic>
+        <p:nvPicPr>
+          <p:cNvPr id="6" name="Picture 4">
+            <a:extLst>
+              <a:ext uri="{FF2B5EF4-FFF2-40B4-BE49-F238E27FC236}">
+                <a16:creationId xmlns:a16="http://schemas.microsoft.com/office/drawing/2014/main" id="{1705D1B6-84CB-5693-E6F5-C2A716126C16}"/>
+              </a:ext>
+            </a:extLst>
+          </p:cNvPr>
+          <p:cNvPicPr>
+            <a:picLocks noChangeAspect="1" noChangeArrowheads="1"/>
+          </p:cNvPicPr>
+          <p:nvPr/>
+        </p:nvPicPr>
+        <p:blipFill rotWithShape="1">
+          <a:blip r:embed="rId4">
+            <a:extLst>
+              <a:ext uri="{28A0092B-C50C-407E-A947-70E740481C1C}">
+                <a14:useLocalDpi xmlns:a14="http://schemas.microsoft.com/office/drawing/2010/main" val="0"/>
+              </a:ext>
+            </a:extLst>
+          </a:blip>
+          <a:srcRect t="68175"/>
+          <a:stretch/>
+        </p:blipFill>
+        <p:spPr bwMode="auto">
+          <a:xfrm>
+            <a:off x="4081651" y="2473589"/>
+            <a:ext cx="4041604" cy="1853710"/>
+          </a:xfrm>
+          <a:prstGeom prst="rect">
+            <a:avLst/>
+          </a:prstGeom>
+          <a:noFill/>
+          <a:extLst>
+            <a:ext uri="{909E8E84-426E-40DD-AFC4-6F175D3DCCD1}">
+              <a14:hiddenFill xmlns:a14="http://schemas.microsoft.com/office/drawing/2010/main">
+                <a:solidFill>
+                  <a:srgbClr val="FFFFFF"/>
+                </a:solidFill>
+              </a14:hiddenFill>
+            </a:ext>
+          </a:extLst>
         </p:spPr>
       </p:pic>
     </p:spTree>
     <p:extLst>
       <p:ext uri="{BB962C8B-B14F-4D97-AF65-F5344CB8AC3E}">
-        <p14:creationId xmlns:p14="http://schemas.microsoft.com/office/powerpoint/2010/main" val="1553878067"/>
+        <p14:creationId xmlns:p14="http://schemas.microsoft.com/office/powerpoint/2010/main" val="3755283977"/>
       </p:ext>
     </p:extLst>
   </p:cSld>
@@ -6217,7 +6756,13 @@
       </p:grpSpPr>
       <p:sp>
         <p:nvSpPr>
-          <p:cNvPr id="2" name="Title 1"/>
+          <p:cNvPr id="2" name="Title 1">
+            <a:extLst>
+              <a:ext uri="{FF2B5EF4-FFF2-40B4-BE49-F238E27FC236}">
+                <a16:creationId xmlns:a16="http://schemas.microsoft.com/office/drawing/2014/main" id="{334C3BD4-8AD4-9196-029D-8F02CA3483FE}"/>
+              </a:ext>
+            </a:extLst>
+          </p:cNvPr>
           <p:cNvSpPr>
             <a:spLocks noGrp="1"/>
           </p:cNvSpPr>
@@ -6232,29 +6777,80 @@
           <a:p>
             <a:r>
               <a:rPr lang="en-US" dirty="0"/>
-              <a:t>“Identifying a Problem” Process</a:t>
-            </a:r>
-          </a:p>
-        </p:txBody>
-      </p:sp>
-      <p:sp>
-        <p:nvSpPr>
-          <p:cNvPr id="4" name="Footer Placeholder 3"/>
-          <p:cNvSpPr>
-            <a:spLocks noGrp="1"/>
-          </p:cNvSpPr>
-          <p:nvPr>
-            <p:ph type="ftr" sz="quarter" idx="11"/>
-          </p:nvPr>
-        </p:nvSpPr>
-        <p:spPr/>
+              <a:t>PICK A PROBLEM That is meaningful</a:t>
+            </a:r>
+          </a:p>
+        </p:txBody>
+      </p:sp>
+      <p:sp>
+        <p:nvSpPr>
+          <p:cNvPr id="3" name="Content Placeholder 2">
+            <a:extLst>
+              <a:ext uri="{FF2B5EF4-FFF2-40B4-BE49-F238E27FC236}">
+                <a16:creationId xmlns:a16="http://schemas.microsoft.com/office/drawing/2014/main" id="{FE6725C0-FD61-23D3-B8C2-15095335671B}"/>
+              </a:ext>
+            </a:extLst>
+          </p:cNvPr>
+          <p:cNvSpPr>
+            <a:spLocks noGrp="1"/>
+          </p:cNvSpPr>
+          <p:nvPr>
+            <p:ph idx="1"/>
+          </p:nvPr>
+        </p:nvSpPr>
+        <p:spPr>
+          <a:xfrm>
+            <a:off x="448092" y="1505583"/>
+            <a:ext cx="8122852" cy="4353215"/>
+          </a:xfrm>
+        </p:spPr>
         <p:txBody>
           <a:bodyPr/>
           <a:lstStyle/>
           <a:p>
             <a:r>
+              <a:rPr lang="en-US" dirty="0"/>
+              <a:t>Always think of a problem first, not the solution</a:t>
+            </a:r>
+          </a:p>
+          <a:p>
+            <a:r>
+              <a:rPr lang="en-US" dirty="0"/>
+              <a:t>The problem can be as small or big as you want</a:t>
+            </a:r>
+          </a:p>
+          <a:p>
+            <a:r>
+              <a:rPr lang="en-US" dirty="0"/>
+              <a:t>Most students relate better to local problems that impact their lives</a:t>
+            </a:r>
+          </a:p>
+        </p:txBody>
+      </p:sp>
+      <p:sp>
+        <p:nvSpPr>
+          <p:cNvPr id="4" name="Footer Placeholder 3">
+            <a:extLst>
+              <a:ext uri="{FF2B5EF4-FFF2-40B4-BE49-F238E27FC236}">
+                <a16:creationId xmlns:a16="http://schemas.microsoft.com/office/drawing/2014/main" id="{E1BF5329-24EB-F0E6-22A4-10CB54EF6667}"/>
+              </a:ext>
+            </a:extLst>
+          </p:cNvPr>
+          <p:cNvSpPr>
+            <a:spLocks noGrp="1"/>
+          </p:cNvSpPr>
+          <p:nvPr>
+            <p:ph type="ftr" sz="quarter" idx="11"/>
+          </p:nvPr>
+        </p:nvSpPr>
+        <p:spPr/>
+        <p:txBody>
+          <a:bodyPr/>
+          <a:lstStyle/>
+          <a:p>
+            <a:r>
               <a:rPr lang="en-US"/>
-              <a:t>© 2018, FLL Tutorials (Last Edit 6/11/2018)</a:t>
+              <a:t>© 2022, FLL Tutorials</a:t>
             </a:r>
             <a:endParaRPr lang="en-US" dirty="0"/>
           </a:p>
@@ -6262,7 +6858,13 @@
       </p:sp>
       <p:sp>
         <p:nvSpPr>
-          <p:cNvPr id="5" name="Slide Number Placeholder 4"/>
+          <p:cNvPr id="5" name="Slide Number Placeholder 4">
+            <a:extLst>
+              <a:ext uri="{FF2B5EF4-FFF2-40B4-BE49-F238E27FC236}">
+                <a16:creationId xmlns:a16="http://schemas.microsoft.com/office/drawing/2014/main" id="{1DB50EBA-04BD-45C2-F4B5-B29575E72451}"/>
+              </a:ext>
+            </a:extLst>
+          </p:cNvPr>
           <p:cNvSpPr>
             <a:spLocks noGrp="1"/>
           </p:cNvSpPr>
@@ -6278,6 +6880,288 @@
             <a:fld id="{6D22F896-40B5-4ADD-8801-0D06FADFA095}" type="slidenum">
               <a:rPr lang="en-US" smtClean="0"/>
               <a:t>7</a:t>
+            </a:fld>
+            <a:endParaRPr lang="en-US" dirty="0"/>
+          </a:p>
+        </p:txBody>
+      </p:sp>
+    </p:spTree>
+    <p:extLst>
+      <p:ext uri="{BB962C8B-B14F-4D97-AF65-F5344CB8AC3E}">
+        <p14:creationId xmlns:p14="http://schemas.microsoft.com/office/powerpoint/2010/main" val="1479210244"/>
+      </p:ext>
+    </p:extLst>
+  </p:cSld>
+  <p:clrMapOvr>
+    <a:masterClrMapping/>
+  </p:clrMapOvr>
+</p:sld>
+</file>
+
+<file path=ppt/slides/slide8.xml><?xml version="1.0" encoding="utf-8"?>
+<p:sld xmlns:a="http://schemas.openxmlformats.org/drawingml/2006/main" xmlns:r="http://schemas.openxmlformats.org/officeDocument/2006/relationships" xmlns:p="http://schemas.openxmlformats.org/presentationml/2006/main">
+  <p:cSld>
+    <p:spTree>
+      <p:nvGrpSpPr>
+        <p:cNvPr id="1" name=""/>
+        <p:cNvGrpSpPr/>
+        <p:nvPr/>
+      </p:nvGrpSpPr>
+      <p:grpSpPr>
+        <a:xfrm>
+          <a:off x="0" y="0"/>
+          <a:ext cx="0" cy="0"/>
+          <a:chOff x="0" y="0"/>
+          <a:chExt cx="0" cy="0"/>
+        </a:xfrm>
+      </p:grpSpPr>
+      <p:sp>
+        <p:nvSpPr>
+          <p:cNvPr id="2" name="Title 1"/>
+          <p:cNvSpPr>
+            <a:spLocks noGrp="1"/>
+          </p:cNvSpPr>
+          <p:nvPr>
+            <p:ph type="title"/>
+          </p:nvPr>
+        </p:nvSpPr>
+        <p:spPr/>
+        <p:txBody>
+          <a:bodyPr/>
+          <a:lstStyle/>
+          <a:p>
+            <a:r>
+              <a:rPr lang="en-US" dirty="0"/>
+              <a:t>Pick a Topic Everyone Agrees Upon</a:t>
+            </a:r>
+          </a:p>
+        </p:txBody>
+      </p:sp>
+      <p:sp>
+        <p:nvSpPr>
+          <p:cNvPr id="3" name="Content Placeholder 2"/>
+          <p:cNvSpPr>
+            <a:spLocks noGrp="1"/>
+          </p:cNvSpPr>
+          <p:nvPr>
+            <p:ph idx="1"/>
+          </p:nvPr>
+        </p:nvSpPr>
+        <p:spPr>
+          <a:xfrm>
+            <a:off x="241739" y="1845733"/>
+            <a:ext cx="3811277" cy="4324791"/>
+          </a:xfrm>
+        </p:spPr>
+        <p:txBody>
+          <a:bodyPr>
+            <a:normAutofit fontScale="92500" lnSpcReduction="10000"/>
+          </a:bodyPr>
+          <a:lstStyle/>
+          <a:p>
+            <a:r>
+              <a:rPr lang="en-US" sz="2000" dirty="0"/>
+              <a:t>Everyone works on the project </a:t>
+            </a:r>
+          </a:p>
+          <a:p>
+            <a:pPr lvl="1"/>
+            <a:r>
+              <a:rPr lang="en-US" sz="1800" dirty="0"/>
+              <a:t>Pick a topic that all team members can agree on/are interested in</a:t>
+            </a:r>
+          </a:p>
+          <a:p>
+            <a:r>
+              <a:rPr lang="en-US" sz="2000" dirty="0"/>
+              <a:t>One idea is to have all team members do a little bit of research on their favorite topic and then present this topic to each other. </a:t>
+            </a:r>
+          </a:p>
+          <a:p>
+            <a:pPr lvl="1"/>
+            <a:r>
+              <a:rPr lang="en-US" sz="1800" dirty="0"/>
+              <a:t>Then the team decides which topic they are most interested in to pick for their team’s project.</a:t>
+            </a:r>
+          </a:p>
+          <a:p>
+            <a:pPr lvl="1"/>
+            <a:r>
+              <a:rPr lang="en-US" sz="1800" dirty="0"/>
+              <a:t>Next, the team identifies a specific problem within this topic</a:t>
+            </a:r>
+          </a:p>
+        </p:txBody>
+      </p:sp>
+      <p:sp>
+        <p:nvSpPr>
+          <p:cNvPr id="4" name="Footer Placeholder 3"/>
+          <p:cNvSpPr>
+            <a:spLocks noGrp="1"/>
+          </p:cNvSpPr>
+          <p:nvPr>
+            <p:ph type="ftr" sz="quarter" idx="11"/>
+          </p:nvPr>
+        </p:nvSpPr>
+        <p:spPr/>
+        <p:txBody>
+          <a:bodyPr/>
+          <a:lstStyle/>
+          <a:p>
+            <a:r>
+              <a:rPr lang="en-US"/>
+              <a:t>© 2022, FLL Tutorials</a:t>
+            </a:r>
+            <a:endParaRPr lang="en-US" dirty="0"/>
+          </a:p>
+        </p:txBody>
+      </p:sp>
+      <p:sp>
+        <p:nvSpPr>
+          <p:cNvPr id="5" name="Slide Number Placeholder 4"/>
+          <p:cNvSpPr>
+            <a:spLocks noGrp="1"/>
+          </p:cNvSpPr>
+          <p:nvPr>
+            <p:ph type="sldNum" sz="quarter" idx="12"/>
+          </p:nvPr>
+        </p:nvSpPr>
+        <p:spPr/>
+        <p:txBody>
+          <a:bodyPr/>
+          <a:lstStyle/>
+          <a:p>
+            <a:fld id="{6D22F896-40B5-4ADD-8801-0D06FADFA095}" type="slidenum">
+              <a:rPr lang="en-US" smtClean="0"/>
+              <a:t>8</a:t>
+            </a:fld>
+            <a:endParaRPr lang="en-US" dirty="0"/>
+          </a:p>
+        </p:txBody>
+      </p:sp>
+      <p:pic>
+        <p:nvPicPr>
+          <p:cNvPr id="6" name="Picture 5"/>
+          <p:cNvPicPr>
+            <a:picLocks noChangeAspect="1"/>
+          </p:cNvPicPr>
+          <p:nvPr/>
+        </p:nvPicPr>
+        <p:blipFill>
+          <a:blip r:embed="rId2">
+            <a:extLst>
+              <a:ext uri="{28A0092B-C50C-407E-A947-70E740481C1C}">
+                <a14:useLocalDpi xmlns:a14="http://schemas.microsoft.com/office/drawing/2010/main" val="0"/>
+              </a:ext>
+            </a:extLst>
+          </a:blip>
+          <a:stretch>
+            <a:fillRect/>
+          </a:stretch>
+        </p:blipFill>
+        <p:spPr>
+          <a:xfrm>
+            <a:off x="4551095" y="2137718"/>
+            <a:ext cx="4283676" cy="3212757"/>
+          </a:xfrm>
+          <a:prstGeom prst="rect">
+            <a:avLst/>
+          </a:prstGeom>
+        </p:spPr>
+      </p:pic>
+    </p:spTree>
+    <p:extLst>
+      <p:ext uri="{BB962C8B-B14F-4D97-AF65-F5344CB8AC3E}">
+        <p14:creationId xmlns:p14="http://schemas.microsoft.com/office/powerpoint/2010/main" val="1553878067"/>
+      </p:ext>
+    </p:extLst>
+  </p:cSld>
+  <p:clrMapOvr>
+    <a:masterClrMapping/>
+  </p:clrMapOvr>
+</p:sld>
+</file>
+
+<file path=ppt/slides/slide9.xml><?xml version="1.0" encoding="utf-8"?>
+<p:sld xmlns:a="http://schemas.openxmlformats.org/drawingml/2006/main" xmlns:r="http://schemas.openxmlformats.org/officeDocument/2006/relationships" xmlns:p="http://schemas.openxmlformats.org/presentationml/2006/main">
+  <p:cSld>
+    <p:spTree>
+      <p:nvGrpSpPr>
+        <p:cNvPr id="1" name=""/>
+        <p:cNvGrpSpPr/>
+        <p:nvPr/>
+      </p:nvGrpSpPr>
+      <p:grpSpPr>
+        <a:xfrm>
+          <a:off x="0" y="0"/>
+          <a:ext cx="0" cy="0"/>
+          <a:chOff x="0" y="0"/>
+          <a:chExt cx="0" cy="0"/>
+        </a:xfrm>
+      </p:grpSpPr>
+      <p:sp>
+        <p:nvSpPr>
+          <p:cNvPr id="2" name="Title 1"/>
+          <p:cNvSpPr>
+            <a:spLocks noGrp="1"/>
+          </p:cNvSpPr>
+          <p:nvPr>
+            <p:ph type="title"/>
+          </p:nvPr>
+        </p:nvSpPr>
+        <p:spPr/>
+        <p:txBody>
+          <a:bodyPr/>
+          <a:lstStyle/>
+          <a:p>
+            <a:r>
+              <a:rPr lang="en-US" dirty="0"/>
+              <a:t>“Identifying a Problem” Process</a:t>
+            </a:r>
+          </a:p>
+        </p:txBody>
+      </p:sp>
+      <p:sp>
+        <p:nvSpPr>
+          <p:cNvPr id="4" name="Footer Placeholder 3"/>
+          <p:cNvSpPr>
+            <a:spLocks noGrp="1"/>
+          </p:cNvSpPr>
+          <p:nvPr>
+            <p:ph type="ftr" sz="quarter" idx="11"/>
+          </p:nvPr>
+        </p:nvSpPr>
+        <p:spPr/>
+        <p:txBody>
+          <a:bodyPr/>
+          <a:lstStyle/>
+          <a:p>
+            <a:r>
+              <a:rPr lang="en-US"/>
+              <a:t>© 2022, FLL Tutorials</a:t>
+            </a:r>
+            <a:endParaRPr lang="en-US" dirty="0"/>
+          </a:p>
+        </p:txBody>
+      </p:sp>
+      <p:sp>
+        <p:nvSpPr>
+          <p:cNvPr id="5" name="Slide Number Placeholder 4"/>
+          <p:cNvSpPr>
+            <a:spLocks noGrp="1"/>
+          </p:cNvSpPr>
+          <p:nvPr>
+            <p:ph type="sldNum" sz="quarter" idx="12"/>
+          </p:nvPr>
+        </p:nvSpPr>
+        <p:spPr/>
+        <p:txBody>
+          <a:bodyPr/>
+          <a:lstStyle/>
+          <a:p>
+            <a:fld id="{6D22F896-40B5-4ADD-8801-0D06FADFA095}" type="slidenum">
+              <a:rPr lang="en-US" smtClean="0"/>
+              <a:t>9</a:t>
             </a:fld>
             <a:endParaRPr lang="en-US" dirty="0"/>
           </a:p>
@@ -7592,459 +8476,6 @@
     <p:extLst>
       <p:ext uri="{BB962C8B-B14F-4D97-AF65-F5344CB8AC3E}">
         <p14:creationId xmlns:p14="http://schemas.microsoft.com/office/powerpoint/2010/main" val="2043111731"/>
-      </p:ext>
-    </p:extLst>
-  </p:cSld>
-  <p:clrMapOvr>
-    <a:masterClrMapping/>
-  </p:clrMapOvr>
-</p:sld>
-</file>
-
-<file path=ppt/slides/slide8.xml><?xml version="1.0" encoding="utf-8"?>
-<p:sld xmlns:a="http://schemas.openxmlformats.org/drawingml/2006/main" xmlns:r="http://schemas.openxmlformats.org/officeDocument/2006/relationships" xmlns:p="http://schemas.openxmlformats.org/presentationml/2006/main">
-  <p:cSld>
-    <p:spTree>
-      <p:nvGrpSpPr>
-        <p:cNvPr id="1" name=""/>
-        <p:cNvGrpSpPr/>
-        <p:nvPr/>
-      </p:nvGrpSpPr>
-      <p:grpSpPr>
-        <a:xfrm>
-          <a:off x="0" y="0"/>
-          <a:ext cx="0" cy="0"/>
-          <a:chOff x="0" y="0"/>
-          <a:chExt cx="0" cy="0"/>
-        </a:xfrm>
-      </p:grpSpPr>
-      <p:sp>
-        <p:nvSpPr>
-          <p:cNvPr id="2" name="Title 1"/>
-          <p:cNvSpPr>
-            <a:spLocks noGrp="1"/>
-          </p:cNvSpPr>
-          <p:nvPr>
-            <p:ph type="title"/>
-          </p:nvPr>
-        </p:nvSpPr>
-        <p:spPr/>
-        <p:txBody>
-          <a:bodyPr/>
-          <a:lstStyle/>
-          <a:p>
-            <a:r>
-              <a:rPr lang="en-US" dirty="0"/>
-              <a:t>Sample Topics in Animal Allies</a:t>
-            </a:r>
-          </a:p>
-        </p:txBody>
-      </p:sp>
-      <p:sp>
-        <p:nvSpPr>
-          <p:cNvPr id="3" name="Content Placeholder 2"/>
-          <p:cNvSpPr>
-            <a:spLocks noGrp="1"/>
-          </p:cNvSpPr>
-          <p:nvPr>
-            <p:ph idx="1"/>
-          </p:nvPr>
-        </p:nvSpPr>
-        <p:spPr>
-          <a:xfrm>
-            <a:off x="241739" y="1845734"/>
-            <a:ext cx="4639180" cy="4023360"/>
-          </a:xfrm>
-        </p:spPr>
-        <p:txBody>
-          <a:bodyPr>
-            <a:normAutofit fontScale="47500" lnSpcReduction="20000"/>
-          </a:bodyPr>
-          <a:lstStyle/>
-          <a:p>
-            <a:pPr lvl="1"/>
-            <a:r>
-              <a:rPr lang="en-US" dirty="0"/>
-              <a:t>Chimney Swifts losing their homes</a:t>
-            </a:r>
-          </a:p>
-          <a:p>
-            <a:pPr lvl="1"/>
-            <a:r>
-              <a:rPr lang="en-US" dirty="0"/>
-              <a:t>Training therapy dogs</a:t>
-            </a:r>
-          </a:p>
-          <a:p>
-            <a:pPr lvl="1"/>
-            <a:r>
-              <a:rPr lang="en-US" dirty="0"/>
-              <a:t>K-9 dogs helping the police</a:t>
-            </a:r>
-          </a:p>
-          <a:p>
-            <a:pPr lvl="1"/>
-            <a:r>
-              <a:rPr lang="en-US" dirty="0"/>
-              <a:t>Monitoring bee hives to keep them healthy</a:t>
-            </a:r>
-          </a:p>
-          <a:p>
-            <a:pPr lvl="1"/>
-            <a:r>
-              <a:rPr lang="en-US" dirty="0"/>
-              <a:t>Bears getting into trash cans</a:t>
-            </a:r>
-          </a:p>
-          <a:p>
-            <a:pPr lvl="1"/>
-            <a:r>
-              <a:rPr lang="en-US" dirty="0"/>
-              <a:t>Finding lost dogs</a:t>
-            </a:r>
-          </a:p>
-          <a:p>
-            <a:pPr lvl="1"/>
-            <a:r>
-              <a:rPr lang="en-US" dirty="0"/>
-              <a:t>Preventing Lyme disease from deer ticks</a:t>
-            </a:r>
-          </a:p>
-          <a:p>
-            <a:pPr lvl="1"/>
-            <a:r>
-              <a:rPr lang="en-US" dirty="0"/>
-              <a:t>Helping baby turtles find their way to the ocean</a:t>
-            </a:r>
-          </a:p>
-          <a:p>
-            <a:pPr lvl="1"/>
-            <a:r>
-              <a:rPr lang="en-US" dirty="0"/>
-              <a:t>Cow tagging</a:t>
-            </a:r>
-          </a:p>
-          <a:p>
-            <a:pPr lvl="1"/>
-            <a:r>
-              <a:rPr lang="en-US" dirty="0"/>
-              <a:t>Animals drinking from polluted city water</a:t>
-            </a:r>
-          </a:p>
-          <a:p>
-            <a:pPr lvl="1"/>
-            <a:r>
-              <a:rPr lang="en-US" dirty="0"/>
-              <a:t>Keeping horses hydrated (Global Innovation award winner 2017)</a:t>
-            </a:r>
-          </a:p>
-          <a:p>
-            <a:pPr lvl="1"/>
-            <a:endParaRPr lang="en-US" dirty="0"/>
-          </a:p>
-          <a:p>
-            <a:pPr lvl="1"/>
-            <a:endParaRPr lang="en-US" dirty="0"/>
-          </a:p>
-          <a:p>
-            <a:pPr lvl="1"/>
-            <a:endParaRPr lang="en-US" dirty="0"/>
-          </a:p>
-          <a:p>
-            <a:pPr lvl="1"/>
-            <a:endParaRPr lang="en-US" dirty="0"/>
-          </a:p>
-        </p:txBody>
-      </p:sp>
-      <p:sp>
-        <p:nvSpPr>
-          <p:cNvPr id="4" name="Footer Placeholder 3"/>
-          <p:cNvSpPr>
-            <a:spLocks noGrp="1"/>
-          </p:cNvSpPr>
-          <p:nvPr>
-            <p:ph type="ftr" sz="quarter" idx="11"/>
-          </p:nvPr>
-        </p:nvSpPr>
-        <p:spPr/>
-        <p:txBody>
-          <a:bodyPr/>
-          <a:lstStyle/>
-          <a:p>
-            <a:r>
-              <a:rPr lang="en-US"/>
-              <a:t>© 2018, FLL Tutorials (Last Edit 6/11/2018)</a:t>
-            </a:r>
-            <a:endParaRPr lang="en-US" dirty="0"/>
-          </a:p>
-        </p:txBody>
-      </p:sp>
-      <p:sp>
-        <p:nvSpPr>
-          <p:cNvPr id="5" name="Slide Number Placeholder 4"/>
-          <p:cNvSpPr>
-            <a:spLocks noGrp="1"/>
-          </p:cNvSpPr>
-          <p:nvPr>
-            <p:ph type="sldNum" sz="quarter" idx="12"/>
-          </p:nvPr>
-        </p:nvSpPr>
-        <p:spPr/>
-        <p:txBody>
-          <a:bodyPr/>
-          <a:lstStyle/>
-          <a:p>
-            <a:fld id="{6D22F896-40B5-4ADD-8801-0D06FADFA095}" type="slidenum">
-              <a:rPr lang="en-US" smtClean="0"/>
-              <a:t>8</a:t>
-            </a:fld>
-            <a:endParaRPr lang="en-US" dirty="0"/>
-          </a:p>
-        </p:txBody>
-      </p:sp>
-      <p:pic>
-        <p:nvPicPr>
-          <p:cNvPr id="7" name="Picture 6"/>
-          <p:cNvPicPr>
-            <a:picLocks noChangeAspect="1"/>
-          </p:cNvPicPr>
-          <p:nvPr/>
-        </p:nvPicPr>
-        <p:blipFill>
-          <a:blip r:embed="rId2">
-            <a:extLst>
-              <a:ext uri="{28A0092B-C50C-407E-A947-70E740481C1C}">
-                <a14:useLocalDpi xmlns:a14="http://schemas.microsoft.com/office/drawing/2010/main" val="0"/>
-              </a:ext>
-            </a:extLst>
-          </a:blip>
-          <a:stretch>
-            <a:fillRect/>
-          </a:stretch>
-        </p:blipFill>
-        <p:spPr>
-          <a:xfrm>
-            <a:off x="4880919" y="1950994"/>
-            <a:ext cx="3975100" cy="3289300"/>
-          </a:xfrm>
-          <a:prstGeom prst="rect">
-            <a:avLst/>
-          </a:prstGeom>
-        </p:spPr>
-      </p:pic>
-      <p:sp>
-        <p:nvSpPr>
-          <p:cNvPr id="8" name="TextBox 7"/>
-          <p:cNvSpPr txBox="1"/>
-          <p:nvPr/>
-        </p:nvSpPr>
-        <p:spPr>
-          <a:xfrm>
-            <a:off x="137297" y="5928838"/>
-            <a:ext cx="8272066" cy="307777"/>
-          </a:xfrm>
-          <a:prstGeom prst="rect">
-            <a:avLst/>
-          </a:prstGeom>
-          <a:noFill/>
-        </p:spPr>
-        <p:txBody>
-          <a:bodyPr wrap="square" rtlCol="0">
-            <a:spAutoFit/>
-          </a:bodyPr>
-          <a:lstStyle/>
-          <a:p>
-            <a:r>
-              <a:rPr lang="en-US" sz="1400" dirty="0"/>
-              <a:t>Sample topics from teams that participated in FIRST LEGO League Animal Allies</a:t>
-            </a:r>
-          </a:p>
-        </p:txBody>
-      </p:sp>
-    </p:spTree>
-    <p:extLst>
-      <p:ext uri="{BB962C8B-B14F-4D97-AF65-F5344CB8AC3E}">
-        <p14:creationId xmlns:p14="http://schemas.microsoft.com/office/powerpoint/2010/main" val="1438492606"/>
-      </p:ext>
-    </p:extLst>
-  </p:cSld>
-  <p:clrMapOvr>
-    <a:masterClrMapping/>
-  </p:clrMapOvr>
-</p:sld>
-</file>
-
-<file path=ppt/slides/slide9.xml><?xml version="1.0" encoding="utf-8"?>
-<p:sld xmlns:a="http://schemas.openxmlformats.org/drawingml/2006/main" xmlns:r="http://schemas.openxmlformats.org/officeDocument/2006/relationships" xmlns:p="http://schemas.openxmlformats.org/presentationml/2006/main">
-  <p:cSld>
-    <p:spTree>
-      <p:nvGrpSpPr>
-        <p:cNvPr id="1" name=""/>
-        <p:cNvGrpSpPr/>
-        <p:nvPr/>
-      </p:nvGrpSpPr>
-      <p:grpSpPr>
-        <a:xfrm>
-          <a:off x="0" y="0"/>
-          <a:ext cx="0" cy="0"/>
-          <a:chOff x="0" y="0"/>
-          <a:chExt cx="0" cy="0"/>
-        </a:xfrm>
-      </p:grpSpPr>
-      <p:sp>
-        <p:nvSpPr>
-          <p:cNvPr id="2" name="Title 1"/>
-          <p:cNvSpPr>
-            <a:spLocks noGrp="1"/>
-          </p:cNvSpPr>
-          <p:nvPr>
-            <p:ph type="title"/>
-          </p:nvPr>
-        </p:nvSpPr>
-        <p:spPr/>
-        <p:txBody>
-          <a:bodyPr/>
-          <a:lstStyle/>
-          <a:p>
-            <a:r>
-              <a:rPr lang="en-US" dirty="0"/>
-              <a:t>Credits</a:t>
-            </a:r>
-          </a:p>
-        </p:txBody>
-      </p:sp>
-      <p:sp>
-        <p:nvSpPr>
-          <p:cNvPr id="3" name="Content Placeholder 2"/>
-          <p:cNvSpPr>
-            <a:spLocks noGrp="1"/>
-          </p:cNvSpPr>
-          <p:nvPr>
-            <p:ph idx="1"/>
-          </p:nvPr>
-        </p:nvSpPr>
-        <p:spPr/>
-        <p:txBody>
-          <a:bodyPr>
-            <a:normAutofit/>
-          </a:bodyPr>
-          <a:lstStyle/>
-          <a:p>
-            <a:r>
-              <a:rPr lang="en-US" sz="2800" dirty="0"/>
-              <a:t>This lesson was written by Sanjay and Arvind Seshan</a:t>
-            </a:r>
-          </a:p>
-          <a:p>
-            <a:r>
-              <a:rPr lang="en-US" sz="2800" dirty="0"/>
-              <a:t>More lessons available at </a:t>
-            </a:r>
-            <a:r>
-              <a:rPr lang="en-US" sz="2800" dirty="0">
-                <a:hlinkClick r:id="rId2"/>
-              </a:rPr>
-              <a:t>www.ev3lessons.com</a:t>
-            </a:r>
-            <a:r>
-              <a:rPr lang="en-US" sz="2800" dirty="0"/>
-              <a:t> and </a:t>
-            </a:r>
-            <a:r>
-              <a:rPr lang="en-US" sz="2800" dirty="0">
-                <a:hlinkClick r:id="rId3"/>
-              </a:rPr>
-              <a:t>www.flltutorials.com</a:t>
-            </a:r>
-            <a:endParaRPr lang="en-US" sz="2800" dirty="0"/>
-          </a:p>
-          <a:p>
-            <a:endParaRPr lang="en-US" sz="2800" dirty="0"/>
-          </a:p>
-          <a:p>
-            <a:endParaRPr lang="en-US" sz="2800" dirty="0"/>
-          </a:p>
-        </p:txBody>
-      </p:sp>
-      <p:sp>
-        <p:nvSpPr>
-          <p:cNvPr id="4" name="Footer Placeholder 3"/>
-          <p:cNvSpPr>
-            <a:spLocks noGrp="1"/>
-          </p:cNvSpPr>
-          <p:nvPr>
-            <p:ph type="ftr" sz="quarter" idx="11"/>
-          </p:nvPr>
-        </p:nvSpPr>
-        <p:spPr/>
-        <p:txBody>
-          <a:bodyPr/>
-          <a:lstStyle/>
-          <a:p>
-            <a:r>
-              <a:rPr lang="en-US"/>
-              <a:t>© 2018, FLL Tutorials (Last Edit 6/11/2018)</a:t>
-            </a:r>
-            <a:endParaRPr lang="en-US" dirty="0"/>
-          </a:p>
-        </p:txBody>
-      </p:sp>
-      <p:sp>
-        <p:nvSpPr>
-          <p:cNvPr id="5" name="Slide Number Placeholder 4"/>
-          <p:cNvSpPr>
-            <a:spLocks noGrp="1"/>
-          </p:cNvSpPr>
-          <p:nvPr>
-            <p:ph type="sldNum" sz="quarter" idx="12"/>
-          </p:nvPr>
-        </p:nvSpPr>
-        <p:spPr/>
-        <p:txBody>
-          <a:bodyPr/>
-          <a:lstStyle/>
-          <a:p>
-            <a:fld id="{6D22F896-40B5-4ADD-8801-0D06FADFA095}" type="slidenum">
-              <a:rPr lang="en-US" smtClean="0"/>
-              <a:t>9</a:t>
-            </a:fld>
-            <a:endParaRPr lang="en-US" dirty="0"/>
-          </a:p>
-        </p:txBody>
-      </p:sp>
-      <p:pic>
-        <p:nvPicPr>
-          <p:cNvPr id="6" name="Picture 5"/>
-          <p:cNvPicPr>
-            <a:picLocks noChangeAspect="1"/>
-          </p:cNvPicPr>
-          <p:nvPr/>
-        </p:nvPicPr>
-        <p:blipFill rotWithShape="1">
-          <a:blip r:embed="rId4">
-            <a:extLst>
-              <a:ext uri="{28A0092B-C50C-407E-A947-70E740481C1C}">
-                <a14:useLocalDpi xmlns:a14="http://schemas.microsoft.com/office/drawing/2010/main" val="0"/>
-              </a:ext>
-            </a:extLst>
-          </a:blip>
-          <a:srcRect l="9379" t="11606" r="9183" b="11463"/>
-          <a:stretch/>
-        </p:blipFill>
-        <p:spPr>
-          <a:xfrm>
-            <a:off x="847627" y="3458311"/>
-            <a:ext cx="7451126" cy="1804086"/>
-          </a:xfrm>
-          <a:prstGeom prst="rect">
-            <a:avLst/>
-          </a:prstGeom>
-        </p:spPr>
-      </p:pic>
-    </p:spTree>
-    <p:extLst>
-      <p:ext uri="{BB962C8B-B14F-4D97-AF65-F5344CB8AC3E}">
-        <p14:creationId xmlns:p14="http://schemas.microsoft.com/office/powerpoint/2010/main" val="478902130"/>
       </p:ext>
     </p:extLst>
   </p:cSld>

--- a/translations/en-us/Project/Identify.pptx
+++ b/translations/en-us/Project/Identify.pptx
@@ -5,20 +5,21 @@
     <p:sldMasterId id="2147483791" r:id="rId1"/>
   </p:sldMasterIdLst>
   <p:notesMasterIdLst>
-    <p:notesMasterId r:id="rId13"/>
+    <p:notesMasterId r:id="rId14"/>
   </p:notesMasterIdLst>
   <p:sldIdLst>
     <p:sldId id="256" r:id="rId2"/>
     <p:sldId id="265" r:id="rId3"/>
     <p:sldId id="259" r:id="rId4"/>
-    <p:sldId id="264" r:id="rId5"/>
-    <p:sldId id="260" r:id="rId6"/>
+    <p:sldId id="274" r:id="rId5"/>
+    <p:sldId id="264" r:id="rId6"/>
     <p:sldId id="272" r:id="rId7"/>
-    <p:sldId id="273" r:id="rId8"/>
-    <p:sldId id="261" r:id="rId9"/>
-    <p:sldId id="263" r:id="rId10"/>
-    <p:sldId id="262" r:id="rId11"/>
-    <p:sldId id="258" r:id="rId12"/>
+    <p:sldId id="260" r:id="rId8"/>
+    <p:sldId id="273" r:id="rId9"/>
+    <p:sldId id="261" r:id="rId10"/>
+    <p:sldId id="263" r:id="rId11"/>
+    <p:sldId id="262" r:id="rId12"/>
+    <p:sldId id="258" r:id="rId13"/>
   </p:sldIdLst>
   <p:sldSz cx="9144000" cy="6858000" type="screen4x3"/>
   <p:notesSz cx="6858000" cy="9144000"/>
@@ -207,7 +208,7 @@
           <a:p>
             <a:fld id="{A78B980B-A051-5042-A199-B77431CF73D3}" type="datetimeFigureOut">
               <a:rPr lang="en-US" smtClean="0"/>
-              <a:t>10/27/22</a:t>
+              <a:t>5/29/23</a:t>
             </a:fld>
             <a:endParaRPr lang="en-US"/>
           </a:p>
@@ -809,9 +810,9 @@
             </a:lvl1pPr>
           </a:lstStyle>
           <a:p>
-            <a:fld id="{55A8F38D-88CE-9947-A8C6-74B76FB836AA}" type="datetime1">
+            <a:fld id="{BA13DC3D-B11C-F347-ADC5-EC78886C6D84}" type="datetime1">
               <a:rPr lang="en-US" smtClean="0"/>
-              <a:t>10/27/22</a:t>
+              <a:t>5/29/23</a:t>
             </a:fld>
             <a:endParaRPr lang="en-US" dirty="0"/>
           </a:p>
@@ -853,7 +854,7 @@
           <a:p>
             <a:r>
               <a:rPr lang="en-US"/>
-              <a:t>© 2022, FLL Tutorials</a:t>
+              <a:t>© 2023, FLLTutorials.com. Last Edit 5/29/2023</a:t>
             </a:r>
             <a:endParaRPr lang="en-US" dirty="0"/>
           </a:p>
@@ -1119,9 +1120,9 @@
           <a:bodyPr/>
           <a:lstStyle/>
           <a:p>
-            <a:fld id="{D2AA7458-E0B4-584E-9FB7-04AEA1EC2373}" type="datetime1">
+            <a:fld id="{ED27EB4E-0BB7-F647-98C0-F6D1191CE616}" type="datetime1">
               <a:rPr lang="en-US" smtClean="0"/>
-              <a:t>10/27/22</a:t>
+              <a:t>5/29/23</a:t>
             </a:fld>
             <a:endParaRPr lang="en-US" dirty="0"/>
           </a:p>
@@ -1152,7 +1153,7 @@
           <a:p>
             <a:r>
               <a:rPr lang="en-US"/>
-              <a:t>© 2022, FLL Tutorials</a:t>
+              <a:t>© 2023, FLLTutorials.com. Last Edit 5/29/2023</a:t>
             </a:r>
             <a:endParaRPr lang="en-US" dirty="0"/>
           </a:p>
@@ -1377,9 +1378,9 @@
             </a:lvl1pPr>
           </a:lstStyle>
           <a:p>
-            <a:fld id="{F6406977-5ADD-4B4A-8302-8CED4C7538BE}" type="datetime1">
+            <a:fld id="{0DA6C8E7-329C-4C4B-901D-BA4D5D81F757}" type="datetime1">
               <a:rPr lang="en-US" smtClean="0"/>
-              <a:t>10/27/22</a:t>
+              <a:t>5/29/23</a:t>
             </a:fld>
             <a:endParaRPr lang="en-US" dirty="0"/>
           </a:p>
@@ -1410,7 +1411,7 @@
           <a:p>
             <a:r>
               <a:rPr lang="en-US"/>
-              <a:t>© 2022, FLL Tutorials</a:t>
+              <a:t>© 2023, FLLTutorials.com. Last Edit 5/29/2023</a:t>
             </a:r>
             <a:endParaRPr lang="en-US" dirty="0"/>
           </a:p>
@@ -1665,9 +1666,9 @@
             </a:lvl1pPr>
           </a:lstStyle>
           <a:p>
-            <a:fld id="{925F5241-5FFF-EC44-BF79-3ED60506BA88}" type="datetime1">
+            <a:fld id="{7DD22235-2BF0-3F4B-9C33-E5DE620A9790}" type="datetime1">
               <a:rPr lang="en-US" smtClean="0"/>
-              <a:t>10/27/22</a:t>
+              <a:t>5/29/23</a:t>
             </a:fld>
             <a:endParaRPr lang="en-US" dirty="0"/>
           </a:p>
@@ -1712,7 +1713,7 @@
           <a:p>
             <a:r>
               <a:rPr lang="en-US"/>
-              <a:t>© 2022, FLL Tutorials</a:t>
+              <a:t>© 2023, FLLTutorials.com. Last Edit 5/29/2023</a:t>
             </a:r>
             <a:endParaRPr lang="en-US" dirty="0"/>
           </a:p>
@@ -2120,7 +2121,7 @@
             <a:fld id="{B61BEF0D-F0BB-DE4B-95CE-6DB70DBA9567}" type="datetimeFigureOut">
               <a:rPr lang="en-US" smtClean="0"/>
               <a:pPr/>
-              <a:t>10/27/22</a:t>
+              <a:t>5/29/23</a:t>
             </a:fld>
             <a:endParaRPr lang="en-US" dirty="0"/>
           </a:p>
@@ -2675,9 +2676,9 @@
           <a:bodyPr/>
           <a:lstStyle/>
           <a:p>
-            <a:fld id="{19EA2F73-BF18-4140-AB35-FD5A7C973B27}" type="datetime1">
+            <a:fld id="{5795321E-5D35-B941-81C0-C686CE98DA95}" type="datetime1">
               <a:rPr lang="en-US" smtClean="0"/>
-              <a:t>10/27/22</a:t>
+              <a:t>5/29/23</a:t>
             </a:fld>
             <a:endParaRPr lang="en-US" dirty="0"/>
           </a:p>
@@ -2708,7 +2709,7 @@
           <a:p>
             <a:r>
               <a:rPr lang="en-US"/>
-              <a:t>© 2022, FLL Tutorials</a:t>
+              <a:t>© 2023, FLLTutorials.com. Last Edit 5/29/2023</a:t>
             </a:r>
             <a:endParaRPr lang="en-US" dirty="0"/>
           </a:p>
@@ -3124,9 +3125,9 @@
           <a:bodyPr/>
           <a:lstStyle/>
           <a:p>
-            <a:fld id="{5432C46E-ACEC-D141-A952-2E1874B956FF}" type="datetime1">
+            <a:fld id="{1498B3B3-F0C5-C145-A6FD-9B685A5B7C9F}" type="datetime1">
               <a:rPr lang="en-US" smtClean="0"/>
-              <a:t>10/27/22</a:t>
+              <a:t>5/29/23</a:t>
             </a:fld>
             <a:endParaRPr lang="en-US" dirty="0"/>
           </a:p>
@@ -3157,7 +3158,7 @@
           <a:p>
             <a:r>
               <a:rPr lang="en-US"/>
-              <a:t>© 2022, FLL Tutorials</a:t>
+              <a:t>© 2023, FLLTutorials.com. Last Edit 5/29/2023</a:t>
             </a:r>
             <a:endParaRPr lang="en-US" dirty="0"/>
           </a:p>
@@ -3309,9 +3310,9 @@
           <a:bodyPr/>
           <a:lstStyle/>
           <a:p>
-            <a:fld id="{494A2D69-0B3B-C649-B335-1130CF617B35}" type="datetime1">
+            <a:fld id="{55878421-8DE9-7647-90E6-85D285788935}" type="datetime1">
               <a:rPr lang="en-US" smtClean="0"/>
-              <a:t>10/27/22</a:t>
+              <a:t>5/29/23</a:t>
             </a:fld>
             <a:endParaRPr lang="en-US" dirty="0"/>
           </a:p>
@@ -3342,7 +3343,7 @@
           <a:p>
             <a:r>
               <a:rPr lang="en-US"/>
-              <a:t>© 2022, FLL Tutorials</a:t>
+              <a:t>© 2023, FLLTutorials.com. Last Edit 5/29/2023</a:t>
             </a:r>
             <a:endParaRPr lang="en-US" dirty="0"/>
           </a:p>
@@ -3432,9 +3433,9 @@
           <a:bodyPr/>
           <a:lstStyle/>
           <a:p>
-            <a:fld id="{01948553-1F9C-934D-AC6B-FEFD992E596E}" type="datetime1">
+            <a:fld id="{570134C3-2338-D345-851D-0760E798A06A}" type="datetime1">
               <a:rPr lang="en-US" smtClean="0"/>
-              <a:t>10/27/22</a:t>
+              <a:t>5/29/23</a:t>
             </a:fld>
             <a:endParaRPr lang="en-US" dirty="0"/>
           </a:p>
@@ -3465,7 +3466,7 @@
           <a:p>
             <a:r>
               <a:rPr lang="en-US"/>
-              <a:t>© 2022, FLL Tutorials</a:t>
+              <a:t>© 2023, FLLTutorials.com. Last Edit 5/29/2023</a:t>
             </a:r>
             <a:endParaRPr lang="en-US" dirty="0"/>
           </a:p>
@@ -3838,9 +3839,9 @@
             </a:lvl1pPr>
           </a:lstStyle>
           <a:p>
-            <a:fld id="{3EB0DCB7-9DC5-AB45-A731-56E87D92F031}" type="datetime1">
+            <a:fld id="{9C901F08-CA93-1F45-92CC-7E49A6ADB732}" type="datetime1">
               <a:rPr lang="en-US" smtClean="0"/>
-              <a:t>10/27/22</a:t>
+              <a:t>5/29/23</a:t>
             </a:fld>
             <a:endParaRPr lang="en-US" dirty="0"/>
           </a:p>
@@ -3882,7 +3883,7 @@
           <a:p>
             <a:r>
               <a:rPr lang="en-US"/>
-              <a:t>© 2022, FLL Tutorials</a:t>
+              <a:t>© 2023, FLLTutorials.com. Last Edit 5/29/2023</a:t>
             </a:r>
             <a:endParaRPr lang="en-US" dirty="0"/>
           </a:p>
@@ -4155,9 +4156,9 @@
           <a:bodyPr/>
           <a:lstStyle/>
           <a:p>
-            <a:fld id="{62AC3A48-9523-1044-B352-8584CA3225CE}" type="datetime1">
+            <a:fld id="{56A2B46B-4E4F-AA45-B946-2A3936CF6441}" type="datetime1">
               <a:rPr lang="en-US" smtClean="0"/>
-              <a:t>10/27/22</a:t>
+              <a:t>5/29/23</a:t>
             </a:fld>
             <a:endParaRPr lang="en-US" dirty="0"/>
           </a:p>
@@ -4188,7 +4189,7 @@
           <a:p>
             <a:r>
               <a:rPr lang="en-US"/>
-              <a:t>© 2022, FLL Tutorials</a:t>
+              <a:t>© 2023, FLLTutorials.com. Last Edit 5/29/2023</a:t>
             </a:r>
             <a:endParaRPr lang="en-US" dirty="0"/>
           </a:p>
@@ -4506,9 +4507,9 @@
             </a:lvl1pPr>
           </a:lstStyle>
           <a:p>
-            <a:fld id="{94E9E688-8D2D-F14E-A7D3-41ECC85B3CE1}" type="datetime1">
+            <a:fld id="{0D81F470-518E-C14A-9717-B35B5AE501D8}" type="datetime1">
               <a:rPr lang="en-US" smtClean="0"/>
-              <a:t>10/27/22</a:t>
+              <a:t>5/29/23</a:t>
             </a:fld>
             <a:endParaRPr lang="en-US" dirty="0"/>
           </a:p>
@@ -4556,7 +4557,7 @@
           <a:p>
             <a:r>
               <a:rPr lang="en-US"/>
-              <a:t>© 2022, FLL Tutorials</a:t>
+              <a:t>© 2023, FLLTutorials.com. Last Edit 5/29/2023</a:t>
             </a:r>
             <a:endParaRPr lang="en-US" dirty="0"/>
           </a:p>
@@ -5113,124 +5114,8 @@
           <a:p>
             <a:r>
               <a:rPr lang="en-US" dirty="0"/>
-              <a:t>Sample Topics in Animal Allies</a:t>
-            </a:r>
-          </a:p>
-        </p:txBody>
-      </p:sp>
-      <p:sp>
-        <p:nvSpPr>
-          <p:cNvPr id="3" name="Content Placeholder 2"/>
-          <p:cNvSpPr>
-            <a:spLocks noGrp="1"/>
-          </p:cNvSpPr>
-          <p:nvPr>
-            <p:ph idx="1"/>
-          </p:nvPr>
-        </p:nvSpPr>
-        <p:spPr>
-          <a:xfrm>
-            <a:off x="241739" y="1845734"/>
-            <a:ext cx="4639180" cy="4023360"/>
-          </a:xfrm>
-        </p:spPr>
-        <p:txBody>
-          <a:bodyPr>
-            <a:normAutofit fontScale="47500" lnSpcReduction="20000"/>
-          </a:bodyPr>
-          <a:lstStyle/>
-          <a:p>
-            <a:pPr lvl="1"/>
-            <a:r>
-              <a:rPr lang="en-US" dirty="0"/>
-              <a:t>Chimney Swifts losing their homes</a:t>
-            </a:r>
-          </a:p>
-          <a:p>
-            <a:pPr lvl="1"/>
-            <a:r>
-              <a:rPr lang="en-US" dirty="0"/>
-              <a:t>Training therapy dogs</a:t>
-            </a:r>
-          </a:p>
-          <a:p>
-            <a:pPr lvl="1"/>
-            <a:r>
-              <a:rPr lang="en-US" dirty="0"/>
-              <a:t>K-9 dogs helping the police</a:t>
-            </a:r>
-          </a:p>
-          <a:p>
-            <a:pPr lvl="1"/>
-            <a:r>
-              <a:rPr lang="en-US" dirty="0"/>
-              <a:t>Monitoring bee hives to keep them healthy</a:t>
-            </a:r>
-          </a:p>
-          <a:p>
-            <a:pPr lvl="1"/>
-            <a:r>
-              <a:rPr lang="en-US" dirty="0"/>
-              <a:t>Bears getting into trash cans</a:t>
-            </a:r>
-          </a:p>
-          <a:p>
-            <a:pPr lvl="1"/>
-            <a:r>
-              <a:rPr lang="en-US" dirty="0"/>
-              <a:t>Finding lost dogs</a:t>
-            </a:r>
-          </a:p>
-          <a:p>
-            <a:pPr lvl="1"/>
-            <a:r>
-              <a:rPr lang="en-US" dirty="0"/>
-              <a:t>Preventing Lyme disease from deer ticks</a:t>
-            </a:r>
-          </a:p>
-          <a:p>
-            <a:pPr lvl="1"/>
-            <a:r>
-              <a:rPr lang="en-US" dirty="0"/>
-              <a:t>Helping baby turtles find their way to the ocean</a:t>
-            </a:r>
-          </a:p>
-          <a:p>
-            <a:pPr lvl="1"/>
-            <a:r>
-              <a:rPr lang="en-US" dirty="0"/>
-              <a:t>Cow tagging</a:t>
-            </a:r>
-          </a:p>
-          <a:p>
-            <a:pPr lvl="1"/>
-            <a:r>
-              <a:rPr lang="en-US" dirty="0"/>
-              <a:t>Animals drinking from polluted city water</a:t>
-            </a:r>
-          </a:p>
-          <a:p>
-            <a:pPr lvl="1"/>
-            <a:r>
-              <a:rPr lang="en-US" dirty="0"/>
-              <a:t>Keeping horses hydrated (Global Innovation award winner 2017)</a:t>
-            </a:r>
-          </a:p>
-          <a:p>
-            <a:pPr lvl="1"/>
-            <a:endParaRPr lang="en-US" dirty="0"/>
-          </a:p>
-          <a:p>
-            <a:pPr lvl="1"/>
-            <a:endParaRPr lang="en-US" dirty="0"/>
-          </a:p>
-          <a:p>
-            <a:pPr lvl="1"/>
-            <a:endParaRPr lang="en-US" dirty="0"/>
-          </a:p>
-          <a:p>
-            <a:pPr lvl="1"/>
-            <a:endParaRPr lang="en-US" dirty="0"/>
+              <a:t>“Identifying a Problem” Process</a:t>
+            </a:r>
           </a:p>
         </p:txBody>
       </p:sp>
@@ -5251,7 +5136,7 @@
           <a:p>
             <a:r>
               <a:rPr lang="en-US"/>
-              <a:t>© 2022, FLL Tutorials</a:t>
+              <a:t>© 2023, FLLTutorials.com. Last Edit 5/29/2023</a:t>
             </a:r>
             <a:endParaRPr lang="en-US" dirty="0"/>
           </a:p>
@@ -5275,1893 +5160,6 @@
             <a:fld id="{6D22F896-40B5-4ADD-8801-0D06FADFA095}" type="slidenum">
               <a:rPr lang="en-US" smtClean="0"/>
               <a:t>10</a:t>
-            </a:fld>
-            <a:endParaRPr lang="en-US" dirty="0"/>
-          </a:p>
-        </p:txBody>
-      </p:sp>
-      <p:pic>
-        <p:nvPicPr>
-          <p:cNvPr id="7" name="Picture 6"/>
-          <p:cNvPicPr>
-            <a:picLocks noChangeAspect="1"/>
-          </p:cNvPicPr>
-          <p:nvPr/>
-        </p:nvPicPr>
-        <p:blipFill>
-          <a:blip r:embed="rId2">
-            <a:extLst>
-              <a:ext uri="{28A0092B-C50C-407E-A947-70E740481C1C}">
-                <a14:useLocalDpi xmlns:a14="http://schemas.microsoft.com/office/drawing/2010/main" val="0"/>
-              </a:ext>
-            </a:extLst>
-          </a:blip>
-          <a:stretch>
-            <a:fillRect/>
-          </a:stretch>
-        </p:blipFill>
-        <p:spPr>
-          <a:xfrm>
-            <a:off x="4880919" y="1950994"/>
-            <a:ext cx="3975100" cy="3289300"/>
-          </a:xfrm>
-          <a:prstGeom prst="rect">
-            <a:avLst/>
-          </a:prstGeom>
-        </p:spPr>
-      </p:pic>
-      <p:sp>
-        <p:nvSpPr>
-          <p:cNvPr id="8" name="TextBox 7"/>
-          <p:cNvSpPr txBox="1"/>
-          <p:nvPr/>
-        </p:nvSpPr>
-        <p:spPr>
-          <a:xfrm>
-            <a:off x="137297" y="5928838"/>
-            <a:ext cx="8272066" cy="307777"/>
-          </a:xfrm>
-          <a:prstGeom prst="rect">
-            <a:avLst/>
-          </a:prstGeom>
-          <a:noFill/>
-        </p:spPr>
-        <p:txBody>
-          <a:bodyPr wrap="square" rtlCol="0">
-            <a:spAutoFit/>
-          </a:bodyPr>
-          <a:lstStyle/>
-          <a:p>
-            <a:r>
-              <a:rPr lang="en-US" sz="1400" dirty="0"/>
-              <a:t>Sample topics from teams that participated in FIRST LEGO League Animal Allies</a:t>
-            </a:r>
-          </a:p>
-        </p:txBody>
-      </p:sp>
-    </p:spTree>
-    <p:extLst>
-      <p:ext uri="{BB962C8B-B14F-4D97-AF65-F5344CB8AC3E}">
-        <p14:creationId xmlns:p14="http://schemas.microsoft.com/office/powerpoint/2010/main" val="1438492606"/>
-      </p:ext>
-    </p:extLst>
-  </p:cSld>
-  <p:clrMapOvr>
-    <a:masterClrMapping/>
-  </p:clrMapOvr>
-</p:sld>
-</file>
-
-<file path=ppt/slides/slide11.xml><?xml version="1.0" encoding="utf-8"?>
-<p:sld xmlns:a="http://schemas.openxmlformats.org/drawingml/2006/main" xmlns:r="http://schemas.openxmlformats.org/officeDocument/2006/relationships" xmlns:p="http://schemas.openxmlformats.org/presentationml/2006/main">
-  <p:cSld>
-    <p:spTree>
-      <p:nvGrpSpPr>
-        <p:cNvPr id="1" name=""/>
-        <p:cNvGrpSpPr/>
-        <p:nvPr/>
-      </p:nvGrpSpPr>
-      <p:grpSpPr>
-        <a:xfrm>
-          <a:off x="0" y="0"/>
-          <a:ext cx="0" cy="0"/>
-          <a:chOff x="0" y="0"/>
-          <a:chExt cx="0" cy="0"/>
-        </a:xfrm>
-      </p:grpSpPr>
-      <p:sp>
-        <p:nvSpPr>
-          <p:cNvPr id="2" name="Title 1"/>
-          <p:cNvSpPr>
-            <a:spLocks noGrp="1"/>
-          </p:cNvSpPr>
-          <p:nvPr>
-            <p:ph type="title"/>
-          </p:nvPr>
-        </p:nvSpPr>
-        <p:spPr/>
-        <p:txBody>
-          <a:bodyPr/>
-          <a:lstStyle/>
-          <a:p>
-            <a:r>
-              <a:rPr lang="en-US" dirty="0"/>
-              <a:t>Credits</a:t>
-            </a:r>
-          </a:p>
-        </p:txBody>
-      </p:sp>
-      <p:sp>
-        <p:nvSpPr>
-          <p:cNvPr id="3" name="Content Placeholder 2"/>
-          <p:cNvSpPr>
-            <a:spLocks noGrp="1"/>
-          </p:cNvSpPr>
-          <p:nvPr>
-            <p:ph idx="1"/>
-          </p:nvPr>
-        </p:nvSpPr>
-        <p:spPr/>
-        <p:txBody>
-          <a:bodyPr>
-            <a:normAutofit/>
-          </a:bodyPr>
-          <a:lstStyle/>
-          <a:p>
-            <a:r>
-              <a:rPr lang="en-US" sz="2800" dirty="0"/>
-              <a:t>This lesson was written by Sanjay and Arvind Seshan</a:t>
-            </a:r>
-          </a:p>
-          <a:p>
-            <a:r>
-              <a:rPr lang="en-US" sz="2800" dirty="0"/>
-              <a:t>More lessons available at </a:t>
-            </a:r>
-            <a:r>
-              <a:rPr lang="en-US" sz="2800" dirty="0">
-                <a:hlinkClick r:id="rId2"/>
-              </a:rPr>
-              <a:t>www.ev3lessons.com</a:t>
-            </a:r>
-            <a:r>
-              <a:rPr lang="en-US" sz="2800" dirty="0"/>
-              <a:t> and </a:t>
-            </a:r>
-            <a:r>
-              <a:rPr lang="en-US" sz="2800" dirty="0">
-                <a:hlinkClick r:id="rId3"/>
-              </a:rPr>
-              <a:t>www.flltutorials.com</a:t>
-            </a:r>
-            <a:endParaRPr lang="en-US" sz="2800" dirty="0"/>
-          </a:p>
-          <a:p>
-            <a:endParaRPr lang="en-US" sz="2800" dirty="0"/>
-          </a:p>
-          <a:p>
-            <a:endParaRPr lang="en-US" sz="2800" dirty="0"/>
-          </a:p>
-        </p:txBody>
-      </p:sp>
-      <p:sp>
-        <p:nvSpPr>
-          <p:cNvPr id="4" name="Footer Placeholder 3"/>
-          <p:cNvSpPr>
-            <a:spLocks noGrp="1"/>
-          </p:cNvSpPr>
-          <p:nvPr>
-            <p:ph type="ftr" sz="quarter" idx="11"/>
-          </p:nvPr>
-        </p:nvSpPr>
-        <p:spPr/>
-        <p:txBody>
-          <a:bodyPr/>
-          <a:lstStyle/>
-          <a:p>
-            <a:r>
-              <a:rPr lang="en-US"/>
-              <a:t>© 2022, FLL Tutorials</a:t>
-            </a:r>
-            <a:endParaRPr lang="en-US" dirty="0"/>
-          </a:p>
-        </p:txBody>
-      </p:sp>
-      <p:sp>
-        <p:nvSpPr>
-          <p:cNvPr id="5" name="Slide Number Placeholder 4"/>
-          <p:cNvSpPr>
-            <a:spLocks noGrp="1"/>
-          </p:cNvSpPr>
-          <p:nvPr>
-            <p:ph type="sldNum" sz="quarter" idx="12"/>
-          </p:nvPr>
-        </p:nvSpPr>
-        <p:spPr/>
-        <p:txBody>
-          <a:bodyPr/>
-          <a:lstStyle/>
-          <a:p>
-            <a:fld id="{6D22F896-40B5-4ADD-8801-0D06FADFA095}" type="slidenum">
-              <a:rPr lang="en-US" smtClean="0"/>
-              <a:t>11</a:t>
-            </a:fld>
-            <a:endParaRPr lang="en-US" dirty="0"/>
-          </a:p>
-        </p:txBody>
-      </p:sp>
-      <p:pic>
-        <p:nvPicPr>
-          <p:cNvPr id="6" name="Picture 5"/>
-          <p:cNvPicPr>
-            <a:picLocks noChangeAspect="1"/>
-          </p:cNvPicPr>
-          <p:nvPr/>
-        </p:nvPicPr>
-        <p:blipFill rotWithShape="1">
-          <a:blip r:embed="rId4">
-            <a:extLst>
-              <a:ext uri="{28A0092B-C50C-407E-A947-70E740481C1C}">
-                <a14:useLocalDpi xmlns:a14="http://schemas.microsoft.com/office/drawing/2010/main" val="0"/>
-              </a:ext>
-            </a:extLst>
-          </a:blip>
-          <a:srcRect l="9379" t="11606" r="9183" b="11463"/>
-          <a:stretch/>
-        </p:blipFill>
-        <p:spPr>
-          <a:xfrm>
-            <a:off x="847627" y="3458311"/>
-            <a:ext cx="7451126" cy="1804086"/>
-          </a:xfrm>
-          <a:prstGeom prst="rect">
-            <a:avLst/>
-          </a:prstGeom>
-        </p:spPr>
-      </p:pic>
-    </p:spTree>
-    <p:extLst>
-      <p:ext uri="{BB962C8B-B14F-4D97-AF65-F5344CB8AC3E}">
-        <p14:creationId xmlns:p14="http://schemas.microsoft.com/office/powerpoint/2010/main" val="478902130"/>
-      </p:ext>
-    </p:extLst>
-  </p:cSld>
-  <p:clrMapOvr>
-    <a:masterClrMapping/>
-  </p:clrMapOvr>
-</p:sld>
-</file>
-
-<file path=ppt/slides/slide2.xml><?xml version="1.0" encoding="utf-8"?>
-<p:sld xmlns:a="http://schemas.openxmlformats.org/drawingml/2006/main" xmlns:r="http://schemas.openxmlformats.org/officeDocument/2006/relationships" xmlns:p="http://schemas.openxmlformats.org/presentationml/2006/main">
-  <p:cSld>
-    <p:spTree>
-      <p:nvGrpSpPr>
-        <p:cNvPr id="1" name=""/>
-        <p:cNvGrpSpPr/>
-        <p:nvPr/>
-      </p:nvGrpSpPr>
-      <p:grpSpPr>
-        <a:xfrm>
-          <a:off x="0" y="0"/>
-          <a:ext cx="0" cy="0"/>
-          <a:chOff x="0" y="0"/>
-          <a:chExt cx="0" cy="0"/>
-        </a:xfrm>
-      </p:grpSpPr>
-      <p:sp>
-        <p:nvSpPr>
-          <p:cNvPr id="2" name="Title 1"/>
-          <p:cNvSpPr>
-            <a:spLocks noGrp="1"/>
-          </p:cNvSpPr>
-          <p:nvPr>
-            <p:ph type="title"/>
-          </p:nvPr>
-        </p:nvSpPr>
-        <p:spPr/>
-        <p:txBody>
-          <a:bodyPr/>
-          <a:lstStyle/>
-          <a:p>
-            <a:r>
-              <a:rPr lang="en-US" dirty="0"/>
-              <a:t>About The AUTHOR</a:t>
-            </a:r>
-          </a:p>
-        </p:txBody>
-      </p:sp>
-      <p:sp>
-        <p:nvSpPr>
-          <p:cNvPr id="3" name="Content Placeholder 2"/>
-          <p:cNvSpPr>
-            <a:spLocks noGrp="1"/>
-          </p:cNvSpPr>
-          <p:nvPr>
-            <p:ph idx="1"/>
-          </p:nvPr>
-        </p:nvSpPr>
-        <p:spPr>
-          <a:xfrm>
-            <a:off x="136665" y="1489813"/>
-            <a:ext cx="4697649" cy="4353215"/>
-          </a:xfrm>
-        </p:spPr>
-        <p:txBody>
-          <a:bodyPr>
-            <a:normAutofit fontScale="92500" lnSpcReduction="10000"/>
-          </a:bodyPr>
-          <a:lstStyle/>
-          <a:p>
-            <a:pPr lvl="1"/>
-            <a:r>
-              <a:rPr lang="en-US" sz="2000" dirty="0"/>
-              <a:t>Seshan Brothers were on team Not the Droids You Are Looking For </a:t>
-            </a:r>
-          </a:p>
-          <a:p>
-            <a:pPr lvl="1"/>
-            <a:r>
-              <a:rPr lang="en-US" sz="2000" dirty="0"/>
-              <a:t>Our research project for Trash Trek was a Global Innovation Award semi-finalist project (Top 20 out </a:t>
-            </a:r>
-            <a:r>
-              <a:rPr lang="en-US" sz="2000"/>
-              <a:t>of 30,000 </a:t>
-            </a:r>
-            <a:r>
-              <a:rPr lang="en-US" sz="2000" dirty="0"/>
-              <a:t>teams).</a:t>
-            </a:r>
-          </a:p>
-          <a:p>
-            <a:pPr lvl="1"/>
-            <a:r>
-              <a:rPr lang="en-US" sz="2000" dirty="0"/>
-              <a:t>Our research project in Nature’s Fury won Innovative Solution at the FIRST LEGO League International Open in Toronto.</a:t>
-            </a:r>
-          </a:p>
-          <a:p>
-            <a:pPr lvl="1"/>
-            <a:r>
-              <a:rPr lang="en-US" sz="2000" dirty="0"/>
-              <a:t>Our research project for World Class was EV3Lessons.com! ;-)</a:t>
-            </a:r>
-          </a:p>
-          <a:p>
-            <a:pPr lvl="1"/>
-            <a:r>
-              <a:rPr lang="en-US" sz="2000" dirty="0"/>
-              <a:t>We are the Champion’s award winners from World Festival 2018</a:t>
-            </a:r>
-          </a:p>
-        </p:txBody>
-      </p:sp>
-      <p:sp>
-        <p:nvSpPr>
-          <p:cNvPr id="4" name="Footer Placeholder 3"/>
-          <p:cNvSpPr>
-            <a:spLocks noGrp="1"/>
-          </p:cNvSpPr>
-          <p:nvPr>
-            <p:ph type="ftr" sz="quarter" idx="11"/>
-          </p:nvPr>
-        </p:nvSpPr>
-        <p:spPr/>
-        <p:txBody>
-          <a:bodyPr/>
-          <a:lstStyle/>
-          <a:p>
-            <a:r>
-              <a:rPr lang="en-US"/>
-              <a:t>© 2022, FLL Tutorials</a:t>
-            </a:r>
-            <a:endParaRPr lang="en-US" dirty="0"/>
-          </a:p>
-        </p:txBody>
-      </p:sp>
-      <p:sp>
-        <p:nvSpPr>
-          <p:cNvPr id="5" name="Slide Number Placeholder 4"/>
-          <p:cNvSpPr>
-            <a:spLocks noGrp="1"/>
-          </p:cNvSpPr>
-          <p:nvPr>
-            <p:ph type="sldNum" sz="quarter" idx="12"/>
-          </p:nvPr>
-        </p:nvSpPr>
-        <p:spPr/>
-        <p:txBody>
-          <a:bodyPr/>
-          <a:lstStyle/>
-          <a:p>
-            <a:fld id="{6D22F896-40B5-4ADD-8801-0D06FADFA095}" type="slidenum">
-              <a:rPr lang="en-US" smtClean="0"/>
-              <a:t>2</a:t>
-            </a:fld>
-            <a:endParaRPr lang="en-US" dirty="0"/>
-          </a:p>
-        </p:txBody>
-      </p:sp>
-      <p:pic>
-        <p:nvPicPr>
-          <p:cNvPr id="2054" name="Picture 6" descr="Related image">
-            <a:extLst>
-              <a:ext uri="{FF2B5EF4-FFF2-40B4-BE49-F238E27FC236}">
-                <a16:creationId xmlns:a16="http://schemas.microsoft.com/office/drawing/2014/main" id="{0982E8D3-107C-4BA0-9901-6E0439378F67}"/>
-              </a:ext>
-            </a:extLst>
-          </p:cNvPr>
-          <p:cNvPicPr>
-            <a:picLocks noChangeAspect="1" noChangeArrowheads="1"/>
-          </p:cNvPicPr>
-          <p:nvPr/>
-        </p:nvPicPr>
-        <p:blipFill>
-          <a:blip r:embed="rId2">
-            <a:extLst>
-              <a:ext uri="{28A0092B-C50C-407E-A947-70E740481C1C}">
-                <a14:useLocalDpi xmlns:a14="http://schemas.microsoft.com/office/drawing/2010/main" val="0"/>
-              </a:ext>
-            </a:extLst>
-          </a:blip>
-          <a:srcRect/>
-          <a:stretch>
-            <a:fillRect/>
-          </a:stretch>
-        </p:blipFill>
-        <p:spPr bwMode="auto">
-          <a:xfrm>
-            <a:off x="5201734" y="1928931"/>
-            <a:ext cx="3369210" cy="3369210"/>
-          </a:xfrm>
-          <a:prstGeom prst="rect">
-            <a:avLst/>
-          </a:prstGeom>
-          <a:noFill/>
-          <a:extLst>
-            <a:ext uri="{909E8E84-426E-40DD-AFC4-6F175D3DCCD1}">
-              <a14:hiddenFill xmlns:a14="http://schemas.microsoft.com/office/drawing/2010/main">
-                <a:solidFill>
-                  <a:srgbClr val="FFFFFF"/>
-                </a:solidFill>
-              </a14:hiddenFill>
-            </a:ext>
-          </a:extLst>
-        </p:spPr>
-      </p:pic>
-    </p:spTree>
-    <p:extLst>
-      <p:ext uri="{BB962C8B-B14F-4D97-AF65-F5344CB8AC3E}">
-        <p14:creationId xmlns:p14="http://schemas.microsoft.com/office/powerpoint/2010/main" val="2203347389"/>
-      </p:ext>
-    </p:extLst>
-  </p:cSld>
-  <p:clrMapOvr>
-    <a:masterClrMapping/>
-  </p:clrMapOvr>
-</p:sld>
-</file>
-
-<file path=ppt/slides/slide3.xml><?xml version="1.0" encoding="utf-8"?>
-<p:sld xmlns:a="http://schemas.openxmlformats.org/drawingml/2006/main" xmlns:r="http://schemas.openxmlformats.org/officeDocument/2006/relationships" xmlns:p="http://schemas.openxmlformats.org/presentationml/2006/main">
-  <p:cSld>
-    <p:spTree>
-      <p:nvGrpSpPr>
-        <p:cNvPr id="1" name=""/>
-        <p:cNvGrpSpPr/>
-        <p:nvPr/>
-      </p:nvGrpSpPr>
-      <p:grpSpPr>
-        <a:xfrm>
-          <a:off x="0" y="0"/>
-          <a:ext cx="0" cy="0"/>
-          <a:chOff x="0" y="0"/>
-          <a:chExt cx="0" cy="0"/>
-        </a:xfrm>
-      </p:grpSpPr>
-      <p:sp>
-        <p:nvSpPr>
-          <p:cNvPr id="2" name="Title 1"/>
-          <p:cNvSpPr>
-            <a:spLocks noGrp="1"/>
-          </p:cNvSpPr>
-          <p:nvPr>
-            <p:ph type="title"/>
-          </p:nvPr>
-        </p:nvSpPr>
-        <p:spPr/>
-        <p:txBody>
-          <a:bodyPr/>
-          <a:lstStyle/>
-          <a:p>
-            <a:r>
-              <a:rPr lang="en-US" dirty="0"/>
-              <a:t>Getting an Early Start</a:t>
-            </a:r>
-          </a:p>
-        </p:txBody>
-      </p:sp>
-      <p:sp>
-        <p:nvSpPr>
-          <p:cNvPr id="3" name="Content Placeholder 2"/>
-          <p:cNvSpPr>
-            <a:spLocks noGrp="1"/>
-          </p:cNvSpPr>
-          <p:nvPr>
-            <p:ph idx="1"/>
-          </p:nvPr>
-        </p:nvSpPr>
-        <p:spPr>
-          <a:xfrm>
-            <a:off x="447146" y="1692887"/>
-            <a:ext cx="8239653" cy="3854944"/>
-          </a:xfrm>
-        </p:spPr>
-        <p:txBody>
-          <a:bodyPr>
-            <a:normAutofit fontScale="85000" lnSpcReduction="20000"/>
-          </a:bodyPr>
-          <a:lstStyle/>
-          <a:p>
-            <a:pPr defTabSz="914400">
-              <a:spcBef>
-                <a:spcPts val="0"/>
-              </a:spcBef>
-              <a:spcAft>
-                <a:spcPts val="0"/>
-              </a:spcAft>
-              <a:buClrTx/>
-              <a:buSzTx/>
-              <a:defRPr/>
-            </a:pPr>
-            <a:r>
-              <a:rPr lang="en-US" dirty="0"/>
-              <a:t>Usually, FIRST LEGO League releases the theme during the World Championship in April.</a:t>
-            </a:r>
-          </a:p>
-          <a:p>
-            <a:pPr defTabSz="914400">
-              <a:spcBef>
-                <a:spcPts val="0"/>
-              </a:spcBef>
-              <a:spcAft>
-                <a:spcPts val="0"/>
-              </a:spcAft>
-              <a:buClrTx/>
-              <a:buSzTx/>
-              <a:defRPr/>
-            </a:pPr>
-            <a:endParaRPr lang="en-US" dirty="0"/>
-          </a:p>
-          <a:p>
-            <a:pPr defTabSz="914400">
-              <a:spcBef>
-                <a:spcPts val="0"/>
-              </a:spcBef>
-              <a:spcAft>
-                <a:spcPts val="0"/>
-              </a:spcAft>
-              <a:buClrTx/>
-              <a:buSzTx/>
-              <a:defRPr/>
-            </a:pPr>
-            <a:r>
-              <a:rPr lang="en-US" dirty="0"/>
-              <a:t>FIRST also releases several video teaser on their YouTube channel</a:t>
-            </a:r>
-          </a:p>
-          <a:p>
-            <a:pPr defTabSz="914400">
-              <a:spcBef>
-                <a:spcPts val="0"/>
-              </a:spcBef>
-              <a:spcAft>
-                <a:spcPts val="0"/>
-              </a:spcAft>
-              <a:buClrTx/>
-              <a:buSzTx/>
-              <a:defRPr/>
-            </a:pPr>
-            <a:endParaRPr lang="en-US" dirty="0"/>
-          </a:p>
-          <a:p>
-            <a:pPr defTabSz="914400">
-              <a:spcBef>
-                <a:spcPts val="0"/>
-              </a:spcBef>
-              <a:spcAft>
-                <a:spcPts val="0"/>
-              </a:spcAft>
-              <a:buClrTx/>
-              <a:buSzTx/>
-              <a:defRPr/>
-            </a:pPr>
-            <a:r>
-              <a:rPr lang="en-US" dirty="0"/>
-              <a:t>While you will not know the details of the challenge until August, you can start thinking about the </a:t>
-            </a:r>
-            <a:r>
-              <a:rPr lang="en-US" i="1" dirty="0">
-                <a:solidFill>
-                  <a:srgbClr val="FF0000"/>
-                </a:solidFill>
-              </a:rPr>
-              <a:t>high-level topic</a:t>
-            </a:r>
-            <a:r>
-              <a:rPr lang="en-US" dirty="0"/>
-              <a:t> well in advance</a:t>
-            </a:r>
-          </a:p>
-          <a:p>
-            <a:pPr defTabSz="914400">
-              <a:spcBef>
-                <a:spcPts val="0"/>
-              </a:spcBef>
-              <a:spcAft>
-                <a:spcPts val="0"/>
-              </a:spcAft>
-              <a:buClrTx/>
-              <a:buSzTx/>
-              <a:defRPr/>
-            </a:pPr>
-            <a:endParaRPr lang="en-US" dirty="0"/>
-          </a:p>
-          <a:p>
-            <a:pPr defTabSz="914400">
-              <a:spcBef>
-                <a:spcPts val="0"/>
-              </a:spcBef>
-              <a:spcAft>
-                <a:spcPts val="0"/>
-              </a:spcAft>
-              <a:buClrTx/>
-              <a:buSzTx/>
-              <a:defRPr/>
-            </a:pPr>
-            <a:endParaRPr lang="en-US" dirty="0"/>
-          </a:p>
-          <a:p>
-            <a:pPr defTabSz="914400">
-              <a:spcBef>
-                <a:spcPts val="0"/>
-              </a:spcBef>
-              <a:spcAft>
-                <a:spcPts val="0"/>
-              </a:spcAft>
-              <a:buClrTx/>
-              <a:buSzTx/>
-              <a:defRPr/>
-            </a:pPr>
-            <a:endParaRPr lang="en-US" dirty="0"/>
-          </a:p>
-        </p:txBody>
-      </p:sp>
-      <p:sp>
-        <p:nvSpPr>
-          <p:cNvPr id="4" name="Footer Placeholder 3"/>
-          <p:cNvSpPr>
-            <a:spLocks noGrp="1"/>
-          </p:cNvSpPr>
-          <p:nvPr>
-            <p:ph type="ftr" sz="quarter" idx="11"/>
-          </p:nvPr>
-        </p:nvSpPr>
-        <p:spPr/>
-        <p:txBody>
-          <a:bodyPr/>
-          <a:lstStyle/>
-          <a:p>
-            <a:r>
-              <a:rPr lang="en-US"/>
-              <a:t>© 2022, FLL Tutorials</a:t>
-            </a:r>
-            <a:endParaRPr lang="en-US" dirty="0"/>
-          </a:p>
-        </p:txBody>
-      </p:sp>
-      <p:sp>
-        <p:nvSpPr>
-          <p:cNvPr id="5" name="Slide Number Placeholder 4"/>
-          <p:cNvSpPr>
-            <a:spLocks noGrp="1"/>
-          </p:cNvSpPr>
-          <p:nvPr>
-            <p:ph type="sldNum" sz="quarter" idx="12"/>
-          </p:nvPr>
-        </p:nvSpPr>
-        <p:spPr/>
-        <p:txBody>
-          <a:bodyPr/>
-          <a:lstStyle/>
-          <a:p>
-            <a:fld id="{6D22F896-40B5-4ADD-8801-0D06FADFA095}" type="slidenum">
-              <a:rPr lang="en-US" smtClean="0"/>
-              <a:t>3</a:t>
-            </a:fld>
-            <a:endParaRPr lang="en-US" dirty="0"/>
-          </a:p>
-        </p:txBody>
-      </p:sp>
-    </p:spTree>
-    <p:extLst>
-      <p:ext uri="{BB962C8B-B14F-4D97-AF65-F5344CB8AC3E}">
-        <p14:creationId xmlns:p14="http://schemas.microsoft.com/office/powerpoint/2010/main" val="1609284386"/>
-      </p:ext>
-    </p:extLst>
-  </p:cSld>
-  <p:clrMapOvr>
-    <a:masterClrMapping/>
-  </p:clrMapOvr>
-</p:sld>
-</file>
-
-<file path=ppt/slides/slide4.xml><?xml version="1.0" encoding="utf-8"?>
-<p:sld xmlns:a="http://schemas.openxmlformats.org/drawingml/2006/main" xmlns:r="http://schemas.openxmlformats.org/officeDocument/2006/relationships" xmlns:p="http://schemas.openxmlformats.org/presentationml/2006/main">
-  <p:cSld>
-    <p:spTree>
-      <p:nvGrpSpPr>
-        <p:cNvPr id="1" name=""/>
-        <p:cNvGrpSpPr/>
-        <p:nvPr/>
-      </p:nvGrpSpPr>
-      <p:grpSpPr>
-        <a:xfrm>
-          <a:off x="0" y="0"/>
-          <a:ext cx="0" cy="0"/>
-          <a:chOff x="0" y="0"/>
-          <a:chExt cx="0" cy="0"/>
-        </a:xfrm>
-      </p:grpSpPr>
-      <p:sp>
-        <p:nvSpPr>
-          <p:cNvPr id="2" name="Title 1"/>
-          <p:cNvSpPr>
-            <a:spLocks noGrp="1"/>
-          </p:cNvSpPr>
-          <p:nvPr>
-            <p:ph type="title"/>
-          </p:nvPr>
-        </p:nvSpPr>
-        <p:spPr/>
-        <p:txBody>
-          <a:bodyPr/>
-          <a:lstStyle/>
-          <a:p>
-            <a:r>
-              <a:rPr lang="en-US" dirty="0"/>
-              <a:t>Get a Head Start on Ideas</a:t>
-            </a:r>
-          </a:p>
-        </p:txBody>
-      </p:sp>
-      <p:sp>
-        <p:nvSpPr>
-          <p:cNvPr id="3" name="Content Placeholder 2"/>
-          <p:cNvSpPr>
-            <a:spLocks noGrp="1"/>
-          </p:cNvSpPr>
-          <p:nvPr>
-            <p:ph idx="1"/>
-          </p:nvPr>
-        </p:nvSpPr>
-        <p:spPr>
-          <a:xfrm>
-            <a:off x="241740" y="1845734"/>
-            <a:ext cx="3662996" cy="4023360"/>
-          </a:xfrm>
-        </p:spPr>
-        <p:txBody>
-          <a:bodyPr>
-            <a:normAutofit fontScale="55000" lnSpcReduction="20000"/>
-          </a:bodyPr>
-          <a:lstStyle/>
-          <a:p>
-            <a:r>
-              <a:rPr lang="en-US" dirty="0"/>
-              <a:t>Between April and August, try to go on some early field trips to inspire project topics</a:t>
-            </a:r>
-          </a:p>
-          <a:p>
-            <a:pPr lvl="1"/>
-            <a:r>
-              <a:rPr lang="en-US" dirty="0"/>
-              <a:t>In Animal Allies, many teams visited Zoos and Aquariums over the summer</a:t>
-            </a:r>
-          </a:p>
-          <a:p>
-            <a:r>
-              <a:rPr lang="en-US" dirty="0"/>
-              <a:t>Do some preliminary online research related to the topic</a:t>
-            </a:r>
-          </a:p>
-          <a:p>
-            <a:r>
-              <a:rPr lang="en-US" dirty="0"/>
-              <a:t>Your goal is not to finish your project, but get some general ideas for possible topics related to the theme.</a:t>
-            </a:r>
-          </a:p>
-          <a:p>
-            <a:pPr lvl="1"/>
-            <a:endParaRPr lang="en-US" dirty="0"/>
-          </a:p>
-        </p:txBody>
-      </p:sp>
-      <p:sp>
-        <p:nvSpPr>
-          <p:cNvPr id="4" name="Footer Placeholder 3"/>
-          <p:cNvSpPr>
-            <a:spLocks noGrp="1"/>
-          </p:cNvSpPr>
-          <p:nvPr>
-            <p:ph type="ftr" sz="quarter" idx="11"/>
-          </p:nvPr>
-        </p:nvSpPr>
-        <p:spPr/>
-        <p:txBody>
-          <a:bodyPr/>
-          <a:lstStyle/>
-          <a:p>
-            <a:r>
-              <a:rPr lang="en-US"/>
-              <a:t>© 2022, FLL Tutorials</a:t>
-            </a:r>
-            <a:endParaRPr lang="en-US" dirty="0"/>
-          </a:p>
-        </p:txBody>
-      </p:sp>
-      <p:sp>
-        <p:nvSpPr>
-          <p:cNvPr id="5" name="Slide Number Placeholder 4"/>
-          <p:cNvSpPr>
-            <a:spLocks noGrp="1"/>
-          </p:cNvSpPr>
-          <p:nvPr>
-            <p:ph type="sldNum" sz="quarter" idx="12"/>
-          </p:nvPr>
-        </p:nvSpPr>
-        <p:spPr/>
-        <p:txBody>
-          <a:bodyPr/>
-          <a:lstStyle/>
-          <a:p>
-            <a:fld id="{6D22F896-40B5-4ADD-8801-0D06FADFA095}" type="slidenum">
-              <a:rPr lang="en-US" smtClean="0"/>
-              <a:t>4</a:t>
-            </a:fld>
-            <a:endParaRPr lang="en-US" dirty="0"/>
-          </a:p>
-        </p:txBody>
-      </p:sp>
-      <p:pic>
-        <p:nvPicPr>
-          <p:cNvPr id="7" name="Picture 6"/>
-          <p:cNvPicPr>
-            <a:picLocks noChangeAspect="1"/>
-          </p:cNvPicPr>
-          <p:nvPr/>
-        </p:nvPicPr>
-        <p:blipFill>
-          <a:blip r:embed="rId2">
-            <a:extLst>
-              <a:ext uri="{28A0092B-C50C-407E-A947-70E740481C1C}">
-                <a14:useLocalDpi xmlns:a14="http://schemas.microsoft.com/office/drawing/2010/main" val="0"/>
-              </a:ext>
-            </a:extLst>
-          </a:blip>
-          <a:stretch>
-            <a:fillRect/>
-          </a:stretch>
-        </p:blipFill>
-        <p:spPr>
-          <a:xfrm>
-            <a:off x="4287794" y="2170716"/>
-            <a:ext cx="4497860" cy="3373395"/>
-          </a:xfrm>
-          <a:prstGeom prst="rect">
-            <a:avLst/>
-          </a:prstGeom>
-        </p:spPr>
-      </p:pic>
-    </p:spTree>
-    <p:extLst>
-      <p:ext uri="{BB962C8B-B14F-4D97-AF65-F5344CB8AC3E}">
-        <p14:creationId xmlns:p14="http://schemas.microsoft.com/office/powerpoint/2010/main" val="780477816"/>
-      </p:ext>
-    </p:extLst>
-  </p:cSld>
-  <p:clrMapOvr>
-    <a:masterClrMapping/>
-  </p:clrMapOvr>
-</p:sld>
-</file>
-
-<file path=ppt/slides/slide5.xml><?xml version="1.0" encoding="utf-8"?>
-<p:sld xmlns:a="http://schemas.openxmlformats.org/drawingml/2006/main" xmlns:r="http://schemas.openxmlformats.org/officeDocument/2006/relationships" xmlns:p="http://schemas.openxmlformats.org/presentationml/2006/main">
-  <p:cSld>
-    <p:spTree>
-      <p:nvGrpSpPr>
-        <p:cNvPr id="1" name=""/>
-        <p:cNvGrpSpPr/>
-        <p:nvPr/>
-      </p:nvGrpSpPr>
-      <p:grpSpPr>
-        <a:xfrm>
-          <a:off x="0" y="0"/>
-          <a:ext cx="0" cy="0"/>
-          <a:chOff x="0" y="0"/>
-          <a:chExt cx="0" cy="0"/>
-        </a:xfrm>
-      </p:grpSpPr>
-      <p:sp>
-        <p:nvSpPr>
-          <p:cNvPr id="2" name="Title 1"/>
-          <p:cNvSpPr>
-            <a:spLocks noGrp="1"/>
-          </p:cNvSpPr>
-          <p:nvPr>
-            <p:ph type="title"/>
-          </p:nvPr>
-        </p:nvSpPr>
-        <p:spPr/>
-        <p:txBody>
-          <a:bodyPr>
-            <a:normAutofit fontScale="90000"/>
-          </a:bodyPr>
-          <a:lstStyle/>
-          <a:p>
-            <a:r>
-              <a:rPr lang="en-US" dirty="0"/>
-              <a:t>Read the Challenge Documents Carefully</a:t>
-            </a:r>
-          </a:p>
-        </p:txBody>
-      </p:sp>
-      <p:sp>
-        <p:nvSpPr>
-          <p:cNvPr id="3" name="Content Placeholder 2"/>
-          <p:cNvSpPr>
-            <a:spLocks noGrp="1"/>
-          </p:cNvSpPr>
-          <p:nvPr>
-            <p:ph idx="1"/>
-          </p:nvPr>
-        </p:nvSpPr>
-        <p:spPr>
-          <a:xfrm>
-            <a:off x="403321" y="1574065"/>
-            <a:ext cx="8167623" cy="4023360"/>
-          </a:xfrm>
-        </p:spPr>
-        <p:txBody>
-          <a:bodyPr>
-            <a:normAutofit/>
-          </a:bodyPr>
-          <a:lstStyle/>
-          <a:p>
-            <a:r>
-              <a:rPr lang="en-US" sz="2000" dirty="0"/>
-              <a:t>Sometimes, you are allowed to pick only from a certain sub-set of topics (e.g. Nature’s Fury listed which natural disasters were allowed)</a:t>
-            </a:r>
-          </a:p>
-          <a:p>
-            <a:endParaRPr lang="en-US" sz="2000" dirty="0"/>
-          </a:p>
-          <a:p>
-            <a:endParaRPr lang="en-US" sz="2000" dirty="0"/>
-          </a:p>
-          <a:p>
-            <a:endParaRPr lang="en-US" sz="2000" dirty="0"/>
-          </a:p>
-          <a:p>
-            <a:endParaRPr lang="en-US" sz="2000" dirty="0"/>
-          </a:p>
-          <a:p>
-            <a:r>
-              <a:rPr lang="en-US" sz="2000" dirty="0"/>
-              <a:t>Sometimes, it calls for something specific (e.g. Senior Solutions required a Senior Partner for every team)</a:t>
-            </a:r>
-          </a:p>
-        </p:txBody>
-      </p:sp>
-      <p:sp>
-        <p:nvSpPr>
-          <p:cNvPr id="4" name="Footer Placeholder 3"/>
-          <p:cNvSpPr>
-            <a:spLocks noGrp="1"/>
-          </p:cNvSpPr>
-          <p:nvPr>
-            <p:ph type="ftr" sz="quarter" idx="11"/>
-          </p:nvPr>
-        </p:nvSpPr>
-        <p:spPr/>
-        <p:txBody>
-          <a:bodyPr/>
-          <a:lstStyle/>
-          <a:p>
-            <a:r>
-              <a:rPr lang="en-US"/>
-              <a:t>© 2022, FLL Tutorials</a:t>
-            </a:r>
-            <a:endParaRPr lang="en-US" dirty="0"/>
-          </a:p>
-        </p:txBody>
-      </p:sp>
-      <p:sp>
-        <p:nvSpPr>
-          <p:cNvPr id="5" name="Slide Number Placeholder 4"/>
-          <p:cNvSpPr>
-            <a:spLocks noGrp="1"/>
-          </p:cNvSpPr>
-          <p:nvPr>
-            <p:ph type="sldNum" sz="quarter" idx="12"/>
-          </p:nvPr>
-        </p:nvSpPr>
-        <p:spPr/>
-        <p:txBody>
-          <a:bodyPr/>
-          <a:lstStyle/>
-          <a:p>
-            <a:fld id="{6D22F896-40B5-4ADD-8801-0D06FADFA095}" type="slidenum">
-              <a:rPr lang="en-US" smtClean="0"/>
-              <a:t>5</a:t>
-            </a:fld>
-            <a:endParaRPr lang="en-US" dirty="0"/>
-          </a:p>
-        </p:txBody>
-      </p:sp>
-      <p:pic>
-        <p:nvPicPr>
-          <p:cNvPr id="6" name="Picture 5"/>
-          <p:cNvPicPr>
-            <a:picLocks noChangeAspect="1"/>
-          </p:cNvPicPr>
-          <p:nvPr/>
-        </p:nvPicPr>
-        <p:blipFill>
-          <a:blip r:embed="rId2">
-            <a:extLst>
-              <a:ext uri="{28A0092B-C50C-407E-A947-70E740481C1C}">
-                <a14:useLocalDpi xmlns:a14="http://schemas.microsoft.com/office/drawing/2010/main" val="0"/>
-              </a:ext>
-            </a:extLst>
-          </a:blip>
-          <a:stretch>
-            <a:fillRect/>
-          </a:stretch>
-        </p:blipFill>
-        <p:spPr>
-          <a:xfrm>
-            <a:off x="2209884" y="2318561"/>
-            <a:ext cx="5075702" cy="1316336"/>
-          </a:xfrm>
-          <a:prstGeom prst="rect">
-            <a:avLst/>
-          </a:prstGeom>
-          <a:ln w="38100" cap="sq">
-            <a:solidFill>
-              <a:srgbClr val="000000"/>
-            </a:solidFill>
-            <a:prstDash val="solid"/>
-            <a:miter lim="800000"/>
-          </a:ln>
-          <a:effectLst>
-            <a:outerShdw blurRad="50800" dist="38100" dir="2700000" algn="tl" rotWithShape="0">
-              <a:srgbClr val="000000">
-                <a:alpha val="43000"/>
-              </a:srgbClr>
-            </a:outerShdw>
-          </a:effectLst>
-        </p:spPr>
-      </p:pic>
-      <p:pic>
-        <p:nvPicPr>
-          <p:cNvPr id="7" name="Picture 6"/>
-          <p:cNvPicPr>
-            <a:picLocks noChangeAspect="1"/>
-          </p:cNvPicPr>
-          <p:nvPr/>
-        </p:nvPicPr>
-        <p:blipFill>
-          <a:blip r:embed="rId3">
-            <a:extLst>
-              <a:ext uri="{28A0092B-C50C-407E-A947-70E740481C1C}">
-                <a14:useLocalDpi xmlns:a14="http://schemas.microsoft.com/office/drawing/2010/main" val="0"/>
-              </a:ext>
-            </a:extLst>
-          </a:blip>
-          <a:stretch>
-            <a:fillRect/>
-          </a:stretch>
-        </p:blipFill>
-        <p:spPr>
-          <a:xfrm>
-            <a:off x="1114291" y="4905351"/>
-            <a:ext cx="6803062" cy="1072116"/>
-          </a:xfrm>
-          <a:prstGeom prst="rect">
-            <a:avLst/>
-          </a:prstGeom>
-          <a:ln w="38100" cap="sq">
-            <a:solidFill>
-              <a:srgbClr val="000000"/>
-            </a:solidFill>
-            <a:prstDash val="solid"/>
-            <a:miter lim="800000"/>
-          </a:ln>
-          <a:effectLst>
-            <a:outerShdw blurRad="50800" dist="38100" dir="2700000" algn="tl" rotWithShape="0">
-              <a:srgbClr val="000000">
-                <a:alpha val="43000"/>
-              </a:srgbClr>
-            </a:outerShdw>
-          </a:effectLst>
-        </p:spPr>
-      </p:pic>
-    </p:spTree>
-    <p:extLst>
-      <p:ext uri="{BB962C8B-B14F-4D97-AF65-F5344CB8AC3E}">
-        <p14:creationId xmlns:p14="http://schemas.microsoft.com/office/powerpoint/2010/main" val="1141328335"/>
-      </p:ext>
-    </p:extLst>
-  </p:cSld>
-  <p:clrMapOvr>
-    <a:masterClrMapping/>
-  </p:clrMapOvr>
-</p:sld>
-</file>
-
-<file path=ppt/slides/slide6.xml><?xml version="1.0" encoding="utf-8"?>
-<p:sld xmlns:a="http://schemas.openxmlformats.org/drawingml/2006/main" xmlns:r="http://schemas.openxmlformats.org/officeDocument/2006/relationships" xmlns:p="http://schemas.openxmlformats.org/presentationml/2006/main">
-  <p:cSld>
-    <p:spTree>
-      <p:nvGrpSpPr>
-        <p:cNvPr id="1" name=""/>
-        <p:cNvGrpSpPr/>
-        <p:nvPr/>
-      </p:nvGrpSpPr>
-      <p:grpSpPr>
-        <a:xfrm>
-          <a:off x="0" y="0"/>
-          <a:ext cx="0" cy="0"/>
-          <a:chOff x="0" y="0"/>
-          <a:chExt cx="0" cy="0"/>
-        </a:xfrm>
-      </p:grpSpPr>
-      <p:sp>
-        <p:nvSpPr>
-          <p:cNvPr id="2" name="Title 1">
-            <a:extLst>
-              <a:ext uri="{FF2B5EF4-FFF2-40B4-BE49-F238E27FC236}">
-                <a16:creationId xmlns:a16="http://schemas.microsoft.com/office/drawing/2014/main" id="{8712EE20-3241-E42F-F095-F598E499B2E4}"/>
-              </a:ext>
-            </a:extLst>
-          </p:cNvPr>
-          <p:cNvSpPr>
-            <a:spLocks noGrp="1"/>
-          </p:cNvSpPr>
-          <p:nvPr>
-            <p:ph type="title"/>
-          </p:nvPr>
-        </p:nvSpPr>
-        <p:spPr/>
-        <p:txBody>
-          <a:bodyPr/>
-          <a:lstStyle/>
-          <a:p>
-            <a:r>
-              <a:rPr lang="en-US" dirty="0"/>
-              <a:t>SUPERPOWERED PROMPT</a:t>
-            </a:r>
-          </a:p>
-        </p:txBody>
-      </p:sp>
-      <p:sp>
-        <p:nvSpPr>
-          <p:cNvPr id="3" name="Content Placeholder 2">
-            <a:extLst>
-              <a:ext uri="{FF2B5EF4-FFF2-40B4-BE49-F238E27FC236}">
-                <a16:creationId xmlns:a16="http://schemas.microsoft.com/office/drawing/2014/main" id="{DD660808-E580-9A5A-1751-5F8BA130A0A1}"/>
-              </a:ext>
-            </a:extLst>
-          </p:cNvPr>
-          <p:cNvSpPr>
-            <a:spLocks noGrp="1"/>
-          </p:cNvSpPr>
-          <p:nvPr>
-            <p:ph idx="1"/>
-          </p:nvPr>
-        </p:nvSpPr>
-        <p:spPr/>
-        <p:txBody>
-          <a:bodyPr/>
-          <a:lstStyle/>
-          <a:p>
-            <a:endParaRPr lang="en-US"/>
-          </a:p>
-        </p:txBody>
-      </p:sp>
-      <p:sp>
-        <p:nvSpPr>
-          <p:cNvPr id="4" name="Footer Placeholder 3">
-            <a:extLst>
-              <a:ext uri="{FF2B5EF4-FFF2-40B4-BE49-F238E27FC236}">
-                <a16:creationId xmlns:a16="http://schemas.microsoft.com/office/drawing/2014/main" id="{94B1E613-BA67-B7A9-3598-412FF93AC451}"/>
-              </a:ext>
-            </a:extLst>
-          </p:cNvPr>
-          <p:cNvSpPr>
-            <a:spLocks noGrp="1"/>
-          </p:cNvSpPr>
-          <p:nvPr>
-            <p:ph type="ftr" sz="quarter" idx="11"/>
-          </p:nvPr>
-        </p:nvSpPr>
-        <p:spPr/>
-        <p:txBody>
-          <a:bodyPr/>
-          <a:lstStyle/>
-          <a:p>
-            <a:r>
-              <a:rPr lang="en-US"/>
-              <a:t>© 2022, FLL Tutorials</a:t>
-            </a:r>
-            <a:endParaRPr lang="en-US" dirty="0"/>
-          </a:p>
-        </p:txBody>
-      </p:sp>
-      <p:sp>
-        <p:nvSpPr>
-          <p:cNvPr id="5" name="Slide Number Placeholder 4">
-            <a:extLst>
-              <a:ext uri="{FF2B5EF4-FFF2-40B4-BE49-F238E27FC236}">
-                <a16:creationId xmlns:a16="http://schemas.microsoft.com/office/drawing/2014/main" id="{1D5074B9-8B30-BCF0-7D6E-006DFAA86ACB}"/>
-              </a:ext>
-            </a:extLst>
-          </p:cNvPr>
-          <p:cNvSpPr>
-            <a:spLocks noGrp="1"/>
-          </p:cNvSpPr>
-          <p:nvPr>
-            <p:ph type="sldNum" sz="quarter" idx="12"/>
-          </p:nvPr>
-        </p:nvSpPr>
-        <p:spPr/>
-        <p:txBody>
-          <a:bodyPr/>
-          <a:lstStyle/>
-          <a:p>
-            <a:fld id="{6D22F896-40B5-4ADD-8801-0D06FADFA095}" type="slidenum">
-              <a:rPr lang="en-US" smtClean="0"/>
-              <a:t>6</a:t>
-            </a:fld>
-            <a:endParaRPr lang="en-US" dirty="0"/>
-          </a:p>
-        </p:txBody>
-      </p:sp>
-      <p:pic>
-        <p:nvPicPr>
-          <p:cNvPr id="1026" name="Picture 2">
-            <a:extLst>
-              <a:ext uri="{FF2B5EF4-FFF2-40B4-BE49-F238E27FC236}">
-                <a16:creationId xmlns:a16="http://schemas.microsoft.com/office/drawing/2014/main" id="{B0BE7EA5-BD60-4C75-4176-E4445DD03E46}"/>
-              </a:ext>
-            </a:extLst>
-          </p:cNvPr>
-          <p:cNvPicPr>
-            <a:picLocks noChangeAspect="1" noChangeArrowheads="1"/>
-          </p:cNvPicPr>
-          <p:nvPr/>
-        </p:nvPicPr>
-        <p:blipFill>
-          <a:blip r:embed="rId2">
-            <a:extLst>
-              <a:ext uri="{28A0092B-C50C-407E-A947-70E740481C1C}">
-                <a14:useLocalDpi xmlns:a14="http://schemas.microsoft.com/office/drawing/2010/main" val="0"/>
-              </a:ext>
-            </a:extLst>
-          </a:blip>
-          <a:srcRect/>
-          <a:stretch>
-            <a:fillRect/>
-          </a:stretch>
-        </p:blipFill>
-        <p:spPr bwMode="auto">
-          <a:xfrm>
-            <a:off x="359778" y="1336405"/>
-            <a:ext cx="5961983" cy="1264918"/>
-          </a:xfrm>
-          <a:prstGeom prst="rect">
-            <a:avLst/>
-          </a:prstGeom>
-          <a:noFill/>
-          <a:extLst>
-            <a:ext uri="{909E8E84-426E-40DD-AFC4-6F175D3DCCD1}">
-              <a14:hiddenFill xmlns:a14="http://schemas.microsoft.com/office/drawing/2010/main">
-                <a:solidFill>
-                  <a:srgbClr val="FFFFFF"/>
-                </a:solidFill>
-              </a14:hiddenFill>
-            </a:ext>
-          </a:extLst>
-        </p:spPr>
-      </p:pic>
-      <p:pic>
-        <p:nvPicPr>
-          <p:cNvPr id="1027" name="Picture 3">
-            <a:extLst>
-              <a:ext uri="{FF2B5EF4-FFF2-40B4-BE49-F238E27FC236}">
-                <a16:creationId xmlns:a16="http://schemas.microsoft.com/office/drawing/2014/main" id="{B65D7A08-CD13-2FB3-45DE-A70478EC0976}"/>
-              </a:ext>
-            </a:extLst>
-          </p:cNvPr>
-          <p:cNvPicPr>
-            <a:picLocks noChangeAspect="1" noChangeArrowheads="1"/>
-          </p:cNvPicPr>
-          <p:nvPr/>
-        </p:nvPicPr>
-        <p:blipFill>
-          <a:blip r:embed="rId3">
-            <a:extLst>
-              <a:ext uri="{28A0092B-C50C-407E-A947-70E740481C1C}">
-                <a14:useLocalDpi xmlns:a14="http://schemas.microsoft.com/office/drawing/2010/main" val="0"/>
-              </a:ext>
-            </a:extLst>
-          </a:blip>
-          <a:srcRect/>
-          <a:stretch>
-            <a:fillRect/>
-          </a:stretch>
-        </p:blipFill>
-        <p:spPr bwMode="auto">
-          <a:xfrm>
-            <a:off x="4081651" y="4199565"/>
-            <a:ext cx="4156196" cy="2305703"/>
-          </a:xfrm>
-          <a:prstGeom prst="rect">
-            <a:avLst/>
-          </a:prstGeom>
-          <a:noFill/>
-          <a:extLst>
-            <a:ext uri="{909E8E84-426E-40DD-AFC4-6F175D3DCCD1}">
-              <a14:hiddenFill xmlns:a14="http://schemas.microsoft.com/office/drawing/2010/main">
-                <a:solidFill>
-                  <a:srgbClr val="FFFFFF"/>
-                </a:solidFill>
-              </a14:hiddenFill>
-            </a:ext>
-          </a:extLst>
-        </p:spPr>
-      </p:pic>
-      <p:pic>
-        <p:nvPicPr>
-          <p:cNvPr id="1028" name="Picture 4">
-            <a:extLst>
-              <a:ext uri="{FF2B5EF4-FFF2-40B4-BE49-F238E27FC236}">
-                <a16:creationId xmlns:a16="http://schemas.microsoft.com/office/drawing/2014/main" id="{B4B3EECA-3A1B-C5EE-F305-D39BE92958E5}"/>
-              </a:ext>
-            </a:extLst>
-          </p:cNvPr>
-          <p:cNvPicPr>
-            <a:picLocks noChangeAspect="1" noChangeArrowheads="1"/>
-          </p:cNvPicPr>
-          <p:nvPr/>
-        </p:nvPicPr>
-        <p:blipFill rotWithShape="1">
-          <a:blip r:embed="rId4">
-            <a:extLst>
-              <a:ext uri="{28A0092B-C50C-407E-A947-70E740481C1C}">
-                <a14:useLocalDpi xmlns:a14="http://schemas.microsoft.com/office/drawing/2010/main" val="0"/>
-              </a:ext>
-            </a:extLst>
-          </a:blip>
-          <a:srcRect b="30699"/>
-          <a:stretch/>
-        </p:blipFill>
-        <p:spPr bwMode="auto">
-          <a:xfrm>
-            <a:off x="448091" y="2432705"/>
-            <a:ext cx="3855685" cy="3850850"/>
-          </a:xfrm>
-          <a:prstGeom prst="rect">
-            <a:avLst/>
-          </a:prstGeom>
-          <a:noFill/>
-          <a:extLst>
-            <a:ext uri="{909E8E84-426E-40DD-AFC4-6F175D3DCCD1}">
-              <a14:hiddenFill xmlns:a14="http://schemas.microsoft.com/office/drawing/2010/main">
-                <a:solidFill>
-                  <a:srgbClr val="FFFFFF"/>
-                </a:solidFill>
-              </a14:hiddenFill>
-            </a:ext>
-          </a:extLst>
-        </p:spPr>
-      </p:pic>
-      <p:pic>
-        <p:nvPicPr>
-          <p:cNvPr id="6" name="Picture 4">
-            <a:extLst>
-              <a:ext uri="{FF2B5EF4-FFF2-40B4-BE49-F238E27FC236}">
-                <a16:creationId xmlns:a16="http://schemas.microsoft.com/office/drawing/2014/main" id="{1705D1B6-84CB-5693-E6F5-C2A716126C16}"/>
-              </a:ext>
-            </a:extLst>
-          </p:cNvPr>
-          <p:cNvPicPr>
-            <a:picLocks noChangeAspect="1" noChangeArrowheads="1"/>
-          </p:cNvPicPr>
-          <p:nvPr/>
-        </p:nvPicPr>
-        <p:blipFill rotWithShape="1">
-          <a:blip r:embed="rId4">
-            <a:extLst>
-              <a:ext uri="{28A0092B-C50C-407E-A947-70E740481C1C}">
-                <a14:useLocalDpi xmlns:a14="http://schemas.microsoft.com/office/drawing/2010/main" val="0"/>
-              </a:ext>
-            </a:extLst>
-          </a:blip>
-          <a:srcRect t="68175"/>
-          <a:stretch/>
-        </p:blipFill>
-        <p:spPr bwMode="auto">
-          <a:xfrm>
-            <a:off x="4081651" y="2473589"/>
-            <a:ext cx="4041604" cy="1853710"/>
-          </a:xfrm>
-          <a:prstGeom prst="rect">
-            <a:avLst/>
-          </a:prstGeom>
-          <a:noFill/>
-          <a:extLst>
-            <a:ext uri="{909E8E84-426E-40DD-AFC4-6F175D3DCCD1}">
-              <a14:hiddenFill xmlns:a14="http://schemas.microsoft.com/office/drawing/2010/main">
-                <a:solidFill>
-                  <a:srgbClr val="FFFFFF"/>
-                </a:solidFill>
-              </a14:hiddenFill>
-            </a:ext>
-          </a:extLst>
-        </p:spPr>
-      </p:pic>
-    </p:spTree>
-    <p:extLst>
-      <p:ext uri="{BB962C8B-B14F-4D97-AF65-F5344CB8AC3E}">
-        <p14:creationId xmlns:p14="http://schemas.microsoft.com/office/powerpoint/2010/main" val="3755283977"/>
-      </p:ext>
-    </p:extLst>
-  </p:cSld>
-  <p:clrMapOvr>
-    <a:masterClrMapping/>
-  </p:clrMapOvr>
-</p:sld>
-</file>
-
-<file path=ppt/slides/slide7.xml><?xml version="1.0" encoding="utf-8"?>
-<p:sld xmlns:a="http://schemas.openxmlformats.org/drawingml/2006/main" xmlns:r="http://schemas.openxmlformats.org/officeDocument/2006/relationships" xmlns:p="http://schemas.openxmlformats.org/presentationml/2006/main">
-  <p:cSld>
-    <p:spTree>
-      <p:nvGrpSpPr>
-        <p:cNvPr id="1" name=""/>
-        <p:cNvGrpSpPr/>
-        <p:nvPr/>
-      </p:nvGrpSpPr>
-      <p:grpSpPr>
-        <a:xfrm>
-          <a:off x="0" y="0"/>
-          <a:ext cx="0" cy="0"/>
-          <a:chOff x="0" y="0"/>
-          <a:chExt cx="0" cy="0"/>
-        </a:xfrm>
-      </p:grpSpPr>
-      <p:sp>
-        <p:nvSpPr>
-          <p:cNvPr id="2" name="Title 1">
-            <a:extLst>
-              <a:ext uri="{FF2B5EF4-FFF2-40B4-BE49-F238E27FC236}">
-                <a16:creationId xmlns:a16="http://schemas.microsoft.com/office/drawing/2014/main" id="{334C3BD4-8AD4-9196-029D-8F02CA3483FE}"/>
-              </a:ext>
-            </a:extLst>
-          </p:cNvPr>
-          <p:cNvSpPr>
-            <a:spLocks noGrp="1"/>
-          </p:cNvSpPr>
-          <p:nvPr>
-            <p:ph type="title"/>
-          </p:nvPr>
-        </p:nvSpPr>
-        <p:spPr/>
-        <p:txBody>
-          <a:bodyPr/>
-          <a:lstStyle/>
-          <a:p>
-            <a:r>
-              <a:rPr lang="en-US" dirty="0"/>
-              <a:t>PICK A PROBLEM That is meaningful</a:t>
-            </a:r>
-          </a:p>
-        </p:txBody>
-      </p:sp>
-      <p:sp>
-        <p:nvSpPr>
-          <p:cNvPr id="3" name="Content Placeholder 2">
-            <a:extLst>
-              <a:ext uri="{FF2B5EF4-FFF2-40B4-BE49-F238E27FC236}">
-                <a16:creationId xmlns:a16="http://schemas.microsoft.com/office/drawing/2014/main" id="{FE6725C0-FD61-23D3-B8C2-15095335671B}"/>
-              </a:ext>
-            </a:extLst>
-          </p:cNvPr>
-          <p:cNvSpPr>
-            <a:spLocks noGrp="1"/>
-          </p:cNvSpPr>
-          <p:nvPr>
-            <p:ph idx="1"/>
-          </p:nvPr>
-        </p:nvSpPr>
-        <p:spPr>
-          <a:xfrm>
-            <a:off x="448092" y="1505583"/>
-            <a:ext cx="8122852" cy="4353215"/>
-          </a:xfrm>
-        </p:spPr>
-        <p:txBody>
-          <a:bodyPr/>
-          <a:lstStyle/>
-          <a:p>
-            <a:r>
-              <a:rPr lang="en-US" dirty="0"/>
-              <a:t>Always think of a problem first, not the solution</a:t>
-            </a:r>
-          </a:p>
-          <a:p>
-            <a:r>
-              <a:rPr lang="en-US" dirty="0"/>
-              <a:t>The problem can be as small or big as you want</a:t>
-            </a:r>
-          </a:p>
-          <a:p>
-            <a:r>
-              <a:rPr lang="en-US" dirty="0"/>
-              <a:t>Most students relate better to local problems that impact their lives</a:t>
-            </a:r>
-          </a:p>
-        </p:txBody>
-      </p:sp>
-      <p:sp>
-        <p:nvSpPr>
-          <p:cNvPr id="4" name="Footer Placeholder 3">
-            <a:extLst>
-              <a:ext uri="{FF2B5EF4-FFF2-40B4-BE49-F238E27FC236}">
-                <a16:creationId xmlns:a16="http://schemas.microsoft.com/office/drawing/2014/main" id="{E1BF5329-24EB-F0E6-22A4-10CB54EF6667}"/>
-              </a:ext>
-            </a:extLst>
-          </p:cNvPr>
-          <p:cNvSpPr>
-            <a:spLocks noGrp="1"/>
-          </p:cNvSpPr>
-          <p:nvPr>
-            <p:ph type="ftr" sz="quarter" idx="11"/>
-          </p:nvPr>
-        </p:nvSpPr>
-        <p:spPr/>
-        <p:txBody>
-          <a:bodyPr/>
-          <a:lstStyle/>
-          <a:p>
-            <a:r>
-              <a:rPr lang="en-US"/>
-              <a:t>© 2022, FLL Tutorials</a:t>
-            </a:r>
-            <a:endParaRPr lang="en-US" dirty="0"/>
-          </a:p>
-        </p:txBody>
-      </p:sp>
-      <p:sp>
-        <p:nvSpPr>
-          <p:cNvPr id="5" name="Slide Number Placeholder 4">
-            <a:extLst>
-              <a:ext uri="{FF2B5EF4-FFF2-40B4-BE49-F238E27FC236}">
-                <a16:creationId xmlns:a16="http://schemas.microsoft.com/office/drawing/2014/main" id="{1DB50EBA-04BD-45C2-F4B5-B29575E72451}"/>
-              </a:ext>
-            </a:extLst>
-          </p:cNvPr>
-          <p:cNvSpPr>
-            <a:spLocks noGrp="1"/>
-          </p:cNvSpPr>
-          <p:nvPr>
-            <p:ph type="sldNum" sz="quarter" idx="12"/>
-          </p:nvPr>
-        </p:nvSpPr>
-        <p:spPr/>
-        <p:txBody>
-          <a:bodyPr/>
-          <a:lstStyle/>
-          <a:p>
-            <a:fld id="{6D22F896-40B5-4ADD-8801-0D06FADFA095}" type="slidenum">
-              <a:rPr lang="en-US" smtClean="0"/>
-              <a:t>7</a:t>
-            </a:fld>
-            <a:endParaRPr lang="en-US" dirty="0"/>
-          </a:p>
-        </p:txBody>
-      </p:sp>
-    </p:spTree>
-    <p:extLst>
-      <p:ext uri="{BB962C8B-B14F-4D97-AF65-F5344CB8AC3E}">
-        <p14:creationId xmlns:p14="http://schemas.microsoft.com/office/powerpoint/2010/main" val="1479210244"/>
-      </p:ext>
-    </p:extLst>
-  </p:cSld>
-  <p:clrMapOvr>
-    <a:masterClrMapping/>
-  </p:clrMapOvr>
-</p:sld>
-</file>
-
-<file path=ppt/slides/slide8.xml><?xml version="1.0" encoding="utf-8"?>
-<p:sld xmlns:a="http://schemas.openxmlformats.org/drawingml/2006/main" xmlns:r="http://schemas.openxmlformats.org/officeDocument/2006/relationships" xmlns:p="http://schemas.openxmlformats.org/presentationml/2006/main">
-  <p:cSld>
-    <p:spTree>
-      <p:nvGrpSpPr>
-        <p:cNvPr id="1" name=""/>
-        <p:cNvGrpSpPr/>
-        <p:nvPr/>
-      </p:nvGrpSpPr>
-      <p:grpSpPr>
-        <a:xfrm>
-          <a:off x="0" y="0"/>
-          <a:ext cx="0" cy="0"/>
-          <a:chOff x="0" y="0"/>
-          <a:chExt cx="0" cy="0"/>
-        </a:xfrm>
-      </p:grpSpPr>
-      <p:sp>
-        <p:nvSpPr>
-          <p:cNvPr id="2" name="Title 1"/>
-          <p:cNvSpPr>
-            <a:spLocks noGrp="1"/>
-          </p:cNvSpPr>
-          <p:nvPr>
-            <p:ph type="title"/>
-          </p:nvPr>
-        </p:nvSpPr>
-        <p:spPr/>
-        <p:txBody>
-          <a:bodyPr/>
-          <a:lstStyle/>
-          <a:p>
-            <a:r>
-              <a:rPr lang="en-US" dirty="0"/>
-              <a:t>Pick a Topic Everyone Agrees Upon</a:t>
-            </a:r>
-          </a:p>
-        </p:txBody>
-      </p:sp>
-      <p:sp>
-        <p:nvSpPr>
-          <p:cNvPr id="3" name="Content Placeholder 2"/>
-          <p:cNvSpPr>
-            <a:spLocks noGrp="1"/>
-          </p:cNvSpPr>
-          <p:nvPr>
-            <p:ph idx="1"/>
-          </p:nvPr>
-        </p:nvSpPr>
-        <p:spPr>
-          <a:xfrm>
-            <a:off x="241739" y="1845733"/>
-            <a:ext cx="3811277" cy="4324791"/>
-          </a:xfrm>
-        </p:spPr>
-        <p:txBody>
-          <a:bodyPr>
-            <a:normAutofit fontScale="92500" lnSpcReduction="10000"/>
-          </a:bodyPr>
-          <a:lstStyle/>
-          <a:p>
-            <a:r>
-              <a:rPr lang="en-US" sz="2000" dirty="0"/>
-              <a:t>Everyone works on the project </a:t>
-            </a:r>
-          </a:p>
-          <a:p>
-            <a:pPr lvl="1"/>
-            <a:r>
-              <a:rPr lang="en-US" sz="1800" dirty="0"/>
-              <a:t>Pick a topic that all team members can agree on/are interested in</a:t>
-            </a:r>
-          </a:p>
-          <a:p>
-            <a:r>
-              <a:rPr lang="en-US" sz="2000" dirty="0"/>
-              <a:t>One idea is to have all team members do a little bit of research on their favorite topic and then present this topic to each other. </a:t>
-            </a:r>
-          </a:p>
-          <a:p>
-            <a:pPr lvl="1"/>
-            <a:r>
-              <a:rPr lang="en-US" sz="1800" dirty="0"/>
-              <a:t>Then the team decides which topic they are most interested in to pick for their team’s project.</a:t>
-            </a:r>
-          </a:p>
-          <a:p>
-            <a:pPr lvl="1"/>
-            <a:r>
-              <a:rPr lang="en-US" sz="1800" dirty="0"/>
-              <a:t>Next, the team identifies a specific problem within this topic</a:t>
-            </a:r>
-          </a:p>
-        </p:txBody>
-      </p:sp>
-      <p:sp>
-        <p:nvSpPr>
-          <p:cNvPr id="4" name="Footer Placeholder 3"/>
-          <p:cNvSpPr>
-            <a:spLocks noGrp="1"/>
-          </p:cNvSpPr>
-          <p:nvPr>
-            <p:ph type="ftr" sz="quarter" idx="11"/>
-          </p:nvPr>
-        </p:nvSpPr>
-        <p:spPr/>
-        <p:txBody>
-          <a:bodyPr/>
-          <a:lstStyle/>
-          <a:p>
-            <a:r>
-              <a:rPr lang="en-US"/>
-              <a:t>© 2022, FLL Tutorials</a:t>
-            </a:r>
-            <a:endParaRPr lang="en-US" dirty="0"/>
-          </a:p>
-        </p:txBody>
-      </p:sp>
-      <p:sp>
-        <p:nvSpPr>
-          <p:cNvPr id="5" name="Slide Number Placeholder 4"/>
-          <p:cNvSpPr>
-            <a:spLocks noGrp="1"/>
-          </p:cNvSpPr>
-          <p:nvPr>
-            <p:ph type="sldNum" sz="quarter" idx="12"/>
-          </p:nvPr>
-        </p:nvSpPr>
-        <p:spPr/>
-        <p:txBody>
-          <a:bodyPr/>
-          <a:lstStyle/>
-          <a:p>
-            <a:fld id="{6D22F896-40B5-4ADD-8801-0D06FADFA095}" type="slidenum">
-              <a:rPr lang="en-US" smtClean="0"/>
-              <a:t>8</a:t>
-            </a:fld>
-            <a:endParaRPr lang="en-US" dirty="0"/>
-          </a:p>
-        </p:txBody>
-      </p:sp>
-      <p:pic>
-        <p:nvPicPr>
-          <p:cNvPr id="6" name="Picture 5"/>
-          <p:cNvPicPr>
-            <a:picLocks noChangeAspect="1"/>
-          </p:cNvPicPr>
-          <p:nvPr/>
-        </p:nvPicPr>
-        <p:blipFill>
-          <a:blip r:embed="rId2">
-            <a:extLst>
-              <a:ext uri="{28A0092B-C50C-407E-A947-70E740481C1C}">
-                <a14:useLocalDpi xmlns:a14="http://schemas.microsoft.com/office/drawing/2010/main" val="0"/>
-              </a:ext>
-            </a:extLst>
-          </a:blip>
-          <a:stretch>
-            <a:fillRect/>
-          </a:stretch>
-        </p:blipFill>
-        <p:spPr>
-          <a:xfrm>
-            <a:off x="4551095" y="2137718"/>
-            <a:ext cx="4283676" cy="3212757"/>
-          </a:xfrm>
-          <a:prstGeom prst="rect">
-            <a:avLst/>
-          </a:prstGeom>
-        </p:spPr>
-      </p:pic>
-    </p:spTree>
-    <p:extLst>
-      <p:ext uri="{BB962C8B-B14F-4D97-AF65-F5344CB8AC3E}">
-        <p14:creationId xmlns:p14="http://schemas.microsoft.com/office/powerpoint/2010/main" val="1553878067"/>
-      </p:ext>
-    </p:extLst>
-  </p:cSld>
-  <p:clrMapOvr>
-    <a:masterClrMapping/>
-  </p:clrMapOvr>
-</p:sld>
-</file>
-
-<file path=ppt/slides/slide9.xml><?xml version="1.0" encoding="utf-8"?>
-<p:sld xmlns:a="http://schemas.openxmlformats.org/drawingml/2006/main" xmlns:r="http://schemas.openxmlformats.org/officeDocument/2006/relationships" xmlns:p="http://schemas.openxmlformats.org/presentationml/2006/main">
-  <p:cSld>
-    <p:spTree>
-      <p:nvGrpSpPr>
-        <p:cNvPr id="1" name=""/>
-        <p:cNvGrpSpPr/>
-        <p:nvPr/>
-      </p:nvGrpSpPr>
-      <p:grpSpPr>
-        <a:xfrm>
-          <a:off x="0" y="0"/>
-          <a:ext cx="0" cy="0"/>
-          <a:chOff x="0" y="0"/>
-          <a:chExt cx="0" cy="0"/>
-        </a:xfrm>
-      </p:grpSpPr>
-      <p:sp>
-        <p:nvSpPr>
-          <p:cNvPr id="2" name="Title 1"/>
-          <p:cNvSpPr>
-            <a:spLocks noGrp="1"/>
-          </p:cNvSpPr>
-          <p:nvPr>
-            <p:ph type="title"/>
-          </p:nvPr>
-        </p:nvSpPr>
-        <p:spPr/>
-        <p:txBody>
-          <a:bodyPr/>
-          <a:lstStyle/>
-          <a:p>
-            <a:r>
-              <a:rPr lang="en-US" dirty="0"/>
-              <a:t>“Identifying a Problem” Process</a:t>
-            </a:r>
-          </a:p>
-        </p:txBody>
-      </p:sp>
-      <p:sp>
-        <p:nvSpPr>
-          <p:cNvPr id="4" name="Footer Placeholder 3"/>
-          <p:cNvSpPr>
-            <a:spLocks noGrp="1"/>
-          </p:cNvSpPr>
-          <p:nvPr>
-            <p:ph type="ftr" sz="quarter" idx="11"/>
-          </p:nvPr>
-        </p:nvSpPr>
-        <p:spPr/>
-        <p:txBody>
-          <a:bodyPr/>
-          <a:lstStyle/>
-          <a:p>
-            <a:r>
-              <a:rPr lang="en-US"/>
-              <a:t>© 2022, FLL Tutorials</a:t>
-            </a:r>
-            <a:endParaRPr lang="en-US" dirty="0"/>
-          </a:p>
-        </p:txBody>
-      </p:sp>
-      <p:sp>
-        <p:nvSpPr>
-          <p:cNvPr id="5" name="Slide Number Placeholder 4"/>
-          <p:cNvSpPr>
-            <a:spLocks noGrp="1"/>
-          </p:cNvSpPr>
-          <p:nvPr>
-            <p:ph type="sldNum" sz="quarter" idx="12"/>
-          </p:nvPr>
-        </p:nvSpPr>
-        <p:spPr/>
-        <p:txBody>
-          <a:bodyPr/>
-          <a:lstStyle/>
-          <a:p>
-            <a:fld id="{6D22F896-40B5-4ADD-8801-0D06FADFA095}" type="slidenum">
-              <a:rPr lang="en-US" smtClean="0"/>
-              <a:t>9</a:t>
             </a:fld>
             <a:endParaRPr lang="en-US" dirty="0"/>
           </a:p>
@@ -7747,7 +5745,7 @@
               </a:r>
               <a:r>
                 <a:rPr lang="en-US" dirty="0"/>
-                <a:t>killed by by wind turbines humans make</a:t>
+                <a:t>killed by wind turbines humans make</a:t>
               </a:r>
               <a:endParaRPr lang="en-US" kern="1200" dirty="0"/>
             </a:p>
@@ -8003,7 +6001,15 @@
           <a:p>
             <a:r>
               <a:rPr lang="en-US" sz="1400" dirty="0"/>
-              <a:t>Sample based on team that participated in FIRST LEGO League Animal Allies</a:t>
+              <a:t>Sample based on team that participated in </a:t>
+            </a:r>
+            <a:r>
+              <a:rPr lang="en-US" sz="1400" i="1" dirty="0"/>
+              <a:t>FIRST</a:t>
+            </a:r>
+            <a:r>
+              <a:rPr lang="en-US" sz="1400" dirty="0"/>
+              <a:t> LEGO League Animal Allies</a:t>
             </a:r>
           </a:p>
         </p:txBody>
@@ -8476,6 +6482,2291 @@
     <p:extLst>
       <p:ext uri="{BB962C8B-B14F-4D97-AF65-F5344CB8AC3E}">
         <p14:creationId xmlns:p14="http://schemas.microsoft.com/office/powerpoint/2010/main" val="2043111731"/>
+      </p:ext>
+    </p:extLst>
+  </p:cSld>
+  <p:clrMapOvr>
+    <a:masterClrMapping/>
+  </p:clrMapOvr>
+</p:sld>
+</file>
+
+<file path=ppt/slides/slide11.xml><?xml version="1.0" encoding="utf-8"?>
+<p:sld xmlns:a="http://schemas.openxmlformats.org/drawingml/2006/main" xmlns:r="http://schemas.openxmlformats.org/officeDocument/2006/relationships" xmlns:p="http://schemas.openxmlformats.org/presentationml/2006/main">
+  <p:cSld>
+    <p:spTree>
+      <p:nvGrpSpPr>
+        <p:cNvPr id="1" name=""/>
+        <p:cNvGrpSpPr/>
+        <p:nvPr/>
+      </p:nvGrpSpPr>
+      <p:grpSpPr>
+        <a:xfrm>
+          <a:off x="0" y="0"/>
+          <a:ext cx="0" cy="0"/>
+          <a:chOff x="0" y="0"/>
+          <a:chExt cx="0" cy="0"/>
+        </a:xfrm>
+      </p:grpSpPr>
+      <p:sp>
+        <p:nvSpPr>
+          <p:cNvPr id="2" name="Title 1"/>
+          <p:cNvSpPr>
+            <a:spLocks noGrp="1"/>
+          </p:cNvSpPr>
+          <p:nvPr>
+            <p:ph type="title"/>
+          </p:nvPr>
+        </p:nvSpPr>
+        <p:spPr/>
+        <p:txBody>
+          <a:bodyPr/>
+          <a:lstStyle/>
+          <a:p>
+            <a:r>
+              <a:rPr lang="en-US" dirty="0"/>
+              <a:t>Sample Topics FROM Animal Allies SEASON</a:t>
+            </a:r>
+          </a:p>
+        </p:txBody>
+      </p:sp>
+      <p:sp>
+        <p:nvSpPr>
+          <p:cNvPr id="3" name="Content Placeholder 2"/>
+          <p:cNvSpPr>
+            <a:spLocks noGrp="1"/>
+          </p:cNvSpPr>
+          <p:nvPr>
+            <p:ph idx="1"/>
+          </p:nvPr>
+        </p:nvSpPr>
+        <p:spPr>
+          <a:xfrm>
+            <a:off x="241739" y="1845734"/>
+            <a:ext cx="4639180" cy="4023360"/>
+          </a:xfrm>
+        </p:spPr>
+        <p:txBody>
+          <a:bodyPr>
+            <a:normAutofit fontScale="47500" lnSpcReduction="20000"/>
+          </a:bodyPr>
+          <a:lstStyle/>
+          <a:p>
+            <a:pPr lvl="1"/>
+            <a:r>
+              <a:rPr lang="en-US" dirty="0"/>
+              <a:t>Chimney Swifts losing their homes</a:t>
+            </a:r>
+          </a:p>
+          <a:p>
+            <a:pPr lvl="1"/>
+            <a:r>
+              <a:rPr lang="en-US" dirty="0"/>
+              <a:t>Training therapy dogs</a:t>
+            </a:r>
+          </a:p>
+          <a:p>
+            <a:pPr lvl="1"/>
+            <a:r>
+              <a:rPr lang="en-US" dirty="0"/>
+              <a:t>K-9 dogs helping the police</a:t>
+            </a:r>
+          </a:p>
+          <a:p>
+            <a:pPr lvl="1"/>
+            <a:r>
+              <a:rPr lang="en-US" dirty="0"/>
+              <a:t>Monitoring bee hives to keep them healthy</a:t>
+            </a:r>
+          </a:p>
+          <a:p>
+            <a:pPr lvl="1"/>
+            <a:r>
+              <a:rPr lang="en-US" dirty="0"/>
+              <a:t>Bears getting into trash cans</a:t>
+            </a:r>
+          </a:p>
+          <a:p>
+            <a:pPr lvl="1"/>
+            <a:r>
+              <a:rPr lang="en-US" dirty="0"/>
+              <a:t>Finding lost dogs</a:t>
+            </a:r>
+          </a:p>
+          <a:p>
+            <a:pPr lvl="1"/>
+            <a:r>
+              <a:rPr lang="en-US" dirty="0"/>
+              <a:t>Preventing Lyme disease from deer ticks</a:t>
+            </a:r>
+          </a:p>
+          <a:p>
+            <a:pPr lvl="1"/>
+            <a:r>
+              <a:rPr lang="en-US" dirty="0"/>
+              <a:t>Helping baby turtles find their way to the ocean</a:t>
+            </a:r>
+          </a:p>
+          <a:p>
+            <a:pPr lvl="1"/>
+            <a:r>
+              <a:rPr lang="en-US" dirty="0"/>
+              <a:t>Cow tagging</a:t>
+            </a:r>
+          </a:p>
+          <a:p>
+            <a:pPr lvl="1"/>
+            <a:r>
+              <a:rPr lang="en-US" dirty="0"/>
+              <a:t>Animals drinking from polluted city water</a:t>
+            </a:r>
+          </a:p>
+          <a:p>
+            <a:pPr lvl="1"/>
+            <a:r>
+              <a:rPr lang="en-US" dirty="0"/>
+              <a:t>Keeping horses hydrated</a:t>
+            </a:r>
+          </a:p>
+          <a:p>
+            <a:pPr lvl="1"/>
+            <a:endParaRPr lang="en-US" dirty="0"/>
+          </a:p>
+          <a:p>
+            <a:pPr lvl="1"/>
+            <a:endParaRPr lang="en-US" dirty="0"/>
+          </a:p>
+          <a:p>
+            <a:pPr lvl="1"/>
+            <a:endParaRPr lang="en-US" dirty="0"/>
+          </a:p>
+        </p:txBody>
+      </p:sp>
+      <p:sp>
+        <p:nvSpPr>
+          <p:cNvPr id="4" name="Footer Placeholder 3"/>
+          <p:cNvSpPr>
+            <a:spLocks noGrp="1"/>
+          </p:cNvSpPr>
+          <p:nvPr>
+            <p:ph type="ftr" sz="quarter" idx="11"/>
+          </p:nvPr>
+        </p:nvSpPr>
+        <p:spPr/>
+        <p:txBody>
+          <a:bodyPr/>
+          <a:lstStyle/>
+          <a:p>
+            <a:r>
+              <a:rPr lang="en-US"/>
+              <a:t>© 2023, FLLTutorials.com. Last Edit 5/29/2023</a:t>
+            </a:r>
+            <a:endParaRPr lang="en-US" dirty="0"/>
+          </a:p>
+        </p:txBody>
+      </p:sp>
+      <p:sp>
+        <p:nvSpPr>
+          <p:cNvPr id="5" name="Slide Number Placeholder 4"/>
+          <p:cNvSpPr>
+            <a:spLocks noGrp="1"/>
+          </p:cNvSpPr>
+          <p:nvPr>
+            <p:ph type="sldNum" sz="quarter" idx="12"/>
+          </p:nvPr>
+        </p:nvSpPr>
+        <p:spPr/>
+        <p:txBody>
+          <a:bodyPr/>
+          <a:lstStyle/>
+          <a:p>
+            <a:fld id="{6D22F896-40B5-4ADD-8801-0D06FADFA095}" type="slidenum">
+              <a:rPr lang="en-US" smtClean="0"/>
+              <a:t>11</a:t>
+            </a:fld>
+            <a:endParaRPr lang="en-US" dirty="0"/>
+          </a:p>
+        </p:txBody>
+      </p:sp>
+      <p:pic>
+        <p:nvPicPr>
+          <p:cNvPr id="7" name="Picture 6"/>
+          <p:cNvPicPr>
+            <a:picLocks noChangeAspect="1"/>
+          </p:cNvPicPr>
+          <p:nvPr/>
+        </p:nvPicPr>
+        <p:blipFill>
+          <a:blip r:embed="rId2">
+            <a:extLst>
+              <a:ext uri="{28A0092B-C50C-407E-A947-70E740481C1C}">
+                <a14:useLocalDpi xmlns:a14="http://schemas.microsoft.com/office/drawing/2010/main" val="0"/>
+              </a:ext>
+            </a:extLst>
+          </a:blip>
+          <a:stretch>
+            <a:fillRect/>
+          </a:stretch>
+        </p:blipFill>
+        <p:spPr>
+          <a:xfrm>
+            <a:off x="4880919" y="1950994"/>
+            <a:ext cx="3975100" cy="3289300"/>
+          </a:xfrm>
+          <a:prstGeom prst="rect">
+            <a:avLst/>
+          </a:prstGeom>
+        </p:spPr>
+      </p:pic>
+      <p:sp>
+        <p:nvSpPr>
+          <p:cNvPr id="8" name="TextBox 7"/>
+          <p:cNvSpPr txBox="1"/>
+          <p:nvPr/>
+        </p:nvSpPr>
+        <p:spPr>
+          <a:xfrm>
+            <a:off x="137297" y="5928838"/>
+            <a:ext cx="8272066" cy="307777"/>
+          </a:xfrm>
+          <a:prstGeom prst="rect">
+            <a:avLst/>
+          </a:prstGeom>
+          <a:noFill/>
+        </p:spPr>
+        <p:txBody>
+          <a:bodyPr wrap="square" rtlCol="0">
+            <a:spAutoFit/>
+          </a:bodyPr>
+          <a:lstStyle/>
+          <a:p>
+            <a:r>
+              <a:rPr lang="en-US" sz="1400" dirty="0"/>
+              <a:t>Sample topics from teams that participated in </a:t>
+            </a:r>
+            <a:r>
+              <a:rPr lang="en-US" sz="1400" i="1" dirty="0"/>
+              <a:t>FIRST</a:t>
+            </a:r>
+            <a:r>
+              <a:rPr lang="en-US" sz="1400" dirty="0"/>
+              <a:t> LEGO League Animal Allies</a:t>
+            </a:r>
+          </a:p>
+        </p:txBody>
+      </p:sp>
+    </p:spTree>
+    <p:extLst>
+      <p:ext uri="{BB962C8B-B14F-4D97-AF65-F5344CB8AC3E}">
+        <p14:creationId xmlns:p14="http://schemas.microsoft.com/office/powerpoint/2010/main" val="1438492606"/>
+      </p:ext>
+    </p:extLst>
+  </p:cSld>
+  <p:clrMapOvr>
+    <a:masterClrMapping/>
+  </p:clrMapOvr>
+</p:sld>
+</file>
+
+<file path=ppt/slides/slide12.xml><?xml version="1.0" encoding="utf-8"?>
+<p:sld xmlns:a="http://schemas.openxmlformats.org/drawingml/2006/main" xmlns:r="http://schemas.openxmlformats.org/officeDocument/2006/relationships" xmlns:p="http://schemas.openxmlformats.org/presentationml/2006/main">
+  <p:cSld>
+    <p:spTree>
+      <p:nvGrpSpPr>
+        <p:cNvPr id="1" name=""/>
+        <p:cNvGrpSpPr/>
+        <p:nvPr/>
+      </p:nvGrpSpPr>
+      <p:grpSpPr>
+        <a:xfrm>
+          <a:off x="0" y="0"/>
+          <a:ext cx="0" cy="0"/>
+          <a:chOff x="0" y="0"/>
+          <a:chExt cx="0" cy="0"/>
+        </a:xfrm>
+      </p:grpSpPr>
+      <p:sp>
+        <p:nvSpPr>
+          <p:cNvPr id="2" name="Title 1"/>
+          <p:cNvSpPr>
+            <a:spLocks noGrp="1"/>
+          </p:cNvSpPr>
+          <p:nvPr>
+            <p:ph type="title"/>
+          </p:nvPr>
+        </p:nvSpPr>
+        <p:spPr/>
+        <p:txBody>
+          <a:bodyPr/>
+          <a:lstStyle/>
+          <a:p>
+            <a:r>
+              <a:rPr lang="en-US" dirty="0"/>
+              <a:t>Credits</a:t>
+            </a:r>
+          </a:p>
+        </p:txBody>
+      </p:sp>
+      <p:sp>
+        <p:nvSpPr>
+          <p:cNvPr id="3" name="Content Placeholder 2"/>
+          <p:cNvSpPr>
+            <a:spLocks noGrp="1"/>
+          </p:cNvSpPr>
+          <p:nvPr>
+            <p:ph idx="1"/>
+          </p:nvPr>
+        </p:nvSpPr>
+        <p:spPr/>
+        <p:txBody>
+          <a:bodyPr>
+            <a:normAutofit/>
+          </a:bodyPr>
+          <a:lstStyle/>
+          <a:p>
+            <a:r>
+              <a:rPr lang="en-US" sz="2800" dirty="0"/>
+              <a:t>This lesson was written by Sanjay and Arvind Seshan</a:t>
+            </a:r>
+          </a:p>
+          <a:p>
+            <a:r>
+              <a:rPr lang="en-US" sz="2800" dirty="0"/>
+              <a:t>More lessons available at </a:t>
+            </a:r>
+            <a:r>
+              <a:rPr lang="en-US" sz="2800" dirty="0">
+                <a:hlinkClick r:id="rId2"/>
+              </a:rPr>
+              <a:t>www.ev3lessons.com</a:t>
+            </a:r>
+            <a:r>
+              <a:rPr lang="en-US" sz="2800" dirty="0"/>
+              <a:t> and </a:t>
+            </a:r>
+            <a:r>
+              <a:rPr lang="en-US" sz="2800" dirty="0">
+                <a:hlinkClick r:id="rId3"/>
+              </a:rPr>
+              <a:t>www.flltutorials.com</a:t>
+            </a:r>
+            <a:endParaRPr lang="en-US" sz="2800" dirty="0"/>
+          </a:p>
+          <a:p>
+            <a:endParaRPr lang="en-US" sz="2800" dirty="0"/>
+          </a:p>
+          <a:p>
+            <a:endParaRPr lang="en-US" sz="2800" dirty="0"/>
+          </a:p>
+        </p:txBody>
+      </p:sp>
+      <p:sp>
+        <p:nvSpPr>
+          <p:cNvPr id="4" name="Footer Placeholder 3"/>
+          <p:cNvSpPr>
+            <a:spLocks noGrp="1"/>
+          </p:cNvSpPr>
+          <p:nvPr>
+            <p:ph type="ftr" sz="quarter" idx="11"/>
+          </p:nvPr>
+        </p:nvSpPr>
+        <p:spPr/>
+        <p:txBody>
+          <a:bodyPr/>
+          <a:lstStyle/>
+          <a:p>
+            <a:r>
+              <a:rPr lang="en-US"/>
+              <a:t>© 2023, FLLTutorials.com. Last Edit 5/29/2023</a:t>
+            </a:r>
+            <a:endParaRPr lang="en-US" dirty="0"/>
+          </a:p>
+        </p:txBody>
+      </p:sp>
+      <p:sp>
+        <p:nvSpPr>
+          <p:cNvPr id="5" name="Slide Number Placeholder 4"/>
+          <p:cNvSpPr>
+            <a:spLocks noGrp="1"/>
+          </p:cNvSpPr>
+          <p:nvPr>
+            <p:ph type="sldNum" sz="quarter" idx="12"/>
+          </p:nvPr>
+        </p:nvSpPr>
+        <p:spPr/>
+        <p:txBody>
+          <a:bodyPr/>
+          <a:lstStyle/>
+          <a:p>
+            <a:fld id="{6D22F896-40B5-4ADD-8801-0D06FADFA095}" type="slidenum">
+              <a:rPr lang="en-US" smtClean="0"/>
+              <a:t>12</a:t>
+            </a:fld>
+            <a:endParaRPr lang="en-US" dirty="0"/>
+          </a:p>
+        </p:txBody>
+      </p:sp>
+      <p:pic>
+        <p:nvPicPr>
+          <p:cNvPr id="6" name="Picture 5"/>
+          <p:cNvPicPr>
+            <a:picLocks noChangeAspect="1"/>
+          </p:cNvPicPr>
+          <p:nvPr/>
+        </p:nvPicPr>
+        <p:blipFill rotWithShape="1">
+          <a:blip r:embed="rId4">
+            <a:extLst>
+              <a:ext uri="{28A0092B-C50C-407E-A947-70E740481C1C}">
+                <a14:useLocalDpi xmlns:a14="http://schemas.microsoft.com/office/drawing/2010/main" val="0"/>
+              </a:ext>
+            </a:extLst>
+          </a:blip>
+          <a:srcRect l="9379" t="11606" r="9183" b="11463"/>
+          <a:stretch/>
+        </p:blipFill>
+        <p:spPr>
+          <a:xfrm>
+            <a:off x="847627" y="3458311"/>
+            <a:ext cx="7451126" cy="1804086"/>
+          </a:xfrm>
+          <a:prstGeom prst="rect">
+            <a:avLst/>
+          </a:prstGeom>
+        </p:spPr>
+      </p:pic>
+    </p:spTree>
+    <p:extLst>
+      <p:ext uri="{BB962C8B-B14F-4D97-AF65-F5344CB8AC3E}">
+        <p14:creationId xmlns:p14="http://schemas.microsoft.com/office/powerpoint/2010/main" val="478902130"/>
+      </p:ext>
+    </p:extLst>
+  </p:cSld>
+  <p:clrMapOvr>
+    <a:masterClrMapping/>
+  </p:clrMapOvr>
+</p:sld>
+</file>
+
+<file path=ppt/slides/slide2.xml><?xml version="1.0" encoding="utf-8"?>
+<p:sld xmlns:a="http://schemas.openxmlformats.org/drawingml/2006/main" xmlns:r="http://schemas.openxmlformats.org/officeDocument/2006/relationships" xmlns:p="http://schemas.openxmlformats.org/presentationml/2006/main">
+  <p:cSld>
+    <p:spTree>
+      <p:nvGrpSpPr>
+        <p:cNvPr id="1" name=""/>
+        <p:cNvGrpSpPr/>
+        <p:nvPr/>
+      </p:nvGrpSpPr>
+      <p:grpSpPr>
+        <a:xfrm>
+          <a:off x="0" y="0"/>
+          <a:ext cx="0" cy="0"/>
+          <a:chOff x="0" y="0"/>
+          <a:chExt cx="0" cy="0"/>
+        </a:xfrm>
+      </p:grpSpPr>
+      <p:sp>
+        <p:nvSpPr>
+          <p:cNvPr id="2" name="Title 1"/>
+          <p:cNvSpPr>
+            <a:spLocks noGrp="1"/>
+          </p:cNvSpPr>
+          <p:nvPr>
+            <p:ph type="title"/>
+          </p:nvPr>
+        </p:nvSpPr>
+        <p:spPr/>
+        <p:txBody>
+          <a:bodyPr/>
+          <a:lstStyle/>
+          <a:p>
+            <a:r>
+              <a:rPr lang="en-US" dirty="0"/>
+              <a:t>About The AUTHOR</a:t>
+            </a:r>
+          </a:p>
+        </p:txBody>
+      </p:sp>
+      <p:sp>
+        <p:nvSpPr>
+          <p:cNvPr id="3" name="Content Placeholder 2"/>
+          <p:cNvSpPr>
+            <a:spLocks noGrp="1"/>
+          </p:cNvSpPr>
+          <p:nvPr>
+            <p:ph idx="1"/>
+          </p:nvPr>
+        </p:nvSpPr>
+        <p:spPr>
+          <a:xfrm>
+            <a:off x="136665" y="1489813"/>
+            <a:ext cx="4697649" cy="4353215"/>
+          </a:xfrm>
+        </p:spPr>
+        <p:txBody>
+          <a:bodyPr>
+            <a:normAutofit fontScale="92500" lnSpcReduction="10000"/>
+          </a:bodyPr>
+          <a:lstStyle/>
+          <a:p>
+            <a:pPr lvl="1"/>
+            <a:r>
+              <a:rPr lang="en-US" sz="2000" dirty="0"/>
+              <a:t>Seshan Brothers were on team Not the Droids You Are Looking For </a:t>
+            </a:r>
+          </a:p>
+          <a:p>
+            <a:pPr lvl="1"/>
+            <a:r>
+              <a:rPr lang="en-US" sz="2000" dirty="0"/>
+              <a:t>Our research project for Trash Trek was a Global Innovation Award semi-finalist project (Top 20 out </a:t>
+            </a:r>
+            <a:r>
+              <a:rPr lang="en-US" sz="2000"/>
+              <a:t>of 30,000 </a:t>
+            </a:r>
+            <a:r>
+              <a:rPr lang="en-US" sz="2000" dirty="0"/>
+              <a:t>teams).</a:t>
+            </a:r>
+          </a:p>
+          <a:p>
+            <a:pPr lvl="1"/>
+            <a:r>
+              <a:rPr lang="en-US" sz="2000" dirty="0"/>
+              <a:t>Our research project in Nature’s Fury won Innovative Solution at the FIRST LEGO League International Open in Toronto.</a:t>
+            </a:r>
+          </a:p>
+          <a:p>
+            <a:pPr lvl="1"/>
+            <a:r>
+              <a:rPr lang="en-US" sz="2000" dirty="0"/>
+              <a:t>Our research project for World Class was EV3Lessons.com! ;-)</a:t>
+            </a:r>
+          </a:p>
+          <a:p>
+            <a:pPr lvl="1"/>
+            <a:r>
+              <a:rPr lang="en-US" sz="2000" dirty="0"/>
+              <a:t>We are the Champion’s award winners from World Festival 2018</a:t>
+            </a:r>
+          </a:p>
+        </p:txBody>
+      </p:sp>
+      <p:sp>
+        <p:nvSpPr>
+          <p:cNvPr id="4" name="Footer Placeholder 3"/>
+          <p:cNvSpPr>
+            <a:spLocks noGrp="1"/>
+          </p:cNvSpPr>
+          <p:nvPr>
+            <p:ph type="ftr" sz="quarter" idx="11"/>
+          </p:nvPr>
+        </p:nvSpPr>
+        <p:spPr/>
+        <p:txBody>
+          <a:bodyPr/>
+          <a:lstStyle/>
+          <a:p>
+            <a:r>
+              <a:rPr lang="en-US"/>
+              <a:t>© 2023, FLLTutorials.com. Last Edit 5/29/2023</a:t>
+            </a:r>
+            <a:endParaRPr lang="en-US" dirty="0"/>
+          </a:p>
+        </p:txBody>
+      </p:sp>
+      <p:sp>
+        <p:nvSpPr>
+          <p:cNvPr id="5" name="Slide Number Placeholder 4"/>
+          <p:cNvSpPr>
+            <a:spLocks noGrp="1"/>
+          </p:cNvSpPr>
+          <p:nvPr>
+            <p:ph type="sldNum" sz="quarter" idx="12"/>
+          </p:nvPr>
+        </p:nvSpPr>
+        <p:spPr/>
+        <p:txBody>
+          <a:bodyPr/>
+          <a:lstStyle/>
+          <a:p>
+            <a:fld id="{6D22F896-40B5-4ADD-8801-0D06FADFA095}" type="slidenum">
+              <a:rPr lang="en-US" smtClean="0"/>
+              <a:t>2</a:t>
+            </a:fld>
+            <a:endParaRPr lang="en-US" dirty="0"/>
+          </a:p>
+        </p:txBody>
+      </p:sp>
+      <p:pic>
+        <p:nvPicPr>
+          <p:cNvPr id="2054" name="Picture 6" descr="Related image">
+            <a:extLst>
+              <a:ext uri="{FF2B5EF4-FFF2-40B4-BE49-F238E27FC236}">
+                <a16:creationId xmlns:a16="http://schemas.microsoft.com/office/drawing/2014/main" id="{0982E8D3-107C-4BA0-9901-6E0439378F67}"/>
+              </a:ext>
+            </a:extLst>
+          </p:cNvPr>
+          <p:cNvPicPr>
+            <a:picLocks noChangeAspect="1" noChangeArrowheads="1"/>
+          </p:cNvPicPr>
+          <p:nvPr/>
+        </p:nvPicPr>
+        <p:blipFill>
+          <a:blip r:embed="rId2">
+            <a:extLst>
+              <a:ext uri="{28A0092B-C50C-407E-A947-70E740481C1C}">
+                <a14:useLocalDpi xmlns:a14="http://schemas.microsoft.com/office/drawing/2010/main" val="0"/>
+              </a:ext>
+            </a:extLst>
+          </a:blip>
+          <a:srcRect/>
+          <a:stretch>
+            <a:fillRect/>
+          </a:stretch>
+        </p:blipFill>
+        <p:spPr bwMode="auto">
+          <a:xfrm>
+            <a:off x="5201734" y="1928931"/>
+            <a:ext cx="3369210" cy="3369210"/>
+          </a:xfrm>
+          <a:prstGeom prst="rect">
+            <a:avLst/>
+          </a:prstGeom>
+          <a:noFill/>
+          <a:extLst>
+            <a:ext uri="{909E8E84-426E-40DD-AFC4-6F175D3DCCD1}">
+              <a14:hiddenFill xmlns:a14="http://schemas.microsoft.com/office/drawing/2010/main">
+                <a:solidFill>
+                  <a:srgbClr val="FFFFFF"/>
+                </a:solidFill>
+              </a14:hiddenFill>
+            </a:ext>
+          </a:extLst>
+        </p:spPr>
+      </p:pic>
+    </p:spTree>
+    <p:extLst>
+      <p:ext uri="{BB962C8B-B14F-4D97-AF65-F5344CB8AC3E}">
+        <p14:creationId xmlns:p14="http://schemas.microsoft.com/office/powerpoint/2010/main" val="2203347389"/>
+      </p:ext>
+    </p:extLst>
+  </p:cSld>
+  <p:clrMapOvr>
+    <a:masterClrMapping/>
+  </p:clrMapOvr>
+</p:sld>
+</file>
+
+<file path=ppt/slides/slide3.xml><?xml version="1.0" encoding="utf-8"?>
+<p:sld xmlns:a="http://schemas.openxmlformats.org/drawingml/2006/main" xmlns:r="http://schemas.openxmlformats.org/officeDocument/2006/relationships" xmlns:p="http://schemas.openxmlformats.org/presentationml/2006/main">
+  <p:cSld>
+    <p:spTree>
+      <p:nvGrpSpPr>
+        <p:cNvPr id="1" name=""/>
+        <p:cNvGrpSpPr/>
+        <p:nvPr/>
+      </p:nvGrpSpPr>
+      <p:grpSpPr>
+        <a:xfrm>
+          <a:off x="0" y="0"/>
+          <a:ext cx="0" cy="0"/>
+          <a:chOff x="0" y="0"/>
+          <a:chExt cx="0" cy="0"/>
+        </a:xfrm>
+      </p:grpSpPr>
+      <p:sp>
+        <p:nvSpPr>
+          <p:cNvPr id="2" name="Title 1"/>
+          <p:cNvSpPr>
+            <a:spLocks noGrp="1"/>
+          </p:cNvSpPr>
+          <p:nvPr>
+            <p:ph type="title"/>
+          </p:nvPr>
+        </p:nvSpPr>
+        <p:spPr/>
+        <p:txBody>
+          <a:bodyPr/>
+          <a:lstStyle/>
+          <a:p>
+            <a:r>
+              <a:rPr lang="en-US" dirty="0"/>
+              <a:t>Getting STARTED IN APRIL</a:t>
+            </a:r>
+          </a:p>
+        </p:txBody>
+      </p:sp>
+      <p:sp>
+        <p:nvSpPr>
+          <p:cNvPr id="3" name="Content Placeholder 2"/>
+          <p:cNvSpPr>
+            <a:spLocks noGrp="1"/>
+          </p:cNvSpPr>
+          <p:nvPr>
+            <p:ph idx="1"/>
+          </p:nvPr>
+        </p:nvSpPr>
+        <p:spPr>
+          <a:xfrm>
+            <a:off x="447146" y="1692887"/>
+            <a:ext cx="8239653" cy="4477638"/>
+          </a:xfrm>
+        </p:spPr>
+        <p:txBody>
+          <a:bodyPr>
+            <a:normAutofit/>
+          </a:bodyPr>
+          <a:lstStyle/>
+          <a:p>
+            <a:pPr defTabSz="914400">
+              <a:spcBef>
+                <a:spcPts val="0"/>
+              </a:spcBef>
+              <a:spcAft>
+                <a:spcPts val="0"/>
+              </a:spcAft>
+              <a:buClrTx/>
+              <a:buSzTx/>
+              <a:defRPr/>
+            </a:pPr>
+            <a:r>
+              <a:rPr lang="en-US" sz="2400" dirty="0"/>
+              <a:t>Usually, </a:t>
+            </a:r>
+            <a:r>
+              <a:rPr lang="en-US" sz="2400" i="1" dirty="0"/>
+              <a:t>FIRST</a:t>
+            </a:r>
+            <a:r>
+              <a:rPr lang="en-US" sz="2400" dirty="0"/>
+              <a:t> LEGO League releases the theme and reveals the Challenge Mat and Models during the World Festival in April.</a:t>
+            </a:r>
+          </a:p>
+          <a:p>
+            <a:pPr defTabSz="914400">
+              <a:spcBef>
+                <a:spcPts val="0"/>
+              </a:spcBef>
+              <a:spcAft>
+                <a:spcPts val="0"/>
+              </a:spcAft>
+              <a:buClrTx/>
+              <a:buSzTx/>
+              <a:defRPr/>
+            </a:pPr>
+            <a:endParaRPr lang="en-US" sz="2400" dirty="0"/>
+          </a:p>
+          <a:p>
+            <a:pPr defTabSz="914400">
+              <a:spcBef>
+                <a:spcPts val="0"/>
+              </a:spcBef>
+              <a:spcAft>
+                <a:spcPts val="0"/>
+              </a:spcAft>
+              <a:buClrTx/>
+              <a:buSzTx/>
+              <a:defRPr/>
+            </a:pPr>
+            <a:r>
+              <a:rPr lang="en-US" sz="2400" i="1" dirty="0"/>
+              <a:t>FIRST</a:t>
+            </a:r>
+            <a:r>
+              <a:rPr lang="en-US" sz="2400" dirty="0"/>
+              <a:t> and LEGO Education also release several teasers and images on their social media channels</a:t>
+            </a:r>
+          </a:p>
+          <a:p>
+            <a:pPr defTabSz="914400">
+              <a:spcBef>
+                <a:spcPts val="0"/>
+              </a:spcBef>
+              <a:spcAft>
+                <a:spcPts val="0"/>
+              </a:spcAft>
+              <a:buClrTx/>
+              <a:buSzTx/>
+              <a:defRPr/>
+            </a:pPr>
+            <a:endParaRPr lang="en-US" sz="2400" dirty="0"/>
+          </a:p>
+          <a:p>
+            <a:pPr defTabSz="914400">
+              <a:spcBef>
+                <a:spcPts val="0"/>
+              </a:spcBef>
+              <a:spcAft>
+                <a:spcPts val="0"/>
+              </a:spcAft>
+              <a:buClrTx/>
+              <a:buSzTx/>
+              <a:defRPr/>
+            </a:pPr>
+            <a:r>
+              <a:rPr lang="en-US" sz="2400" dirty="0"/>
+              <a:t>While you will not know the details of the challenge until August, you can start thinking about the </a:t>
+            </a:r>
+            <a:r>
+              <a:rPr lang="en-US" sz="2400" i="1" dirty="0">
+                <a:solidFill>
+                  <a:srgbClr val="FF0000"/>
+                </a:solidFill>
+              </a:rPr>
+              <a:t>high-level topic</a:t>
+            </a:r>
+            <a:r>
+              <a:rPr lang="en-US" sz="2400" dirty="0"/>
+              <a:t> well in advance</a:t>
+            </a:r>
+          </a:p>
+          <a:p>
+            <a:pPr defTabSz="914400">
+              <a:spcBef>
+                <a:spcPts val="0"/>
+              </a:spcBef>
+              <a:spcAft>
+                <a:spcPts val="0"/>
+              </a:spcAft>
+              <a:buClrTx/>
+              <a:buSzTx/>
+              <a:defRPr/>
+            </a:pPr>
+            <a:endParaRPr lang="en-US" sz="2400" dirty="0"/>
+          </a:p>
+          <a:p>
+            <a:pPr defTabSz="914400">
+              <a:spcBef>
+                <a:spcPts val="0"/>
+              </a:spcBef>
+              <a:spcAft>
+                <a:spcPts val="0"/>
+              </a:spcAft>
+              <a:buClrTx/>
+              <a:buSzTx/>
+              <a:defRPr/>
+            </a:pPr>
+            <a:endParaRPr lang="en-US" sz="2400" dirty="0"/>
+          </a:p>
+          <a:p>
+            <a:pPr defTabSz="914400">
+              <a:spcBef>
+                <a:spcPts val="0"/>
+              </a:spcBef>
+              <a:spcAft>
+                <a:spcPts val="0"/>
+              </a:spcAft>
+              <a:buClrTx/>
+              <a:buSzTx/>
+              <a:defRPr/>
+            </a:pPr>
+            <a:endParaRPr lang="en-US" sz="2400" dirty="0"/>
+          </a:p>
+        </p:txBody>
+      </p:sp>
+      <p:sp>
+        <p:nvSpPr>
+          <p:cNvPr id="4" name="Footer Placeholder 3"/>
+          <p:cNvSpPr>
+            <a:spLocks noGrp="1"/>
+          </p:cNvSpPr>
+          <p:nvPr>
+            <p:ph type="ftr" sz="quarter" idx="11"/>
+          </p:nvPr>
+        </p:nvSpPr>
+        <p:spPr/>
+        <p:txBody>
+          <a:bodyPr/>
+          <a:lstStyle/>
+          <a:p>
+            <a:r>
+              <a:rPr lang="en-US"/>
+              <a:t>© 2023, FLLTutorials.com. Last Edit 5/29/2023</a:t>
+            </a:r>
+            <a:endParaRPr lang="en-US" dirty="0"/>
+          </a:p>
+        </p:txBody>
+      </p:sp>
+      <p:sp>
+        <p:nvSpPr>
+          <p:cNvPr id="5" name="Slide Number Placeholder 4"/>
+          <p:cNvSpPr>
+            <a:spLocks noGrp="1"/>
+          </p:cNvSpPr>
+          <p:nvPr>
+            <p:ph type="sldNum" sz="quarter" idx="12"/>
+          </p:nvPr>
+        </p:nvSpPr>
+        <p:spPr/>
+        <p:txBody>
+          <a:bodyPr/>
+          <a:lstStyle/>
+          <a:p>
+            <a:fld id="{6D22F896-40B5-4ADD-8801-0D06FADFA095}" type="slidenum">
+              <a:rPr lang="en-US" smtClean="0"/>
+              <a:t>3</a:t>
+            </a:fld>
+            <a:endParaRPr lang="en-US" dirty="0"/>
+          </a:p>
+        </p:txBody>
+      </p:sp>
+    </p:spTree>
+    <p:extLst>
+      <p:ext uri="{BB962C8B-B14F-4D97-AF65-F5344CB8AC3E}">
+        <p14:creationId xmlns:p14="http://schemas.microsoft.com/office/powerpoint/2010/main" val="1609284386"/>
+      </p:ext>
+    </p:extLst>
+  </p:cSld>
+  <p:clrMapOvr>
+    <a:masterClrMapping/>
+  </p:clrMapOvr>
+</p:sld>
+</file>
+
+<file path=ppt/slides/slide4.xml><?xml version="1.0" encoding="utf-8"?>
+<p:sld xmlns:a="http://schemas.openxmlformats.org/drawingml/2006/main" xmlns:r="http://schemas.openxmlformats.org/officeDocument/2006/relationships" xmlns:p="http://schemas.openxmlformats.org/presentationml/2006/main">
+  <p:cSld>
+    <p:spTree>
+      <p:nvGrpSpPr>
+        <p:cNvPr id="1" name=""/>
+        <p:cNvGrpSpPr/>
+        <p:nvPr/>
+      </p:nvGrpSpPr>
+      <p:grpSpPr>
+        <a:xfrm>
+          <a:off x="0" y="0"/>
+          <a:ext cx="0" cy="0"/>
+          <a:chOff x="0" y="0"/>
+          <a:chExt cx="0" cy="0"/>
+        </a:xfrm>
+      </p:grpSpPr>
+      <p:sp>
+        <p:nvSpPr>
+          <p:cNvPr id="2" name="Title 1">
+            <a:extLst>
+              <a:ext uri="{FF2B5EF4-FFF2-40B4-BE49-F238E27FC236}">
+                <a16:creationId xmlns:a16="http://schemas.microsoft.com/office/drawing/2014/main" id="{1BC2BAD5-A37F-C83A-F371-3E72498CC25E}"/>
+              </a:ext>
+            </a:extLst>
+          </p:cNvPr>
+          <p:cNvSpPr>
+            <a:spLocks noGrp="1"/>
+          </p:cNvSpPr>
+          <p:nvPr>
+            <p:ph type="title"/>
+          </p:nvPr>
+        </p:nvSpPr>
+        <p:spPr/>
+        <p:txBody>
+          <a:bodyPr/>
+          <a:lstStyle/>
+          <a:p>
+            <a:r>
+              <a:rPr lang="en-US" dirty="0"/>
+              <a:t>SAMPLE RELEASED TEXT FROM SUPERPOWERED</a:t>
+            </a:r>
+          </a:p>
+        </p:txBody>
+      </p:sp>
+      <p:pic>
+        <p:nvPicPr>
+          <p:cNvPr id="7" name="Content Placeholder 6" descr="A picture containing text, screenshot, font&#10;&#10;Description automatically generated">
+            <a:extLst>
+              <a:ext uri="{FF2B5EF4-FFF2-40B4-BE49-F238E27FC236}">
+                <a16:creationId xmlns:a16="http://schemas.microsoft.com/office/drawing/2014/main" id="{4CE1CCEC-85E3-3A84-8DBE-59F45F0CBD3D}"/>
+              </a:ext>
+            </a:extLst>
+          </p:cNvPr>
+          <p:cNvPicPr>
+            <a:picLocks noGrp="1" noChangeAspect="1"/>
+          </p:cNvPicPr>
+          <p:nvPr>
+            <p:ph idx="1"/>
+          </p:nvPr>
+        </p:nvPicPr>
+        <p:blipFill>
+          <a:blip r:embed="rId2"/>
+          <a:stretch>
+            <a:fillRect/>
+          </a:stretch>
+        </p:blipFill>
+        <p:spPr>
+          <a:xfrm>
+            <a:off x="581192" y="1553757"/>
+            <a:ext cx="8152463" cy="3750485"/>
+          </a:xfrm>
+        </p:spPr>
+      </p:pic>
+      <p:sp>
+        <p:nvSpPr>
+          <p:cNvPr id="4" name="Footer Placeholder 3">
+            <a:extLst>
+              <a:ext uri="{FF2B5EF4-FFF2-40B4-BE49-F238E27FC236}">
+                <a16:creationId xmlns:a16="http://schemas.microsoft.com/office/drawing/2014/main" id="{3B7FF487-E936-164F-8157-8031823E8995}"/>
+              </a:ext>
+            </a:extLst>
+          </p:cNvPr>
+          <p:cNvSpPr>
+            <a:spLocks noGrp="1"/>
+          </p:cNvSpPr>
+          <p:nvPr>
+            <p:ph type="ftr" sz="quarter" idx="11"/>
+          </p:nvPr>
+        </p:nvSpPr>
+        <p:spPr/>
+        <p:txBody>
+          <a:bodyPr/>
+          <a:lstStyle/>
+          <a:p>
+            <a:r>
+              <a:rPr lang="en-US"/>
+              <a:t>© 2023, FLLTutorials.com. Last Edit 5/29/2023</a:t>
+            </a:r>
+            <a:endParaRPr lang="en-US" dirty="0"/>
+          </a:p>
+        </p:txBody>
+      </p:sp>
+      <p:sp>
+        <p:nvSpPr>
+          <p:cNvPr id="5" name="Slide Number Placeholder 4">
+            <a:extLst>
+              <a:ext uri="{FF2B5EF4-FFF2-40B4-BE49-F238E27FC236}">
+                <a16:creationId xmlns:a16="http://schemas.microsoft.com/office/drawing/2014/main" id="{D4D33DF9-7081-E2C3-8A2A-9BB1D6D51452}"/>
+              </a:ext>
+            </a:extLst>
+          </p:cNvPr>
+          <p:cNvSpPr>
+            <a:spLocks noGrp="1"/>
+          </p:cNvSpPr>
+          <p:nvPr>
+            <p:ph type="sldNum" sz="quarter" idx="12"/>
+          </p:nvPr>
+        </p:nvSpPr>
+        <p:spPr/>
+        <p:txBody>
+          <a:bodyPr/>
+          <a:lstStyle/>
+          <a:p>
+            <a:fld id="{6D22F896-40B5-4ADD-8801-0D06FADFA095}" type="slidenum">
+              <a:rPr lang="en-US" smtClean="0"/>
+              <a:t>4</a:t>
+            </a:fld>
+            <a:endParaRPr lang="en-US" dirty="0"/>
+          </a:p>
+        </p:txBody>
+      </p:sp>
+      <p:sp>
+        <p:nvSpPr>
+          <p:cNvPr id="9" name="TextBox 8">
+            <a:extLst>
+              <a:ext uri="{FF2B5EF4-FFF2-40B4-BE49-F238E27FC236}">
+                <a16:creationId xmlns:a16="http://schemas.microsoft.com/office/drawing/2014/main" id="{B720D6D3-3651-31E9-4590-F3D6773B1AA3}"/>
+              </a:ext>
+            </a:extLst>
+          </p:cNvPr>
+          <p:cNvSpPr txBox="1"/>
+          <p:nvPr/>
+        </p:nvSpPr>
+        <p:spPr>
+          <a:xfrm>
+            <a:off x="418480" y="5709173"/>
+            <a:ext cx="8152463" cy="646331"/>
+          </a:xfrm>
+          <a:prstGeom prst="rect">
+            <a:avLst/>
+          </a:prstGeom>
+          <a:noFill/>
+        </p:spPr>
+        <p:txBody>
+          <a:bodyPr wrap="square" rtlCol="0">
+            <a:spAutoFit/>
+          </a:bodyPr>
+          <a:lstStyle/>
+          <a:p>
+            <a:r>
+              <a:rPr lang="en-US" dirty="0"/>
+              <a:t>Source: Pre-Season Guide provided on </a:t>
+            </a:r>
+            <a:r>
+              <a:rPr lang="en-US" dirty="0" err="1"/>
+              <a:t>FLLTutorials</a:t>
+            </a:r>
+            <a:r>
+              <a:rPr lang="en-US" dirty="0"/>
+              <a:t> </a:t>
+            </a:r>
+            <a:r>
+              <a:rPr lang="en-US" dirty="0">
+                <a:sym typeface="Wingdings" pitchFamily="2" charset="2"/>
+              </a:rPr>
+              <a:t> Worksheets</a:t>
+            </a:r>
+            <a:endParaRPr lang="en-US" dirty="0"/>
+          </a:p>
+          <a:p>
+            <a:endParaRPr lang="en-US" dirty="0"/>
+          </a:p>
+        </p:txBody>
+      </p:sp>
+    </p:spTree>
+    <p:extLst>
+      <p:ext uri="{BB962C8B-B14F-4D97-AF65-F5344CB8AC3E}">
+        <p14:creationId xmlns:p14="http://schemas.microsoft.com/office/powerpoint/2010/main" val="2304461508"/>
+      </p:ext>
+    </p:extLst>
+  </p:cSld>
+  <p:clrMapOvr>
+    <a:masterClrMapping/>
+  </p:clrMapOvr>
+</p:sld>
+</file>
+
+<file path=ppt/slides/slide5.xml><?xml version="1.0" encoding="utf-8"?>
+<p:sld xmlns:a="http://schemas.openxmlformats.org/drawingml/2006/main" xmlns:r="http://schemas.openxmlformats.org/officeDocument/2006/relationships" xmlns:p="http://schemas.openxmlformats.org/presentationml/2006/main">
+  <p:cSld>
+    <p:spTree>
+      <p:nvGrpSpPr>
+        <p:cNvPr id="1" name=""/>
+        <p:cNvGrpSpPr/>
+        <p:nvPr/>
+      </p:nvGrpSpPr>
+      <p:grpSpPr>
+        <a:xfrm>
+          <a:off x="0" y="0"/>
+          <a:ext cx="0" cy="0"/>
+          <a:chOff x="0" y="0"/>
+          <a:chExt cx="0" cy="0"/>
+        </a:xfrm>
+      </p:grpSpPr>
+      <p:sp>
+        <p:nvSpPr>
+          <p:cNvPr id="2" name="Title 1"/>
+          <p:cNvSpPr>
+            <a:spLocks noGrp="1"/>
+          </p:cNvSpPr>
+          <p:nvPr>
+            <p:ph type="title"/>
+          </p:nvPr>
+        </p:nvSpPr>
+        <p:spPr/>
+        <p:txBody>
+          <a:bodyPr/>
+          <a:lstStyle/>
+          <a:p>
+            <a:r>
+              <a:rPr lang="en-US" dirty="0"/>
+              <a:t>USING THE RELEASED TEXT AND IMAGES</a:t>
+            </a:r>
+          </a:p>
+        </p:txBody>
+      </p:sp>
+      <p:sp>
+        <p:nvSpPr>
+          <p:cNvPr id="3" name="Content Placeholder 2"/>
+          <p:cNvSpPr>
+            <a:spLocks noGrp="1"/>
+          </p:cNvSpPr>
+          <p:nvPr>
+            <p:ph idx="1"/>
+          </p:nvPr>
+        </p:nvSpPr>
+        <p:spPr>
+          <a:xfrm>
+            <a:off x="241739" y="1845734"/>
+            <a:ext cx="5210037" cy="4023360"/>
+          </a:xfrm>
+        </p:spPr>
+        <p:txBody>
+          <a:bodyPr>
+            <a:normAutofit fontScale="62500" lnSpcReduction="20000"/>
+          </a:bodyPr>
+          <a:lstStyle/>
+          <a:p>
+            <a:r>
+              <a:rPr lang="en-US" dirty="0"/>
+              <a:t>Between April and August, try to go on some early field trips to inspire project topics</a:t>
+            </a:r>
+          </a:p>
+          <a:p>
+            <a:pPr lvl="1"/>
+            <a:r>
+              <a:rPr lang="en-US" dirty="0"/>
+              <a:t>In Animal Allies, many teams visited Zoos and Aquariums over the summer</a:t>
+            </a:r>
+          </a:p>
+          <a:p>
+            <a:pPr lvl="1"/>
+            <a:r>
+              <a:rPr lang="en-US" dirty="0"/>
+              <a:t>Where could you go for the MASTERPIECE season?</a:t>
+            </a:r>
+          </a:p>
+          <a:p>
+            <a:r>
+              <a:rPr lang="en-US" dirty="0"/>
+              <a:t>Do some preliminary online research related to the topic</a:t>
+            </a:r>
+          </a:p>
+          <a:p>
+            <a:r>
+              <a:rPr lang="en-US" dirty="0"/>
+              <a:t>Your goal is not to finish your project, but get some general ideas for possible topics related to the theme.</a:t>
+            </a:r>
+          </a:p>
+          <a:p>
+            <a:pPr lvl="1"/>
+            <a:endParaRPr lang="en-US" dirty="0"/>
+          </a:p>
+        </p:txBody>
+      </p:sp>
+      <p:sp>
+        <p:nvSpPr>
+          <p:cNvPr id="4" name="Footer Placeholder 3"/>
+          <p:cNvSpPr>
+            <a:spLocks noGrp="1"/>
+          </p:cNvSpPr>
+          <p:nvPr>
+            <p:ph type="ftr" sz="quarter" idx="11"/>
+          </p:nvPr>
+        </p:nvSpPr>
+        <p:spPr/>
+        <p:txBody>
+          <a:bodyPr/>
+          <a:lstStyle/>
+          <a:p>
+            <a:r>
+              <a:rPr lang="en-US"/>
+              <a:t>© 2023, FLLTutorials.com. Last Edit 5/29/2023</a:t>
+            </a:r>
+            <a:endParaRPr lang="en-US" dirty="0"/>
+          </a:p>
+        </p:txBody>
+      </p:sp>
+      <p:sp>
+        <p:nvSpPr>
+          <p:cNvPr id="5" name="Slide Number Placeholder 4"/>
+          <p:cNvSpPr>
+            <a:spLocks noGrp="1"/>
+          </p:cNvSpPr>
+          <p:nvPr>
+            <p:ph type="sldNum" sz="quarter" idx="12"/>
+          </p:nvPr>
+        </p:nvSpPr>
+        <p:spPr/>
+        <p:txBody>
+          <a:bodyPr/>
+          <a:lstStyle/>
+          <a:p>
+            <a:fld id="{6D22F896-40B5-4ADD-8801-0D06FADFA095}" type="slidenum">
+              <a:rPr lang="en-US" smtClean="0"/>
+              <a:t>5</a:t>
+            </a:fld>
+            <a:endParaRPr lang="en-US" dirty="0"/>
+          </a:p>
+        </p:txBody>
+      </p:sp>
+      <p:pic>
+        <p:nvPicPr>
+          <p:cNvPr id="7" name="Picture 6"/>
+          <p:cNvPicPr>
+            <a:picLocks noChangeAspect="1"/>
+          </p:cNvPicPr>
+          <p:nvPr/>
+        </p:nvPicPr>
+        <p:blipFill>
+          <a:blip r:embed="rId2">
+            <a:extLst>
+              <a:ext uri="{28A0092B-C50C-407E-A947-70E740481C1C}">
+                <a14:useLocalDpi xmlns:a14="http://schemas.microsoft.com/office/drawing/2010/main" val="0"/>
+              </a:ext>
+            </a:extLst>
+          </a:blip>
+          <a:stretch>
+            <a:fillRect/>
+          </a:stretch>
+        </p:blipFill>
+        <p:spPr>
+          <a:xfrm>
+            <a:off x="6072188" y="2170717"/>
+            <a:ext cx="2713466" cy="2035100"/>
+          </a:xfrm>
+          <a:prstGeom prst="rect">
+            <a:avLst/>
+          </a:prstGeom>
+        </p:spPr>
+      </p:pic>
+    </p:spTree>
+    <p:extLst>
+      <p:ext uri="{BB962C8B-B14F-4D97-AF65-F5344CB8AC3E}">
+        <p14:creationId xmlns:p14="http://schemas.microsoft.com/office/powerpoint/2010/main" val="780477816"/>
+      </p:ext>
+    </p:extLst>
+  </p:cSld>
+  <p:clrMapOvr>
+    <a:masterClrMapping/>
+  </p:clrMapOvr>
+</p:sld>
+</file>
+
+<file path=ppt/slides/slide6.xml><?xml version="1.0" encoding="utf-8"?>
+<p:sld xmlns:a="http://schemas.openxmlformats.org/drawingml/2006/main" xmlns:r="http://schemas.openxmlformats.org/officeDocument/2006/relationships" xmlns:p="http://schemas.openxmlformats.org/presentationml/2006/main">
+  <p:cSld>
+    <p:spTree>
+      <p:nvGrpSpPr>
+        <p:cNvPr id="1" name=""/>
+        <p:cNvGrpSpPr/>
+        <p:nvPr/>
+      </p:nvGrpSpPr>
+      <p:grpSpPr>
+        <a:xfrm>
+          <a:off x="0" y="0"/>
+          <a:ext cx="0" cy="0"/>
+          <a:chOff x="0" y="0"/>
+          <a:chExt cx="0" cy="0"/>
+        </a:xfrm>
+      </p:grpSpPr>
+      <p:sp>
+        <p:nvSpPr>
+          <p:cNvPr id="2" name="Title 1">
+            <a:extLst>
+              <a:ext uri="{FF2B5EF4-FFF2-40B4-BE49-F238E27FC236}">
+                <a16:creationId xmlns:a16="http://schemas.microsoft.com/office/drawing/2014/main" id="{8712EE20-3241-E42F-F095-F598E499B2E4}"/>
+              </a:ext>
+            </a:extLst>
+          </p:cNvPr>
+          <p:cNvSpPr>
+            <a:spLocks noGrp="1"/>
+          </p:cNvSpPr>
+          <p:nvPr>
+            <p:ph type="title"/>
+          </p:nvPr>
+        </p:nvSpPr>
+        <p:spPr/>
+        <p:txBody>
+          <a:bodyPr>
+            <a:normAutofit/>
+          </a:bodyPr>
+          <a:lstStyle/>
+          <a:p>
+            <a:r>
+              <a:rPr lang="en-US" dirty="0"/>
+              <a:t>CHALLENGE RELEASED IN AUGUST</a:t>
+            </a:r>
+          </a:p>
+        </p:txBody>
+      </p:sp>
+      <p:sp>
+        <p:nvSpPr>
+          <p:cNvPr id="3" name="Content Placeholder 2">
+            <a:extLst>
+              <a:ext uri="{FF2B5EF4-FFF2-40B4-BE49-F238E27FC236}">
+                <a16:creationId xmlns:a16="http://schemas.microsoft.com/office/drawing/2014/main" id="{DD660808-E580-9A5A-1751-5F8BA130A0A1}"/>
+              </a:ext>
+            </a:extLst>
+          </p:cNvPr>
+          <p:cNvSpPr>
+            <a:spLocks noGrp="1"/>
+          </p:cNvSpPr>
+          <p:nvPr>
+            <p:ph idx="1"/>
+          </p:nvPr>
+        </p:nvSpPr>
+        <p:spPr/>
+        <p:txBody>
+          <a:bodyPr/>
+          <a:lstStyle/>
+          <a:p>
+            <a:endParaRPr lang="en-US"/>
+          </a:p>
+        </p:txBody>
+      </p:sp>
+      <p:sp>
+        <p:nvSpPr>
+          <p:cNvPr id="4" name="Footer Placeholder 3">
+            <a:extLst>
+              <a:ext uri="{FF2B5EF4-FFF2-40B4-BE49-F238E27FC236}">
+                <a16:creationId xmlns:a16="http://schemas.microsoft.com/office/drawing/2014/main" id="{94B1E613-BA67-B7A9-3598-412FF93AC451}"/>
+              </a:ext>
+            </a:extLst>
+          </p:cNvPr>
+          <p:cNvSpPr>
+            <a:spLocks noGrp="1"/>
+          </p:cNvSpPr>
+          <p:nvPr>
+            <p:ph type="ftr" sz="quarter" idx="11"/>
+          </p:nvPr>
+        </p:nvSpPr>
+        <p:spPr/>
+        <p:txBody>
+          <a:bodyPr/>
+          <a:lstStyle/>
+          <a:p>
+            <a:r>
+              <a:rPr lang="en-US"/>
+              <a:t>© 2023, FLLTutorials.com. Last Edit 5/29/2023</a:t>
+            </a:r>
+            <a:endParaRPr lang="en-US" dirty="0"/>
+          </a:p>
+        </p:txBody>
+      </p:sp>
+      <p:sp>
+        <p:nvSpPr>
+          <p:cNvPr id="5" name="Slide Number Placeholder 4">
+            <a:extLst>
+              <a:ext uri="{FF2B5EF4-FFF2-40B4-BE49-F238E27FC236}">
+                <a16:creationId xmlns:a16="http://schemas.microsoft.com/office/drawing/2014/main" id="{1D5074B9-8B30-BCF0-7D6E-006DFAA86ACB}"/>
+              </a:ext>
+            </a:extLst>
+          </p:cNvPr>
+          <p:cNvSpPr>
+            <a:spLocks noGrp="1"/>
+          </p:cNvSpPr>
+          <p:nvPr>
+            <p:ph type="sldNum" sz="quarter" idx="12"/>
+          </p:nvPr>
+        </p:nvSpPr>
+        <p:spPr/>
+        <p:txBody>
+          <a:bodyPr/>
+          <a:lstStyle/>
+          <a:p>
+            <a:fld id="{6D22F896-40B5-4ADD-8801-0D06FADFA095}" type="slidenum">
+              <a:rPr lang="en-US" smtClean="0"/>
+              <a:t>6</a:t>
+            </a:fld>
+            <a:endParaRPr lang="en-US" dirty="0"/>
+          </a:p>
+        </p:txBody>
+      </p:sp>
+      <p:pic>
+        <p:nvPicPr>
+          <p:cNvPr id="1026" name="Picture 2">
+            <a:extLst>
+              <a:ext uri="{FF2B5EF4-FFF2-40B4-BE49-F238E27FC236}">
+                <a16:creationId xmlns:a16="http://schemas.microsoft.com/office/drawing/2014/main" id="{B0BE7EA5-BD60-4C75-4176-E4445DD03E46}"/>
+              </a:ext>
+            </a:extLst>
+          </p:cNvPr>
+          <p:cNvPicPr>
+            <a:picLocks noChangeAspect="1" noChangeArrowheads="1"/>
+          </p:cNvPicPr>
+          <p:nvPr/>
+        </p:nvPicPr>
+        <p:blipFill>
+          <a:blip r:embed="rId2">
+            <a:extLst>
+              <a:ext uri="{28A0092B-C50C-407E-A947-70E740481C1C}">
+                <a14:useLocalDpi xmlns:a14="http://schemas.microsoft.com/office/drawing/2010/main" val="0"/>
+              </a:ext>
+            </a:extLst>
+          </a:blip>
+          <a:srcRect/>
+          <a:stretch>
+            <a:fillRect/>
+          </a:stretch>
+        </p:blipFill>
+        <p:spPr bwMode="auto">
+          <a:xfrm>
+            <a:off x="359778" y="1336405"/>
+            <a:ext cx="5961983" cy="1264918"/>
+          </a:xfrm>
+          <a:prstGeom prst="rect">
+            <a:avLst/>
+          </a:prstGeom>
+          <a:noFill/>
+          <a:extLst>
+            <a:ext uri="{909E8E84-426E-40DD-AFC4-6F175D3DCCD1}">
+              <a14:hiddenFill xmlns:a14="http://schemas.microsoft.com/office/drawing/2010/main">
+                <a:solidFill>
+                  <a:srgbClr val="FFFFFF"/>
+                </a:solidFill>
+              </a14:hiddenFill>
+            </a:ext>
+          </a:extLst>
+        </p:spPr>
+      </p:pic>
+      <p:pic>
+        <p:nvPicPr>
+          <p:cNvPr id="1027" name="Picture 3">
+            <a:extLst>
+              <a:ext uri="{FF2B5EF4-FFF2-40B4-BE49-F238E27FC236}">
+                <a16:creationId xmlns:a16="http://schemas.microsoft.com/office/drawing/2014/main" id="{B65D7A08-CD13-2FB3-45DE-A70478EC0976}"/>
+              </a:ext>
+            </a:extLst>
+          </p:cNvPr>
+          <p:cNvPicPr>
+            <a:picLocks noChangeAspect="1" noChangeArrowheads="1"/>
+          </p:cNvPicPr>
+          <p:nvPr/>
+        </p:nvPicPr>
+        <p:blipFill>
+          <a:blip r:embed="rId3">
+            <a:extLst>
+              <a:ext uri="{28A0092B-C50C-407E-A947-70E740481C1C}">
+                <a14:useLocalDpi xmlns:a14="http://schemas.microsoft.com/office/drawing/2010/main" val="0"/>
+              </a:ext>
+            </a:extLst>
+          </a:blip>
+          <a:srcRect/>
+          <a:stretch>
+            <a:fillRect/>
+          </a:stretch>
+        </p:blipFill>
+        <p:spPr bwMode="auto">
+          <a:xfrm>
+            <a:off x="4081651" y="4113837"/>
+            <a:ext cx="4156196" cy="2305703"/>
+          </a:xfrm>
+          <a:prstGeom prst="rect">
+            <a:avLst/>
+          </a:prstGeom>
+          <a:noFill/>
+          <a:extLst>
+            <a:ext uri="{909E8E84-426E-40DD-AFC4-6F175D3DCCD1}">
+              <a14:hiddenFill xmlns:a14="http://schemas.microsoft.com/office/drawing/2010/main">
+                <a:solidFill>
+                  <a:srgbClr val="FFFFFF"/>
+                </a:solidFill>
+              </a14:hiddenFill>
+            </a:ext>
+          </a:extLst>
+        </p:spPr>
+      </p:pic>
+      <p:pic>
+        <p:nvPicPr>
+          <p:cNvPr id="1028" name="Picture 4">
+            <a:extLst>
+              <a:ext uri="{FF2B5EF4-FFF2-40B4-BE49-F238E27FC236}">
+                <a16:creationId xmlns:a16="http://schemas.microsoft.com/office/drawing/2014/main" id="{B4B3EECA-3A1B-C5EE-F305-D39BE92958E5}"/>
+              </a:ext>
+            </a:extLst>
+          </p:cNvPr>
+          <p:cNvPicPr>
+            <a:picLocks noChangeAspect="1" noChangeArrowheads="1"/>
+          </p:cNvPicPr>
+          <p:nvPr/>
+        </p:nvPicPr>
+        <p:blipFill rotWithShape="1">
+          <a:blip r:embed="rId4">
+            <a:extLst>
+              <a:ext uri="{28A0092B-C50C-407E-A947-70E740481C1C}">
+                <a14:useLocalDpi xmlns:a14="http://schemas.microsoft.com/office/drawing/2010/main" val="0"/>
+              </a:ext>
+            </a:extLst>
+          </a:blip>
+          <a:srcRect b="30699"/>
+          <a:stretch/>
+        </p:blipFill>
+        <p:spPr bwMode="auto">
+          <a:xfrm>
+            <a:off x="448091" y="2432705"/>
+            <a:ext cx="3855685" cy="3850850"/>
+          </a:xfrm>
+          <a:prstGeom prst="rect">
+            <a:avLst/>
+          </a:prstGeom>
+          <a:noFill/>
+          <a:extLst>
+            <a:ext uri="{909E8E84-426E-40DD-AFC4-6F175D3DCCD1}">
+              <a14:hiddenFill xmlns:a14="http://schemas.microsoft.com/office/drawing/2010/main">
+                <a:solidFill>
+                  <a:srgbClr val="FFFFFF"/>
+                </a:solidFill>
+              </a14:hiddenFill>
+            </a:ext>
+          </a:extLst>
+        </p:spPr>
+      </p:pic>
+      <p:pic>
+        <p:nvPicPr>
+          <p:cNvPr id="6" name="Picture 4">
+            <a:extLst>
+              <a:ext uri="{FF2B5EF4-FFF2-40B4-BE49-F238E27FC236}">
+                <a16:creationId xmlns:a16="http://schemas.microsoft.com/office/drawing/2014/main" id="{1705D1B6-84CB-5693-E6F5-C2A716126C16}"/>
+              </a:ext>
+            </a:extLst>
+          </p:cNvPr>
+          <p:cNvPicPr>
+            <a:picLocks noChangeAspect="1" noChangeArrowheads="1"/>
+          </p:cNvPicPr>
+          <p:nvPr/>
+        </p:nvPicPr>
+        <p:blipFill rotWithShape="1">
+          <a:blip r:embed="rId4">
+            <a:extLst>
+              <a:ext uri="{28A0092B-C50C-407E-A947-70E740481C1C}">
+                <a14:useLocalDpi xmlns:a14="http://schemas.microsoft.com/office/drawing/2010/main" val="0"/>
+              </a:ext>
+            </a:extLst>
+          </a:blip>
+          <a:srcRect t="68175"/>
+          <a:stretch/>
+        </p:blipFill>
+        <p:spPr bwMode="auto">
+          <a:xfrm>
+            <a:off x="4081651" y="2473589"/>
+            <a:ext cx="4041604" cy="1853710"/>
+          </a:xfrm>
+          <a:prstGeom prst="rect">
+            <a:avLst/>
+          </a:prstGeom>
+          <a:noFill/>
+          <a:extLst>
+            <a:ext uri="{909E8E84-426E-40DD-AFC4-6F175D3DCCD1}">
+              <a14:hiddenFill xmlns:a14="http://schemas.microsoft.com/office/drawing/2010/main">
+                <a:solidFill>
+                  <a:srgbClr val="FFFFFF"/>
+                </a:solidFill>
+              </a14:hiddenFill>
+            </a:ext>
+          </a:extLst>
+        </p:spPr>
+      </p:pic>
+      <p:sp>
+        <p:nvSpPr>
+          <p:cNvPr id="8" name="TextBox 7">
+            <a:extLst>
+              <a:ext uri="{FF2B5EF4-FFF2-40B4-BE49-F238E27FC236}">
+                <a16:creationId xmlns:a16="http://schemas.microsoft.com/office/drawing/2014/main" id="{AF3DACFB-C31C-70B0-C33C-8F7063883E34}"/>
+              </a:ext>
+            </a:extLst>
+          </p:cNvPr>
+          <p:cNvSpPr txBox="1"/>
+          <p:nvPr/>
+        </p:nvSpPr>
+        <p:spPr>
+          <a:xfrm rot="16200000">
+            <a:off x="-1470539" y="4067149"/>
+            <a:ext cx="3486150" cy="369332"/>
+          </a:xfrm>
+          <a:prstGeom prst="rect">
+            <a:avLst/>
+          </a:prstGeom>
+          <a:noFill/>
+        </p:spPr>
+        <p:txBody>
+          <a:bodyPr wrap="square" rtlCol="0">
+            <a:spAutoFit/>
+          </a:bodyPr>
+          <a:lstStyle/>
+          <a:p>
+            <a:r>
+              <a:rPr lang="en-US" dirty="0"/>
+              <a:t>SAMPLE FROM SUPERPOWERED</a:t>
+            </a:r>
+          </a:p>
+        </p:txBody>
+      </p:sp>
+    </p:spTree>
+    <p:extLst>
+      <p:ext uri="{BB962C8B-B14F-4D97-AF65-F5344CB8AC3E}">
+        <p14:creationId xmlns:p14="http://schemas.microsoft.com/office/powerpoint/2010/main" val="3755283977"/>
+      </p:ext>
+    </p:extLst>
+  </p:cSld>
+  <p:clrMapOvr>
+    <a:masterClrMapping/>
+  </p:clrMapOvr>
+</p:sld>
+</file>
+
+<file path=ppt/slides/slide7.xml><?xml version="1.0" encoding="utf-8"?>
+<p:sld xmlns:a="http://schemas.openxmlformats.org/drawingml/2006/main" xmlns:r="http://schemas.openxmlformats.org/officeDocument/2006/relationships" xmlns:p="http://schemas.openxmlformats.org/presentationml/2006/main">
+  <p:cSld>
+    <p:spTree>
+      <p:nvGrpSpPr>
+        <p:cNvPr id="1" name=""/>
+        <p:cNvGrpSpPr/>
+        <p:nvPr/>
+      </p:nvGrpSpPr>
+      <p:grpSpPr>
+        <a:xfrm>
+          <a:off x="0" y="0"/>
+          <a:ext cx="0" cy="0"/>
+          <a:chOff x="0" y="0"/>
+          <a:chExt cx="0" cy="0"/>
+        </a:xfrm>
+      </p:grpSpPr>
+      <p:sp>
+        <p:nvSpPr>
+          <p:cNvPr id="2" name="Title 1"/>
+          <p:cNvSpPr>
+            <a:spLocks noGrp="1"/>
+          </p:cNvSpPr>
+          <p:nvPr>
+            <p:ph type="title"/>
+          </p:nvPr>
+        </p:nvSpPr>
+        <p:spPr/>
+        <p:txBody>
+          <a:bodyPr>
+            <a:normAutofit fontScale="90000"/>
+          </a:bodyPr>
+          <a:lstStyle/>
+          <a:p>
+            <a:r>
+              <a:rPr lang="en-US" dirty="0"/>
+              <a:t>Read the Challenge Documents Carefully</a:t>
+            </a:r>
+          </a:p>
+        </p:txBody>
+      </p:sp>
+      <p:sp>
+        <p:nvSpPr>
+          <p:cNvPr id="3" name="Content Placeholder 2"/>
+          <p:cNvSpPr>
+            <a:spLocks noGrp="1"/>
+          </p:cNvSpPr>
+          <p:nvPr>
+            <p:ph idx="1"/>
+          </p:nvPr>
+        </p:nvSpPr>
+        <p:spPr>
+          <a:xfrm>
+            <a:off x="403321" y="1574065"/>
+            <a:ext cx="8167623" cy="4023360"/>
+          </a:xfrm>
+        </p:spPr>
+        <p:txBody>
+          <a:bodyPr>
+            <a:normAutofit/>
+          </a:bodyPr>
+          <a:lstStyle/>
+          <a:p>
+            <a:r>
+              <a:rPr lang="en-US" sz="2000" dirty="0"/>
+              <a:t>Sometimes, you are allowed to pick only from a certain sub-set of topics (e.g. Nature’s Fury listed which natural disasters were allowed)</a:t>
+            </a:r>
+          </a:p>
+          <a:p>
+            <a:endParaRPr lang="en-US" sz="2000" dirty="0"/>
+          </a:p>
+          <a:p>
+            <a:endParaRPr lang="en-US" sz="2000" dirty="0"/>
+          </a:p>
+          <a:p>
+            <a:endParaRPr lang="en-US" sz="2000" dirty="0"/>
+          </a:p>
+          <a:p>
+            <a:endParaRPr lang="en-US" sz="2000" dirty="0"/>
+          </a:p>
+          <a:p>
+            <a:r>
+              <a:rPr lang="en-US" sz="2000" dirty="0"/>
+              <a:t>Sometimes, it calls for something specific (e.g. Senior Solutions required a Senior Partner for every team)</a:t>
+            </a:r>
+          </a:p>
+        </p:txBody>
+      </p:sp>
+      <p:sp>
+        <p:nvSpPr>
+          <p:cNvPr id="4" name="Footer Placeholder 3"/>
+          <p:cNvSpPr>
+            <a:spLocks noGrp="1"/>
+          </p:cNvSpPr>
+          <p:nvPr>
+            <p:ph type="ftr" sz="quarter" idx="11"/>
+          </p:nvPr>
+        </p:nvSpPr>
+        <p:spPr/>
+        <p:txBody>
+          <a:bodyPr/>
+          <a:lstStyle/>
+          <a:p>
+            <a:r>
+              <a:rPr lang="en-US"/>
+              <a:t>© 2023, FLLTutorials.com. Last Edit 5/29/2023</a:t>
+            </a:r>
+            <a:endParaRPr lang="en-US" dirty="0"/>
+          </a:p>
+        </p:txBody>
+      </p:sp>
+      <p:sp>
+        <p:nvSpPr>
+          <p:cNvPr id="5" name="Slide Number Placeholder 4"/>
+          <p:cNvSpPr>
+            <a:spLocks noGrp="1"/>
+          </p:cNvSpPr>
+          <p:nvPr>
+            <p:ph type="sldNum" sz="quarter" idx="12"/>
+          </p:nvPr>
+        </p:nvSpPr>
+        <p:spPr/>
+        <p:txBody>
+          <a:bodyPr/>
+          <a:lstStyle/>
+          <a:p>
+            <a:fld id="{6D22F896-40B5-4ADD-8801-0D06FADFA095}" type="slidenum">
+              <a:rPr lang="en-US" smtClean="0"/>
+              <a:t>7</a:t>
+            </a:fld>
+            <a:endParaRPr lang="en-US" dirty="0"/>
+          </a:p>
+        </p:txBody>
+      </p:sp>
+      <p:pic>
+        <p:nvPicPr>
+          <p:cNvPr id="6" name="Picture 5"/>
+          <p:cNvPicPr>
+            <a:picLocks noChangeAspect="1"/>
+          </p:cNvPicPr>
+          <p:nvPr/>
+        </p:nvPicPr>
+        <p:blipFill>
+          <a:blip r:embed="rId2">
+            <a:extLst>
+              <a:ext uri="{28A0092B-C50C-407E-A947-70E740481C1C}">
+                <a14:useLocalDpi xmlns:a14="http://schemas.microsoft.com/office/drawing/2010/main" val="0"/>
+              </a:ext>
+            </a:extLst>
+          </a:blip>
+          <a:stretch>
+            <a:fillRect/>
+          </a:stretch>
+        </p:blipFill>
+        <p:spPr>
+          <a:xfrm>
+            <a:off x="2209884" y="2318561"/>
+            <a:ext cx="5075702" cy="1316336"/>
+          </a:xfrm>
+          <a:prstGeom prst="rect">
+            <a:avLst/>
+          </a:prstGeom>
+          <a:ln w="38100" cap="sq">
+            <a:solidFill>
+              <a:srgbClr val="000000"/>
+            </a:solidFill>
+            <a:prstDash val="solid"/>
+            <a:miter lim="800000"/>
+          </a:ln>
+          <a:effectLst>
+            <a:outerShdw blurRad="50800" dist="38100" dir="2700000" algn="tl" rotWithShape="0">
+              <a:srgbClr val="000000">
+                <a:alpha val="43000"/>
+              </a:srgbClr>
+            </a:outerShdw>
+          </a:effectLst>
+        </p:spPr>
+      </p:pic>
+      <p:pic>
+        <p:nvPicPr>
+          <p:cNvPr id="7" name="Picture 6"/>
+          <p:cNvPicPr>
+            <a:picLocks noChangeAspect="1"/>
+          </p:cNvPicPr>
+          <p:nvPr/>
+        </p:nvPicPr>
+        <p:blipFill>
+          <a:blip r:embed="rId3">
+            <a:extLst>
+              <a:ext uri="{28A0092B-C50C-407E-A947-70E740481C1C}">
+                <a14:useLocalDpi xmlns:a14="http://schemas.microsoft.com/office/drawing/2010/main" val="0"/>
+              </a:ext>
+            </a:extLst>
+          </a:blip>
+          <a:stretch>
+            <a:fillRect/>
+          </a:stretch>
+        </p:blipFill>
+        <p:spPr>
+          <a:xfrm>
+            <a:off x="1114291" y="4905351"/>
+            <a:ext cx="6803062" cy="1072116"/>
+          </a:xfrm>
+          <a:prstGeom prst="rect">
+            <a:avLst/>
+          </a:prstGeom>
+          <a:ln w="38100" cap="sq">
+            <a:solidFill>
+              <a:srgbClr val="000000"/>
+            </a:solidFill>
+            <a:prstDash val="solid"/>
+            <a:miter lim="800000"/>
+          </a:ln>
+          <a:effectLst>
+            <a:outerShdw blurRad="50800" dist="38100" dir="2700000" algn="tl" rotWithShape="0">
+              <a:srgbClr val="000000">
+                <a:alpha val="43000"/>
+              </a:srgbClr>
+            </a:outerShdw>
+          </a:effectLst>
+        </p:spPr>
+      </p:pic>
+    </p:spTree>
+    <p:extLst>
+      <p:ext uri="{BB962C8B-B14F-4D97-AF65-F5344CB8AC3E}">
+        <p14:creationId xmlns:p14="http://schemas.microsoft.com/office/powerpoint/2010/main" val="1141328335"/>
+      </p:ext>
+    </p:extLst>
+  </p:cSld>
+  <p:clrMapOvr>
+    <a:masterClrMapping/>
+  </p:clrMapOvr>
+</p:sld>
+</file>
+
+<file path=ppt/slides/slide8.xml><?xml version="1.0" encoding="utf-8"?>
+<p:sld xmlns:a="http://schemas.openxmlformats.org/drawingml/2006/main" xmlns:r="http://schemas.openxmlformats.org/officeDocument/2006/relationships" xmlns:p="http://schemas.openxmlformats.org/presentationml/2006/main">
+  <p:cSld>
+    <p:spTree>
+      <p:nvGrpSpPr>
+        <p:cNvPr id="1" name=""/>
+        <p:cNvGrpSpPr/>
+        <p:nvPr/>
+      </p:nvGrpSpPr>
+      <p:grpSpPr>
+        <a:xfrm>
+          <a:off x="0" y="0"/>
+          <a:ext cx="0" cy="0"/>
+          <a:chOff x="0" y="0"/>
+          <a:chExt cx="0" cy="0"/>
+        </a:xfrm>
+      </p:grpSpPr>
+      <p:sp>
+        <p:nvSpPr>
+          <p:cNvPr id="2" name="Title 1">
+            <a:extLst>
+              <a:ext uri="{FF2B5EF4-FFF2-40B4-BE49-F238E27FC236}">
+                <a16:creationId xmlns:a16="http://schemas.microsoft.com/office/drawing/2014/main" id="{334C3BD4-8AD4-9196-029D-8F02CA3483FE}"/>
+              </a:ext>
+            </a:extLst>
+          </p:cNvPr>
+          <p:cNvSpPr>
+            <a:spLocks noGrp="1"/>
+          </p:cNvSpPr>
+          <p:nvPr>
+            <p:ph type="title"/>
+          </p:nvPr>
+        </p:nvSpPr>
+        <p:spPr/>
+        <p:txBody>
+          <a:bodyPr/>
+          <a:lstStyle/>
+          <a:p>
+            <a:r>
+              <a:rPr lang="en-US" dirty="0"/>
+              <a:t>PICK A PROBLEM That is meaningful</a:t>
+            </a:r>
+          </a:p>
+        </p:txBody>
+      </p:sp>
+      <p:sp>
+        <p:nvSpPr>
+          <p:cNvPr id="3" name="Content Placeholder 2">
+            <a:extLst>
+              <a:ext uri="{FF2B5EF4-FFF2-40B4-BE49-F238E27FC236}">
+                <a16:creationId xmlns:a16="http://schemas.microsoft.com/office/drawing/2014/main" id="{FE6725C0-FD61-23D3-B8C2-15095335671B}"/>
+              </a:ext>
+            </a:extLst>
+          </p:cNvPr>
+          <p:cNvSpPr>
+            <a:spLocks noGrp="1"/>
+          </p:cNvSpPr>
+          <p:nvPr>
+            <p:ph idx="1"/>
+          </p:nvPr>
+        </p:nvSpPr>
+        <p:spPr>
+          <a:xfrm>
+            <a:off x="448092" y="1505583"/>
+            <a:ext cx="8122852" cy="4353215"/>
+          </a:xfrm>
+        </p:spPr>
+        <p:txBody>
+          <a:bodyPr>
+            <a:normAutofit/>
+          </a:bodyPr>
+          <a:lstStyle/>
+          <a:p>
+            <a:r>
+              <a:rPr lang="en-US" sz="2400" dirty="0"/>
+              <a:t>Always </a:t>
+            </a:r>
+            <a:r>
+              <a:rPr lang="en-US" sz="2400" u="sng" dirty="0"/>
+              <a:t>think of a problem first</a:t>
+            </a:r>
+            <a:r>
+              <a:rPr lang="en-US" sz="2400" dirty="0"/>
+              <a:t>, not the solution</a:t>
+            </a:r>
+          </a:p>
+          <a:p>
+            <a:r>
+              <a:rPr lang="en-US" sz="2400" dirty="0"/>
+              <a:t>The problem can be </a:t>
+            </a:r>
+            <a:r>
+              <a:rPr lang="en-US" sz="2400" u="sng" dirty="0"/>
+              <a:t>as small or big</a:t>
+            </a:r>
+            <a:r>
+              <a:rPr lang="en-US" sz="2400" dirty="0"/>
+              <a:t> as you want</a:t>
+            </a:r>
+          </a:p>
+          <a:p>
+            <a:r>
+              <a:rPr lang="en-US" sz="2400" dirty="0"/>
+              <a:t>Most students relate better to local problems that impact their daily lives in some way</a:t>
+            </a:r>
+          </a:p>
+          <a:p>
+            <a:r>
+              <a:rPr lang="en-US" sz="2400" dirty="0"/>
+              <a:t>Do not worry that there is already a solution to the problem. As part of the process, you will look at existing solutions and see if you can make improvements.</a:t>
+            </a:r>
+          </a:p>
+        </p:txBody>
+      </p:sp>
+      <p:sp>
+        <p:nvSpPr>
+          <p:cNvPr id="4" name="Footer Placeholder 3">
+            <a:extLst>
+              <a:ext uri="{FF2B5EF4-FFF2-40B4-BE49-F238E27FC236}">
+                <a16:creationId xmlns:a16="http://schemas.microsoft.com/office/drawing/2014/main" id="{E1BF5329-24EB-F0E6-22A4-10CB54EF6667}"/>
+              </a:ext>
+            </a:extLst>
+          </p:cNvPr>
+          <p:cNvSpPr>
+            <a:spLocks noGrp="1"/>
+          </p:cNvSpPr>
+          <p:nvPr>
+            <p:ph type="ftr" sz="quarter" idx="11"/>
+          </p:nvPr>
+        </p:nvSpPr>
+        <p:spPr/>
+        <p:txBody>
+          <a:bodyPr/>
+          <a:lstStyle/>
+          <a:p>
+            <a:r>
+              <a:rPr lang="en-US"/>
+              <a:t>© 2023, FLLTutorials.com. Last Edit 5/29/2023</a:t>
+            </a:r>
+            <a:endParaRPr lang="en-US" dirty="0"/>
+          </a:p>
+        </p:txBody>
+      </p:sp>
+      <p:sp>
+        <p:nvSpPr>
+          <p:cNvPr id="5" name="Slide Number Placeholder 4">
+            <a:extLst>
+              <a:ext uri="{FF2B5EF4-FFF2-40B4-BE49-F238E27FC236}">
+                <a16:creationId xmlns:a16="http://schemas.microsoft.com/office/drawing/2014/main" id="{1DB50EBA-04BD-45C2-F4B5-B29575E72451}"/>
+              </a:ext>
+            </a:extLst>
+          </p:cNvPr>
+          <p:cNvSpPr>
+            <a:spLocks noGrp="1"/>
+          </p:cNvSpPr>
+          <p:nvPr>
+            <p:ph type="sldNum" sz="quarter" idx="12"/>
+          </p:nvPr>
+        </p:nvSpPr>
+        <p:spPr/>
+        <p:txBody>
+          <a:bodyPr/>
+          <a:lstStyle/>
+          <a:p>
+            <a:fld id="{6D22F896-40B5-4ADD-8801-0D06FADFA095}" type="slidenum">
+              <a:rPr lang="en-US" smtClean="0"/>
+              <a:t>8</a:t>
+            </a:fld>
+            <a:endParaRPr lang="en-US" dirty="0"/>
+          </a:p>
+        </p:txBody>
+      </p:sp>
+    </p:spTree>
+    <p:extLst>
+      <p:ext uri="{BB962C8B-B14F-4D97-AF65-F5344CB8AC3E}">
+        <p14:creationId xmlns:p14="http://schemas.microsoft.com/office/powerpoint/2010/main" val="1479210244"/>
+      </p:ext>
+    </p:extLst>
+  </p:cSld>
+  <p:clrMapOvr>
+    <a:masterClrMapping/>
+  </p:clrMapOvr>
+</p:sld>
+</file>
+
+<file path=ppt/slides/slide9.xml><?xml version="1.0" encoding="utf-8"?>
+<p:sld xmlns:a="http://schemas.openxmlformats.org/drawingml/2006/main" xmlns:r="http://schemas.openxmlformats.org/officeDocument/2006/relationships" xmlns:p="http://schemas.openxmlformats.org/presentationml/2006/main">
+  <p:cSld>
+    <p:spTree>
+      <p:nvGrpSpPr>
+        <p:cNvPr id="1" name=""/>
+        <p:cNvGrpSpPr/>
+        <p:nvPr/>
+      </p:nvGrpSpPr>
+      <p:grpSpPr>
+        <a:xfrm>
+          <a:off x="0" y="0"/>
+          <a:ext cx="0" cy="0"/>
+          <a:chOff x="0" y="0"/>
+          <a:chExt cx="0" cy="0"/>
+        </a:xfrm>
+      </p:grpSpPr>
+      <p:sp>
+        <p:nvSpPr>
+          <p:cNvPr id="2" name="Title 1"/>
+          <p:cNvSpPr>
+            <a:spLocks noGrp="1"/>
+          </p:cNvSpPr>
+          <p:nvPr>
+            <p:ph type="title"/>
+          </p:nvPr>
+        </p:nvSpPr>
+        <p:spPr/>
+        <p:txBody>
+          <a:bodyPr/>
+          <a:lstStyle/>
+          <a:p>
+            <a:r>
+              <a:rPr lang="en-US" dirty="0"/>
+              <a:t>Pick a Topic Everyone Agrees Upon</a:t>
+            </a:r>
+          </a:p>
+        </p:txBody>
+      </p:sp>
+      <p:sp>
+        <p:nvSpPr>
+          <p:cNvPr id="3" name="Content Placeholder 2"/>
+          <p:cNvSpPr>
+            <a:spLocks noGrp="1"/>
+          </p:cNvSpPr>
+          <p:nvPr>
+            <p:ph idx="1"/>
+          </p:nvPr>
+        </p:nvSpPr>
+        <p:spPr>
+          <a:xfrm>
+            <a:off x="241739" y="1845733"/>
+            <a:ext cx="3811277" cy="4324791"/>
+          </a:xfrm>
+        </p:spPr>
+        <p:txBody>
+          <a:bodyPr>
+            <a:normAutofit fontScale="92500" lnSpcReduction="10000"/>
+          </a:bodyPr>
+          <a:lstStyle/>
+          <a:p>
+            <a:r>
+              <a:rPr lang="en-US" sz="2000" dirty="0"/>
+              <a:t>Everyone works on the project </a:t>
+            </a:r>
+          </a:p>
+          <a:p>
+            <a:pPr lvl="1"/>
+            <a:r>
+              <a:rPr lang="en-US" sz="1800" dirty="0"/>
+              <a:t>Pick a topic that all team members can agree on/are interested in</a:t>
+            </a:r>
+          </a:p>
+          <a:p>
+            <a:r>
+              <a:rPr lang="en-US" sz="2000" dirty="0"/>
+              <a:t>One idea is to have all team members do a little bit of research on their favorite topic and then present this topic to each other. </a:t>
+            </a:r>
+          </a:p>
+          <a:p>
+            <a:pPr lvl="1"/>
+            <a:r>
+              <a:rPr lang="en-US" sz="1800" dirty="0"/>
+              <a:t>Then the team decides which topic they are most interested in to pick for their team’s project.</a:t>
+            </a:r>
+          </a:p>
+          <a:p>
+            <a:pPr lvl="1"/>
+            <a:r>
+              <a:rPr lang="en-US" sz="1800" dirty="0"/>
+              <a:t>Next, the team identifies a specific problem within this topic</a:t>
+            </a:r>
+          </a:p>
+        </p:txBody>
+      </p:sp>
+      <p:sp>
+        <p:nvSpPr>
+          <p:cNvPr id="4" name="Footer Placeholder 3"/>
+          <p:cNvSpPr>
+            <a:spLocks noGrp="1"/>
+          </p:cNvSpPr>
+          <p:nvPr>
+            <p:ph type="ftr" sz="quarter" idx="11"/>
+          </p:nvPr>
+        </p:nvSpPr>
+        <p:spPr/>
+        <p:txBody>
+          <a:bodyPr/>
+          <a:lstStyle/>
+          <a:p>
+            <a:r>
+              <a:rPr lang="en-US"/>
+              <a:t>© 2023, FLLTutorials.com. Last Edit 5/29/2023</a:t>
+            </a:r>
+            <a:endParaRPr lang="en-US" dirty="0"/>
+          </a:p>
+        </p:txBody>
+      </p:sp>
+      <p:sp>
+        <p:nvSpPr>
+          <p:cNvPr id="5" name="Slide Number Placeholder 4"/>
+          <p:cNvSpPr>
+            <a:spLocks noGrp="1"/>
+          </p:cNvSpPr>
+          <p:nvPr>
+            <p:ph type="sldNum" sz="quarter" idx="12"/>
+          </p:nvPr>
+        </p:nvSpPr>
+        <p:spPr/>
+        <p:txBody>
+          <a:bodyPr/>
+          <a:lstStyle/>
+          <a:p>
+            <a:fld id="{6D22F896-40B5-4ADD-8801-0D06FADFA095}" type="slidenum">
+              <a:rPr lang="en-US" smtClean="0"/>
+              <a:t>9</a:t>
+            </a:fld>
+            <a:endParaRPr lang="en-US" dirty="0"/>
+          </a:p>
+        </p:txBody>
+      </p:sp>
+      <p:pic>
+        <p:nvPicPr>
+          <p:cNvPr id="6" name="Picture 5"/>
+          <p:cNvPicPr>
+            <a:picLocks noChangeAspect="1"/>
+          </p:cNvPicPr>
+          <p:nvPr/>
+        </p:nvPicPr>
+        <p:blipFill>
+          <a:blip r:embed="rId2">
+            <a:extLst>
+              <a:ext uri="{28A0092B-C50C-407E-A947-70E740481C1C}">
+                <a14:useLocalDpi xmlns:a14="http://schemas.microsoft.com/office/drawing/2010/main" val="0"/>
+              </a:ext>
+            </a:extLst>
+          </a:blip>
+          <a:stretch>
+            <a:fillRect/>
+          </a:stretch>
+        </p:blipFill>
+        <p:spPr>
+          <a:xfrm>
+            <a:off x="4551095" y="2137718"/>
+            <a:ext cx="4283676" cy="3212757"/>
+          </a:xfrm>
+          <a:prstGeom prst="rect">
+            <a:avLst/>
+          </a:prstGeom>
+        </p:spPr>
+      </p:pic>
+    </p:spTree>
+    <p:extLst>
+      <p:ext uri="{BB962C8B-B14F-4D97-AF65-F5344CB8AC3E}">
+        <p14:creationId xmlns:p14="http://schemas.microsoft.com/office/powerpoint/2010/main" val="1553878067"/>
       </p:ext>
     </p:extLst>
   </p:cSld>

--- a/translations/en-us/Project/Identify.pptx
+++ b/translations/en-us/Project/Identify.pptx
@@ -208,7 +208,7 @@
           <a:p>
             <a:fld id="{A78B980B-A051-5042-A199-B77431CF73D3}" type="datetimeFigureOut">
               <a:rPr lang="en-US" smtClean="0"/>
-              <a:t>5/29/23</a:t>
+              <a:t>8/5/24</a:t>
             </a:fld>
             <a:endParaRPr lang="en-US"/>
           </a:p>
@@ -812,7 +812,7 @@
           <a:p>
             <a:fld id="{BA13DC3D-B11C-F347-ADC5-EC78886C6D84}" type="datetime1">
               <a:rPr lang="en-US" smtClean="0"/>
-              <a:t>5/29/23</a:t>
+              <a:t>8/5/24</a:t>
             </a:fld>
             <a:endParaRPr lang="en-US" dirty="0"/>
           </a:p>
@@ -1122,7 +1122,7 @@
           <a:p>
             <a:fld id="{ED27EB4E-0BB7-F647-98C0-F6D1191CE616}" type="datetime1">
               <a:rPr lang="en-US" smtClean="0"/>
-              <a:t>5/29/23</a:t>
+              <a:t>8/5/24</a:t>
             </a:fld>
             <a:endParaRPr lang="en-US" dirty="0"/>
           </a:p>
@@ -1380,7 +1380,7 @@
           <a:p>
             <a:fld id="{0DA6C8E7-329C-4C4B-901D-BA4D5D81F757}" type="datetime1">
               <a:rPr lang="en-US" smtClean="0"/>
-              <a:t>5/29/23</a:t>
+              <a:t>8/5/24</a:t>
             </a:fld>
             <a:endParaRPr lang="en-US" dirty="0"/>
           </a:p>
@@ -1668,7 +1668,7 @@
           <a:p>
             <a:fld id="{7DD22235-2BF0-3F4B-9C33-E5DE620A9790}" type="datetime1">
               <a:rPr lang="en-US" smtClean="0"/>
-              <a:t>5/29/23</a:t>
+              <a:t>8/5/24</a:t>
             </a:fld>
             <a:endParaRPr lang="en-US" dirty="0"/>
           </a:p>
@@ -2121,7 +2121,7 @@
             <a:fld id="{B61BEF0D-F0BB-DE4B-95CE-6DB70DBA9567}" type="datetimeFigureOut">
               <a:rPr lang="en-US" smtClean="0"/>
               <a:pPr/>
-              <a:t>5/29/23</a:t>
+              <a:t>8/5/24</a:t>
             </a:fld>
             <a:endParaRPr lang="en-US" dirty="0"/>
           </a:p>
@@ -2678,7 +2678,7 @@
           <a:p>
             <a:fld id="{5795321E-5D35-B941-81C0-C686CE98DA95}" type="datetime1">
               <a:rPr lang="en-US" smtClean="0"/>
-              <a:t>5/29/23</a:t>
+              <a:t>8/5/24</a:t>
             </a:fld>
             <a:endParaRPr lang="en-US" dirty="0"/>
           </a:p>
@@ -3127,7 +3127,7 @@
           <a:p>
             <a:fld id="{1498B3B3-F0C5-C145-A6FD-9B685A5B7C9F}" type="datetime1">
               <a:rPr lang="en-US" smtClean="0"/>
-              <a:t>5/29/23</a:t>
+              <a:t>8/5/24</a:t>
             </a:fld>
             <a:endParaRPr lang="en-US" dirty="0"/>
           </a:p>
@@ -3312,7 +3312,7 @@
           <a:p>
             <a:fld id="{55878421-8DE9-7647-90E6-85D285788935}" type="datetime1">
               <a:rPr lang="en-US" smtClean="0"/>
-              <a:t>5/29/23</a:t>
+              <a:t>8/5/24</a:t>
             </a:fld>
             <a:endParaRPr lang="en-US" dirty="0"/>
           </a:p>
@@ -3435,7 +3435,7 @@
           <a:p>
             <a:fld id="{570134C3-2338-D345-851D-0760E798A06A}" type="datetime1">
               <a:rPr lang="en-US" smtClean="0"/>
-              <a:t>5/29/23</a:t>
+              <a:t>8/5/24</a:t>
             </a:fld>
             <a:endParaRPr lang="en-US" dirty="0"/>
           </a:p>
@@ -3841,7 +3841,7 @@
           <a:p>
             <a:fld id="{9C901F08-CA93-1F45-92CC-7E49A6ADB732}" type="datetime1">
               <a:rPr lang="en-US" smtClean="0"/>
-              <a:t>5/29/23</a:t>
+              <a:t>8/5/24</a:t>
             </a:fld>
             <a:endParaRPr lang="en-US" dirty="0"/>
           </a:p>
@@ -4158,7 +4158,7 @@
           <a:p>
             <a:fld id="{56A2B46B-4E4F-AA45-B946-2A3936CF6441}" type="datetime1">
               <a:rPr lang="en-US" smtClean="0"/>
-              <a:t>5/29/23</a:t>
+              <a:t>8/5/24</a:t>
             </a:fld>
             <a:endParaRPr lang="en-US" dirty="0"/>
           </a:p>
@@ -4509,7 +4509,7 @@
           <a:p>
             <a:fld id="{0D81F470-518E-C14A-9717-B35B5AE501D8}" type="datetime1">
               <a:rPr lang="en-US" smtClean="0"/>
-              <a:t>5/29/23</a:t>
+              <a:t>8/5/24</a:t>
             </a:fld>
             <a:endParaRPr lang="en-US" dirty="0"/>
           </a:p>
@@ -5225,6 +5225,13 @@
               <a:schemeClr val="lt1"/>
             </a:fontRef>
           </p:style>
+          <p:txBody>
+            <a:bodyPr/>
+            <a:lstStyle/>
+            <a:p>
+              <a:endParaRPr lang="en-US"/>
+            </a:p>
+          </p:txBody>
         </p:sp>
         <p:sp>
           <p:nvSpPr>
@@ -5344,6 +5351,13 @@
               <a:schemeClr val="lt1"/>
             </a:fontRef>
           </p:style>
+          <p:txBody>
+            <a:bodyPr/>
+            <a:lstStyle/>
+            <a:p>
+              <a:endParaRPr lang="en-US"/>
+            </a:p>
+          </p:txBody>
         </p:sp>
         <p:sp>
           <p:nvSpPr>
@@ -5456,6 +5470,13 @@
               <a:schemeClr val="lt1"/>
             </a:fontRef>
           </p:style>
+          <p:txBody>
+            <a:bodyPr/>
+            <a:lstStyle/>
+            <a:p>
+              <a:endParaRPr lang="en-US"/>
+            </a:p>
+          </p:txBody>
         </p:sp>
         <p:sp>
           <p:nvSpPr>
@@ -5580,6 +5601,13 @@
               <a:schemeClr val="lt1"/>
             </a:fontRef>
           </p:style>
+          <p:txBody>
+            <a:bodyPr/>
+            <a:lstStyle/>
+            <a:p>
+              <a:endParaRPr lang="en-US"/>
+            </a:p>
+          </p:txBody>
         </p:sp>
         <p:sp>
           <p:nvSpPr>
@@ -5692,6 +5720,13 @@
               <a:schemeClr val="lt1"/>
             </a:fontRef>
           </p:style>
+          <p:txBody>
+            <a:bodyPr/>
+            <a:lstStyle/>
+            <a:p>
+              <a:endParaRPr lang="en-US"/>
+            </a:p>
+          </p:txBody>
         </p:sp>
         <p:sp>
           <p:nvSpPr>
@@ -5812,6 +5847,13 @@
               <a:schemeClr val="lt1"/>
             </a:fontRef>
           </p:style>
+          <p:txBody>
+            <a:bodyPr/>
+            <a:lstStyle/>
+            <a:p>
+              <a:endParaRPr lang="en-US"/>
+            </a:p>
+          </p:txBody>
         </p:sp>
         <p:sp>
           <p:nvSpPr>
@@ -6074,6 +6116,13 @@
               <a:schemeClr val="lt1"/>
             </a:fontRef>
           </p:style>
+          <p:txBody>
+            <a:bodyPr/>
+            <a:lstStyle/>
+            <a:p>
+              <a:endParaRPr lang="en-US"/>
+            </a:p>
+          </p:txBody>
         </p:sp>
         <p:sp>
           <p:nvSpPr>
@@ -6190,6 +6239,13 @@
               <a:schemeClr val="lt1"/>
             </a:fontRef>
           </p:style>
+          <p:txBody>
+            <a:bodyPr/>
+            <a:lstStyle/>
+            <a:p>
+              <a:endParaRPr lang="en-US"/>
+            </a:p>
+          </p:txBody>
         </p:sp>
         <p:sp>
           <p:nvSpPr>
@@ -6306,6 +6362,13 @@
               <a:schemeClr val="lt1"/>
             </a:fontRef>
           </p:style>
+          <p:txBody>
+            <a:bodyPr/>
+            <a:lstStyle/>
+            <a:p>
+              <a:endParaRPr lang="en-US"/>
+            </a:p>
+          </p:txBody>
         </p:sp>
         <p:sp>
           <p:nvSpPr>
@@ -6426,6 +6489,13 @@
               <a:schemeClr val="lt1"/>
             </a:fontRef>
           </p:style>
+          <p:txBody>
+            <a:bodyPr/>
+            <a:lstStyle/>
+            <a:p>
+              <a:endParaRPr lang="en-US"/>
+            </a:p>
+          </p:txBody>
         </p:sp>
         <p:sp>
           <p:nvSpPr>
@@ -7465,7 +7535,7 @@
           <a:p>
             <a:r>
               <a:rPr lang="en-US" dirty="0"/>
-              <a:t>SAMPLE RELEASED TEXT FROM SUPERPOWERED</a:t>
+              <a:t>SAMPLE RELEASED TEXT FROM MASTERPIECE</a:t>
             </a:r>
           </a:p>
         </p:txBody>
